--- a/OOP/lectures/070--GUI.Basics.pptx
+++ b/OOP/lectures/070--GUI.Basics.pptx
@@ -5,7 +5,7 @@
     <p:sldMasterId id="2147483648" r:id="rId1"/>
   </p:sldMasterIdLst>
   <p:notesMasterIdLst>
-    <p:notesMasterId r:id="rId32"/>
+    <p:notesMasterId r:id="rId35"/>
   </p:notesMasterIdLst>
   <p:sldIdLst>
     <p:sldId id="267" r:id="rId2"/>
@@ -13,31 +13,34 @@
     <p:sldId id="276" r:id="rId4"/>
     <p:sldId id="300" r:id="rId5"/>
     <p:sldId id="301" r:id="rId6"/>
-    <p:sldId id="277" r:id="rId7"/>
-    <p:sldId id="278" r:id="rId8"/>
-    <p:sldId id="280" r:id="rId9"/>
-    <p:sldId id="281" r:id="rId10"/>
-    <p:sldId id="283" r:id="rId11"/>
-    <p:sldId id="284" r:id="rId12"/>
-    <p:sldId id="285" r:id="rId13"/>
-    <p:sldId id="286" r:id="rId14"/>
-    <p:sldId id="287" r:id="rId15"/>
-    <p:sldId id="288" r:id="rId16"/>
-    <p:sldId id="289" r:id="rId17"/>
-    <p:sldId id="290" r:id="rId18"/>
-    <p:sldId id="291" r:id="rId19"/>
-    <p:sldId id="292" r:id="rId20"/>
-    <p:sldId id="293" r:id="rId21"/>
-    <p:sldId id="294" r:id="rId22"/>
-    <p:sldId id="295" r:id="rId23"/>
-    <p:sldId id="296" r:id="rId24"/>
-    <p:sldId id="297" r:id="rId25"/>
-    <p:sldId id="298" r:id="rId26"/>
-    <p:sldId id="299" r:id="rId27"/>
-    <p:sldId id="302" r:id="rId28"/>
-    <p:sldId id="275" r:id="rId29"/>
-    <p:sldId id="272" r:id="rId30"/>
-    <p:sldId id="268" r:id="rId31"/>
+    <p:sldId id="304" r:id="rId7"/>
+    <p:sldId id="305" r:id="rId8"/>
+    <p:sldId id="277" r:id="rId9"/>
+    <p:sldId id="278" r:id="rId10"/>
+    <p:sldId id="302" r:id="rId11"/>
+    <p:sldId id="280" r:id="rId12"/>
+    <p:sldId id="281" r:id="rId13"/>
+    <p:sldId id="283" r:id="rId14"/>
+    <p:sldId id="284" r:id="rId15"/>
+    <p:sldId id="285" r:id="rId16"/>
+    <p:sldId id="286" r:id="rId17"/>
+    <p:sldId id="287" r:id="rId18"/>
+    <p:sldId id="288" r:id="rId19"/>
+    <p:sldId id="289" r:id="rId20"/>
+    <p:sldId id="290" r:id="rId21"/>
+    <p:sldId id="291" r:id="rId22"/>
+    <p:sldId id="292" r:id="rId23"/>
+    <p:sldId id="293" r:id="rId24"/>
+    <p:sldId id="294" r:id="rId25"/>
+    <p:sldId id="295" r:id="rId26"/>
+    <p:sldId id="296" r:id="rId27"/>
+    <p:sldId id="297" r:id="rId28"/>
+    <p:sldId id="298" r:id="rId29"/>
+    <p:sldId id="299" r:id="rId30"/>
+    <p:sldId id="272" r:id="rId31"/>
+    <p:sldId id="275" r:id="rId32"/>
+    <p:sldId id="303" r:id="rId33"/>
+    <p:sldId id="268" r:id="rId34"/>
   </p:sldIdLst>
   <p:sldSz cx="9144000" cy="6858000" type="screen4x3"/>
   <p:notesSz cx="6858000" cy="9144000"/>
@@ -356,7 +359,7 @@
         <p:nvSpPr>
           <p:cNvPr id="8196" name="Rectangle 4"/>
           <p:cNvSpPr>
-            <a:spLocks noRot="1" noChangeArrowheads="1" noTextEdit="1"/>
+            <a:spLocks noGrp="1" noRot="1" noChangeAspect="1" noChangeArrowheads="1" noTextEdit="1"/>
           </p:cNvSpPr>
           <p:nvPr>
             <p:ph type="sldImg" idx="2"/>
@@ -1035,7 +1038,7 @@
               <a:pPr>
                 <a:defRPr/>
               </a:pPr>
-              <a:t>10/28/2017</a:t>
+              <a:t>11/5/2017</a:t>
             </a:fld>
             <a:endParaRPr lang="en-US" altLang="en-US"/>
           </a:p>
@@ -1269,7 +1272,7 @@
               <a:pPr>
                 <a:defRPr/>
               </a:pPr>
-              <a:t>10/28/2017</a:t>
+              <a:t>11/5/2017</a:t>
             </a:fld>
             <a:endParaRPr lang="en-US" altLang="en-US"/>
           </a:p>
@@ -2142,7 +2145,7 @@
               <a:pPr>
                 <a:defRPr/>
               </a:pPr>
-              <a:t>10/28/2017</a:t>
+              <a:t>11/5/2017</a:t>
             </a:fld>
             <a:endParaRPr lang="en-US" altLang="en-US"/>
           </a:p>
@@ -2291,7 +2294,7 @@
               <a:pPr>
                 <a:defRPr/>
               </a:pPr>
-              <a:t>10/28/2017</a:t>
+              <a:t>11/5/2017</a:t>
             </a:fld>
             <a:endParaRPr lang="en-US" altLang="en-US"/>
           </a:p>
@@ -2622,7 +2625,7 @@
               <a:pPr>
                 <a:defRPr/>
               </a:pPr>
-              <a:t>10/28/2017</a:t>
+              <a:t>11/5/2017</a:t>
             </a:fld>
             <a:endParaRPr lang="en-US" altLang="en-US"/>
           </a:p>
@@ -2930,7 +2933,7 @@
               <a:pPr>
                 <a:defRPr/>
               </a:pPr>
-              <a:t>10/28/2017</a:t>
+              <a:t>11/5/2017</a:t>
             </a:fld>
             <a:endParaRPr lang="en-US" altLang="en-US"/>
           </a:p>
@@ -3911,7 +3914,7 @@
       </p:grpSpPr>
       <p:sp>
         <p:nvSpPr>
-          <p:cNvPr id="18434" name="Title 1"/>
+          <p:cNvPr id="35842" name="Title 1"/>
           <p:cNvSpPr>
             <a:spLocks noGrp="1"/>
           </p:cNvSpPr>
@@ -3921,8 +3924,8 @@
         </p:nvSpPr>
         <p:spPr>
           <a:xfrm>
-            <a:off x="685800" y="381000"/>
-            <a:ext cx="7772400" cy="1143000"/>
+            <a:off x="457199" y="609600"/>
+            <a:ext cx="8201025" cy="1371600"/>
           </a:xfrm>
         </p:spPr>
         <p:txBody>
@@ -3930,15 +3933,15 @@
           <a:lstStyle/>
           <a:p>
             <a:r>
-              <a:rPr lang="en-GB" altLang="en-US" smtClean="0"/>
-              <a:t>Special Containers</a:t>
-            </a:r>
-          </a:p>
-        </p:txBody>
-      </p:sp>
-      <p:sp>
-        <p:nvSpPr>
-          <p:cNvPr id="18435" name="Content Placeholder 2"/>
+              <a:rPr lang="en-GB" altLang="en-US" dirty="0" smtClean="0"/>
+              <a:t>Standard GUI Components used to Create User Interfaces (Swing)</a:t>
+            </a:r>
+          </a:p>
+        </p:txBody>
+      </p:sp>
+      <p:sp>
+        <p:nvSpPr>
+          <p:cNvPr id="35843" name="Content Placeholder 2"/>
           <p:cNvSpPr>
             <a:spLocks noGrp="1"/>
           </p:cNvSpPr>
@@ -3957,7 +3960,7 @@
       </p:sp>
       <p:pic>
         <p:nvPicPr>
-          <p:cNvPr id="18436" name="Picture 3"/>
+          <p:cNvPr id="35844" name="Picture 3"/>
           <p:cNvPicPr>
             <a:picLocks noChangeAspect="1"/>
           </p:cNvPicPr>
@@ -3978,8 +3981,8 @@
         </p:blipFill>
         <p:spPr bwMode="auto">
           <a:xfrm>
-            <a:off x="609600" y="1371600"/>
-            <a:ext cx="7696200" cy="4808538"/>
+            <a:off x="304800" y="2590800"/>
+            <a:ext cx="8353425" cy="3733800"/>
           </a:xfrm>
           <a:prstGeom prst="rect">
             <a:avLst/>
@@ -4010,6 +4013,11 @@
         </p:spPr>
       </p:pic>
     </p:spTree>
+    <p:extLst>
+      <p:ext uri="{BB962C8B-B14F-4D97-AF65-F5344CB8AC3E}">
+        <p14:creationId xmlns:p14="http://schemas.microsoft.com/office/powerpoint/2010/main" val="2407066035"/>
+      </p:ext>
+    </p:extLst>
   </p:cSld>
   <p:clrMapOvr>
     <a:masterClrMapping/>
@@ -4036,7 +4044,7 @@
       </p:grpSpPr>
       <p:sp>
         <p:nvSpPr>
-          <p:cNvPr id="19458" name="Title 1"/>
+          <p:cNvPr id="16386" name="Title 1"/>
           <p:cNvSpPr>
             <a:spLocks noGrp="1"/>
           </p:cNvSpPr>
@@ -4046,7 +4054,7 @@
         </p:nvSpPr>
         <p:spPr>
           <a:xfrm>
-            <a:off x="668338" y="304800"/>
+            <a:off x="685800" y="228600"/>
             <a:ext cx="7772400" cy="1143000"/>
           </a:xfrm>
         </p:spPr>
@@ -4055,8 +4063,8 @@
           <a:lstStyle/>
           <a:p>
             <a:r>
-              <a:rPr lang="en-GB" altLang="en-US" smtClean="0"/>
-              <a:t>Events</a:t>
+              <a:rPr lang="en-GB" altLang="en-US" dirty="0" smtClean="0"/>
+              <a:t>Containers</a:t>
             </a:r>
           </a:p>
         </p:txBody>
@@ -4073,13 +4081,13 @@
         </p:nvSpPr>
         <p:spPr>
           <a:xfrm>
-            <a:off x="685800" y="1524000"/>
-            <a:ext cx="7772400" cy="2743200"/>
+            <a:off x="685800" y="1600200"/>
+            <a:ext cx="7772400" cy="4876800"/>
           </a:xfrm>
         </p:spPr>
         <p:txBody>
           <a:bodyPr>
-            <a:normAutofit fontScale="85000" lnSpcReduction="10000"/>
+            <a:normAutofit fontScale="85000" lnSpcReduction="20000"/>
           </a:bodyPr>
           <a:lstStyle/>
           <a:p>
@@ -4088,7 +4096,7 @@
             </a:pPr>
             <a:r>
               <a:rPr lang="en-GB" dirty="0" smtClean="0"/>
-              <a:t>Every time the user types a character or pushes a mouse button, an event occurs</a:t>
+              <a:t>A container is a special component that can hold other components</a:t>
             </a:r>
           </a:p>
           <a:p>
@@ -4097,7 +4105,7 @@
             </a:pPr>
             <a:r>
               <a:rPr lang="en-GB" dirty="0" smtClean="0"/>
-              <a:t>Any object can be notified of the event.</a:t>
+              <a:t>The AWT class, as well as the Swing class, are containers</a:t>
             </a:r>
           </a:p>
           <a:p>
@@ -4106,15 +4114,156 @@
             </a:pPr>
             <a:r>
               <a:rPr lang="en-GB" dirty="0" smtClean="0"/>
-              <a:t>All the objects have to do implement the appropriate interface and be registered as an event listener on the appropriate event source</a:t>
+              <a:t>Other containers include</a:t>
+            </a:r>
+          </a:p>
+          <a:p>
+            <a:pPr lvl="1">
+              <a:defRPr/>
+            </a:pPr>
+            <a:r>
+              <a:rPr lang="en-GB" dirty="0" smtClean="0"/>
+              <a:t>Frames</a:t>
+            </a:r>
+          </a:p>
+          <a:p>
+            <a:pPr lvl="2">
+              <a:defRPr/>
+            </a:pPr>
+            <a:r>
+              <a:rPr lang="en-GB" dirty="0" smtClean="0"/>
+              <a:t>A frame is a container that is free standing and can be positioned anywhere on the screen.</a:t>
+            </a:r>
+          </a:p>
+          <a:p>
+            <a:pPr lvl="2">
+              <a:defRPr/>
+            </a:pPr>
+            <a:r>
+              <a:rPr lang="en-GB" dirty="0" smtClean="0"/>
+              <a:t>Frames give the ability to do graphics and GUIs through applications</a:t>
+            </a:r>
+          </a:p>
+          <a:p>
+            <a:pPr lvl="1">
+              <a:defRPr/>
+            </a:pPr>
+            <a:r>
+              <a:rPr lang="en-GB" dirty="0" smtClean="0"/>
+              <a:t>Dialog boxes</a:t>
+            </a:r>
+          </a:p>
+          <a:p>
+            <a:pPr lvl="1">
+              <a:defRPr/>
+            </a:pPr>
+            <a:r>
+              <a:rPr lang="en-GB" dirty="0" smtClean="0"/>
+              <a:t>Panels</a:t>
+            </a:r>
+          </a:p>
+          <a:p>
+            <a:pPr lvl="1">
+              <a:defRPr/>
+            </a:pPr>
+            <a:r>
+              <a:rPr lang="en-GB" dirty="0" smtClean="0"/>
+              <a:t>Panes</a:t>
+            </a:r>
+          </a:p>
+          <a:p>
+            <a:pPr lvl="1">
+              <a:defRPr/>
+            </a:pPr>
+            <a:r>
+              <a:rPr lang="en-GB" dirty="0" smtClean="0"/>
+              <a:t>Toolbars</a:t>
             </a:r>
             <a:endParaRPr lang="en-GB" dirty="0"/>
+          </a:p>
+        </p:txBody>
+      </p:sp>
+    </p:spTree>
+  </p:cSld>
+  <p:clrMapOvr>
+    <a:masterClrMapping/>
+  </p:clrMapOvr>
+</p:sld>
+</file>
+
+<file path=ppt/slides/slide12.xml><?xml version="1.0" encoding="utf-8"?>
+<p:sld xmlns:a="http://schemas.openxmlformats.org/drawingml/2006/main" xmlns:r="http://schemas.openxmlformats.org/officeDocument/2006/relationships" xmlns:p="http://schemas.openxmlformats.org/presentationml/2006/main">
+  <p:cSld>
+    <p:spTree>
+      <p:nvGrpSpPr>
+        <p:cNvPr id="1" name=""/>
+        <p:cNvGrpSpPr/>
+        <p:nvPr/>
+      </p:nvGrpSpPr>
+      <p:grpSpPr>
+        <a:xfrm>
+          <a:off x="0" y="0"/>
+          <a:ext cx="0" cy="0"/>
+          <a:chOff x="0" y="0"/>
+          <a:chExt cx="0" cy="0"/>
+        </a:xfrm>
+      </p:grpSpPr>
+      <p:sp>
+        <p:nvSpPr>
+          <p:cNvPr id="17410" name="Title 1"/>
+          <p:cNvSpPr>
+            <a:spLocks noGrp="1"/>
+          </p:cNvSpPr>
+          <p:nvPr>
+            <p:ph type="title"/>
+          </p:nvPr>
+        </p:nvSpPr>
+        <p:spPr>
+          <a:xfrm>
+            <a:off x="228600" y="304800"/>
+            <a:ext cx="8686800" cy="1143000"/>
+          </a:xfrm>
+        </p:spPr>
+        <p:txBody>
+          <a:bodyPr/>
+          <a:lstStyle/>
+          <a:p>
+            <a:r>
+              <a:rPr lang="en-GB" altLang="en-US" dirty="0" smtClean="0"/>
+              <a:t>Example Containers </a:t>
+            </a:r>
+            <a:br>
+              <a:rPr lang="en-GB" altLang="en-US" dirty="0" smtClean="0"/>
+            </a:br>
+            <a:r>
+              <a:rPr lang="en-GB" altLang="en-US" dirty="0" smtClean="0"/>
+              <a:t>(Top Level and General)</a:t>
+            </a:r>
+          </a:p>
+        </p:txBody>
+      </p:sp>
+      <p:sp>
+        <p:nvSpPr>
+          <p:cNvPr id="17411" name="Content Placeholder 2"/>
+          <p:cNvSpPr>
+            <a:spLocks noGrp="1"/>
+          </p:cNvSpPr>
+          <p:nvPr>
+            <p:ph idx="1"/>
+          </p:nvPr>
+        </p:nvSpPr>
+        <p:spPr/>
+        <p:txBody>
+          <a:bodyPr/>
+          <a:lstStyle/>
+          <a:p>
+            <a:endParaRPr lang="en-GB" altLang="en-US" smtClean="0"/>
           </a:p>
         </p:txBody>
       </p:sp>
       <p:pic>
         <p:nvPicPr>
-          <p:cNvPr id="19460" name="Picture 3"/>
+          <p:cNvPr id="17412" name="Picture 3"/>
           <p:cNvPicPr>
             <a:picLocks noChangeAspect="1"/>
           </p:cNvPicPr>
@@ -4135,8 +4284,8 @@
         </p:blipFill>
         <p:spPr bwMode="auto">
           <a:xfrm>
-            <a:off x="228600" y="4495800"/>
-            <a:ext cx="8572500" cy="2047875"/>
+            <a:off x="685800" y="1676400"/>
+            <a:ext cx="7696200" cy="4821238"/>
           </a:xfrm>
           <a:prstGeom prst="rect">
             <a:avLst/>
@@ -4174,7 +4323,7 @@
 </p:sld>
 </file>
 
-<file path=ppt/slides/slide12.xml><?xml version="1.0" encoding="utf-8"?>
+<file path=ppt/slides/slide13.xml><?xml version="1.0" encoding="utf-8"?>
 <p:sld xmlns:a="http://schemas.openxmlformats.org/drawingml/2006/main" xmlns:r="http://schemas.openxmlformats.org/officeDocument/2006/relationships" xmlns:p="http://schemas.openxmlformats.org/presentationml/2006/main">
   <p:cSld>
     <p:spTree>
@@ -4193,7 +4342,7 @@
       </p:grpSpPr>
       <p:sp>
         <p:nvSpPr>
-          <p:cNvPr id="20482" name="Title 1"/>
+          <p:cNvPr id="18434" name="Title 1"/>
           <p:cNvSpPr>
             <a:spLocks noGrp="1"/>
           </p:cNvSpPr>
@@ -4203,7 +4352,7 @@
         </p:nvSpPr>
         <p:spPr>
           <a:xfrm>
-            <a:off x="677863" y="228600"/>
+            <a:off x="685800" y="228600"/>
             <a:ext cx="7772400" cy="1143000"/>
           </a:xfrm>
         </p:spPr>
@@ -4212,15 +4361,15 @@
           <a:lstStyle/>
           <a:p>
             <a:r>
-              <a:rPr lang="en-GB" altLang="en-US" smtClean="0"/>
-              <a:t>Events, cont.</a:t>
-            </a:r>
-          </a:p>
-        </p:txBody>
-      </p:sp>
-      <p:sp>
-        <p:nvSpPr>
-          <p:cNvPr id="20483" name="Content Placeholder 2"/>
+              <a:rPr lang="en-GB" altLang="en-US" dirty="0" smtClean="0"/>
+              <a:t>Example Special Containers</a:t>
+            </a:r>
+          </a:p>
+        </p:txBody>
+      </p:sp>
+      <p:sp>
+        <p:nvSpPr>
+          <p:cNvPr id="18435" name="Content Placeholder 2"/>
           <p:cNvSpPr>
             <a:spLocks noGrp="1"/>
           </p:cNvSpPr>
@@ -4228,45 +4377,18 @@
             <p:ph idx="1"/>
           </p:nvPr>
         </p:nvSpPr>
-        <p:spPr>
-          <a:xfrm>
-            <a:off x="685800" y="1524000"/>
-            <a:ext cx="8229600" cy="4572000"/>
-          </a:xfrm>
-        </p:spPr>
+        <p:spPr/>
         <p:txBody>
           <a:bodyPr/>
           <a:lstStyle/>
           <a:p>
-            <a:r>
-              <a:rPr lang="en-GB" altLang="en-US" smtClean="0"/>
-              <a:t>Several events implemented in java.awt.AWTEvent subclasses (java.awt.Event is </a:t>
-            </a:r>
-            <a:r>
-              <a:rPr lang="en-GB" altLang="en-US" smtClean="0">
-                <a:solidFill>
-                  <a:srgbClr val="FF0000"/>
-                </a:solidFill>
-              </a:rPr>
-              <a:t>deprecated</a:t>
-            </a:r>
-            <a:r>
-              <a:rPr lang="en-GB" altLang="en-US" smtClean="0"/>
-              <a:t>).</a:t>
-            </a:r>
-          </a:p>
-          <a:p>
-            <a:pPr lvl="1"/>
-            <a:r>
-              <a:rPr lang="en-GB" altLang="en-US" smtClean="0"/>
-              <a:t>Defines a lot of constants</a:t>
-            </a:r>
+            <a:endParaRPr lang="en-GB" altLang="en-US" smtClean="0"/>
           </a:p>
         </p:txBody>
       </p:sp>
       <p:pic>
         <p:nvPicPr>
-          <p:cNvPr id="20484" name="Picture 3"/>
+          <p:cNvPr id="18436" name="Picture 3"/>
           <p:cNvPicPr>
             <a:picLocks noChangeAspect="1"/>
           </p:cNvPicPr>
@@ -4287,8 +4409,8 @@
         </p:blipFill>
         <p:spPr bwMode="auto">
           <a:xfrm>
-            <a:off x="152400" y="3843338"/>
-            <a:ext cx="8562975" cy="2686050"/>
+            <a:off x="609600" y="1371600"/>
+            <a:ext cx="7696200" cy="4808538"/>
           </a:xfrm>
           <a:prstGeom prst="rect">
             <a:avLst/>
@@ -4326,227 +4448,6 @@
 </p:sld>
 </file>
 
-<file path=ppt/slides/slide13.xml><?xml version="1.0" encoding="utf-8"?>
-<p:sld xmlns:a="http://schemas.openxmlformats.org/drawingml/2006/main" xmlns:r="http://schemas.openxmlformats.org/officeDocument/2006/relationships" xmlns:p="http://schemas.openxmlformats.org/presentationml/2006/main">
-  <p:cSld>
-    <p:spTree>
-      <p:nvGrpSpPr>
-        <p:cNvPr id="1" name=""/>
-        <p:cNvGrpSpPr/>
-        <p:nvPr/>
-      </p:nvGrpSpPr>
-      <p:grpSpPr>
-        <a:xfrm>
-          <a:off x="0" y="0"/>
-          <a:ext cx="0" cy="0"/>
-          <a:chOff x="0" y="0"/>
-          <a:chExt cx="0" cy="0"/>
-        </a:xfrm>
-      </p:grpSpPr>
-      <p:sp>
-        <p:nvSpPr>
-          <p:cNvPr id="21506" name="Title 1"/>
-          <p:cNvSpPr>
-            <a:spLocks noGrp="1"/>
-          </p:cNvSpPr>
-          <p:nvPr>
-            <p:ph type="title"/>
-          </p:nvPr>
-        </p:nvSpPr>
-        <p:spPr/>
-        <p:txBody>
-          <a:bodyPr/>
-          <a:lstStyle/>
-          <a:p>
-            <a:r>
-              <a:rPr lang="en-GB" altLang="en-US" smtClean="0"/>
-              <a:t>Events Handlers</a:t>
-            </a:r>
-          </a:p>
-        </p:txBody>
-      </p:sp>
-      <p:sp>
-        <p:nvSpPr>
-          <p:cNvPr id="3" name="Content Placeholder 2"/>
-          <p:cNvSpPr>
-            <a:spLocks noGrp="1"/>
-          </p:cNvSpPr>
-          <p:nvPr>
-            <p:ph idx="1"/>
-          </p:nvPr>
-        </p:nvSpPr>
-        <p:spPr/>
-        <p:txBody>
-          <a:bodyPr>
-            <a:normAutofit fontScale="77500" lnSpcReduction="20000"/>
-          </a:bodyPr>
-          <a:lstStyle/>
-          <a:p>
-            <a:pPr>
-              <a:defRPr/>
-            </a:pPr>
-            <a:r>
-              <a:rPr lang="en-GB" dirty="0" smtClean="0"/>
-              <a:t> In the declaration for the event handler class, one line of code specifies that the class either implements a listener interface (or extends a class that implements a listener interface).</a:t>
-            </a:r>
-          </a:p>
-          <a:p>
-            <a:pPr lvl="1">
-              <a:defRPr/>
-            </a:pPr>
-            <a:r>
-              <a:rPr lang="en-GB" dirty="0" smtClean="0">
-                <a:solidFill>
-                  <a:srgbClr val="FF0000"/>
-                </a:solidFill>
-              </a:rPr>
-              <a:t>public class </a:t>
-            </a:r>
-            <a:r>
-              <a:rPr lang="en-GB" dirty="0" err="1" smtClean="0">
-                <a:solidFill>
-                  <a:srgbClr val="FF0000"/>
-                </a:solidFill>
-              </a:rPr>
-              <a:t>MyClass</a:t>
-            </a:r>
-            <a:r>
-              <a:rPr lang="en-GB" dirty="0" smtClean="0">
-                <a:solidFill>
-                  <a:srgbClr val="FF0000"/>
-                </a:solidFill>
-              </a:rPr>
-              <a:t> implements </a:t>
-            </a:r>
-            <a:r>
-              <a:rPr lang="en-GB" dirty="0" err="1" smtClean="0">
-                <a:solidFill>
-                  <a:srgbClr val="FF0000"/>
-                </a:solidFill>
-              </a:rPr>
-              <a:t>ActionListener</a:t>
-            </a:r>
-            <a:endParaRPr lang="en-GB" dirty="0" smtClean="0">
-              <a:solidFill>
-                <a:srgbClr val="FF0000"/>
-              </a:solidFill>
-            </a:endParaRPr>
-          </a:p>
-          <a:p>
-            <a:pPr>
-              <a:defRPr/>
-            </a:pPr>
-            <a:r>
-              <a:rPr lang="en-GB" dirty="0" smtClean="0"/>
-              <a:t>In the event handler class the method(s) in the listener interface must be implemented</a:t>
-            </a:r>
-          </a:p>
-          <a:p>
-            <a:pPr lvl="1">
-              <a:defRPr/>
-            </a:pPr>
-            <a:r>
-              <a:rPr lang="en-GB" dirty="0" smtClean="0">
-                <a:solidFill>
-                  <a:srgbClr val="FF0000"/>
-                </a:solidFill>
-              </a:rPr>
-              <a:t>public void </a:t>
-            </a:r>
-            <a:r>
-              <a:rPr lang="en-GB" dirty="0" err="1" smtClean="0">
-                <a:solidFill>
-                  <a:srgbClr val="FF0000"/>
-                </a:solidFill>
-              </a:rPr>
-              <a:t>actionPerformed</a:t>
-            </a:r>
-            <a:r>
-              <a:rPr lang="en-GB" dirty="0" smtClean="0">
-                <a:solidFill>
-                  <a:srgbClr val="FF0000"/>
-                </a:solidFill>
-              </a:rPr>
-              <a:t>(</a:t>
-            </a:r>
-            <a:r>
-              <a:rPr lang="en-GB" dirty="0" err="1" smtClean="0">
-                <a:solidFill>
-                  <a:srgbClr val="FF0000"/>
-                </a:solidFill>
-              </a:rPr>
-              <a:t>ActionEvent</a:t>
-            </a:r>
-            <a:r>
-              <a:rPr lang="en-GB" dirty="0" smtClean="0">
-                <a:solidFill>
-                  <a:srgbClr val="FF0000"/>
-                </a:solidFill>
-              </a:rPr>
-              <a:t> e) { /* code that "reacts" to the event */ }</a:t>
-            </a:r>
-          </a:p>
-          <a:p>
-            <a:pPr>
-              <a:defRPr/>
-            </a:pPr>
-            <a:r>
-              <a:rPr lang="en-GB" dirty="0" smtClean="0"/>
-              <a:t>Register an instance of the event handler class as a listener on one or more components.</a:t>
-            </a:r>
-          </a:p>
-          <a:p>
-            <a:pPr lvl="1">
-              <a:defRPr/>
-            </a:pPr>
-            <a:r>
-              <a:rPr lang="en-GB" dirty="0" err="1" smtClean="0">
-                <a:solidFill>
-                  <a:srgbClr val="FF0000"/>
-                </a:solidFill>
-              </a:rPr>
-              <a:t>myComponent.addActionListener</a:t>
-            </a:r>
-            <a:r>
-              <a:rPr lang="en-GB" dirty="0" smtClean="0">
-                <a:solidFill>
-                  <a:srgbClr val="FF0000"/>
-                </a:solidFill>
-              </a:rPr>
-              <a:t>(</a:t>
-            </a:r>
-            <a:r>
-              <a:rPr lang="en-GB" dirty="0" err="1" smtClean="0">
-                <a:solidFill>
-                  <a:srgbClr val="FF0000"/>
-                </a:solidFill>
-              </a:rPr>
-              <a:t>myClassInstance</a:t>
-            </a:r>
-            <a:r>
-              <a:rPr lang="en-GB" dirty="0" smtClean="0">
-                <a:solidFill>
-                  <a:srgbClr val="FF0000"/>
-                </a:solidFill>
-              </a:rPr>
-              <a:t>)</a:t>
-            </a:r>
-            <a:endParaRPr lang="en-GB" dirty="0">
-              <a:solidFill>
-                <a:srgbClr val="FF0000"/>
-              </a:solidFill>
-            </a:endParaRPr>
-          </a:p>
-        </p:txBody>
-      </p:sp>
-    </p:spTree>
-  </p:cSld>
-  <p:clrMapOvr>
-    <a:masterClrMapping/>
-  </p:clrMapOvr>
-</p:sld>
-</file>
-
 <file path=ppt/slides/slide14.xml><?xml version="1.0" encoding="utf-8"?>
 <p:sld xmlns:a="http://schemas.openxmlformats.org/drawingml/2006/main" xmlns:r="http://schemas.openxmlformats.org/officeDocument/2006/relationships" xmlns:p="http://schemas.openxmlformats.org/presentationml/2006/main">
   <p:cSld>
@@ -4566,7 +4467,7 @@
       </p:grpSpPr>
       <p:sp>
         <p:nvSpPr>
-          <p:cNvPr id="22530" name="Title 1"/>
+          <p:cNvPr id="19458" name="Title 1"/>
           <p:cNvSpPr>
             <a:spLocks noGrp="1"/>
           </p:cNvSpPr>
@@ -4576,7 +4477,7 @@
         </p:nvSpPr>
         <p:spPr>
           <a:xfrm>
-            <a:off x="685800" y="304800"/>
+            <a:off x="668338" y="304800"/>
             <a:ext cx="7772400" cy="1143000"/>
           </a:xfrm>
         </p:spPr>
@@ -4586,14 +4487,14 @@
           <a:p>
             <a:r>
               <a:rPr lang="en-GB" altLang="en-US" smtClean="0"/>
-              <a:t>Events Handlers, cont.</a:t>
-            </a:r>
-          </a:p>
-        </p:txBody>
-      </p:sp>
-      <p:sp>
-        <p:nvSpPr>
-          <p:cNvPr id="22531" name="Content Placeholder 2"/>
+              <a:t>Events</a:t>
+            </a:r>
+          </a:p>
+        </p:txBody>
+      </p:sp>
+      <p:sp>
+        <p:nvSpPr>
+          <p:cNvPr id="3" name="Content Placeholder 2"/>
           <p:cNvSpPr>
             <a:spLocks noGrp="1"/>
           </p:cNvSpPr>
@@ -4603,24 +4504,92 @@
         </p:nvSpPr>
         <p:spPr>
           <a:xfrm>
-            <a:off x="685800" y="5029200"/>
-            <a:ext cx="7772400" cy="1655763"/>
-          </a:xfrm>
-        </p:spPr>
-        <p:txBody>
-          <a:bodyPr/>
+            <a:off x="685800" y="1524000"/>
+            <a:ext cx="7772400" cy="2743200"/>
+          </a:xfrm>
+        </p:spPr>
+        <p:txBody>
+          <a:bodyPr>
+            <a:normAutofit fontScale="85000" lnSpcReduction="10000"/>
+          </a:bodyPr>
           <a:lstStyle/>
           <a:p>
-            <a:r>
-              <a:rPr lang="en-GB" altLang="en-US" smtClean="0"/>
-              <a:t>Often an event handler that has only a few lines of code is implemented using an anonymous inner class.</a:t>
-            </a:r>
+            <a:pPr>
+              <a:defRPr/>
+            </a:pPr>
+            <a:r>
+              <a:rPr lang="en-GB" dirty="0" smtClean="0"/>
+              <a:t>Every time the user </a:t>
+            </a:r>
+            <a:r>
+              <a:rPr lang="en-GB" dirty="0" smtClean="0">
+                <a:solidFill>
+                  <a:srgbClr val="FF0000"/>
+                </a:solidFill>
+              </a:rPr>
+              <a:t>types</a:t>
+            </a:r>
+            <a:r>
+              <a:rPr lang="en-GB" dirty="0" smtClean="0"/>
+              <a:t> a character or pushes a mouse </a:t>
+            </a:r>
+            <a:r>
+              <a:rPr lang="en-GB" dirty="0" smtClean="0">
+                <a:solidFill>
+                  <a:srgbClr val="FF0000"/>
+                </a:solidFill>
+              </a:rPr>
+              <a:t>button</a:t>
+            </a:r>
+            <a:r>
+              <a:rPr lang="en-GB" dirty="0" smtClean="0"/>
+              <a:t>, an event occurs</a:t>
+            </a:r>
+          </a:p>
+          <a:p>
+            <a:pPr>
+              <a:defRPr/>
+            </a:pPr>
+            <a:r>
+              <a:rPr lang="en-GB" dirty="0" smtClean="0">
+                <a:solidFill>
+                  <a:srgbClr val="FF0000"/>
+                </a:solidFill>
+              </a:rPr>
+              <a:t>Any object </a:t>
+            </a:r>
+            <a:r>
+              <a:rPr lang="en-GB" dirty="0" smtClean="0"/>
+              <a:t>can be notified of the event</a:t>
+            </a:r>
+          </a:p>
+          <a:p>
+            <a:pPr>
+              <a:defRPr/>
+            </a:pPr>
+            <a:r>
+              <a:rPr lang="en-GB" dirty="0" smtClean="0"/>
+              <a:t>All the objects have to do implement the appropriate </a:t>
+            </a:r>
+            <a:r>
+              <a:rPr lang="en-GB" dirty="0" smtClean="0">
+                <a:solidFill>
+                  <a:srgbClr val="FF0000"/>
+                </a:solidFill>
+              </a:rPr>
+              <a:t>interface</a:t>
+            </a:r>
+            <a:r>
+              <a:rPr lang="en-GB" dirty="0" smtClean="0"/>
+              <a:t> and be registered as an event listener on the appropriate event source</a:t>
+            </a:r>
+            <a:endParaRPr lang="en-GB" dirty="0"/>
           </a:p>
         </p:txBody>
       </p:sp>
       <p:pic>
         <p:nvPicPr>
-          <p:cNvPr id="22532" name="Picture 3"/>
+          <p:cNvPr id="19460" name="Picture 3"/>
           <p:cNvPicPr>
             <a:picLocks noChangeAspect="1"/>
           </p:cNvPicPr>
@@ -4641,8 +4610,8 @@
         </p:blipFill>
         <p:spPr bwMode="auto">
           <a:xfrm>
-            <a:off x="381000" y="1676400"/>
-            <a:ext cx="8477250" cy="3171825"/>
+            <a:off x="228600" y="4495800"/>
+            <a:ext cx="8572500" cy="2047875"/>
           </a:xfrm>
           <a:prstGeom prst="rect">
             <a:avLst/>
@@ -4699,7 +4668,7 @@
       </p:grpSpPr>
       <p:sp>
         <p:nvSpPr>
-          <p:cNvPr id="23554" name="Title 1"/>
+          <p:cNvPr id="20482" name="Title 1"/>
           <p:cNvSpPr>
             <a:spLocks noGrp="1"/>
           </p:cNvSpPr>
@@ -4709,7 +4678,7 @@
         </p:nvSpPr>
         <p:spPr>
           <a:xfrm>
-            <a:off x="533400" y="152400"/>
+            <a:off x="677863" y="228600"/>
             <a:ext cx="7772400" cy="1143000"/>
           </a:xfrm>
         </p:spPr>
@@ -4719,14 +4688,14 @@
           <a:p>
             <a:r>
               <a:rPr lang="en-GB" altLang="en-US" smtClean="0"/>
-              <a:t>Events Handlers, cont.</a:t>
-            </a:r>
-          </a:p>
-        </p:txBody>
-      </p:sp>
-      <p:sp>
-        <p:nvSpPr>
-          <p:cNvPr id="3" name="Content Placeholder 2"/>
+              <a:t>Events, cont.</a:t>
+            </a:r>
+          </a:p>
+        </p:txBody>
+      </p:sp>
+      <p:sp>
+        <p:nvSpPr>
+          <p:cNvPr id="20483" name="Content Placeholder 2"/>
           <p:cNvSpPr>
             <a:spLocks noGrp="1"/>
           </p:cNvSpPr>
@@ -4736,115 +4705,59 @@
         </p:nvSpPr>
         <p:spPr>
           <a:xfrm>
-            <a:off x="533400" y="1447800"/>
-            <a:ext cx="8458200" cy="2438400"/>
-          </a:xfrm>
-        </p:spPr>
-        <p:txBody>
-          <a:bodyPr>
-            <a:normAutofit fontScale="85000" lnSpcReduction="20000"/>
-          </a:bodyPr>
+            <a:off x="457200" y="1524000"/>
+            <a:ext cx="8458200" cy="4572000"/>
+          </a:xfrm>
+        </p:spPr>
+        <p:txBody>
+          <a:bodyPr/>
           <a:lstStyle/>
           <a:p>
-            <a:pPr>
-              <a:defRPr/>
-            </a:pPr>
-            <a:r>
-              <a:rPr lang="en-GB" dirty="0" err="1" smtClean="0"/>
-              <a:t>SwingApplication</a:t>
-            </a:r>
-            <a:r>
-              <a:rPr lang="en-GB" dirty="0" smtClean="0"/>
-              <a:t> has two event handlers.</a:t>
-            </a:r>
-          </a:p>
-          <a:p>
-            <a:pPr lvl="1">
-              <a:defRPr/>
-            </a:pPr>
-            <a:r>
-              <a:rPr lang="en-GB" dirty="0" smtClean="0"/>
-              <a:t>Window closing (window events).</a:t>
-            </a:r>
-          </a:p>
-          <a:p>
-            <a:pPr lvl="2">
-              <a:defRPr/>
-            </a:pPr>
-            <a:r>
-              <a:rPr lang="en-GB" dirty="0" err="1" smtClean="0">
+            <a:r>
+              <a:rPr lang="en-GB" altLang="en-US" dirty="0" smtClean="0"/>
+              <a:t>Several events implemented in </a:t>
+            </a:r>
+            <a:r>
+              <a:rPr lang="en-GB" altLang="en-US" dirty="0" err="1" smtClean="0"/>
+              <a:t>java.awt.AWTEvent</a:t>
+            </a:r>
+            <a:r>
+              <a:rPr lang="en-GB" altLang="en-US" dirty="0" smtClean="0"/>
+              <a:t> subclasses (</a:t>
+            </a:r>
+            <a:r>
+              <a:rPr lang="en-GB" altLang="en-US" dirty="0" err="1" smtClean="0"/>
+              <a:t>java.awt.Event</a:t>
+            </a:r>
+            <a:r>
+              <a:rPr lang="en-GB" altLang="en-US" dirty="0" smtClean="0"/>
+              <a:t> is </a:t>
+            </a:r>
+            <a:r>
+              <a:rPr lang="en-GB" altLang="en-US" dirty="0" smtClean="0">
                 <a:solidFill>
                   <a:srgbClr val="FF0000"/>
                 </a:solidFill>
               </a:rPr>
-              <a:t>frame.setDefaultCloseOperation</a:t>
-            </a:r>
-            <a:r>
-              <a:rPr lang="en-GB" dirty="0" smtClean="0">
-                <a:solidFill>
-                  <a:srgbClr val="FF0000"/>
-                </a:solidFill>
-              </a:rPr>
-              <a:t> (</a:t>
-            </a:r>
-            <a:r>
-              <a:rPr lang="en-GB" dirty="0" err="1" smtClean="0">
-                <a:solidFill>
-                  <a:srgbClr val="FF0000"/>
-                </a:solidFill>
-              </a:rPr>
-              <a:t>JFrame.EXIT_ON_CLOSE</a:t>
-            </a:r>
-            <a:r>
-              <a:rPr lang="en-GB" dirty="0" smtClean="0">
-                <a:solidFill>
-                  <a:srgbClr val="FF0000"/>
-                </a:solidFill>
-              </a:rPr>
-              <a:t>);</a:t>
-            </a:r>
-          </a:p>
-          <a:p>
-            <a:pPr>
-              <a:defRPr/>
-            </a:pPr>
-            <a:r>
-              <a:rPr lang="en-GB" dirty="0" smtClean="0"/>
-              <a:t>Button clicks (action events).</a:t>
-            </a:r>
-          </a:p>
-          <a:p>
-            <a:pPr lvl="1">
-              <a:defRPr/>
-            </a:pPr>
-            <a:r>
-              <a:rPr lang="en-GB" dirty="0" smtClean="0"/>
-              <a:t>see previous slide.</a:t>
-            </a:r>
-          </a:p>
-          <a:p>
-            <a:pPr>
-              <a:defRPr/>
-            </a:pPr>
-            <a:r>
-              <a:rPr lang="en-GB" dirty="0"/>
-              <a:t>Types of events (listeners defined in </a:t>
-            </a:r>
-            <a:r>
-              <a:rPr lang="en-GB" dirty="0" err="1"/>
-              <a:t>java.awt.event</a:t>
-            </a:r>
-            <a:r>
-              <a:rPr lang="en-GB" dirty="0" smtClean="0"/>
+              <a:t>deprecated</a:t>
+            </a:r>
+            <a:r>
+              <a:rPr lang="en-GB" altLang="en-US" dirty="0" smtClean="0"/>
               <a:t>)</a:t>
             </a:r>
-            <a:endParaRPr lang="en-GB" dirty="0"/>
+          </a:p>
+          <a:p>
+            <a:pPr lvl="1"/>
+            <a:r>
+              <a:rPr lang="en-GB" altLang="en-US" dirty="0" smtClean="0"/>
+              <a:t>Defines a lot of constants</a:t>
+            </a:r>
           </a:p>
         </p:txBody>
       </p:sp>
       <p:pic>
         <p:nvPicPr>
-          <p:cNvPr id="23556" name="Picture 3"/>
+          <p:cNvPr id="20484" name="Picture 3"/>
           <p:cNvPicPr>
             <a:picLocks noChangeAspect="1"/>
           </p:cNvPicPr>
@@ -4865,8 +4778,8 @@
         </p:blipFill>
         <p:spPr bwMode="auto">
           <a:xfrm>
-            <a:off x="914400" y="4030663"/>
-            <a:ext cx="7034213" cy="2630487"/>
+            <a:off x="152400" y="3843338"/>
+            <a:ext cx="8562975" cy="2686050"/>
           </a:xfrm>
           <a:prstGeom prst="rect">
             <a:avLst/>
@@ -4923,7 +4836,7 @@
       </p:grpSpPr>
       <p:sp>
         <p:nvSpPr>
-          <p:cNvPr id="24578" name="Title 1"/>
+          <p:cNvPr id="21506" name="Title 1"/>
           <p:cNvSpPr>
             <a:spLocks noGrp="1"/>
           </p:cNvSpPr>
@@ -4931,26 +4844,274 @@
             <p:ph type="title"/>
           </p:nvPr>
         </p:nvSpPr>
-        <p:spPr>
-          <a:xfrm>
-            <a:off x="685800" y="152400"/>
-            <a:ext cx="7772400" cy="1143000"/>
-          </a:xfrm>
-        </p:spPr>
+        <p:spPr/>
         <p:txBody>
           <a:bodyPr/>
           <a:lstStyle/>
           <a:p>
             <a:r>
               <a:rPr lang="en-GB" altLang="en-US" smtClean="0"/>
-              <a:t>WindowListener and MouseListener</a:t>
+              <a:t>Events Handlers</a:t>
+            </a:r>
+          </a:p>
+        </p:txBody>
+      </p:sp>
+      <p:sp>
+        <p:nvSpPr>
+          <p:cNvPr id="3" name="Content Placeholder 2"/>
+          <p:cNvSpPr>
+            <a:spLocks noGrp="1"/>
+          </p:cNvSpPr>
+          <p:nvPr>
+            <p:ph idx="1"/>
+          </p:nvPr>
+        </p:nvSpPr>
+        <p:spPr/>
+        <p:txBody>
+          <a:bodyPr>
+            <a:normAutofit fontScale="77500" lnSpcReduction="20000"/>
+          </a:bodyPr>
+          <a:lstStyle/>
+          <a:p>
+            <a:pPr>
+              <a:defRPr/>
+            </a:pPr>
+            <a:r>
+              <a:rPr lang="en-GB" dirty="0" smtClean="0"/>
+              <a:t> In the declaration for the event handler class, one line of code specifies that the class either implements a listener interface (or extends a class that implements a listener interface).</a:t>
+            </a:r>
+          </a:p>
+          <a:p>
+            <a:pPr lvl="1">
+              <a:defRPr/>
+            </a:pPr>
+            <a:r>
+              <a:rPr lang="en-GB" dirty="0" smtClean="0">
+                <a:solidFill>
+                  <a:srgbClr val="FF0000"/>
+                </a:solidFill>
+              </a:rPr>
+              <a:t>public class </a:t>
+            </a:r>
+            <a:r>
+              <a:rPr lang="en-GB" dirty="0" err="1" smtClean="0">
+                <a:solidFill>
+                  <a:srgbClr val="FF0000"/>
+                </a:solidFill>
+              </a:rPr>
+              <a:t>MyClass</a:t>
+            </a:r>
+            <a:r>
+              <a:rPr lang="en-GB" dirty="0" smtClean="0">
+                <a:solidFill>
+                  <a:srgbClr val="FF0000"/>
+                </a:solidFill>
+              </a:rPr>
+              <a:t> implements </a:t>
+            </a:r>
+            <a:r>
+              <a:rPr lang="en-GB" dirty="0" err="1" smtClean="0">
+                <a:solidFill>
+                  <a:srgbClr val="FF0000"/>
+                </a:solidFill>
+              </a:rPr>
+              <a:t>ActionListener</a:t>
+            </a:r>
+            <a:endParaRPr lang="en-GB" dirty="0" smtClean="0">
+              <a:solidFill>
+                <a:srgbClr val="FF0000"/>
+              </a:solidFill>
+            </a:endParaRPr>
+          </a:p>
+          <a:p>
+            <a:pPr>
+              <a:defRPr/>
+            </a:pPr>
+            <a:r>
+              <a:rPr lang="en-GB" dirty="0" smtClean="0"/>
+              <a:t>In the event handler class the method(s) in the listener interface must be implemented</a:t>
+            </a:r>
+          </a:p>
+          <a:p>
+            <a:pPr lvl="1">
+              <a:defRPr/>
+            </a:pPr>
+            <a:r>
+              <a:rPr lang="en-GB" dirty="0" smtClean="0">
+                <a:solidFill>
+                  <a:srgbClr val="FF0000"/>
+                </a:solidFill>
+              </a:rPr>
+              <a:t>public void </a:t>
+            </a:r>
+            <a:r>
+              <a:rPr lang="en-GB" dirty="0" err="1" smtClean="0">
+                <a:solidFill>
+                  <a:srgbClr val="FF0000"/>
+                </a:solidFill>
+              </a:rPr>
+              <a:t>actionPerformed</a:t>
+            </a:r>
+            <a:r>
+              <a:rPr lang="en-GB" dirty="0" smtClean="0">
+                <a:solidFill>
+                  <a:srgbClr val="FF0000"/>
+                </a:solidFill>
+              </a:rPr>
+              <a:t>(</a:t>
+            </a:r>
+            <a:r>
+              <a:rPr lang="en-GB" dirty="0" err="1" smtClean="0">
+                <a:solidFill>
+                  <a:srgbClr val="FF0000"/>
+                </a:solidFill>
+              </a:rPr>
+              <a:t>ActionEvent</a:t>
+            </a:r>
+            <a:r>
+              <a:rPr lang="en-GB" dirty="0" smtClean="0">
+                <a:solidFill>
+                  <a:srgbClr val="FF0000"/>
+                </a:solidFill>
+              </a:rPr>
+              <a:t> e) { /* code that "reacts" to the event */ }</a:t>
+            </a:r>
+          </a:p>
+          <a:p>
+            <a:pPr>
+              <a:defRPr/>
+            </a:pPr>
+            <a:r>
+              <a:rPr lang="en-GB" dirty="0" smtClean="0"/>
+              <a:t>Register an instance of the event handler class as a listener on one or more components.</a:t>
+            </a:r>
+          </a:p>
+          <a:p>
+            <a:pPr lvl="1">
+              <a:defRPr/>
+            </a:pPr>
+            <a:r>
+              <a:rPr lang="en-GB" dirty="0" err="1" smtClean="0">
+                <a:solidFill>
+                  <a:srgbClr val="FF0000"/>
+                </a:solidFill>
+              </a:rPr>
+              <a:t>myComponent.addActionListener</a:t>
+            </a:r>
+            <a:r>
+              <a:rPr lang="en-GB" dirty="0" smtClean="0">
+                <a:solidFill>
+                  <a:srgbClr val="FF0000"/>
+                </a:solidFill>
+              </a:rPr>
+              <a:t>(</a:t>
+            </a:r>
+            <a:r>
+              <a:rPr lang="en-GB" dirty="0" err="1" smtClean="0">
+                <a:solidFill>
+                  <a:srgbClr val="FF0000"/>
+                </a:solidFill>
+              </a:rPr>
+              <a:t>myClassInstance</a:t>
+            </a:r>
+            <a:r>
+              <a:rPr lang="en-GB" dirty="0" smtClean="0">
+                <a:solidFill>
+                  <a:srgbClr val="FF0000"/>
+                </a:solidFill>
+              </a:rPr>
+              <a:t>)</a:t>
+            </a:r>
+            <a:endParaRPr lang="en-GB" dirty="0">
+              <a:solidFill>
+                <a:srgbClr val="FF0000"/>
+              </a:solidFill>
+            </a:endParaRPr>
+          </a:p>
+        </p:txBody>
+      </p:sp>
+    </p:spTree>
+  </p:cSld>
+  <p:clrMapOvr>
+    <a:masterClrMapping/>
+  </p:clrMapOvr>
+</p:sld>
+</file>
+
+<file path=ppt/slides/slide17.xml><?xml version="1.0" encoding="utf-8"?>
+<p:sld xmlns:a="http://schemas.openxmlformats.org/drawingml/2006/main" xmlns:r="http://schemas.openxmlformats.org/officeDocument/2006/relationships" xmlns:p="http://schemas.openxmlformats.org/presentationml/2006/main">
+  <p:cSld>
+    <p:spTree>
+      <p:nvGrpSpPr>
+        <p:cNvPr id="1" name=""/>
+        <p:cNvGrpSpPr/>
+        <p:nvPr/>
+      </p:nvGrpSpPr>
+      <p:grpSpPr>
+        <a:xfrm>
+          <a:off x="0" y="0"/>
+          <a:ext cx="0" cy="0"/>
+          <a:chOff x="0" y="0"/>
+          <a:chExt cx="0" cy="0"/>
+        </a:xfrm>
+      </p:grpSpPr>
+      <p:sp>
+        <p:nvSpPr>
+          <p:cNvPr id="22530" name="Title 1"/>
+          <p:cNvSpPr>
+            <a:spLocks noGrp="1"/>
+          </p:cNvSpPr>
+          <p:nvPr>
+            <p:ph type="title"/>
+          </p:nvPr>
+        </p:nvSpPr>
+        <p:spPr>
+          <a:xfrm>
+            <a:off x="685800" y="304800"/>
+            <a:ext cx="7772400" cy="1143000"/>
+          </a:xfrm>
+        </p:spPr>
+        <p:txBody>
+          <a:bodyPr/>
+          <a:lstStyle/>
+          <a:p>
+            <a:r>
+              <a:rPr lang="en-GB" altLang="en-US" smtClean="0"/>
+              <a:t>Events Handlers, cont.</a:t>
+            </a:r>
+          </a:p>
+        </p:txBody>
+      </p:sp>
+      <p:sp>
+        <p:nvSpPr>
+          <p:cNvPr id="22531" name="Content Placeholder 2"/>
+          <p:cNvSpPr>
+            <a:spLocks noGrp="1"/>
+          </p:cNvSpPr>
+          <p:nvPr>
+            <p:ph idx="1"/>
+          </p:nvPr>
+        </p:nvSpPr>
+        <p:spPr>
+          <a:xfrm>
+            <a:off x="685800" y="5029200"/>
+            <a:ext cx="7772400" cy="1655763"/>
+          </a:xfrm>
+        </p:spPr>
+        <p:txBody>
+          <a:bodyPr/>
+          <a:lstStyle/>
+          <a:p>
+            <a:r>
+              <a:rPr lang="en-GB" altLang="en-US" smtClean="0"/>
+              <a:t>Often an event handler that has only a few lines of code is implemented using an anonymous inner class.</a:t>
             </a:r>
           </a:p>
         </p:txBody>
       </p:sp>
       <p:pic>
         <p:nvPicPr>
-          <p:cNvPr id="24579" name="Picture 3"/>
+          <p:cNvPr id="22532" name="Picture 3"/>
           <p:cNvPicPr>
             <a:picLocks noChangeAspect="1"/>
           </p:cNvPicPr>
@@ -4971,8 +5132,8 @@
         </p:blipFill>
         <p:spPr bwMode="auto">
           <a:xfrm>
-            <a:off x="592138" y="1633538"/>
-            <a:ext cx="7731125" cy="2447925"/>
+            <a:off x="381000" y="1676400"/>
+            <a:ext cx="8477250" cy="3171825"/>
           </a:xfrm>
           <a:prstGeom prst="rect">
             <a:avLst/>
@@ -5002,16 +5163,186 @@
           </a:extLst>
         </p:spPr>
       </p:pic>
+    </p:spTree>
+  </p:cSld>
+  <p:clrMapOvr>
+    <a:masterClrMapping/>
+  </p:clrMapOvr>
+</p:sld>
+</file>
+
+<file path=ppt/slides/slide18.xml><?xml version="1.0" encoding="utf-8"?>
+<p:sld xmlns:a="http://schemas.openxmlformats.org/drawingml/2006/main" xmlns:r="http://schemas.openxmlformats.org/officeDocument/2006/relationships" xmlns:p="http://schemas.openxmlformats.org/presentationml/2006/main">
+  <p:cSld>
+    <p:spTree>
+      <p:nvGrpSpPr>
+        <p:cNvPr id="1" name=""/>
+        <p:cNvGrpSpPr/>
+        <p:nvPr/>
+      </p:nvGrpSpPr>
+      <p:grpSpPr>
+        <a:xfrm>
+          <a:off x="0" y="0"/>
+          <a:ext cx="0" cy="0"/>
+          <a:chOff x="0" y="0"/>
+          <a:chExt cx="0" cy="0"/>
+        </a:xfrm>
+      </p:grpSpPr>
+      <p:sp>
+        <p:nvSpPr>
+          <p:cNvPr id="23554" name="Title 1"/>
+          <p:cNvSpPr>
+            <a:spLocks noGrp="1"/>
+          </p:cNvSpPr>
+          <p:nvPr>
+            <p:ph type="title"/>
+          </p:nvPr>
+        </p:nvSpPr>
+        <p:spPr>
+          <a:xfrm>
+            <a:off x="533400" y="152400"/>
+            <a:ext cx="7772400" cy="1143000"/>
+          </a:xfrm>
+        </p:spPr>
+        <p:txBody>
+          <a:bodyPr/>
+          <a:lstStyle/>
+          <a:p>
+            <a:r>
+              <a:rPr lang="en-GB" altLang="en-US" smtClean="0"/>
+              <a:t>Events Handlers, cont.</a:t>
+            </a:r>
+          </a:p>
+        </p:txBody>
+      </p:sp>
+      <p:sp>
+        <p:nvSpPr>
+          <p:cNvPr id="3" name="Content Placeholder 2"/>
+          <p:cNvSpPr>
+            <a:spLocks noGrp="1"/>
+          </p:cNvSpPr>
+          <p:nvPr>
+            <p:ph idx="1"/>
+          </p:nvPr>
+        </p:nvSpPr>
+        <p:spPr>
+          <a:xfrm>
+            <a:off x="533400" y="1447800"/>
+            <a:ext cx="8458200" cy="2438400"/>
+          </a:xfrm>
+        </p:spPr>
+        <p:txBody>
+          <a:bodyPr>
+            <a:normAutofit fontScale="85000" lnSpcReduction="20000"/>
+          </a:bodyPr>
+          <a:lstStyle/>
+          <a:p>
+            <a:pPr>
+              <a:defRPr/>
+            </a:pPr>
+            <a:r>
+              <a:rPr lang="en-GB" dirty="0" err="1" smtClean="0"/>
+              <a:t>SwingApplication</a:t>
+            </a:r>
+            <a:r>
+              <a:rPr lang="en-GB" dirty="0" smtClean="0"/>
+              <a:t> has two event handlers.</a:t>
+            </a:r>
+          </a:p>
+          <a:p>
+            <a:pPr lvl="1">
+              <a:defRPr/>
+            </a:pPr>
+            <a:r>
+              <a:rPr lang="en-GB" dirty="0" smtClean="0"/>
+              <a:t>Window closing (window events).</a:t>
+            </a:r>
+          </a:p>
+          <a:p>
+            <a:pPr lvl="2">
+              <a:defRPr/>
+            </a:pPr>
+            <a:r>
+              <a:rPr lang="en-GB" dirty="0" err="1" smtClean="0">
+                <a:solidFill>
+                  <a:srgbClr val="FF0000"/>
+                </a:solidFill>
+              </a:rPr>
+              <a:t>frame.setDefaultCloseOperation</a:t>
+            </a:r>
+            <a:r>
+              <a:rPr lang="en-GB" dirty="0" smtClean="0">
+                <a:solidFill>
+                  <a:srgbClr val="FF0000"/>
+                </a:solidFill>
+              </a:rPr>
+              <a:t> (</a:t>
+            </a:r>
+            <a:r>
+              <a:rPr lang="en-GB" dirty="0" err="1" smtClean="0">
+                <a:solidFill>
+                  <a:srgbClr val="FF0000"/>
+                </a:solidFill>
+              </a:rPr>
+              <a:t>JFrame.EXIT_ON_CLOSE</a:t>
+            </a:r>
+            <a:r>
+              <a:rPr lang="en-GB" dirty="0" smtClean="0">
+                <a:solidFill>
+                  <a:srgbClr val="FF0000"/>
+                </a:solidFill>
+              </a:rPr>
+              <a:t>);</a:t>
+            </a:r>
+          </a:p>
+          <a:p>
+            <a:pPr>
+              <a:defRPr/>
+            </a:pPr>
+            <a:r>
+              <a:rPr lang="en-GB" dirty="0" smtClean="0"/>
+              <a:t>Button clicks (action events).</a:t>
+            </a:r>
+          </a:p>
+          <a:p>
+            <a:pPr lvl="1">
+              <a:defRPr/>
+            </a:pPr>
+            <a:r>
+              <a:rPr lang="en-GB" dirty="0" smtClean="0"/>
+              <a:t>see previous slide.</a:t>
+            </a:r>
+          </a:p>
+          <a:p>
+            <a:pPr>
+              <a:defRPr/>
+            </a:pPr>
+            <a:r>
+              <a:rPr lang="en-GB" dirty="0"/>
+              <a:t>Types of events (listeners defined in </a:t>
+            </a:r>
+            <a:r>
+              <a:rPr lang="en-GB" dirty="0" err="1"/>
+              <a:t>java.awt.event</a:t>
+            </a:r>
+            <a:r>
+              <a:rPr lang="en-GB" dirty="0" smtClean="0"/>
+              <a:t>)</a:t>
+            </a:r>
+            <a:endParaRPr lang="en-GB" dirty="0"/>
+          </a:p>
+        </p:txBody>
+      </p:sp>
       <p:pic>
         <p:nvPicPr>
-          <p:cNvPr id="24580" name="Picture 4"/>
+          <p:cNvPr id="23556" name="Picture 3"/>
           <p:cNvPicPr>
             <a:picLocks noChangeAspect="1"/>
           </p:cNvPicPr>
           <p:nvPr/>
         </p:nvPicPr>
         <p:blipFill>
-          <a:blip r:embed="rId3">
+          <a:blip r:embed="rId2">
             <a:extLst>
               <a:ext uri="{28A0092B-C50C-407E-A947-70E740481C1C}">
                 <a14:useLocalDpi xmlns:a14="http://schemas.microsoft.com/office/drawing/2010/main" val="0"/>
@@ -5025,8 +5356,8 @@
         </p:blipFill>
         <p:spPr bwMode="auto">
           <a:xfrm>
-            <a:off x="457200" y="4419600"/>
-            <a:ext cx="8001000" cy="2000250"/>
+            <a:off x="914400" y="4030663"/>
+            <a:ext cx="7034213" cy="2630487"/>
           </a:xfrm>
           <a:prstGeom prst="rect">
             <a:avLst/>
@@ -5064,7 +5395,7 @@
 </p:sld>
 </file>
 
-<file path=ppt/slides/slide17.xml><?xml version="1.0" encoding="utf-8"?>
+<file path=ppt/slides/slide19.xml><?xml version="1.0" encoding="utf-8"?>
 <p:sld xmlns:a="http://schemas.openxmlformats.org/drawingml/2006/main" xmlns:r="http://schemas.openxmlformats.org/officeDocument/2006/relationships" xmlns:p="http://schemas.openxmlformats.org/presentationml/2006/main">
   <p:cSld>
     <p:spTree>
@@ -5083,7 +5414,7 @@
       </p:grpSpPr>
       <p:sp>
         <p:nvSpPr>
-          <p:cNvPr id="25602" name="Title 1"/>
+          <p:cNvPr id="24578" name="Title 1"/>
           <p:cNvSpPr>
             <a:spLocks noGrp="1"/>
           </p:cNvSpPr>
@@ -5093,7 +5424,7 @@
         </p:nvSpPr>
         <p:spPr>
           <a:xfrm>
-            <a:off x="677863" y="76200"/>
+            <a:off x="685800" y="228600"/>
             <a:ext cx="7772400" cy="1143000"/>
           </a:xfrm>
         </p:spPr>
@@ -5102,57 +5433,24 @@
           <a:lstStyle/>
           <a:p>
             <a:r>
-              <a:rPr lang="en-GB" altLang="en-US" smtClean="0"/>
-              <a:t>Layout Managers</a:t>
-            </a:r>
-          </a:p>
-        </p:txBody>
-      </p:sp>
-      <p:sp>
-        <p:nvSpPr>
-          <p:cNvPr id="3" name="Content Placeholder 2"/>
-          <p:cNvSpPr>
-            <a:spLocks noGrp="1"/>
-          </p:cNvSpPr>
-          <p:nvPr>
-            <p:ph idx="1"/>
-          </p:nvPr>
-        </p:nvSpPr>
-        <p:spPr>
-          <a:xfrm>
-            <a:off x="677863" y="1227138"/>
-            <a:ext cx="8085137" cy="2362200"/>
-          </a:xfrm>
-        </p:spPr>
-        <p:txBody>
-          <a:bodyPr>
-            <a:normAutofit fontScale="85000" lnSpcReduction="10000"/>
-          </a:bodyPr>
-          <a:lstStyle/>
-          <a:p>
-            <a:pPr>
-              <a:defRPr/>
-            </a:pPr>
-            <a:r>
-              <a:rPr lang="en-GB" dirty="0" smtClean="0"/>
-              <a:t> A layout manager is an object that determines the manner in which components are displayed in a container</a:t>
-            </a:r>
-          </a:p>
-          <a:p>
-            <a:pPr>
-              <a:defRPr/>
-            </a:pPr>
-            <a:r>
-              <a:rPr lang="en-GB" dirty="0" smtClean="0"/>
-              <a:t>There are several predefined layout managers defined in the Java standard class library</a:t>
-            </a:r>
-            <a:endParaRPr lang="en-GB" dirty="0"/>
+              <a:rPr lang="en-GB" altLang="en-US" dirty="0" err="1" smtClean="0"/>
+              <a:t>WindowListener</a:t>
+            </a:r>
+            <a:r>
+              <a:rPr lang="en-GB" altLang="en-US" dirty="0" smtClean="0"/>
+              <a:t> and </a:t>
+            </a:r>
+            <a:r>
+              <a:rPr lang="en-GB" altLang="en-US" dirty="0" err="1" smtClean="0"/>
+              <a:t>MouseListener</a:t>
+            </a:r>
+            <a:endParaRPr lang="en-GB" altLang="en-US" dirty="0" smtClean="0"/>
           </a:p>
         </p:txBody>
       </p:sp>
       <p:pic>
         <p:nvPicPr>
-          <p:cNvPr id="25604" name="Picture 3"/>
+          <p:cNvPr id="24579" name="Picture 3"/>
           <p:cNvPicPr>
             <a:picLocks noChangeAspect="1"/>
           </p:cNvPicPr>
@@ -5173,8 +5471,8 @@
         </p:blipFill>
         <p:spPr bwMode="auto">
           <a:xfrm>
-            <a:off x="1905000" y="3505200"/>
-            <a:ext cx="5184775" cy="2805113"/>
+            <a:off x="592138" y="1633538"/>
+            <a:ext cx="7731125" cy="2447925"/>
           </a:xfrm>
           <a:prstGeom prst="rect">
             <a:avLst/>
@@ -5204,270 +5502,16 @@
           </a:extLst>
         </p:spPr>
       </p:pic>
-    </p:spTree>
-  </p:cSld>
-  <p:clrMapOvr>
-    <a:masterClrMapping/>
-  </p:clrMapOvr>
-</p:sld>
-</file>
-
-<file path=ppt/slides/slide18.xml><?xml version="1.0" encoding="utf-8"?>
-<p:sld xmlns:a="http://schemas.openxmlformats.org/drawingml/2006/main" xmlns:r="http://schemas.openxmlformats.org/officeDocument/2006/relationships" xmlns:p="http://schemas.openxmlformats.org/presentationml/2006/main">
-  <p:cSld>
-    <p:spTree>
-      <p:nvGrpSpPr>
-        <p:cNvPr id="1" name=""/>
-        <p:cNvGrpSpPr/>
-        <p:nvPr/>
-      </p:nvGrpSpPr>
-      <p:grpSpPr>
-        <a:xfrm>
-          <a:off x="0" y="0"/>
-          <a:ext cx="0" cy="0"/>
-          <a:chOff x="0" y="0"/>
-          <a:chExt cx="0" cy="0"/>
-        </a:xfrm>
-      </p:grpSpPr>
-      <p:sp>
-        <p:nvSpPr>
-          <p:cNvPr id="26626" name="Title 1"/>
-          <p:cNvSpPr>
-            <a:spLocks noGrp="1"/>
-          </p:cNvSpPr>
-          <p:nvPr>
-            <p:ph type="title"/>
-          </p:nvPr>
-        </p:nvSpPr>
-        <p:spPr>
-          <a:xfrm>
-            <a:off x="685800" y="152400"/>
-            <a:ext cx="7772400" cy="1143000"/>
-          </a:xfrm>
-        </p:spPr>
-        <p:txBody>
-          <a:bodyPr/>
-          <a:lstStyle/>
-          <a:p>
-            <a:r>
-              <a:rPr lang="en-GB" altLang="en-US" smtClean="0"/>
-              <a:t>Layout Managers, cont.</a:t>
-            </a:r>
-          </a:p>
-        </p:txBody>
-      </p:sp>
-      <p:sp>
-        <p:nvSpPr>
-          <p:cNvPr id="3" name="Content Placeholder 2"/>
-          <p:cNvSpPr>
-            <a:spLocks noGrp="1"/>
-          </p:cNvSpPr>
-          <p:nvPr>
-            <p:ph idx="1"/>
-          </p:nvPr>
-        </p:nvSpPr>
-        <p:spPr>
-          <a:xfrm>
-            <a:off x="685800" y="1295400"/>
-            <a:ext cx="7772400" cy="5181600"/>
-          </a:xfrm>
-        </p:spPr>
-        <p:txBody>
-          <a:bodyPr>
-            <a:normAutofit fontScale="92500" lnSpcReduction="20000"/>
-          </a:bodyPr>
-          <a:lstStyle/>
-          <a:p>
-            <a:pPr>
-              <a:defRPr/>
-            </a:pPr>
-            <a:r>
-              <a:rPr lang="en-GB" dirty="0" smtClean="0"/>
-              <a:t>Every container has a default layout manager, but we can also explicitly set the layout manager for a container</a:t>
-            </a:r>
-          </a:p>
-          <a:p>
-            <a:pPr>
-              <a:defRPr/>
-            </a:pPr>
-            <a:r>
-              <a:rPr lang="en-GB" dirty="0" smtClean="0"/>
-              <a:t>Each layout manager has its own particular rules governing how the components will be arranged</a:t>
-            </a:r>
-          </a:p>
-          <a:p>
-            <a:pPr>
-              <a:defRPr/>
-            </a:pPr>
-            <a:r>
-              <a:rPr lang="en-GB" dirty="0" smtClean="0"/>
-              <a:t>Some layout managers pay attention to a component's preferred size or alignment, and others do not</a:t>
-            </a:r>
-          </a:p>
-          <a:p>
-            <a:pPr>
-              <a:defRPr/>
-            </a:pPr>
-            <a:r>
-              <a:rPr lang="en-GB" dirty="0" smtClean="0"/>
-              <a:t>The layout managers attempt to adjust the layout as components</a:t>
-            </a:r>
-          </a:p>
-          <a:p>
-            <a:pPr>
-              <a:defRPr/>
-            </a:pPr>
-            <a:r>
-              <a:rPr lang="en-GB" dirty="0" smtClean="0"/>
-              <a:t>are added and as containers are resized</a:t>
-            </a:r>
-            <a:endParaRPr lang="en-GB" dirty="0"/>
-          </a:p>
-        </p:txBody>
-      </p:sp>
-    </p:spTree>
-  </p:cSld>
-  <p:clrMapOvr>
-    <a:masterClrMapping/>
-  </p:clrMapOvr>
-</p:sld>
-</file>
-
-<file path=ppt/slides/slide19.xml><?xml version="1.0" encoding="utf-8"?>
-<p:sld xmlns:a="http://schemas.openxmlformats.org/drawingml/2006/main" xmlns:r="http://schemas.openxmlformats.org/officeDocument/2006/relationships" xmlns:p="http://schemas.openxmlformats.org/presentationml/2006/main">
-  <p:cSld>
-    <p:spTree>
-      <p:nvGrpSpPr>
-        <p:cNvPr id="1" name=""/>
-        <p:cNvGrpSpPr/>
-        <p:nvPr/>
-      </p:nvGrpSpPr>
-      <p:grpSpPr>
-        <a:xfrm>
-          <a:off x="0" y="0"/>
-          <a:ext cx="0" cy="0"/>
-          <a:chOff x="0" y="0"/>
-          <a:chExt cx="0" cy="0"/>
-        </a:xfrm>
-      </p:grpSpPr>
-      <p:sp>
-        <p:nvSpPr>
-          <p:cNvPr id="27650" name="Title 1"/>
-          <p:cNvSpPr>
-            <a:spLocks noGrp="1"/>
-          </p:cNvSpPr>
-          <p:nvPr>
-            <p:ph type="title"/>
-          </p:nvPr>
-        </p:nvSpPr>
-        <p:spPr>
-          <a:xfrm>
-            <a:off x="685800" y="76200"/>
-            <a:ext cx="7772400" cy="1143000"/>
-          </a:xfrm>
-        </p:spPr>
-        <p:txBody>
-          <a:bodyPr/>
-          <a:lstStyle/>
-          <a:p>
-            <a:r>
-              <a:rPr lang="en-GB" altLang="en-US" smtClean="0"/>
-              <a:t>Flow Layout</a:t>
-            </a:r>
-          </a:p>
-        </p:txBody>
-      </p:sp>
-      <p:sp>
-        <p:nvSpPr>
-          <p:cNvPr id="3" name="Content Placeholder 2"/>
-          <p:cNvSpPr>
-            <a:spLocks noGrp="1"/>
-          </p:cNvSpPr>
-          <p:nvPr>
-            <p:ph idx="1"/>
-          </p:nvPr>
-        </p:nvSpPr>
-        <p:spPr>
-          <a:xfrm>
-            <a:off x="685800" y="1219200"/>
-            <a:ext cx="7772400" cy="3505200"/>
-          </a:xfrm>
-        </p:spPr>
-        <p:txBody>
-          <a:bodyPr>
-            <a:normAutofit fontScale="85000" lnSpcReduction="20000"/>
-          </a:bodyPr>
-          <a:lstStyle/>
-          <a:p>
-            <a:pPr>
-              <a:defRPr/>
-            </a:pPr>
-            <a:r>
-              <a:rPr lang="en-GB" dirty="0" smtClean="0"/>
-              <a:t>A flow layout puts as many components on a row as possible, then moves to the next row</a:t>
-            </a:r>
-          </a:p>
-          <a:p>
-            <a:pPr>
-              <a:defRPr/>
-            </a:pPr>
-            <a:r>
-              <a:rPr lang="en-GB" dirty="0" smtClean="0"/>
-              <a:t>Rows are created as needed to accommodate all of the components</a:t>
-            </a:r>
-          </a:p>
-          <a:p>
-            <a:pPr>
-              <a:defRPr/>
-            </a:pPr>
-            <a:r>
-              <a:rPr lang="en-GB" dirty="0" smtClean="0"/>
-              <a:t>Components are displayed in the order they are added to the container</a:t>
-            </a:r>
-          </a:p>
-          <a:p>
-            <a:pPr>
-              <a:defRPr/>
-            </a:pPr>
-            <a:r>
-              <a:rPr lang="en-GB" dirty="0" smtClean="0"/>
-              <a:t>The horizontal and vertical gaps between the components can be explicitly set</a:t>
-            </a:r>
-          </a:p>
-          <a:p>
-            <a:pPr>
-              <a:defRPr/>
-            </a:pPr>
-            <a:r>
-              <a:rPr lang="en-GB" dirty="0" smtClean="0"/>
-              <a:t>Default for </a:t>
-            </a:r>
-            <a:r>
-              <a:rPr lang="en-GB" dirty="0" err="1" smtClean="0">
-                <a:solidFill>
-                  <a:srgbClr val="FF0000"/>
-                </a:solidFill>
-              </a:rPr>
-              <a:t>JPanel</a:t>
-            </a:r>
-            <a:endParaRPr lang="en-GB" dirty="0">
-              <a:solidFill>
-                <a:srgbClr val="FF0000"/>
-              </a:solidFill>
-            </a:endParaRPr>
-          </a:p>
-        </p:txBody>
-      </p:sp>
       <p:pic>
         <p:nvPicPr>
-          <p:cNvPr id="27652" name="Picture 3"/>
+          <p:cNvPr id="24580" name="Picture 4"/>
           <p:cNvPicPr>
             <a:picLocks noChangeAspect="1"/>
           </p:cNvPicPr>
           <p:nvPr/>
         </p:nvPicPr>
         <p:blipFill>
-          <a:blip r:embed="rId2">
+          <a:blip r:embed="rId3">
             <a:extLst>
               <a:ext uri="{28A0092B-C50C-407E-A947-70E740481C1C}">
                 <a14:useLocalDpi xmlns:a14="http://schemas.microsoft.com/office/drawing/2010/main" val="0"/>
@@ -5481,8 +5525,8 @@
         </p:blipFill>
         <p:spPr bwMode="auto">
           <a:xfrm>
-            <a:off x="1190625" y="4953000"/>
-            <a:ext cx="6762750" cy="1076325"/>
+            <a:off x="457200" y="4419600"/>
+            <a:ext cx="8001000" cy="2000250"/>
           </a:xfrm>
           <a:prstGeom prst="rect">
             <a:avLst/>
@@ -5582,43 +5626,43 @@
           <a:p>
             <a:pPr eaLnBrk="1" hangingPunct="1"/>
             <a:r>
-              <a:rPr lang="en-US" altLang="en-US" smtClean="0"/>
+              <a:rPr lang="en-US" altLang="en-US" dirty="0" smtClean="0"/>
               <a:t>Essential Graphical User Interface (GUI) Concepts</a:t>
             </a:r>
           </a:p>
           <a:p>
             <a:pPr lvl="1" eaLnBrk="1" hangingPunct="1"/>
             <a:r>
-              <a:rPr lang="en-US" altLang="en-US" smtClean="0"/>
+              <a:rPr lang="en-US" altLang="en-US" dirty="0" smtClean="0"/>
               <a:t>Libraries, Implementation, Mechanics, ..</a:t>
             </a:r>
           </a:p>
           <a:p>
             <a:pPr lvl="1" eaLnBrk="1" hangingPunct="1"/>
             <a:r>
-              <a:rPr lang="en-GB" altLang="en-US" smtClean="0"/>
+              <a:rPr lang="en-GB" altLang="en-US" dirty="0" smtClean="0"/>
               <a:t>Abstract Windowing Toolkit (AWT)</a:t>
             </a:r>
           </a:p>
           <a:p>
             <a:pPr lvl="1" eaLnBrk="1" hangingPunct="1"/>
             <a:r>
-              <a:rPr lang="en-GB" altLang="en-US" smtClean="0"/>
+              <a:rPr lang="en-GB" altLang="en-US" dirty="0" smtClean="0"/>
               <a:t>Java Foundation Classes (JFC)</a:t>
             </a:r>
-            <a:endParaRPr lang="en-US" altLang="en-US" smtClean="0"/>
+            <a:endParaRPr lang="en-US" altLang="en-US" dirty="0" smtClean="0"/>
           </a:p>
           <a:p>
             <a:pPr eaLnBrk="1" hangingPunct="1"/>
             <a:r>
-              <a:rPr lang="en-US" altLang="en-US" smtClean="0"/>
+              <a:rPr lang="en-US" altLang="en-US" dirty="0" smtClean="0"/>
               <a:t>Today’s Practical</a:t>
             </a:r>
           </a:p>
           <a:p>
             <a:pPr eaLnBrk="1" hangingPunct="1"/>
             <a:r>
-              <a:rPr lang="en-US" altLang="en-US" smtClean="0"/>
+              <a:rPr lang="en-US" altLang="en-US" dirty="0" smtClean="0"/>
               <a:t>Review/Discussion</a:t>
             </a:r>
           </a:p>
@@ -5658,7 +5702,7 @@
       </p:grpSpPr>
       <p:sp>
         <p:nvSpPr>
-          <p:cNvPr id="28674" name="Title 1"/>
+          <p:cNvPr id="25602" name="Title 1"/>
           <p:cNvSpPr>
             <a:spLocks noGrp="1"/>
           </p:cNvSpPr>
@@ -5668,7 +5712,7 @@
         </p:nvSpPr>
         <p:spPr>
           <a:xfrm>
-            <a:off x="609600" y="228600"/>
+            <a:off x="677863" y="76200"/>
             <a:ext cx="7772400" cy="1143000"/>
           </a:xfrm>
         </p:spPr>
@@ -5678,14 +5722,14 @@
           <a:p>
             <a:r>
               <a:rPr lang="en-GB" altLang="en-US" smtClean="0"/>
-              <a:t>Border Layout</a:t>
-            </a:r>
-          </a:p>
-        </p:txBody>
-      </p:sp>
-      <p:sp>
-        <p:nvSpPr>
-          <p:cNvPr id="28675" name="Content Placeholder 2"/>
+              <a:t>Layout Managers</a:t>
+            </a:r>
+          </a:p>
+        </p:txBody>
+      </p:sp>
+      <p:sp>
+        <p:nvSpPr>
+          <p:cNvPr id="3" name="Content Placeholder 2"/>
           <p:cNvSpPr>
             <a:spLocks noGrp="1"/>
           </p:cNvSpPr>
@@ -5695,30 +5739,51 @@
         </p:nvSpPr>
         <p:spPr>
           <a:xfrm>
-            <a:off x="685800" y="1600200"/>
-            <a:ext cx="7772400" cy="4495800"/>
-          </a:xfrm>
-        </p:spPr>
-        <p:txBody>
-          <a:bodyPr/>
+            <a:off x="677863" y="1227138"/>
+            <a:ext cx="8085137" cy="2362200"/>
+          </a:xfrm>
+        </p:spPr>
+        <p:txBody>
+          <a:bodyPr>
+            <a:normAutofit fontScale="85000" lnSpcReduction="10000"/>
+          </a:bodyPr>
           <a:lstStyle/>
           <a:p>
-            <a:r>
-              <a:rPr lang="en-GB" altLang="en-US" smtClean="0"/>
-              <a:t>A border layout defines five areas into which components can be added</a:t>
-            </a:r>
-          </a:p>
-          <a:p>
-            <a:r>
-              <a:rPr lang="en-GB" altLang="en-US" smtClean="0"/>
-              <a:t>The default for most GUIs</a:t>
-            </a:r>
+            <a:pPr>
+              <a:defRPr/>
+            </a:pPr>
+            <a:r>
+              <a:rPr lang="en-GB" dirty="0" smtClean="0"/>
+              <a:t>A layout manager is an object that determines the manner in which components are displayed in a container</a:t>
+            </a:r>
+          </a:p>
+          <a:p>
+            <a:pPr>
+              <a:defRPr/>
+            </a:pPr>
+            <a:r>
+              <a:rPr lang="en-GB" dirty="0" smtClean="0"/>
+              <a:t>There are </a:t>
+            </a:r>
+            <a:r>
+              <a:rPr lang="en-GB" dirty="0" smtClean="0">
+                <a:solidFill>
+                  <a:srgbClr val="FF0000"/>
+                </a:solidFill>
+              </a:rPr>
+              <a:t>several predefined layout managers </a:t>
+            </a:r>
+            <a:r>
+              <a:rPr lang="en-GB" dirty="0" smtClean="0"/>
+              <a:t>defined in the Java standard class library</a:t>
+            </a:r>
+            <a:endParaRPr lang="en-GB" dirty="0"/>
           </a:p>
         </p:txBody>
       </p:sp>
       <p:pic>
         <p:nvPicPr>
-          <p:cNvPr id="28676" name="Picture 3"/>
+          <p:cNvPr id="25604" name="Picture 3"/>
           <p:cNvPicPr>
             <a:picLocks noChangeAspect="1"/>
           </p:cNvPicPr>
@@ -5739,8 +5804,8 @@
         </p:blipFill>
         <p:spPr bwMode="auto">
           <a:xfrm>
-            <a:off x="1638300" y="3581400"/>
-            <a:ext cx="5867400" cy="2057400"/>
+            <a:off x="1905000" y="3505200"/>
+            <a:ext cx="5184775" cy="2805113"/>
           </a:xfrm>
           <a:prstGeom prst="rect">
             <a:avLst/>
@@ -5797,7 +5862,7 @@
       </p:grpSpPr>
       <p:sp>
         <p:nvSpPr>
-          <p:cNvPr id="29698" name="Title 1"/>
+          <p:cNvPr id="26626" name="Title 1"/>
           <p:cNvSpPr>
             <a:spLocks noGrp="1"/>
           </p:cNvSpPr>
@@ -5817,7 +5882,7 @@
           <a:p>
             <a:r>
               <a:rPr lang="en-GB" altLang="en-US" smtClean="0"/>
-              <a:t>Box Layout</a:t>
+              <a:t>Layout Managers, cont.</a:t>
             </a:r>
           </a:p>
         </p:txBody>
@@ -5834,13 +5899,13 @@
         </p:nvSpPr>
         <p:spPr>
           <a:xfrm>
-            <a:off x="457200" y="1219200"/>
-            <a:ext cx="8305800" cy="3429000"/>
+            <a:off x="685800" y="1295400"/>
+            <a:ext cx="7772400" cy="5181600"/>
           </a:xfrm>
         </p:spPr>
         <p:txBody>
           <a:bodyPr>
-            <a:normAutofit fontScale="77500" lnSpcReduction="20000"/>
+            <a:normAutofit fontScale="92500" lnSpcReduction="20000"/>
           </a:bodyPr>
           <a:lstStyle/>
           <a:p>
@@ -5849,7 +5914,7 @@
             </a:pPr>
             <a:r>
               <a:rPr lang="en-GB" dirty="0" smtClean="0"/>
-              <a:t>A box layout organizes components either horizontally (in one row) or vertically (in one column)</a:t>
+              <a:t>Every container has a default layout manager, but we can also explicitly set the layout manager for a container</a:t>
             </a:r>
           </a:p>
           <a:p>
@@ -5858,7 +5923,7 @@
             </a:pPr>
             <a:r>
               <a:rPr lang="en-GB" dirty="0" smtClean="0"/>
-              <a:t>Special rigid areas can be added to force a certain amount of spacing between components</a:t>
+              <a:t>Each layout manager has its own particular rules governing how the components will be arranged</a:t>
             </a:r>
           </a:p>
           <a:p>
@@ -5867,7 +5932,7 @@
             </a:pPr>
             <a:r>
               <a:rPr lang="en-GB" dirty="0" smtClean="0"/>
-              <a:t>By combining multiple containers using box layout, many different configurations can be created</a:t>
+              <a:t>Some layout managers pay attention to a component's preferred size or alignment, and others do not</a:t>
             </a:r>
           </a:p>
           <a:p>
@@ -5876,23 +5941,148 @@
             </a:pPr>
             <a:r>
               <a:rPr lang="en-GB" dirty="0" smtClean="0"/>
-              <a:t>Multiple containers with box layouts are often preferred to one container that uses the more complicated </a:t>
-            </a:r>
-            <a:r>
-              <a:rPr lang="en-GB" dirty="0" err="1" smtClean="0"/>
-              <a:t>gridbag</a:t>
-            </a:r>
+              <a:t>The layout managers attempt to adjust the layout as components are added and as containers are resized</a:t>
+            </a:r>
+            <a:endParaRPr lang="en-GB" dirty="0"/>
+          </a:p>
+        </p:txBody>
+      </p:sp>
+    </p:spTree>
+  </p:cSld>
+  <p:clrMapOvr>
+    <a:masterClrMapping/>
+  </p:clrMapOvr>
+</p:sld>
+</file>
+
+<file path=ppt/slides/slide22.xml><?xml version="1.0" encoding="utf-8"?>
+<p:sld xmlns:a="http://schemas.openxmlformats.org/drawingml/2006/main" xmlns:r="http://schemas.openxmlformats.org/officeDocument/2006/relationships" xmlns:p="http://schemas.openxmlformats.org/presentationml/2006/main">
+  <p:cSld>
+    <p:spTree>
+      <p:nvGrpSpPr>
+        <p:cNvPr id="1" name=""/>
+        <p:cNvGrpSpPr/>
+        <p:nvPr/>
+      </p:nvGrpSpPr>
+      <p:grpSpPr>
+        <a:xfrm>
+          <a:off x="0" y="0"/>
+          <a:ext cx="0" cy="0"/>
+          <a:chOff x="0" y="0"/>
+          <a:chExt cx="0" cy="0"/>
+        </a:xfrm>
+      </p:grpSpPr>
+      <p:sp>
+        <p:nvSpPr>
+          <p:cNvPr id="27650" name="Title 1"/>
+          <p:cNvSpPr>
+            <a:spLocks noGrp="1"/>
+          </p:cNvSpPr>
+          <p:nvPr>
+            <p:ph type="title"/>
+          </p:nvPr>
+        </p:nvSpPr>
+        <p:spPr>
+          <a:xfrm>
+            <a:off x="685800" y="76200"/>
+            <a:ext cx="7772400" cy="1143000"/>
+          </a:xfrm>
+        </p:spPr>
+        <p:txBody>
+          <a:bodyPr/>
+          <a:lstStyle/>
+          <a:p>
+            <a:r>
+              <a:rPr lang="en-GB" altLang="en-US" smtClean="0"/>
+              <a:t>Flow Layout</a:t>
+            </a:r>
+          </a:p>
+        </p:txBody>
+      </p:sp>
+      <p:sp>
+        <p:nvSpPr>
+          <p:cNvPr id="3" name="Content Placeholder 2"/>
+          <p:cNvSpPr>
+            <a:spLocks noGrp="1"/>
+          </p:cNvSpPr>
+          <p:nvPr>
+            <p:ph idx="1"/>
+          </p:nvPr>
+        </p:nvSpPr>
+        <p:spPr>
+          <a:xfrm>
+            <a:off x="685800" y="1219200"/>
+            <a:ext cx="7772400" cy="3505200"/>
+          </a:xfrm>
+        </p:spPr>
+        <p:txBody>
+          <a:bodyPr>
+            <a:normAutofit fontScale="85000" lnSpcReduction="20000"/>
+          </a:bodyPr>
+          <a:lstStyle/>
+          <a:p>
+            <a:pPr>
+              <a:defRPr/>
+            </a:pPr>
             <a:r>
               <a:rPr lang="en-GB" dirty="0" smtClean="0"/>
-              <a:t> layout manager</a:t>
-            </a:r>
-            <a:endParaRPr lang="en-GB" dirty="0"/>
+              <a:t>A flow layout puts as many components on a row as possible, then moves to the next row</a:t>
+            </a:r>
+          </a:p>
+          <a:p>
+            <a:pPr>
+              <a:defRPr/>
+            </a:pPr>
+            <a:r>
+              <a:rPr lang="en-GB" dirty="0" smtClean="0"/>
+              <a:t>Rows are created as needed to accommodate all of the components</a:t>
+            </a:r>
+          </a:p>
+          <a:p>
+            <a:pPr>
+              <a:defRPr/>
+            </a:pPr>
+            <a:r>
+              <a:rPr lang="en-GB" dirty="0" smtClean="0"/>
+              <a:t>Components are displayed in the order they are added to the container</a:t>
+            </a:r>
+          </a:p>
+          <a:p>
+            <a:pPr>
+              <a:defRPr/>
+            </a:pPr>
+            <a:r>
+              <a:rPr lang="en-GB" dirty="0" smtClean="0"/>
+              <a:t>The horizontal and vertical gaps between the components can be explicitly set</a:t>
+            </a:r>
+          </a:p>
+          <a:p>
+            <a:pPr>
+              <a:defRPr/>
+            </a:pPr>
+            <a:r>
+              <a:rPr lang="en-GB" dirty="0" smtClean="0"/>
+              <a:t>Default for </a:t>
+            </a:r>
+            <a:r>
+              <a:rPr lang="en-GB" dirty="0" err="1" smtClean="0">
+                <a:solidFill>
+                  <a:srgbClr val="FF0000"/>
+                </a:solidFill>
+              </a:rPr>
+              <a:t>JPanel</a:t>
+            </a:r>
+            <a:endParaRPr lang="en-GB" dirty="0">
+              <a:solidFill>
+                <a:srgbClr val="FF0000"/>
+              </a:solidFill>
+            </a:endParaRPr>
           </a:p>
         </p:txBody>
       </p:sp>
       <p:pic>
         <p:nvPicPr>
-          <p:cNvPr id="29700" name="Picture 3"/>
+          <p:cNvPr id="27652" name="Picture 3"/>
           <p:cNvPicPr>
             <a:picLocks noChangeAspect="1"/>
           </p:cNvPicPr>
@@ -5913,8 +6103,8 @@
         </p:blipFill>
         <p:spPr bwMode="auto">
           <a:xfrm>
-            <a:off x="3048000" y="4495800"/>
-            <a:ext cx="2562225" cy="1990725"/>
+            <a:off x="1190625" y="4953000"/>
+            <a:ext cx="6762750" cy="1076325"/>
           </a:xfrm>
           <a:prstGeom prst="rect">
             <a:avLst/>
@@ -5952,7 +6142,7 @@
 </p:sld>
 </file>
 
-<file path=ppt/slides/slide22.xml><?xml version="1.0" encoding="utf-8"?>
+<file path=ppt/slides/slide23.xml><?xml version="1.0" encoding="utf-8"?>
 <p:sld xmlns:a="http://schemas.openxmlformats.org/drawingml/2006/main" xmlns:r="http://schemas.openxmlformats.org/officeDocument/2006/relationships" xmlns:p="http://schemas.openxmlformats.org/presentationml/2006/main">
   <p:cSld>
     <p:spTree>
@@ -5971,7 +6161,7 @@
       </p:grpSpPr>
       <p:sp>
         <p:nvSpPr>
-          <p:cNvPr id="30722" name="Title 1"/>
+          <p:cNvPr id="28674" name="Title 1"/>
           <p:cNvSpPr>
             <a:spLocks noGrp="1"/>
           </p:cNvSpPr>
@@ -5981,7 +6171,7 @@
         </p:nvSpPr>
         <p:spPr>
           <a:xfrm>
-            <a:off x="685800" y="152400"/>
+            <a:off x="609600" y="228600"/>
             <a:ext cx="7772400" cy="1143000"/>
           </a:xfrm>
         </p:spPr>
@@ -5991,14 +6181,14 @@
           <a:p>
             <a:r>
               <a:rPr lang="en-GB" altLang="en-US" smtClean="0"/>
-              <a:t>Other Layout Managers</a:t>
-            </a:r>
-          </a:p>
-        </p:txBody>
-      </p:sp>
-      <p:sp>
-        <p:nvSpPr>
-          <p:cNvPr id="30723" name="Content Placeholder 2"/>
+              <a:t>Border Layout</a:t>
+            </a:r>
+          </a:p>
+        </p:txBody>
+      </p:sp>
+      <p:sp>
+        <p:nvSpPr>
+          <p:cNvPr id="28675" name="Content Placeholder 2"/>
           <p:cNvSpPr>
             <a:spLocks noGrp="1"/>
           </p:cNvSpPr>
@@ -6006,18 +6196,32 @@
             <p:ph idx="1"/>
           </p:nvPr>
         </p:nvSpPr>
-        <p:spPr/>
+        <p:spPr>
+          <a:xfrm>
+            <a:off x="685800" y="1600200"/>
+            <a:ext cx="7772400" cy="4495800"/>
+          </a:xfrm>
+        </p:spPr>
         <p:txBody>
           <a:bodyPr/>
           <a:lstStyle/>
           <a:p>
-            <a:endParaRPr lang="en-GB" altLang="en-US" smtClean="0"/>
+            <a:r>
+              <a:rPr lang="en-GB" altLang="en-US" smtClean="0"/>
+              <a:t>A border layout defines five areas into which components can be added</a:t>
+            </a:r>
+          </a:p>
+          <a:p>
+            <a:r>
+              <a:rPr lang="en-GB" altLang="en-US" smtClean="0"/>
+              <a:t>The default for most GUIs</a:t>
+            </a:r>
           </a:p>
         </p:txBody>
       </p:sp>
       <p:pic>
         <p:nvPicPr>
-          <p:cNvPr id="30724" name="Picture 3"/>
+          <p:cNvPr id="28676" name="Picture 3"/>
           <p:cNvPicPr>
             <a:picLocks noChangeAspect="1"/>
           </p:cNvPicPr>
@@ -6038,8 +6242,8 @@
         </p:blipFill>
         <p:spPr bwMode="auto">
           <a:xfrm>
-            <a:off x="990600" y="1447800"/>
-            <a:ext cx="7019925" cy="4751388"/>
+            <a:off x="1638300" y="3581400"/>
+            <a:ext cx="5867400" cy="2057400"/>
           </a:xfrm>
           <a:prstGeom prst="rect">
             <a:avLst/>
@@ -6077,207 +6281,6 @@
 </p:sld>
 </file>
 
-<file path=ppt/slides/slide23.xml><?xml version="1.0" encoding="utf-8"?>
-<p:sld xmlns:a="http://schemas.openxmlformats.org/drawingml/2006/main" xmlns:r="http://schemas.openxmlformats.org/officeDocument/2006/relationships" xmlns:p="http://schemas.openxmlformats.org/presentationml/2006/main">
-  <p:cSld>
-    <p:spTree>
-      <p:nvGrpSpPr>
-        <p:cNvPr id="1" name=""/>
-        <p:cNvGrpSpPr/>
-        <p:nvPr/>
-      </p:nvGrpSpPr>
-      <p:grpSpPr>
-        <a:xfrm>
-          <a:off x="0" y="0"/>
-          <a:ext cx="0" cy="0"/>
-          <a:chOff x="0" y="0"/>
-          <a:chExt cx="0" cy="0"/>
-        </a:xfrm>
-      </p:grpSpPr>
-      <p:sp>
-        <p:nvSpPr>
-          <p:cNvPr id="31746" name="Title 1"/>
-          <p:cNvSpPr>
-            <a:spLocks noGrp="1"/>
-          </p:cNvSpPr>
-          <p:nvPr>
-            <p:ph type="title"/>
-          </p:nvPr>
-        </p:nvSpPr>
-        <p:spPr/>
-        <p:txBody>
-          <a:bodyPr/>
-          <a:lstStyle/>
-          <a:p>
-            <a:r>
-              <a:rPr lang="en-GB" altLang="en-US" smtClean="0"/>
-              <a:t>"Atomic" Components</a:t>
-            </a:r>
-          </a:p>
-        </p:txBody>
-      </p:sp>
-      <p:sp>
-        <p:nvSpPr>
-          <p:cNvPr id="3" name="Content Placeholder 2"/>
-          <p:cNvSpPr>
-            <a:spLocks noGrp="1"/>
-          </p:cNvSpPr>
-          <p:nvPr>
-            <p:ph idx="1"/>
-          </p:nvPr>
-        </p:nvSpPr>
-        <p:spPr>
-          <a:xfrm>
-            <a:off x="685800" y="1981200"/>
-            <a:ext cx="7772400" cy="4495800"/>
-          </a:xfrm>
-        </p:spPr>
-        <p:txBody>
-          <a:bodyPr>
-            <a:normAutofit fontScale="77500" lnSpcReduction="20000"/>
-          </a:bodyPr>
-          <a:lstStyle/>
-          <a:p>
-            <a:pPr>
-              <a:defRPr/>
-            </a:pPr>
-            <a:r>
-              <a:rPr lang="en-GB" dirty="0" smtClean="0"/>
-              <a:t>The root in the component hierarchy is </a:t>
-            </a:r>
-            <a:r>
-              <a:rPr lang="en-GB" dirty="0" err="1" smtClean="0"/>
-              <a:t>JComponent</a:t>
-            </a:r>
-            <a:r>
-              <a:rPr lang="en-GB" dirty="0" smtClean="0"/>
-              <a:t>.</a:t>
-            </a:r>
-          </a:p>
-          <a:p>
-            <a:pPr>
-              <a:defRPr/>
-            </a:pPr>
-            <a:r>
-              <a:rPr lang="en-GB" dirty="0" smtClean="0"/>
-              <a:t>The </a:t>
-            </a:r>
-            <a:r>
-              <a:rPr lang="en-GB" dirty="0" err="1" smtClean="0"/>
-              <a:t>JComponent</a:t>
-            </a:r>
-            <a:r>
-              <a:rPr lang="en-GB" dirty="0" smtClean="0"/>
-              <a:t> provides the following functionality to its descendants, e.g., </a:t>
-            </a:r>
-            <a:r>
-              <a:rPr lang="en-GB" dirty="0" err="1" smtClean="0"/>
-              <a:t>JLabel</a:t>
-            </a:r>
-            <a:r>
-              <a:rPr lang="en-GB" dirty="0" smtClean="0"/>
-              <a:t>, </a:t>
-            </a:r>
-            <a:r>
-              <a:rPr lang="en-GB" dirty="0" err="1" smtClean="0"/>
-              <a:t>JRadioButton</a:t>
-            </a:r>
-            <a:r>
-              <a:rPr lang="en-GB" dirty="0" smtClean="0"/>
-              <a:t>, and </a:t>
-            </a:r>
-            <a:r>
-              <a:rPr lang="en-GB" dirty="0" err="1" smtClean="0"/>
-              <a:t>JTextArea</a:t>
-            </a:r>
-            <a:r>
-              <a:rPr lang="en-GB" dirty="0" smtClean="0"/>
-              <a:t>.</a:t>
-            </a:r>
-          </a:p>
-          <a:p>
-            <a:pPr lvl="1">
-              <a:defRPr/>
-            </a:pPr>
-            <a:r>
-              <a:rPr lang="en-GB" dirty="0" smtClean="0"/>
-              <a:t>Tool tips</a:t>
-            </a:r>
-          </a:p>
-          <a:p>
-            <a:pPr lvl="1">
-              <a:defRPr/>
-            </a:pPr>
-            <a:r>
-              <a:rPr lang="en-GB" dirty="0" smtClean="0"/>
-              <a:t>Borders</a:t>
-            </a:r>
-          </a:p>
-          <a:p>
-            <a:pPr lvl="1">
-              <a:defRPr/>
-            </a:pPr>
-            <a:r>
-              <a:rPr lang="en-GB" dirty="0" smtClean="0"/>
-              <a:t>Keyboard-generated actions</a:t>
-            </a:r>
-          </a:p>
-          <a:p>
-            <a:pPr lvl="1">
-              <a:defRPr/>
-            </a:pPr>
-            <a:r>
-              <a:rPr lang="en-GB" dirty="0" smtClean="0"/>
-              <a:t>Application-wide pluggable look and feel</a:t>
-            </a:r>
-          </a:p>
-          <a:p>
-            <a:pPr lvl="1">
-              <a:defRPr/>
-            </a:pPr>
-            <a:r>
-              <a:rPr lang="en-GB" dirty="0" smtClean="0"/>
-              <a:t>Various properties</a:t>
-            </a:r>
-          </a:p>
-          <a:p>
-            <a:pPr lvl="1">
-              <a:defRPr/>
-            </a:pPr>
-            <a:r>
-              <a:rPr lang="en-GB" dirty="0" smtClean="0"/>
-              <a:t>Support for layout</a:t>
-            </a:r>
-          </a:p>
-          <a:p>
-            <a:pPr lvl="1">
-              <a:defRPr/>
-            </a:pPr>
-            <a:r>
-              <a:rPr lang="en-GB" dirty="0" smtClean="0"/>
-              <a:t>Support for accessibility</a:t>
-            </a:r>
-          </a:p>
-          <a:p>
-            <a:pPr lvl="1">
-              <a:defRPr/>
-            </a:pPr>
-            <a:r>
-              <a:rPr lang="en-GB" dirty="0" smtClean="0"/>
-              <a:t>Double buffering</a:t>
-            </a:r>
-            <a:endParaRPr lang="en-GB" dirty="0"/>
-          </a:p>
-        </p:txBody>
-      </p:sp>
-    </p:spTree>
-  </p:cSld>
-  <p:clrMapOvr>
-    <a:masterClrMapping/>
-  </p:clrMapOvr>
-</p:sld>
-</file>
-
 <file path=ppt/slides/slide24.xml><?xml version="1.0" encoding="utf-8"?>
 <p:sld xmlns:a="http://schemas.openxmlformats.org/drawingml/2006/main" xmlns:r="http://schemas.openxmlformats.org/officeDocument/2006/relationships" xmlns:p="http://schemas.openxmlformats.org/presentationml/2006/main">
   <p:cSld>
@@ -6297,7 +6300,7 @@
       </p:grpSpPr>
       <p:sp>
         <p:nvSpPr>
-          <p:cNvPr id="32770" name="Title 1"/>
+          <p:cNvPr id="29698" name="Title 1"/>
           <p:cNvSpPr>
             <a:spLocks noGrp="1"/>
           </p:cNvSpPr>
@@ -6307,7 +6310,7 @@
         </p:nvSpPr>
         <p:spPr>
           <a:xfrm>
-            <a:off x="685800" y="0"/>
+            <a:off x="685800" y="152400"/>
             <a:ext cx="7772400" cy="1143000"/>
           </a:xfrm>
         </p:spPr>
@@ -6317,14 +6320,14 @@
           <a:p>
             <a:r>
               <a:rPr lang="en-GB" altLang="en-US" smtClean="0"/>
-              <a:t>Basic Components</a:t>
-            </a:r>
-          </a:p>
-        </p:txBody>
-      </p:sp>
-      <p:sp>
-        <p:nvSpPr>
-          <p:cNvPr id="32771" name="Content Placeholder 2"/>
+              <a:t>Box Layout</a:t>
+            </a:r>
+          </a:p>
+        </p:txBody>
+      </p:sp>
+      <p:sp>
+        <p:nvSpPr>
+          <p:cNvPr id="3" name="Content Placeholder 2"/>
           <p:cNvSpPr>
             <a:spLocks noGrp="1"/>
           </p:cNvSpPr>
@@ -6332,18 +6335,67 @@
             <p:ph idx="1"/>
           </p:nvPr>
         </p:nvSpPr>
-        <p:spPr/>
-        <p:txBody>
-          <a:bodyPr/>
+        <p:spPr>
+          <a:xfrm>
+            <a:off x="457200" y="1219200"/>
+            <a:ext cx="8305800" cy="3429000"/>
+          </a:xfrm>
+        </p:spPr>
+        <p:txBody>
+          <a:bodyPr>
+            <a:normAutofit fontScale="77500" lnSpcReduction="20000"/>
+          </a:bodyPr>
           <a:lstStyle/>
           <a:p>
-            <a:endParaRPr lang="en-GB" altLang="en-US" smtClean="0"/>
+            <a:pPr>
+              <a:defRPr/>
+            </a:pPr>
+            <a:r>
+              <a:rPr lang="en-GB" dirty="0" smtClean="0"/>
+              <a:t>A box layout organizes components either horizontally (in one row) or vertically (in one column)</a:t>
+            </a:r>
+          </a:p>
+          <a:p>
+            <a:pPr>
+              <a:defRPr/>
+            </a:pPr>
+            <a:r>
+              <a:rPr lang="en-GB" dirty="0" smtClean="0"/>
+              <a:t>Special rigid areas can be added to force a certain amount of spacing between components</a:t>
+            </a:r>
+          </a:p>
+          <a:p>
+            <a:pPr>
+              <a:defRPr/>
+            </a:pPr>
+            <a:r>
+              <a:rPr lang="en-GB" dirty="0" smtClean="0"/>
+              <a:t>By combining multiple containers using box layout, many different configurations can be created</a:t>
+            </a:r>
+          </a:p>
+          <a:p>
+            <a:pPr>
+              <a:defRPr/>
+            </a:pPr>
+            <a:r>
+              <a:rPr lang="en-GB" dirty="0" smtClean="0"/>
+              <a:t>Multiple containers with box layouts are often preferred to one container that uses the more complicated </a:t>
+            </a:r>
+            <a:r>
+              <a:rPr lang="en-GB" dirty="0" err="1" smtClean="0"/>
+              <a:t>gridbag</a:t>
+            </a:r>
+            <a:r>
+              <a:rPr lang="en-GB" dirty="0" smtClean="0"/>
+              <a:t> layout manager</a:t>
+            </a:r>
+            <a:endParaRPr lang="en-GB" dirty="0"/>
           </a:p>
         </p:txBody>
       </p:sp>
       <p:pic>
         <p:nvPicPr>
-          <p:cNvPr id="32772" name="Picture 3"/>
+          <p:cNvPr id="29700" name="Picture 3"/>
           <p:cNvPicPr>
             <a:picLocks noChangeAspect="1"/>
           </p:cNvPicPr>
@@ -6364,8 +6416,8 @@
         </p:blipFill>
         <p:spPr bwMode="auto">
           <a:xfrm>
-            <a:off x="381000" y="1168400"/>
-            <a:ext cx="7824788" cy="5162550"/>
+            <a:off x="3048000" y="4495800"/>
+            <a:ext cx="2562225" cy="1990725"/>
           </a:xfrm>
           <a:prstGeom prst="rect">
             <a:avLst/>
@@ -6422,7 +6474,7 @@
       </p:grpSpPr>
       <p:sp>
         <p:nvSpPr>
-          <p:cNvPr id="33794" name="Title 1"/>
+          <p:cNvPr id="30722" name="Title 1"/>
           <p:cNvSpPr>
             <a:spLocks noGrp="1"/>
           </p:cNvSpPr>
@@ -6442,14 +6494,14 @@
           <a:p>
             <a:r>
               <a:rPr lang="en-GB" altLang="en-US" smtClean="0"/>
-              <a:t>Non-Editable Displays</a:t>
-            </a:r>
-          </a:p>
-        </p:txBody>
-      </p:sp>
-      <p:sp>
-        <p:nvSpPr>
-          <p:cNvPr id="33795" name="Content Placeholder 2"/>
+              <a:t>Other Layout Managers</a:t>
+            </a:r>
+          </a:p>
+        </p:txBody>
+      </p:sp>
+      <p:sp>
+        <p:nvSpPr>
+          <p:cNvPr id="30723" name="Content Placeholder 2"/>
           <p:cNvSpPr>
             <a:spLocks noGrp="1"/>
           </p:cNvSpPr>
@@ -6468,7 +6520,7 @@
       </p:sp>
       <p:pic>
         <p:nvPicPr>
-          <p:cNvPr id="33796" name="Picture 3"/>
+          <p:cNvPr id="30724" name="Picture 3"/>
           <p:cNvPicPr>
             <a:picLocks noChangeAspect="1"/>
           </p:cNvPicPr>
@@ -6489,8 +6541,8 @@
         </p:blipFill>
         <p:spPr bwMode="auto">
           <a:xfrm>
-            <a:off x="2209800" y="1376363"/>
-            <a:ext cx="4438650" cy="5324475"/>
+            <a:off x="990600" y="1447800"/>
+            <a:ext cx="7019925" cy="4751388"/>
           </a:xfrm>
           <a:prstGeom prst="rect">
             <a:avLst/>
@@ -6547,7 +6599,7 @@
       </p:grpSpPr>
       <p:sp>
         <p:nvSpPr>
-          <p:cNvPr id="34818" name="Title 1"/>
+          <p:cNvPr id="31746" name="Title 1"/>
           <p:cNvSpPr>
             <a:spLocks noGrp="1"/>
           </p:cNvSpPr>
@@ -6555,26 +6607,21 @@
             <p:ph type="title"/>
           </p:nvPr>
         </p:nvSpPr>
-        <p:spPr>
-          <a:xfrm>
-            <a:off x="685800" y="7938"/>
-            <a:ext cx="7772400" cy="1143000"/>
-          </a:xfrm>
-        </p:spPr>
+        <p:spPr/>
         <p:txBody>
           <a:bodyPr/>
           <a:lstStyle/>
           <a:p>
             <a:r>
               <a:rPr lang="en-GB" altLang="en-US" smtClean="0"/>
-              <a:t>Editable Displays</a:t>
-            </a:r>
-          </a:p>
-        </p:txBody>
-      </p:sp>
-      <p:sp>
-        <p:nvSpPr>
-          <p:cNvPr id="34819" name="Content Placeholder 2"/>
+              <a:t>"Atomic" Components</a:t>
+            </a:r>
+          </a:p>
+        </p:txBody>
+      </p:sp>
+      <p:sp>
+        <p:nvSpPr>
+          <p:cNvPr id="3" name="Content Placeholder 2"/>
           <p:cNvSpPr>
             <a:spLocks noGrp="1"/>
           </p:cNvSpPr>
@@ -6582,18 +6629,221 @@
             <p:ph idx="1"/>
           </p:nvPr>
         </p:nvSpPr>
-        <p:spPr/>
+        <p:spPr>
+          <a:xfrm>
+            <a:off x="685800" y="1981200"/>
+            <a:ext cx="8077200" cy="4495800"/>
+          </a:xfrm>
+        </p:spPr>
+        <p:txBody>
+          <a:bodyPr>
+            <a:normAutofit fontScale="77500" lnSpcReduction="20000"/>
+          </a:bodyPr>
+          <a:lstStyle/>
+          <a:p>
+            <a:pPr>
+              <a:defRPr/>
+            </a:pPr>
+            <a:r>
+              <a:rPr lang="en-GB" dirty="0" smtClean="0"/>
+              <a:t>The root in the component hierarchy is </a:t>
+            </a:r>
+            <a:r>
+              <a:rPr lang="en-GB" dirty="0" err="1" smtClean="0"/>
+              <a:t>JComponent</a:t>
+            </a:r>
+            <a:r>
+              <a:rPr lang="en-GB" dirty="0" smtClean="0"/>
+              <a:t>.</a:t>
+            </a:r>
+          </a:p>
+          <a:p>
+            <a:pPr>
+              <a:defRPr/>
+            </a:pPr>
+            <a:r>
+              <a:rPr lang="en-GB" dirty="0" smtClean="0"/>
+              <a:t>The </a:t>
+            </a:r>
+            <a:r>
+              <a:rPr lang="en-GB" dirty="0" err="1" smtClean="0"/>
+              <a:t>JComponent</a:t>
+            </a:r>
+            <a:r>
+              <a:rPr lang="en-GB" dirty="0" smtClean="0"/>
+              <a:t> provides the following functionality to its descendants, e.g., </a:t>
+            </a:r>
+            <a:r>
+              <a:rPr lang="en-GB" dirty="0" err="1" smtClean="0"/>
+              <a:t>JLabel</a:t>
+            </a:r>
+            <a:r>
+              <a:rPr lang="en-GB" dirty="0" smtClean="0"/>
+              <a:t>, </a:t>
+            </a:r>
+            <a:r>
+              <a:rPr lang="en-GB" dirty="0" err="1" smtClean="0"/>
+              <a:t>JRadioButton</a:t>
+            </a:r>
+            <a:r>
+              <a:rPr lang="en-GB" dirty="0" smtClean="0"/>
+              <a:t>, and </a:t>
+            </a:r>
+            <a:r>
+              <a:rPr lang="en-GB" dirty="0" err="1" smtClean="0"/>
+              <a:t>JTextArea</a:t>
+            </a:r>
+            <a:endParaRPr lang="en-GB" dirty="0" smtClean="0"/>
+          </a:p>
+          <a:p>
+            <a:pPr lvl="1">
+              <a:defRPr/>
+            </a:pPr>
+            <a:r>
+              <a:rPr lang="en-GB" dirty="0" smtClean="0"/>
+              <a:t>Tool tips</a:t>
+            </a:r>
+          </a:p>
+          <a:p>
+            <a:pPr lvl="1">
+              <a:defRPr/>
+            </a:pPr>
+            <a:r>
+              <a:rPr lang="en-GB" dirty="0" smtClean="0"/>
+              <a:t>Borders</a:t>
+            </a:r>
+          </a:p>
+          <a:p>
+            <a:pPr lvl="1">
+              <a:defRPr/>
+            </a:pPr>
+            <a:r>
+              <a:rPr lang="en-GB" dirty="0" smtClean="0"/>
+              <a:t>Keyboard-generated actions</a:t>
+            </a:r>
+          </a:p>
+          <a:p>
+            <a:pPr lvl="1">
+              <a:defRPr/>
+            </a:pPr>
+            <a:r>
+              <a:rPr lang="en-GB" dirty="0" smtClean="0"/>
+              <a:t>Application-wide pluggable look and feel</a:t>
+            </a:r>
+          </a:p>
+          <a:p>
+            <a:pPr lvl="1">
+              <a:defRPr/>
+            </a:pPr>
+            <a:r>
+              <a:rPr lang="en-GB" dirty="0" smtClean="0"/>
+              <a:t>Various properties</a:t>
+            </a:r>
+          </a:p>
+          <a:p>
+            <a:pPr lvl="1">
+              <a:defRPr/>
+            </a:pPr>
+            <a:r>
+              <a:rPr lang="en-GB" dirty="0" smtClean="0"/>
+              <a:t>Support for layout</a:t>
+            </a:r>
+          </a:p>
+          <a:p>
+            <a:pPr lvl="1">
+              <a:defRPr/>
+            </a:pPr>
+            <a:r>
+              <a:rPr lang="en-GB" dirty="0" smtClean="0"/>
+              <a:t>Support for accessibility</a:t>
+            </a:r>
+          </a:p>
+          <a:p>
+            <a:pPr lvl="1">
+              <a:defRPr/>
+            </a:pPr>
+            <a:r>
+              <a:rPr lang="en-GB" dirty="0" smtClean="0"/>
+              <a:t>Double buffering</a:t>
+            </a:r>
+            <a:endParaRPr lang="en-GB" dirty="0"/>
+          </a:p>
+        </p:txBody>
+      </p:sp>
+    </p:spTree>
+  </p:cSld>
+  <p:clrMapOvr>
+    <a:masterClrMapping/>
+  </p:clrMapOvr>
+</p:sld>
+</file>
+
+<file path=ppt/slides/slide27.xml><?xml version="1.0" encoding="utf-8"?>
+<p:sld xmlns:a="http://schemas.openxmlformats.org/drawingml/2006/main" xmlns:r="http://schemas.openxmlformats.org/officeDocument/2006/relationships" xmlns:p="http://schemas.openxmlformats.org/presentationml/2006/main">
+  <p:cSld>
+    <p:spTree>
+      <p:nvGrpSpPr>
+        <p:cNvPr id="1" name=""/>
+        <p:cNvGrpSpPr/>
+        <p:nvPr/>
+      </p:nvGrpSpPr>
+      <p:grpSpPr>
+        <a:xfrm>
+          <a:off x="0" y="0"/>
+          <a:ext cx="0" cy="0"/>
+          <a:chOff x="0" y="0"/>
+          <a:chExt cx="0" cy="0"/>
+        </a:xfrm>
+      </p:grpSpPr>
+      <p:sp>
+        <p:nvSpPr>
+          <p:cNvPr id="32770" name="Title 1"/>
+          <p:cNvSpPr>
+            <a:spLocks noGrp="1"/>
+          </p:cNvSpPr>
+          <p:nvPr>
+            <p:ph type="title"/>
+          </p:nvPr>
+        </p:nvSpPr>
+        <p:spPr>
+          <a:xfrm>
+            <a:off x="685800" y="0"/>
+            <a:ext cx="7772400" cy="1143000"/>
+          </a:xfrm>
+        </p:spPr>
         <p:txBody>
           <a:bodyPr/>
           <a:lstStyle/>
           <a:p>
+            <a:r>
+              <a:rPr lang="en-GB" altLang="en-US" smtClean="0"/>
+              <a:t>Basic Components</a:t>
+            </a:r>
+          </a:p>
+        </p:txBody>
+      </p:sp>
+      <p:sp>
+        <p:nvSpPr>
+          <p:cNvPr id="32771" name="Content Placeholder 2"/>
+          <p:cNvSpPr>
+            <a:spLocks noGrp="1"/>
+          </p:cNvSpPr>
+          <p:nvPr>
+            <p:ph idx="1"/>
+          </p:nvPr>
+        </p:nvSpPr>
+        <p:spPr/>
+        <p:txBody>
+          <a:bodyPr/>
+          <a:lstStyle/>
+          <a:p>
             <a:endParaRPr lang="en-GB" altLang="en-US" smtClean="0"/>
           </a:p>
         </p:txBody>
       </p:sp>
       <p:pic>
         <p:nvPicPr>
-          <p:cNvPr id="34820" name="Picture 3"/>
+          <p:cNvPr id="32772" name="Picture 3"/>
           <p:cNvPicPr>
             <a:picLocks noChangeAspect="1"/>
           </p:cNvPicPr>
@@ -6614,8 +6864,8 @@
         </p:blipFill>
         <p:spPr bwMode="auto">
           <a:xfrm>
-            <a:off x="533400" y="1292225"/>
-            <a:ext cx="7781925" cy="4803775"/>
+            <a:off x="381000" y="1168400"/>
+            <a:ext cx="7824788" cy="5162550"/>
           </a:xfrm>
           <a:prstGeom prst="rect">
             <a:avLst/>
@@ -6653,7 +6903,7 @@
 </p:sld>
 </file>
 
-<file path=ppt/slides/slide27.xml><?xml version="1.0" encoding="utf-8"?>
+<file path=ppt/slides/slide28.xml><?xml version="1.0" encoding="utf-8"?>
 <p:sld xmlns:a="http://schemas.openxmlformats.org/drawingml/2006/main" xmlns:r="http://schemas.openxmlformats.org/officeDocument/2006/relationships" xmlns:p="http://schemas.openxmlformats.org/presentationml/2006/main">
   <p:cSld>
     <p:spTree>
@@ -6672,7 +6922,7 @@
       </p:grpSpPr>
       <p:sp>
         <p:nvSpPr>
-          <p:cNvPr id="35842" name="Title 1"/>
+          <p:cNvPr id="33794" name="Title 1"/>
           <p:cNvSpPr>
             <a:spLocks noGrp="1"/>
           </p:cNvSpPr>
@@ -6682,8 +6932,8 @@
         </p:nvSpPr>
         <p:spPr>
           <a:xfrm>
-            <a:off x="685800" y="609600"/>
-            <a:ext cx="7772400" cy="1371600"/>
+            <a:off x="685800" y="152400"/>
+            <a:ext cx="7772400" cy="1143000"/>
           </a:xfrm>
         </p:spPr>
         <p:txBody>
@@ -6692,14 +6942,14 @@
           <a:p>
             <a:r>
               <a:rPr lang="en-GB" altLang="en-US" smtClean="0"/>
-              <a:t>Review Popular GUI Components used to Create User Interfaces (Swing)</a:t>
-            </a:r>
-          </a:p>
-        </p:txBody>
-      </p:sp>
-      <p:sp>
-        <p:nvSpPr>
-          <p:cNvPr id="35843" name="Content Placeholder 2"/>
+              <a:t>Non-Editable Displays</a:t>
+            </a:r>
+          </a:p>
+        </p:txBody>
+      </p:sp>
+      <p:sp>
+        <p:nvSpPr>
+          <p:cNvPr id="33795" name="Content Placeholder 2"/>
           <p:cNvSpPr>
             <a:spLocks noGrp="1"/>
           </p:cNvSpPr>
@@ -6718,7 +6968,7 @@
       </p:sp>
       <p:pic>
         <p:nvPicPr>
-          <p:cNvPr id="35844" name="Picture 3"/>
+          <p:cNvPr id="33796" name="Picture 3"/>
           <p:cNvPicPr>
             <a:picLocks noChangeAspect="1"/>
           </p:cNvPicPr>
@@ -6739,8 +6989,8 @@
         </p:blipFill>
         <p:spPr bwMode="auto">
           <a:xfrm>
-            <a:off x="304800" y="2590800"/>
-            <a:ext cx="8353425" cy="3733800"/>
+            <a:off x="2209800" y="1376363"/>
+            <a:ext cx="4438650" cy="5324475"/>
           </a:xfrm>
           <a:prstGeom prst="rect">
             <a:avLst/>
@@ -6778,93 +7028,6 @@
 </p:sld>
 </file>
 
-<file path=ppt/slides/slide28.xml><?xml version="1.0" encoding="utf-8"?>
-<p:sld xmlns:a="http://schemas.openxmlformats.org/drawingml/2006/main" xmlns:r="http://schemas.openxmlformats.org/officeDocument/2006/relationships" xmlns:p="http://schemas.openxmlformats.org/presentationml/2006/main">
-  <p:cSld>
-    <p:spTree>
-      <p:nvGrpSpPr>
-        <p:cNvPr id="1" name=""/>
-        <p:cNvGrpSpPr/>
-        <p:nvPr/>
-      </p:nvGrpSpPr>
-      <p:grpSpPr>
-        <a:xfrm>
-          <a:off x="0" y="0"/>
-          <a:ext cx="0" cy="0"/>
-          <a:chOff x="0" y="0"/>
-          <a:chExt cx="0" cy="0"/>
-        </a:xfrm>
-      </p:grpSpPr>
-      <p:sp>
-        <p:nvSpPr>
-          <p:cNvPr id="36866" name="Title 1"/>
-          <p:cNvSpPr>
-            <a:spLocks noGrp="1"/>
-          </p:cNvSpPr>
-          <p:nvPr>
-            <p:ph type="title"/>
-          </p:nvPr>
-        </p:nvSpPr>
-        <p:spPr/>
-        <p:txBody>
-          <a:bodyPr/>
-          <a:lstStyle/>
-          <a:p>
-            <a:r>
-              <a:rPr lang="en-GB" altLang="en-US" smtClean="0"/>
-              <a:t>This Week</a:t>
-            </a:r>
-          </a:p>
-        </p:txBody>
-      </p:sp>
-      <p:sp>
-        <p:nvSpPr>
-          <p:cNvPr id="36867" name="Content Placeholder 2"/>
-          <p:cNvSpPr>
-            <a:spLocks noGrp="1"/>
-          </p:cNvSpPr>
-          <p:nvPr>
-            <p:ph idx="1"/>
-          </p:nvPr>
-        </p:nvSpPr>
-        <p:spPr/>
-        <p:txBody>
-          <a:bodyPr/>
-          <a:lstStyle/>
-          <a:p>
-            <a:r>
-              <a:rPr lang="en-GB" altLang="en-US" smtClean="0"/>
-              <a:t>Read Associated Chapters</a:t>
-            </a:r>
-          </a:p>
-          <a:p>
-            <a:r>
-              <a:rPr lang="en-GB" altLang="en-US" smtClean="0"/>
-              <a:t>Review Slides</a:t>
-            </a:r>
-          </a:p>
-          <a:p>
-            <a:r>
-              <a:rPr lang="en-GB" altLang="en-US" smtClean="0"/>
-              <a:t>Online Quizzes</a:t>
-            </a:r>
-          </a:p>
-          <a:p>
-            <a:r>
-              <a:rPr lang="en-GB" altLang="en-US" smtClean="0"/>
-              <a:t>Java Exercises</a:t>
-            </a:r>
-          </a:p>
-        </p:txBody>
-      </p:sp>
-    </p:spTree>
-  </p:cSld>
-  <p:clrMapOvr>
-    <a:masterClrMapping/>
-  </p:clrMapOvr>
-</p:sld>
-</file>
-
 <file path=ppt/slides/slide29.xml><?xml version="1.0" encoding="utf-8"?>
 <p:sld xmlns:a="http://schemas.openxmlformats.org/drawingml/2006/main" xmlns:r="http://schemas.openxmlformats.org/officeDocument/2006/relationships" xmlns:p="http://schemas.openxmlformats.org/presentationml/2006/main">
   <p:cSld>
@@ -6884,7 +7047,7 @@
       </p:grpSpPr>
       <p:sp>
         <p:nvSpPr>
-          <p:cNvPr id="37890" name="Title 1"/>
+          <p:cNvPr id="34818" name="Title 1"/>
           <p:cNvSpPr>
             <a:spLocks noGrp="1"/>
           </p:cNvSpPr>
@@ -6892,21 +7055,26 @@
             <p:ph type="title"/>
           </p:nvPr>
         </p:nvSpPr>
-        <p:spPr/>
+        <p:spPr>
+          <a:xfrm>
+            <a:off x="685800" y="7938"/>
+            <a:ext cx="7772400" cy="1143000"/>
+          </a:xfrm>
+        </p:spPr>
         <p:txBody>
           <a:bodyPr/>
           <a:lstStyle/>
           <a:p>
             <a:r>
               <a:rPr lang="en-GB" altLang="en-US" smtClean="0"/>
-              <a:t>Summary</a:t>
-            </a:r>
-          </a:p>
-        </p:txBody>
-      </p:sp>
-      <p:sp>
-        <p:nvSpPr>
-          <p:cNvPr id="37891" name="Content Placeholder 2"/>
+              <a:t>Editable Displays</a:t>
+            </a:r>
+          </a:p>
+        </p:txBody>
+      </p:sp>
+      <p:sp>
+        <p:nvSpPr>
+          <p:cNvPr id="34819" name="Content Placeholder 2"/>
           <p:cNvSpPr>
             <a:spLocks noGrp="1"/>
           </p:cNvSpPr>
@@ -6919,43 +7087,69 @@
           <a:bodyPr/>
           <a:lstStyle/>
           <a:p>
-            <a:r>
-              <a:rPr lang="en-GB" altLang="en-US" smtClean="0"/>
-              <a:t>Overview Basic GUI Principles</a:t>
-            </a:r>
-          </a:p>
-          <a:p>
-            <a:r>
-              <a:rPr lang="en-GB" altLang="en-US" smtClean="0"/>
-              <a:t>Abstract Windowing Toolkit (AWT)</a:t>
-            </a:r>
-          </a:p>
-          <a:p>
-            <a:r>
-              <a:rPr lang="en-GB" altLang="en-US" smtClean="0"/>
-              <a:t>Java Foundation Classes (JFC)</a:t>
-            </a:r>
-          </a:p>
-          <a:p>
-            <a:r>
-              <a:rPr lang="en-GB" altLang="en-US" smtClean="0"/>
-              <a:t>Hands-On/Practical</a:t>
-            </a:r>
-          </a:p>
-        </p:txBody>
-      </p:sp>
+            <a:endParaRPr lang="en-GB" altLang="en-US" smtClean="0"/>
+          </a:p>
+        </p:txBody>
+      </p:sp>
+      <p:pic>
+        <p:nvPicPr>
+          <p:cNvPr id="34820" name="Picture 3"/>
+          <p:cNvPicPr>
+            <a:picLocks noChangeAspect="1"/>
+          </p:cNvPicPr>
+          <p:nvPr/>
+        </p:nvPicPr>
+        <p:blipFill>
+          <a:blip r:embed="rId2">
+            <a:extLst>
+              <a:ext uri="{28A0092B-C50C-407E-A947-70E740481C1C}">
+                <a14:useLocalDpi xmlns:a14="http://schemas.microsoft.com/office/drawing/2010/main" val="0"/>
+              </a:ext>
+            </a:extLst>
+          </a:blip>
+          <a:srcRect/>
+          <a:stretch>
+            <a:fillRect/>
+          </a:stretch>
+        </p:blipFill>
+        <p:spPr bwMode="auto">
+          <a:xfrm>
+            <a:off x="533400" y="1292225"/>
+            <a:ext cx="7781925" cy="4803775"/>
+          </a:xfrm>
+          <a:prstGeom prst="rect">
+            <a:avLst/>
+          </a:prstGeom>
+          <a:noFill/>
+          <a:ln>
+            <a:noFill/>
+          </a:ln>
+          <a:extLst>
+            <a:ext uri="{909E8E84-426E-40DD-AFC4-6F175D3DCCD1}">
+              <a14:hiddenFill xmlns:a14="http://schemas.microsoft.com/office/drawing/2010/main">
+                <a:solidFill>
+                  <a:srgbClr val="FFFFFF"/>
+                </a:solidFill>
+              </a14:hiddenFill>
+            </a:ext>
+            <a:ext uri="{91240B29-F687-4F45-9708-019B960494DF}">
+              <a14:hiddenLine xmlns:a14="http://schemas.microsoft.com/office/drawing/2010/main" w="9525">
+                <a:solidFill>
+                  <a:srgbClr val="000000"/>
+                </a:solidFill>
+                <a:miter lim="800000"/>
+                <a:headEnd/>
+                <a:tailEnd/>
+              </a14:hiddenLine>
+            </a:ext>
+          </a:extLst>
+        </p:spPr>
+      </p:pic>
     </p:spTree>
   </p:cSld>
   <p:clrMapOvr>
     <a:masterClrMapping/>
   </p:clrMapOvr>
-  <p:timing>
-    <p:tnLst>
-      <p:par>
-        <p:cTn id="1" dur="indefinite" restart="never" nodeType="tmRoot"/>
-      </p:par>
-    </p:tnLst>
-  </p:timing>
 </p:sld>
 </file>
 
@@ -7014,13 +7208,20 @@
           <a:lstStyle/>
           <a:p>
             <a:r>
-              <a:rPr lang="en-GB" altLang="en-US" smtClean="0"/>
-              <a:t>Note this is a huge area many books are devoted solely to this topic</a:t>
-            </a:r>
-          </a:p>
-          <a:p>
-            <a:r>
-              <a:rPr lang="en-GB" altLang="en-US" smtClean="0"/>
+              <a:rPr lang="en-GB" altLang="en-US" dirty="0" smtClean="0"/>
+              <a:t>Note this is a huge area </a:t>
+            </a:r>
+          </a:p>
+          <a:p>
+            <a:pPr lvl="1"/>
+            <a:r>
+              <a:rPr lang="en-GB" altLang="en-US" dirty="0" smtClean="0"/>
+              <a:t>Many books are devoted solely to this topic</a:t>
+            </a:r>
+          </a:p>
+          <a:p>
+            <a:r>
+              <a:rPr lang="en-GB" altLang="en-US" dirty="0" smtClean="0"/>
               <a:t>Today we will provide an overview on getting started with Java GUIs</a:t>
             </a:r>
           </a:p>
@@ -7035,6 +7236,406 @@
 </file>
 
 <file path=ppt/slides/slide30.xml><?xml version="1.0" encoding="utf-8"?>
+<p:sld xmlns:a="http://schemas.openxmlformats.org/drawingml/2006/main" xmlns:r="http://schemas.openxmlformats.org/officeDocument/2006/relationships" xmlns:p="http://schemas.openxmlformats.org/presentationml/2006/main">
+  <p:cSld>
+    <p:spTree>
+      <p:nvGrpSpPr>
+        <p:cNvPr id="1" name=""/>
+        <p:cNvGrpSpPr/>
+        <p:nvPr/>
+      </p:nvGrpSpPr>
+      <p:grpSpPr>
+        <a:xfrm>
+          <a:off x="0" y="0"/>
+          <a:ext cx="0" cy="0"/>
+          <a:chOff x="0" y="0"/>
+          <a:chExt cx="0" cy="0"/>
+        </a:xfrm>
+      </p:grpSpPr>
+      <p:sp>
+        <p:nvSpPr>
+          <p:cNvPr id="37890" name="Title 1"/>
+          <p:cNvSpPr>
+            <a:spLocks noGrp="1"/>
+          </p:cNvSpPr>
+          <p:nvPr>
+            <p:ph type="title"/>
+          </p:nvPr>
+        </p:nvSpPr>
+        <p:spPr/>
+        <p:txBody>
+          <a:bodyPr/>
+          <a:lstStyle/>
+          <a:p>
+            <a:r>
+              <a:rPr lang="en-GB" altLang="en-US" smtClean="0"/>
+              <a:t>Summary</a:t>
+            </a:r>
+          </a:p>
+        </p:txBody>
+      </p:sp>
+      <p:sp>
+        <p:nvSpPr>
+          <p:cNvPr id="37891" name="Content Placeholder 2"/>
+          <p:cNvSpPr>
+            <a:spLocks noGrp="1"/>
+          </p:cNvSpPr>
+          <p:nvPr>
+            <p:ph idx="1"/>
+          </p:nvPr>
+        </p:nvSpPr>
+        <p:spPr/>
+        <p:txBody>
+          <a:bodyPr/>
+          <a:lstStyle/>
+          <a:p>
+            <a:r>
+              <a:rPr lang="en-GB" altLang="en-US" dirty="0" smtClean="0"/>
+              <a:t>Overview Basic GUI Principles</a:t>
+            </a:r>
+          </a:p>
+          <a:p>
+            <a:r>
+              <a:rPr lang="en-GB" altLang="en-US" dirty="0" smtClean="0"/>
+              <a:t>Abstract Windowing Toolkit (AWT)</a:t>
+            </a:r>
+          </a:p>
+          <a:p>
+            <a:r>
+              <a:rPr lang="en-GB" altLang="en-US" dirty="0" smtClean="0"/>
+              <a:t>Java Foundation Classes (JFC)</a:t>
+            </a:r>
+          </a:p>
+          <a:p>
+            <a:r>
+              <a:rPr lang="en-GB" altLang="en-US" dirty="0" smtClean="0"/>
+              <a:t>Apply Hands-On/Practical Understanding of GUIs</a:t>
+            </a:r>
+          </a:p>
+        </p:txBody>
+      </p:sp>
+    </p:spTree>
+  </p:cSld>
+  <p:clrMapOvr>
+    <a:masterClrMapping/>
+  </p:clrMapOvr>
+  <p:timing>
+    <p:tnLst>
+      <p:par>
+        <p:cTn id="1" dur="indefinite" restart="never" nodeType="tmRoot"/>
+      </p:par>
+    </p:tnLst>
+  </p:timing>
+</p:sld>
+</file>
+
+<file path=ppt/slides/slide31.xml><?xml version="1.0" encoding="utf-8"?>
+<p:sld xmlns:a="http://schemas.openxmlformats.org/drawingml/2006/main" xmlns:r="http://schemas.openxmlformats.org/officeDocument/2006/relationships" xmlns:p="http://schemas.openxmlformats.org/presentationml/2006/main">
+  <p:cSld>
+    <p:spTree>
+      <p:nvGrpSpPr>
+        <p:cNvPr id="1" name=""/>
+        <p:cNvGrpSpPr/>
+        <p:nvPr/>
+      </p:nvGrpSpPr>
+      <p:grpSpPr>
+        <a:xfrm>
+          <a:off x="0" y="0"/>
+          <a:ext cx="0" cy="0"/>
+          <a:chOff x="0" y="0"/>
+          <a:chExt cx="0" cy="0"/>
+        </a:xfrm>
+      </p:grpSpPr>
+      <p:sp>
+        <p:nvSpPr>
+          <p:cNvPr id="36866" name="Title 1"/>
+          <p:cNvSpPr>
+            <a:spLocks noGrp="1"/>
+          </p:cNvSpPr>
+          <p:nvPr>
+            <p:ph type="title"/>
+          </p:nvPr>
+        </p:nvSpPr>
+        <p:spPr/>
+        <p:txBody>
+          <a:bodyPr/>
+          <a:lstStyle/>
+          <a:p>
+            <a:r>
+              <a:rPr lang="en-GB" altLang="en-US" smtClean="0"/>
+              <a:t>This Week</a:t>
+            </a:r>
+          </a:p>
+        </p:txBody>
+      </p:sp>
+      <p:sp>
+        <p:nvSpPr>
+          <p:cNvPr id="36867" name="Content Placeholder 2"/>
+          <p:cNvSpPr>
+            <a:spLocks noGrp="1"/>
+          </p:cNvSpPr>
+          <p:nvPr>
+            <p:ph idx="1"/>
+          </p:nvPr>
+        </p:nvSpPr>
+        <p:spPr/>
+        <p:txBody>
+          <a:bodyPr/>
+          <a:lstStyle/>
+          <a:p>
+            <a:r>
+              <a:rPr lang="en-GB" altLang="en-US" smtClean="0"/>
+              <a:t>Read Associated Chapters</a:t>
+            </a:r>
+          </a:p>
+          <a:p>
+            <a:r>
+              <a:rPr lang="en-GB" altLang="en-US" smtClean="0"/>
+              <a:t>Review Slides</a:t>
+            </a:r>
+          </a:p>
+          <a:p>
+            <a:r>
+              <a:rPr lang="en-GB" altLang="en-US" smtClean="0"/>
+              <a:t>Online Quizzes</a:t>
+            </a:r>
+          </a:p>
+          <a:p>
+            <a:r>
+              <a:rPr lang="en-GB" altLang="en-US" smtClean="0"/>
+              <a:t>Java Exercises</a:t>
+            </a:r>
+          </a:p>
+        </p:txBody>
+      </p:sp>
+    </p:spTree>
+  </p:cSld>
+  <p:clrMapOvr>
+    <a:masterClrMapping/>
+  </p:clrMapOvr>
+</p:sld>
+</file>
+
+<file path=ppt/slides/slide32.xml><?xml version="1.0" encoding="utf-8"?>
+<p:sld xmlns:a="http://schemas.openxmlformats.org/drawingml/2006/main" xmlns:r="http://schemas.openxmlformats.org/officeDocument/2006/relationships" xmlns:p="http://schemas.openxmlformats.org/presentationml/2006/main">
+  <p:cSld>
+    <p:spTree>
+      <p:nvGrpSpPr>
+        <p:cNvPr id="1" name=""/>
+        <p:cNvGrpSpPr/>
+        <p:nvPr/>
+      </p:nvGrpSpPr>
+      <p:grpSpPr>
+        <a:xfrm>
+          <a:off x="0" y="0"/>
+          <a:ext cx="0" cy="0"/>
+          <a:chOff x="0" y="0"/>
+          <a:chExt cx="0" cy="0"/>
+        </a:xfrm>
+      </p:grpSpPr>
+      <p:sp>
+        <p:nvSpPr>
+          <p:cNvPr id="50178" name="Title 1"/>
+          <p:cNvSpPr>
+            <a:spLocks noGrp="1"/>
+          </p:cNvSpPr>
+          <p:nvPr>
+            <p:ph type="title"/>
+          </p:nvPr>
+        </p:nvSpPr>
+        <p:spPr>
+          <a:xfrm>
+            <a:off x="685800" y="76200"/>
+            <a:ext cx="7772400" cy="1143000"/>
+          </a:xfrm>
+        </p:spPr>
+        <p:txBody>
+          <a:bodyPr/>
+          <a:lstStyle/>
+          <a:p>
+            <a:r>
+              <a:rPr lang="en-GB" altLang="en-US" smtClean="0"/>
+              <a:t>Today’s Practical</a:t>
+            </a:r>
+          </a:p>
+        </p:txBody>
+      </p:sp>
+      <p:sp>
+        <p:nvSpPr>
+          <p:cNvPr id="3" name="Content Placeholder 2"/>
+          <p:cNvSpPr>
+            <a:spLocks noGrp="1"/>
+          </p:cNvSpPr>
+          <p:nvPr>
+            <p:ph idx="1"/>
+          </p:nvPr>
+        </p:nvSpPr>
+        <p:spPr>
+          <a:xfrm>
+            <a:off x="685800" y="1447800"/>
+            <a:ext cx="7772400" cy="5181600"/>
+          </a:xfrm>
+        </p:spPr>
+        <p:txBody>
+          <a:bodyPr>
+            <a:normAutofit fontScale="70000" lnSpcReduction="20000"/>
+          </a:bodyPr>
+          <a:lstStyle/>
+          <a:p>
+            <a:pPr>
+              <a:defRPr/>
+            </a:pPr>
+            <a:r>
+              <a:rPr lang="en-GB" b="1" dirty="0"/>
+              <a:t>Programming Exercises (Book): </a:t>
+            </a:r>
+          </a:p>
+          <a:p>
+            <a:pPr lvl="1">
+              <a:defRPr/>
+            </a:pPr>
+            <a:r>
+              <a:rPr lang="en-GB" b="1" dirty="0" smtClean="0"/>
+              <a:t>Chapter 12.1-12.5</a:t>
+            </a:r>
+          </a:p>
+          <a:p>
+            <a:pPr lvl="1">
+              <a:defRPr/>
+            </a:pPr>
+            <a:r>
+              <a:rPr lang="en-GB" b="1" dirty="0" smtClean="0"/>
+              <a:t>(</a:t>
+            </a:r>
+            <a:r>
+              <a:rPr lang="en-GB" b="1" dirty="0"/>
+              <a:t>Only code not UML)</a:t>
+            </a:r>
+          </a:p>
+          <a:p>
+            <a:pPr>
+              <a:defRPr/>
+            </a:pPr>
+            <a:endParaRPr lang="en-GB" dirty="0"/>
+          </a:p>
+          <a:p>
+            <a:pPr>
+              <a:defRPr/>
+            </a:pPr>
+            <a:r>
+              <a:rPr lang="en-GB" dirty="0"/>
+              <a:t>Upload single .zip file containing all your java files (only java files).</a:t>
+            </a:r>
+          </a:p>
+          <a:p>
+            <a:pPr lvl="1">
+              <a:defRPr/>
+            </a:pPr>
+            <a:r>
+              <a:rPr lang="en-GB" dirty="0">
+                <a:hlinkClick r:id="rId2"/>
+              </a:rPr>
+              <a:t>www.zjnu.xyz</a:t>
+            </a:r>
+            <a:endParaRPr lang="en-GB" dirty="0"/>
+          </a:p>
+          <a:p>
+            <a:pPr lvl="1">
+              <a:defRPr/>
+            </a:pPr>
+            <a:r>
+              <a:rPr lang="en-GB" dirty="0"/>
+              <a:t>zip file name should be your student number, e.g., 29392929.zip</a:t>
+            </a:r>
+          </a:p>
+          <a:p>
+            <a:pPr>
+              <a:defRPr/>
+            </a:pPr>
+            <a:endParaRPr lang="en-GB" dirty="0"/>
+          </a:p>
+          <a:p>
+            <a:pPr>
+              <a:defRPr/>
+            </a:pPr>
+            <a:r>
+              <a:rPr lang="en-GB" dirty="0"/>
+              <a:t>Remember to </a:t>
+            </a:r>
+            <a:r>
+              <a:rPr lang="en-GB" dirty="0">
+                <a:solidFill>
+                  <a:srgbClr val="FF0000"/>
+                </a:solidFill>
+              </a:rPr>
+              <a:t>comment your code</a:t>
+            </a:r>
+            <a:r>
+              <a:rPr lang="en-GB" dirty="0"/>
+              <a:t>, name/student number at the top of files.</a:t>
+            </a:r>
+          </a:p>
+          <a:p>
+            <a:pPr>
+              <a:defRPr/>
+            </a:pPr>
+            <a:endParaRPr lang="en-GB" dirty="0"/>
+          </a:p>
+          <a:p>
+            <a:pPr>
+              <a:defRPr/>
+            </a:pPr>
+            <a:r>
+              <a:rPr lang="en-GB" dirty="0" smtClean="0"/>
+              <a:t>Organise your files so it’s clear to identify each exercise (e.g., file names/folders)</a:t>
+            </a:r>
+            <a:endParaRPr lang="en-GB" dirty="0"/>
+          </a:p>
+          <a:p>
+            <a:pPr lvl="1">
+              <a:defRPr/>
+            </a:pPr>
+            <a:r>
+              <a:rPr lang="en-GB" dirty="0" smtClean="0"/>
+              <a:t>ch12_1.java</a:t>
+            </a:r>
+            <a:r>
+              <a:rPr lang="en-GB" dirty="0"/>
+              <a:t>, </a:t>
+            </a:r>
+            <a:r>
+              <a:rPr lang="en-GB" dirty="0" smtClean="0"/>
+              <a:t>ch12_2.java</a:t>
+            </a:r>
+            <a:r>
+              <a:rPr lang="en-GB" dirty="0"/>
+              <a:t>, …</a:t>
+            </a:r>
+          </a:p>
+          <a:p>
+            <a:pPr marL="0" indent="0">
+              <a:buFontTx/>
+              <a:buNone/>
+              <a:defRPr/>
+            </a:pPr>
+            <a:endParaRPr lang="en-GB" dirty="0"/>
+          </a:p>
+        </p:txBody>
+      </p:sp>
+    </p:spTree>
+    <p:extLst>
+      <p:ext uri="{BB962C8B-B14F-4D97-AF65-F5344CB8AC3E}">
+        <p14:creationId xmlns:p14="http://schemas.microsoft.com/office/powerpoint/2010/main" val="3561413903"/>
+      </p:ext>
+    </p:extLst>
+  </p:cSld>
+  <p:clrMapOvr>
+    <a:masterClrMapping/>
+  </p:clrMapOvr>
+</p:sld>
+</file>
+
+<file path=ppt/slides/slide33.xml><?xml version="1.0" encoding="utf-8"?>
 <p:sld xmlns:a="http://schemas.openxmlformats.org/drawingml/2006/main" xmlns:r="http://schemas.openxmlformats.org/officeDocument/2006/relationships" xmlns:p="http://schemas.openxmlformats.org/presentationml/2006/main">
   <p:cSld>
     <p:spTree>
@@ -7163,7 +7764,32 @@
           <a:bodyPr/>
           <a:lstStyle/>
           <a:p>
-            <a:endParaRPr lang="en-GB" altLang="en-US" smtClean="0"/>
+            <a:r>
+              <a:rPr lang="en-GB" altLang="en-US" dirty="0"/>
+              <a:t>What software packages have GUIs</a:t>
+            </a:r>
+            <a:r>
+              <a:rPr lang="en-GB" altLang="en-US" dirty="0" smtClean="0"/>
+              <a:t>?</a:t>
+            </a:r>
+          </a:p>
+          <a:p>
+            <a:r>
+              <a:rPr lang="en-GB" altLang="en-US" dirty="0" smtClean="0"/>
+              <a:t>What does the GUI offer?</a:t>
+            </a:r>
+          </a:p>
+          <a:p>
+            <a:r>
+              <a:rPr lang="en-GB" altLang="en-US" dirty="0" smtClean="0"/>
+              <a:t>What are the different types of GUI?</a:t>
+            </a:r>
+          </a:p>
+          <a:p>
+            <a:pPr marL="0" indent="0">
+              <a:buNone/>
+            </a:pPr>
+            <a:endParaRPr lang="en-GB" altLang="en-US" dirty="0" smtClean="0"/>
           </a:p>
         </p:txBody>
       </p:sp>
@@ -7227,12 +7853,12 @@
         <p:spPr>
           <a:xfrm>
             <a:off x="685800" y="1981200"/>
-            <a:ext cx="7772400" cy="4343400"/>
+            <a:ext cx="8001000" cy="4343400"/>
           </a:xfrm>
         </p:spPr>
         <p:txBody>
           <a:bodyPr>
-            <a:normAutofit fontScale="92500" lnSpcReduction="20000"/>
+            <a:normAutofit fontScale="92500" lnSpcReduction="10000"/>
           </a:bodyPr>
           <a:lstStyle/>
           <a:p>
@@ -7240,8 +7866,16 @@
               <a:defRPr/>
             </a:pPr>
             <a:r>
+              <a:rPr lang="en-GB" b="1" dirty="0" smtClean="0">
+                <a:solidFill>
+                  <a:srgbClr val="FF0000"/>
+                </a:solidFill>
+              </a:rPr>
+              <a:t>Visual</a:t>
+            </a:r>
+            <a:r>
               <a:rPr lang="en-GB" dirty="0" smtClean="0"/>
-              <a:t>Visual feedback/input</a:t>
+              <a:t> feedback/input</a:t>
             </a:r>
           </a:p>
           <a:p>
@@ -7263,7 +7897,27 @@
             </a:pPr>
             <a:r>
               <a:rPr lang="en-GB" dirty="0" smtClean="0"/>
-              <a:t>Faster learning curve/usability</a:t>
+              <a:t>Faster </a:t>
+            </a:r>
+            <a:r>
+              <a:rPr lang="en-GB" b="1" dirty="0" smtClean="0">
+                <a:solidFill>
+                  <a:srgbClr val="FF0000"/>
+                </a:solidFill>
+              </a:rPr>
+              <a:t>learning</a:t>
+            </a:r>
+            <a:r>
+              <a:rPr lang="en-GB" dirty="0" smtClean="0">
+                <a:solidFill>
+                  <a:srgbClr val="FF0000"/>
+                </a:solidFill>
+              </a:rPr>
+              <a:t> </a:t>
+            </a:r>
+            <a:r>
+              <a:rPr lang="en-GB" dirty="0" smtClean="0"/>
+              <a:t>curve/usability</a:t>
             </a:r>
           </a:p>
           <a:p>
@@ -7281,7 +7935,15 @@
             </a:pPr>
             <a:r>
               <a:rPr lang="en-GB" dirty="0" smtClean="0"/>
-              <a:t>Display/show more information/details</a:t>
+              <a:t>Display/show more </a:t>
+            </a:r>
+            <a:r>
+              <a:rPr lang="en-GB" b="1" dirty="0" smtClean="0">
+                <a:solidFill>
+                  <a:srgbClr val="FF0000"/>
+                </a:solidFill>
+              </a:rPr>
+              <a:t>information/details</a:t>
             </a:r>
           </a:p>
           <a:p>
@@ -7308,13 +7970,8 @@
             </a:pPr>
             <a:r>
               <a:rPr lang="en-GB" dirty="0" smtClean="0"/>
-              <a:t>Provides more opportunities (e.g</a:t>
-            </a:r>
-            <a:r>
-              <a:rPr lang="en-GB" smtClean="0"/>
-              <a:t>., video/games)</a:t>
-            </a:r>
-            <a:endParaRPr lang="en-GB" dirty="0" smtClean="0"/>
+              <a:t>Provides more opportunities (e.g., video/games)</a:t>
+            </a:r>
           </a:p>
           <a:p>
             <a:pPr>
@@ -7354,7 +8011,7 @@
       </p:grpSpPr>
       <p:sp>
         <p:nvSpPr>
-          <p:cNvPr id="14338" name="Title 1"/>
+          <p:cNvPr id="2" name="Title 1"/>
           <p:cNvSpPr>
             <a:spLocks noGrp="1"/>
           </p:cNvSpPr>
@@ -7368,15 +8025,16 @@
           <a:lstStyle/>
           <a:p>
             <a:r>
-              <a:rPr lang="en-GB" altLang="en-US" smtClean="0"/>
-              <a:t>GUI Overview</a:t>
-            </a:r>
-          </a:p>
-        </p:txBody>
-      </p:sp>
-      <p:sp>
-        <p:nvSpPr>
-          <p:cNvPr id="14339" name="Content Placeholder 2"/>
+              <a:rPr lang="en-GB" dirty="0" smtClean="0"/>
+              <a:t>Question</a:t>
+            </a:r>
+            <a:endParaRPr lang="en-GB" dirty="0"/>
+          </a:p>
+        </p:txBody>
+      </p:sp>
+      <p:sp>
+        <p:nvSpPr>
+          <p:cNvPr id="3" name="Content Placeholder 2"/>
           <p:cNvSpPr>
             <a:spLocks noGrp="1"/>
           </p:cNvSpPr>
@@ -7390,55 +8048,82 @@
           <a:lstStyle/>
           <a:p>
             <a:r>
-              <a:rPr lang="en-GB" altLang="en-US" smtClean="0"/>
-              <a:t>To create a Java GUI, you need to understand</a:t>
-            </a:r>
-          </a:p>
-          <a:p>
-            <a:pPr lvl="1"/>
-            <a:r>
-              <a:rPr lang="en-GB" altLang="en-US" smtClean="0"/>
-              <a:t>Containers</a:t>
-            </a:r>
-          </a:p>
-          <a:p>
-            <a:pPr lvl="1"/>
-            <a:r>
-              <a:rPr lang="en-GB" altLang="en-US" smtClean="0"/>
-              <a:t>Event</a:t>
-            </a:r>
-          </a:p>
-          <a:p>
-            <a:pPr lvl="1"/>
-            <a:r>
-              <a:rPr lang="en-GB" altLang="en-US" smtClean="0"/>
-              <a:t>Event Handlers</a:t>
-            </a:r>
-          </a:p>
-          <a:p>
-            <a:pPr lvl="1"/>
-            <a:r>
-              <a:rPr lang="en-GB" altLang="en-US" smtClean="0"/>
-              <a:t>Layout managers</a:t>
-            </a:r>
-          </a:p>
-          <a:p>
-            <a:pPr lvl="1"/>
-            <a:r>
-              <a:rPr lang="en-GB" altLang="en-US" smtClean="0"/>
-              <a:t>Components</a:t>
-            </a:r>
-          </a:p>
-          <a:p>
-            <a:pPr lvl="1"/>
-            <a:r>
-              <a:rPr lang="en-GB" altLang="en-US" smtClean="0"/>
-              <a:t>Special features</a:t>
-            </a:r>
+              <a:rPr lang="en-GB" dirty="0"/>
+              <a:t>What does GUI stand for?</a:t>
+            </a:r>
+          </a:p>
+          <a:p>
+            <a:endParaRPr lang="en-GB" dirty="0"/>
+          </a:p>
+          <a:p>
+            <a:pPr marL="0" indent="0">
+              <a:buNone/>
+            </a:pPr>
+            <a:r>
+              <a:rPr lang="en-GB" dirty="0" smtClean="0"/>
+              <a:t>a) </a:t>
+            </a:r>
+            <a:r>
+              <a:rPr lang="en-GB" dirty="0"/>
+              <a:t>Graphical User Interface</a:t>
+            </a:r>
+          </a:p>
+          <a:p>
+            <a:pPr marL="0" indent="0">
+              <a:buNone/>
+            </a:pPr>
+            <a:r>
+              <a:rPr lang="en-GB" dirty="0" smtClean="0"/>
+              <a:t>b) </a:t>
+            </a:r>
+            <a:r>
+              <a:rPr lang="en-GB" dirty="0" err="1"/>
+              <a:t>Gimme</a:t>
+            </a:r>
+            <a:r>
+              <a:rPr lang="en-GB" dirty="0"/>
+              <a:t> Ur Internet</a:t>
+            </a:r>
+          </a:p>
+          <a:p>
+            <a:pPr marL="0" indent="0">
+              <a:buNone/>
+            </a:pPr>
+            <a:r>
+              <a:rPr lang="en-GB" dirty="0" smtClean="0"/>
+              <a:t>c) </a:t>
+            </a:r>
+            <a:r>
+              <a:rPr lang="en-GB" dirty="0"/>
+              <a:t>Grand User Interface</a:t>
+            </a:r>
+          </a:p>
+          <a:p>
+            <a:pPr marL="0" indent="0">
+              <a:buNone/>
+            </a:pPr>
+            <a:r>
+              <a:rPr lang="en-GB" dirty="0" smtClean="0"/>
+              <a:t>d) </a:t>
+            </a:r>
+            <a:r>
+              <a:rPr lang="en-GB" dirty="0"/>
+              <a:t>Graphical Useful </a:t>
+            </a:r>
+            <a:r>
+              <a:rPr lang="en-GB" dirty="0" smtClean="0"/>
+              <a:t>Interface</a:t>
+            </a:r>
+            <a:endParaRPr lang="en-GB" dirty="0"/>
           </a:p>
         </p:txBody>
       </p:sp>
     </p:spTree>
+    <p:extLst>
+      <p:ext uri="{BB962C8B-B14F-4D97-AF65-F5344CB8AC3E}">
+        <p14:creationId xmlns:p14="http://schemas.microsoft.com/office/powerpoint/2010/main" val="1225379797"/>
+      </p:ext>
+    </p:extLst>
   </p:cSld>
   <p:clrMapOvr>
     <a:masterClrMapping/>
@@ -7465,7 +8150,7 @@
       </p:grpSpPr>
       <p:sp>
         <p:nvSpPr>
-          <p:cNvPr id="15362" name="Title 1"/>
+          <p:cNvPr id="2" name="Title 1"/>
           <p:cNvSpPr>
             <a:spLocks noGrp="1"/>
           </p:cNvSpPr>
@@ -7479,9 +8164,10 @@
           <a:lstStyle/>
           <a:p>
             <a:r>
-              <a:rPr lang="en-GB" altLang="en-US" smtClean="0"/>
-              <a:t>AWT and JFC/Swing</a:t>
-            </a:r>
+              <a:rPr lang="en-GB" dirty="0" smtClean="0"/>
+              <a:t>Answer</a:t>
+            </a:r>
+            <a:endParaRPr lang="en-GB" dirty="0"/>
           </a:p>
         </p:txBody>
       </p:sp>
@@ -7495,128 +8181,31 @@
             <p:ph idx="1"/>
           </p:nvPr>
         </p:nvSpPr>
-        <p:spPr>
-          <a:xfrm>
-            <a:off x="685800" y="1981200"/>
-            <a:ext cx="7772400" cy="4343400"/>
-          </a:xfrm>
-        </p:spPr>
-        <p:txBody>
-          <a:bodyPr>
-            <a:normAutofit fontScale="70000" lnSpcReduction="20000"/>
-          </a:bodyPr>
+        <p:spPr/>
+        <p:txBody>
+          <a:bodyPr/>
           <a:lstStyle/>
           <a:p>
-            <a:pPr>
-              <a:defRPr/>
-            </a:pPr>
             <a:r>
               <a:rPr lang="en-GB" dirty="0" smtClean="0"/>
-              <a:t>Early Java development used graphic classes defined in the</a:t>
-            </a:r>
-          </a:p>
-          <a:p>
-            <a:pPr>
-              <a:defRPr/>
-            </a:pPr>
-            <a:r>
-              <a:rPr lang="en-GB" dirty="0" smtClean="0"/>
-              <a:t>Abstract Windowing Toolkit (AWT).</a:t>
-            </a:r>
-          </a:p>
-          <a:p>
-            <a:pPr lvl="1">
-              <a:defRPr/>
-            </a:pPr>
-            <a:r>
-              <a:rPr lang="en-GB" dirty="0" smtClean="0"/>
-              <a:t>See the </a:t>
-            </a:r>
-            <a:r>
-              <a:rPr lang="en-GB" dirty="0" err="1" smtClean="0">
-                <a:solidFill>
-                  <a:srgbClr val="FF0000"/>
-                </a:solidFill>
-              </a:rPr>
-              <a:t>java.awt</a:t>
-            </a:r>
-            <a:r>
-              <a:rPr lang="en-GB" dirty="0" smtClean="0"/>
-              <a:t> packages.</a:t>
-            </a:r>
-          </a:p>
-          <a:p>
-            <a:pPr>
-              <a:defRPr/>
-            </a:pPr>
-            <a:r>
-              <a:rPr lang="en-GB" dirty="0" smtClean="0"/>
-              <a:t>In Java 2, JFC/Swing classes were introduced.</a:t>
-            </a:r>
-          </a:p>
-          <a:p>
-            <a:pPr lvl="1">
-              <a:defRPr/>
-            </a:pPr>
-            <a:r>
-              <a:rPr lang="en-GB" dirty="0" smtClean="0"/>
-              <a:t>See the </a:t>
-            </a:r>
-            <a:r>
-              <a:rPr lang="en-GB" dirty="0" err="1" smtClean="0">
-                <a:solidFill>
-                  <a:srgbClr val="FF0000"/>
-                </a:solidFill>
-              </a:rPr>
-              <a:t>javax.swing</a:t>
-            </a:r>
-            <a:r>
-              <a:rPr lang="en-GB" dirty="0" smtClean="0"/>
-              <a:t> packages</a:t>
-            </a:r>
-          </a:p>
-          <a:p>
-            <a:pPr>
-              <a:defRPr/>
-            </a:pPr>
-            <a:r>
-              <a:rPr lang="en-GB" dirty="0" smtClean="0"/>
-              <a:t>Many AWT components have improved Swing counterparts.</a:t>
-            </a:r>
-          </a:p>
-          <a:p>
-            <a:pPr lvl="1">
-              <a:defRPr/>
-            </a:pPr>
-            <a:r>
-              <a:rPr lang="en-GB" dirty="0" smtClean="0"/>
-              <a:t>An example, the AWT Button class corresponds to a more versatile Swing class called </a:t>
-            </a:r>
-            <a:r>
-              <a:rPr lang="en-GB" dirty="0" err="1" smtClean="0">
-                <a:solidFill>
-                  <a:srgbClr val="FF0000"/>
-                </a:solidFill>
-              </a:rPr>
-              <a:t>JButton</a:t>
-            </a:r>
-            <a:r>
-              <a:rPr lang="en-GB" dirty="0" smtClean="0"/>
-              <a:t>.</a:t>
-            </a:r>
-          </a:p>
-          <a:p>
-            <a:pPr>
-              <a:defRPr/>
-            </a:pPr>
-            <a:r>
-              <a:rPr lang="en-GB" dirty="0" smtClean="0"/>
-              <a:t>Swing does not generally replace the AWT; still use for AWT events and the underlying AWT event processing model</a:t>
-            </a:r>
+              <a:t>a) </a:t>
+            </a:r>
+            <a:r>
+              <a:rPr lang="en-GB" dirty="0"/>
+              <a:t>Graphical User Interface</a:t>
+            </a:r>
+          </a:p>
+          <a:p>
+            <a:endParaRPr lang="en-GB" dirty="0"/>
           </a:p>
         </p:txBody>
       </p:sp>
     </p:spTree>
+    <p:extLst>
+      <p:ext uri="{BB962C8B-B14F-4D97-AF65-F5344CB8AC3E}">
+        <p14:creationId xmlns:p14="http://schemas.microsoft.com/office/powerpoint/2010/main" val="3381295549"/>
+      </p:ext>
+    </p:extLst>
   </p:cSld>
   <p:clrMapOvr>
     <a:masterClrMapping/>
@@ -7643,7 +8232,7 @@
       </p:grpSpPr>
       <p:sp>
         <p:nvSpPr>
-          <p:cNvPr id="16386" name="Title 1"/>
+          <p:cNvPr id="14338" name="Title 1"/>
           <p:cNvSpPr>
             <a:spLocks noGrp="1"/>
           </p:cNvSpPr>
@@ -7658,117 +8247,72 @@
           <a:p>
             <a:r>
               <a:rPr lang="en-GB" altLang="en-US" smtClean="0"/>
+              <a:t>GUI Overview</a:t>
+            </a:r>
+          </a:p>
+        </p:txBody>
+      </p:sp>
+      <p:sp>
+        <p:nvSpPr>
+          <p:cNvPr id="14339" name="Content Placeholder 2"/>
+          <p:cNvSpPr>
+            <a:spLocks noGrp="1"/>
+          </p:cNvSpPr>
+          <p:nvPr>
+            <p:ph idx="1"/>
+          </p:nvPr>
+        </p:nvSpPr>
+        <p:spPr/>
+        <p:txBody>
+          <a:bodyPr/>
+          <a:lstStyle/>
+          <a:p>
+            <a:r>
+              <a:rPr lang="en-GB" altLang="en-US" smtClean="0"/>
+              <a:t>To create a Java GUI, you need to understand</a:t>
+            </a:r>
+          </a:p>
+          <a:p>
+            <a:pPr lvl="1"/>
+            <a:r>
+              <a:rPr lang="en-GB" altLang="en-US" smtClean="0"/>
               <a:t>Containers</a:t>
             </a:r>
           </a:p>
-        </p:txBody>
-      </p:sp>
-      <p:sp>
-        <p:nvSpPr>
-          <p:cNvPr id="3" name="Content Placeholder 2"/>
-          <p:cNvSpPr>
-            <a:spLocks noGrp="1"/>
-          </p:cNvSpPr>
-          <p:nvPr>
-            <p:ph idx="1"/>
-          </p:nvPr>
-        </p:nvSpPr>
-        <p:spPr/>
-        <p:txBody>
-          <a:bodyPr>
-            <a:normAutofit fontScale="70000" lnSpcReduction="20000"/>
-          </a:bodyPr>
-          <a:lstStyle/>
-          <a:p>
-            <a:pPr>
-              <a:defRPr/>
-            </a:pPr>
-            <a:r>
-              <a:rPr lang="en-GB" dirty="0" smtClean="0"/>
-              <a:t>A container is a special component that can hold other components.</a:t>
-            </a:r>
-          </a:p>
-          <a:p>
-            <a:pPr>
-              <a:defRPr/>
-            </a:pPr>
-            <a:r>
-              <a:rPr lang="en-GB" dirty="0" smtClean="0"/>
-              <a:t>The AWT class, as well as the Swing class, are containers</a:t>
-            </a:r>
-          </a:p>
-          <a:p>
-            <a:pPr>
-              <a:defRPr/>
-            </a:pPr>
-            <a:r>
-              <a:rPr lang="en-GB" dirty="0" smtClean="0"/>
-              <a:t>Other containers include</a:t>
-            </a:r>
-          </a:p>
-          <a:p>
-            <a:pPr lvl="1">
-              <a:defRPr/>
-            </a:pPr>
-            <a:r>
-              <a:rPr lang="en-GB" dirty="0" smtClean="0"/>
-              <a:t>Frames</a:t>
-            </a:r>
-          </a:p>
-          <a:p>
-            <a:pPr lvl="2">
-              <a:defRPr/>
-            </a:pPr>
-            <a:r>
-              <a:rPr lang="en-GB" dirty="0" smtClean="0"/>
-              <a:t>A frame is a container that is free standing and can be positioned anywhere on the screen.</a:t>
-            </a:r>
-          </a:p>
-          <a:p>
-            <a:pPr lvl="2">
-              <a:defRPr/>
-            </a:pPr>
-            <a:r>
-              <a:rPr lang="en-GB" dirty="0" smtClean="0"/>
-              <a:t>Frames give the ability to do graphics and GUIs through applications</a:t>
-            </a:r>
-          </a:p>
-          <a:p>
-            <a:pPr lvl="1">
-              <a:defRPr/>
-            </a:pPr>
-            <a:r>
-              <a:rPr lang="en-GB" dirty="0" smtClean="0"/>
-              <a:t>Dialog boxes</a:t>
-            </a:r>
-          </a:p>
-          <a:p>
-            <a:pPr lvl="1">
-              <a:defRPr/>
-            </a:pPr>
-            <a:r>
-              <a:rPr lang="en-GB" dirty="0" smtClean="0"/>
-              <a:t>Panels</a:t>
-            </a:r>
-          </a:p>
-          <a:p>
-            <a:pPr lvl="1">
-              <a:defRPr/>
-            </a:pPr>
-            <a:r>
-              <a:rPr lang="en-GB" dirty="0" smtClean="0"/>
-              <a:t>Panes</a:t>
-            </a:r>
-          </a:p>
-          <a:p>
-            <a:pPr lvl="1">
-              <a:defRPr/>
-            </a:pPr>
-            <a:r>
-              <a:rPr lang="en-GB" dirty="0" smtClean="0"/>
-              <a:t>Toolbars</a:t>
-            </a:r>
-            <a:endParaRPr lang="en-GB" dirty="0"/>
+          <a:p>
+            <a:pPr lvl="1"/>
+            <a:r>
+              <a:rPr lang="en-GB" altLang="en-US" smtClean="0"/>
+              <a:t>Event</a:t>
+            </a:r>
+          </a:p>
+          <a:p>
+            <a:pPr lvl="1"/>
+            <a:r>
+              <a:rPr lang="en-GB" altLang="en-US" smtClean="0"/>
+              <a:t>Event Handlers</a:t>
+            </a:r>
+          </a:p>
+          <a:p>
+            <a:pPr lvl="1"/>
+            <a:r>
+              <a:rPr lang="en-GB" altLang="en-US" smtClean="0"/>
+              <a:t>Layout managers</a:t>
+            </a:r>
+          </a:p>
+          <a:p>
+            <a:pPr lvl="1"/>
+            <a:r>
+              <a:rPr lang="en-GB" altLang="en-US" smtClean="0"/>
+              <a:t>Components</a:t>
+            </a:r>
+          </a:p>
+          <a:p>
+            <a:pPr lvl="1"/>
+            <a:r>
+              <a:rPr lang="en-GB" altLang="en-US" smtClean="0"/>
+              <a:t>Special features</a:t>
+            </a:r>
           </a:p>
         </p:txBody>
       </p:sp>
@@ -7799,7 +8343,7 @@
       </p:grpSpPr>
       <p:sp>
         <p:nvSpPr>
-          <p:cNvPr id="17410" name="Title 1"/>
+          <p:cNvPr id="15362" name="Title 1"/>
           <p:cNvSpPr>
             <a:spLocks noGrp="1"/>
           </p:cNvSpPr>
@@ -7807,33 +8351,21 @@
             <p:ph type="title"/>
           </p:nvPr>
         </p:nvSpPr>
-        <p:spPr>
-          <a:xfrm>
-            <a:off x="228600" y="304800"/>
-            <a:ext cx="8686800" cy="1143000"/>
-          </a:xfrm>
-        </p:spPr>
+        <p:spPr/>
         <p:txBody>
           <a:bodyPr/>
           <a:lstStyle/>
           <a:p>
             <a:r>
               <a:rPr lang="en-GB" altLang="en-US" smtClean="0"/>
-              <a:t>Containers </a:t>
-            </a:r>
-            <a:br>
-              <a:rPr lang="en-GB" altLang="en-US" smtClean="0"/>
-            </a:br>
-            <a:r>
-              <a:rPr lang="en-GB" altLang="en-US" smtClean="0"/>
-              <a:t>(Top Level and General)</a:t>
-            </a:r>
-          </a:p>
-        </p:txBody>
-      </p:sp>
-      <p:sp>
-        <p:nvSpPr>
-          <p:cNvPr id="17411" name="Content Placeholder 2"/>
+              <a:t>AWT and JFC/Swing</a:t>
+            </a:r>
+          </a:p>
+        </p:txBody>
+      </p:sp>
+      <p:sp>
+        <p:nvSpPr>
+          <p:cNvPr id="3" name="Content Placeholder 2"/>
           <p:cNvSpPr>
             <a:spLocks noGrp="1"/>
           </p:cNvSpPr>
@@ -7841,69 +8373,134 @@
             <p:ph idx="1"/>
           </p:nvPr>
         </p:nvSpPr>
-        <p:spPr/>
-        <p:txBody>
-          <a:bodyPr/>
+        <p:spPr>
+          <a:xfrm>
+            <a:off x="685800" y="1981200"/>
+            <a:ext cx="7772400" cy="4343400"/>
+          </a:xfrm>
+        </p:spPr>
+        <p:txBody>
+          <a:bodyPr>
+            <a:normAutofit fontScale="77500" lnSpcReduction="20000"/>
+          </a:bodyPr>
           <a:lstStyle/>
           <a:p>
-            <a:endParaRPr lang="en-GB" altLang="en-US" smtClean="0"/>
-          </a:p>
-        </p:txBody>
-      </p:sp>
-      <p:pic>
-        <p:nvPicPr>
-          <p:cNvPr id="17412" name="Picture 3"/>
-          <p:cNvPicPr>
-            <a:picLocks noChangeAspect="1"/>
-          </p:cNvPicPr>
-          <p:nvPr/>
-        </p:nvPicPr>
-        <p:blipFill>
-          <a:blip r:embed="rId2">
-            <a:extLst>
-              <a:ext uri="{28A0092B-C50C-407E-A947-70E740481C1C}">
-                <a14:useLocalDpi xmlns:a14="http://schemas.microsoft.com/office/drawing/2010/main" val="0"/>
-              </a:ext>
-            </a:extLst>
-          </a:blip>
-          <a:srcRect/>
-          <a:stretch>
-            <a:fillRect/>
-          </a:stretch>
-        </p:blipFill>
-        <p:spPr bwMode="auto">
-          <a:xfrm>
-            <a:off x="685800" y="1676400"/>
-            <a:ext cx="7696200" cy="4821238"/>
-          </a:xfrm>
-          <a:prstGeom prst="rect">
-            <a:avLst/>
-          </a:prstGeom>
-          <a:noFill/>
-          <a:ln>
-            <a:noFill/>
-          </a:ln>
-          <a:extLst>
-            <a:ext uri="{909E8E84-426E-40DD-AFC4-6F175D3DCCD1}">
-              <a14:hiddenFill xmlns:a14="http://schemas.microsoft.com/office/drawing/2010/main">
+            <a:pPr>
+              <a:defRPr/>
+            </a:pPr>
+            <a:r>
+              <a:rPr lang="en-GB" dirty="0" smtClean="0"/>
+              <a:t>Early Java development used graphic classes defined in</a:t>
+            </a:r>
+            <a:r>
+              <a:rPr lang="en-GB" dirty="0"/>
+              <a:t> </a:t>
+            </a:r>
+            <a:r>
+              <a:rPr lang="en-GB" dirty="0" smtClean="0"/>
+              <a:t>the Abstract Windowing Toolkit (</a:t>
+            </a:r>
+            <a:r>
+              <a:rPr lang="en-GB" i="1" dirty="0" smtClean="0"/>
+              <a:t>AWT</a:t>
+            </a:r>
+            <a:r>
+              <a:rPr lang="en-GB" dirty="0" smtClean="0"/>
+              <a:t>)</a:t>
+            </a:r>
+          </a:p>
+          <a:p>
+            <a:pPr lvl="1">
+              <a:defRPr/>
+            </a:pPr>
+            <a:r>
+              <a:rPr lang="en-GB" dirty="0" smtClean="0"/>
+              <a:t>See the </a:t>
+            </a:r>
+            <a:r>
+              <a:rPr lang="en-GB" dirty="0" err="1" smtClean="0">
                 <a:solidFill>
-                  <a:srgbClr val="FFFFFF"/>
+                  <a:srgbClr val="FF0000"/>
                 </a:solidFill>
-              </a14:hiddenFill>
-            </a:ext>
-            <a:ext uri="{91240B29-F687-4F45-9708-019B960494DF}">
-              <a14:hiddenLine xmlns:a14="http://schemas.microsoft.com/office/drawing/2010/main" w="9525">
+              </a:rPr>
+              <a:t>java.awt</a:t>
+            </a:r>
+            <a:r>
+              <a:rPr lang="en-GB" dirty="0" smtClean="0"/>
+              <a:t> packages.</a:t>
+            </a:r>
+          </a:p>
+          <a:p>
+            <a:pPr>
+              <a:defRPr/>
+            </a:pPr>
+            <a:r>
+              <a:rPr lang="en-GB" dirty="0" smtClean="0"/>
+              <a:t>Java 2 introduced the JFC/Swing classes</a:t>
+            </a:r>
+          </a:p>
+          <a:p>
+            <a:pPr lvl="1">
+              <a:defRPr/>
+            </a:pPr>
+            <a:r>
+              <a:rPr lang="en-GB" dirty="0" smtClean="0"/>
+              <a:t>See the </a:t>
+            </a:r>
+            <a:r>
+              <a:rPr lang="en-GB" dirty="0" err="1" smtClean="0">
                 <a:solidFill>
-                  <a:srgbClr val="000000"/>
+                  <a:srgbClr val="FF0000"/>
                 </a:solidFill>
-                <a:miter lim="800000"/>
-                <a:headEnd/>
-                <a:tailEnd/>
-              </a14:hiddenLine>
-            </a:ext>
-          </a:extLst>
-        </p:spPr>
-      </p:pic>
+              </a:rPr>
+              <a:t>javax.swing</a:t>
+            </a:r>
+            <a:r>
+              <a:rPr lang="en-GB" dirty="0" smtClean="0"/>
+              <a:t> packages</a:t>
+            </a:r>
+          </a:p>
+          <a:p>
+            <a:pPr>
+              <a:defRPr/>
+            </a:pPr>
+            <a:r>
+              <a:rPr lang="en-GB" dirty="0" smtClean="0"/>
+              <a:t>Many AWT components have similar Swing counterparts</a:t>
+            </a:r>
+          </a:p>
+          <a:p>
+            <a:pPr lvl="1">
+              <a:defRPr/>
+            </a:pPr>
+            <a:r>
+              <a:rPr lang="en-GB" dirty="0" smtClean="0"/>
+              <a:t>An example, the AWT Button class corresponds to a more versatile Swing class called </a:t>
+            </a:r>
+            <a:r>
+              <a:rPr lang="en-GB" dirty="0" err="1" smtClean="0">
+                <a:solidFill>
+                  <a:srgbClr val="FF0000"/>
+                </a:solidFill>
+              </a:rPr>
+              <a:t>JButton</a:t>
+            </a:r>
+            <a:r>
+              <a:rPr lang="en-GB" dirty="0" smtClean="0"/>
+              <a:t>.</a:t>
+            </a:r>
+          </a:p>
+          <a:p>
+            <a:pPr>
+              <a:defRPr/>
+            </a:pPr>
+            <a:r>
+              <a:rPr lang="en-GB" dirty="0" smtClean="0"/>
+              <a:t>Swing does not generally replace the AWT; still use AWT for events and the underlying AWT event processing model</a:t>
+            </a:r>
+          </a:p>
+        </p:txBody>
+      </p:sp>
     </p:spTree>
   </p:cSld>
   <p:clrMapOvr>

--- a/OOP/lectures/070--GUI.Basics.pptx
+++ b/OOP/lectures/070--GUI.Basics.pptx
@@ -5,7 +5,7 @@
     <p:sldMasterId id="2147483648" r:id="rId1"/>
   </p:sldMasterIdLst>
   <p:notesMasterIdLst>
-    <p:notesMasterId r:id="rId35"/>
+    <p:notesMasterId r:id="rId42"/>
   </p:notesMasterIdLst>
   <p:sldIdLst>
     <p:sldId id="267" r:id="rId2"/>
@@ -17,30 +17,37 @@
     <p:sldId id="305" r:id="rId8"/>
     <p:sldId id="277" r:id="rId9"/>
     <p:sldId id="278" r:id="rId10"/>
-    <p:sldId id="302" r:id="rId11"/>
-    <p:sldId id="280" r:id="rId12"/>
-    <p:sldId id="281" r:id="rId13"/>
-    <p:sldId id="283" r:id="rId14"/>
-    <p:sldId id="284" r:id="rId15"/>
-    <p:sldId id="285" r:id="rId16"/>
-    <p:sldId id="286" r:id="rId17"/>
-    <p:sldId id="287" r:id="rId18"/>
-    <p:sldId id="288" r:id="rId19"/>
-    <p:sldId id="289" r:id="rId20"/>
-    <p:sldId id="290" r:id="rId21"/>
-    <p:sldId id="291" r:id="rId22"/>
-    <p:sldId id="292" r:id="rId23"/>
-    <p:sldId id="293" r:id="rId24"/>
-    <p:sldId id="294" r:id="rId25"/>
-    <p:sldId id="295" r:id="rId26"/>
-    <p:sldId id="296" r:id="rId27"/>
-    <p:sldId id="297" r:id="rId28"/>
-    <p:sldId id="298" r:id="rId29"/>
-    <p:sldId id="299" r:id="rId30"/>
-    <p:sldId id="272" r:id="rId31"/>
-    <p:sldId id="275" r:id="rId32"/>
-    <p:sldId id="303" r:id="rId33"/>
-    <p:sldId id="268" r:id="rId34"/>
+    <p:sldId id="306" r:id="rId11"/>
+    <p:sldId id="307" r:id="rId12"/>
+    <p:sldId id="302" r:id="rId13"/>
+    <p:sldId id="280" r:id="rId14"/>
+    <p:sldId id="308" r:id="rId15"/>
+    <p:sldId id="281" r:id="rId16"/>
+    <p:sldId id="309" r:id="rId17"/>
+    <p:sldId id="310" r:id="rId18"/>
+    <p:sldId id="311" r:id="rId19"/>
+    <p:sldId id="283" r:id="rId20"/>
+    <p:sldId id="284" r:id="rId21"/>
+    <p:sldId id="285" r:id="rId22"/>
+    <p:sldId id="286" r:id="rId23"/>
+    <p:sldId id="287" r:id="rId24"/>
+    <p:sldId id="288" r:id="rId25"/>
+    <p:sldId id="289" r:id="rId26"/>
+    <p:sldId id="290" r:id="rId27"/>
+    <p:sldId id="291" r:id="rId28"/>
+    <p:sldId id="292" r:id="rId29"/>
+    <p:sldId id="312" r:id="rId30"/>
+    <p:sldId id="293" r:id="rId31"/>
+    <p:sldId id="294" r:id="rId32"/>
+    <p:sldId id="295" r:id="rId33"/>
+    <p:sldId id="296" r:id="rId34"/>
+    <p:sldId id="297" r:id="rId35"/>
+    <p:sldId id="298" r:id="rId36"/>
+    <p:sldId id="299" r:id="rId37"/>
+    <p:sldId id="272" r:id="rId38"/>
+    <p:sldId id="275" r:id="rId39"/>
+    <p:sldId id="303" r:id="rId40"/>
+    <p:sldId id="268" r:id="rId41"/>
   </p:sldIdLst>
   <p:sldSz cx="9144000" cy="6858000" type="screen4x3"/>
   <p:notesSz cx="6858000" cy="9144000"/>
@@ -1038,7 +1045,7 @@
               <a:pPr>
                 <a:defRPr/>
               </a:pPr>
-              <a:t>11/5/2017</a:t>
+              <a:t>11/6/2017</a:t>
             </a:fld>
             <a:endParaRPr lang="en-US" altLang="en-US"/>
           </a:p>
@@ -1272,7 +1279,7 @@
               <a:pPr>
                 <a:defRPr/>
               </a:pPr>
-              <a:t>11/5/2017</a:t>
+              <a:t>11/6/2017</a:t>
             </a:fld>
             <a:endParaRPr lang="en-US" altLang="en-US"/>
           </a:p>
@@ -2145,7 +2152,7 @@
               <a:pPr>
                 <a:defRPr/>
               </a:pPr>
-              <a:t>11/5/2017</a:t>
+              <a:t>11/6/2017</a:t>
             </a:fld>
             <a:endParaRPr lang="en-US" altLang="en-US"/>
           </a:p>
@@ -2294,7 +2301,7 @@
               <a:pPr>
                 <a:defRPr/>
               </a:pPr>
-              <a:t>11/5/2017</a:t>
+              <a:t>11/6/2017</a:t>
             </a:fld>
             <a:endParaRPr lang="en-US" altLang="en-US"/>
           </a:p>
@@ -2625,7 +2632,7 @@
               <a:pPr>
                 <a:defRPr/>
               </a:pPr>
-              <a:t>11/5/2017</a:t>
+              <a:t>11/6/2017</a:t>
             </a:fld>
             <a:endParaRPr lang="en-US" altLang="en-US"/>
           </a:p>
@@ -2933,7 +2940,7 @@
               <a:pPr>
                 <a:defRPr/>
               </a:pPr>
-              <a:t>11/5/2017</a:t>
+              <a:t>11/6/2017</a:t>
             </a:fld>
             <a:endParaRPr lang="en-US" altLang="en-US"/>
           </a:p>
@@ -3914,6 +3921,209 @@
       </p:grpSpPr>
       <p:sp>
         <p:nvSpPr>
+          <p:cNvPr id="2" name="Title 1"/>
+          <p:cNvSpPr>
+            <a:spLocks noGrp="1"/>
+          </p:cNvSpPr>
+          <p:nvPr>
+            <p:ph type="title"/>
+          </p:nvPr>
+        </p:nvSpPr>
+        <p:spPr/>
+        <p:txBody>
+          <a:bodyPr/>
+          <a:lstStyle/>
+          <a:p>
+            <a:r>
+              <a:rPr lang="en-GB" dirty="0" smtClean="0"/>
+              <a:t>Question</a:t>
+            </a:r>
+            <a:endParaRPr lang="en-GB" dirty="0"/>
+          </a:p>
+        </p:txBody>
+      </p:sp>
+      <p:sp>
+        <p:nvSpPr>
+          <p:cNvPr id="3" name="Content Placeholder 2"/>
+          <p:cNvSpPr>
+            <a:spLocks noGrp="1"/>
+          </p:cNvSpPr>
+          <p:nvPr>
+            <p:ph idx="1"/>
+          </p:nvPr>
+        </p:nvSpPr>
+        <p:spPr/>
+        <p:txBody>
+          <a:bodyPr/>
+          <a:lstStyle/>
+          <a:p>
+            <a:r>
+              <a:rPr lang="en-GB" dirty="0" smtClean="0"/>
+              <a:t>Java development classes ‘</a:t>
+            </a:r>
+            <a:r>
+              <a:rPr lang="en-GB" i="1" dirty="0" smtClean="0"/>
+              <a:t>AWT</a:t>
+            </a:r>
+            <a:r>
+              <a:rPr lang="en-GB" dirty="0" smtClean="0"/>
+              <a:t>’ stands for:</a:t>
+            </a:r>
+          </a:p>
+          <a:p>
+            <a:endParaRPr lang="en-GB" dirty="0"/>
+          </a:p>
+          <a:p>
+            <a:pPr marL="0" indent="0">
+              <a:buNone/>
+            </a:pPr>
+            <a:r>
+              <a:rPr lang="en-GB" dirty="0" smtClean="0"/>
+              <a:t>a) Amazing Work Tower</a:t>
+            </a:r>
+          </a:p>
+          <a:p>
+            <a:pPr marL="0" indent="0">
+              <a:buNone/>
+            </a:pPr>
+            <a:r>
+              <a:rPr lang="en-GB" dirty="0" smtClean="0"/>
+              <a:t>b) Action Window Thread</a:t>
+            </a:r>
+          </a:p>
+          <a:p>
+            <a:pPr marL="0" indent="0">
+              <a:buNone/>
+            </a:pPr>
+            <a:r>
+              <a:rPr lang="en-GB" dirty="0" smtClean="0"/>
+              <a:t>c) Abstract Worker Thread</a:t>
+            </a:r>
+          </a:p>
+          <a:p>
+            <a:pPr marL="0" indent="0">
+              <a:buNone/>
+            </a:pPr>
+            <a:r>
+              <a:rPr lang="en-GB" dirty="0"/>
+              <a:t>d) Abstract Windowing Toolkit </a:t>
+            </a:r>
+          </a:p>
+        </p:txBody>
+      </p:sp>
+    </p:spTree>
+    <p:extLst>
+      <p:ext uri="{BB962C8B-B14F-4D97-AF65-F5344CB8AC3E}">
+        <p14:creationId xmlns:p14="http://schemas.microsoft.com/office/powerpoint/2010/main" val="3370705544"/>
+      </p:ext>
+    </p:extLst>
+  </p:cSld>
+  <p:clrMapOvr>
+    <a:masterClrMapping/>
+  </p:clrMapOvr>
+</p:sld>
+</file>
+
+<file path=ppt/slides/slide11.xml><?xml version="1.0" encoding="utf-8"?>
+<p:sld xmlns:a="http://schemas.openxmlformats.org/drawingml/2006/main" xmlns:r="http://schemas.openxmlformats.org/officeDocument/2006/relationships" xmlns:p="http://schemas.openxmlformats.org/presentationml/2006/main">
+  <p:cSld>
+    <p:spTree>
+      <p:nvGrpSpPr>
+        <p:cNvPr id="1" name=""/>
+        <p:cNvGrpSpPr/>
+        <p:nvPr/>
+      </p:nvGrpSpPr>
+      <p:grpSpPr>
+        <a:xfrm>
+          <a:off x="0" y="0"/>
+          <a:ext cx="0" cy="0"/>
+          <a:chOff x="0" y="0"/>
+          <a:chExt cx="0" cy="0"/>
+        </a:xfrm>
+      </p:grpSpPr>
+      <p:sp>
+        <p:nvSpPr>
+          <p:cNvPr id="2" name="Title 1"/>
+          <p:cNvSpPr>
+            <a:spLocks noGrp="1"/>
+          </p:cNvSpPr>
+          <p:nvPr>
+            <p:ph type="title"/>
+          </p:nvPr>
+        </p:nvSpPr>
+        <p:spPr/>
+        <p:txBody>
+          <a:bodyPr/>
+          <a:lstStyle/>
+          <a:p>
+            <a:r>
+              <a:rPr lang="en-GB" dirty="0" smtClean="0"/>
+              <a:t>Answer</a:t>
+            </a:r>
+            <a:endParaRPr lang="en-GB" dirty="0"/>
+          </a:p>
+        </p:txBody>
+      </p:sp>
+      <p:sp>
+        <p:nvSpPr>
+          <p:cNvPr id="3" name="Content Placeholder 2"/>
+          <p:cNvSpPr>
+            <a:spLocks noGrp="1"/>
+          </p:cNvSpPr>
+          <p:nvPr>
+            <p:ph idx="1"/>
+          </p:nvPr>
+        </p:nvSpPr>
+        <p:spPr/>
+        <p:txBody>
+          <a:bodyPr/>
+          <a:lstStyle/>
+          <a:p>
+            <a:r>
+              <a:rPr lang="en-GB" dirty="0"/>
+              <a:t>d) Abstract Windowing Toolkit </a:t>
+            </a:r>
+          </a:p>
+          <a:p>
+            <a:pPr marL="0" indent="0">
+              <a:buNone/>
+            </a:pPr>
+            <a:endParaRPr lang="en-GB" dirty="0"/>
+          </a:p>
+        </p:txBody>
+      </p:sp>
+    </p:spTree>
+    <p:extLst>
+      <p:ext uri="{BB962C8B-B14F-4D97-AF65-F5344CB8AC3E}">
+        <p14:creationId xmlns:p14="http://schemas.microsoft.com/office/powerpoint/2010/main" val="960757143"/>
+      </p:ext>
+    </p:extLst>
+  </p:cSld>
+  <p:clrMapOvr>
+    <a:masterClrMapping/>
+  </p:clrMapOvr>
+</p:sld>
+</file>
+
+<file path=ppt/slides/slide12.xml><?xml version="1.0" encoding="utf-8"?>
+<p:sld xmlns:a="http://schemas.openxmlformats.org/drawingml/2006/main" xmlns:r="http://schemas.openxmlformats.org/officeDocument/2006/relationships" xmlns:p="http://schemas.openxmlformats.org/presentationml/2006/main">
+  <p:cSld>
+    <p:spTree>
+      <p:nvGrpSpPr>
+        <p:cNvPr id="1" name=""/>
+        <p:cNvGrpSpPr/>
+        <p:nvPr/>
+      </p:nvGrpSpPr>
+      <p:grpSpPr>
+        <a:xfrm>
+          <a:off x="0" y="0"/>
+          <a:ext cx="0" cy="0"/>
+          <a:chOff x="0" y="0"/>
+          <a:chExt cx="0" cy="0"/>
+        </a:xfrm>
+      </p:grpSpPr>
+      <p:sp>
+        <p:nvSpPr>
           <p:cNvPr id="35842" name="Title 1"/>
           <p:cNvSpPr>
             <a:spLocks noGrp="1"/>
@@ -4025,7 +4235,7 @@
 </p:sld>
 </file>
 
-<file path=ppt/slides/slide11.xml><?xml version="1.0" encoding="utf-8"?>
+<file path=ppt/slides/slide13.xml><?xml version="1.0" encoding="utf-8"?>
 <p:sld xmlns:a="http://schemas.openxmlformats.org/drawingml/2006/main" xmlns:r="http://schemas.openxmlformats.org/officeDocument/2006/relationships" xmlns:p="http://schemas.openxmlformats.org/presentationml/2006/main">
   <p:cSld>
     <p:spTree>
@@ -4122,7 +4332,11 @@
               <a:defRPr/>
             </a:pPr>
             <a:r>
-              <a:rPr lang="en-GB" dirty="0" smtClean="0"/>
+              <a:rPr lang="en-GB" b="1" dirty="0" smtClean="0">
+                <a:solidFill>
+                  <a:srgbClr val="FF0000"/>
+                </a:solidFill>
+              </a:rPr>
               <a:t>Frames</a:t>
             </a:r>
           </a:p>
@@ -4191,7 +4405,205 @@
 </p:sld>
 </file>
 
-<file path=ppt/slides/slide12.xml><?xml version="1.0" encoding="utf-8"?>
+<file path=ppt/slides/slide14.xml><?xml version="1.0" encoding="utf-8"?>
+<p:sld xmlns:a="http://schemas.openxmlformats.org/drawingml/2006/main" xmlns:r="http://schemas.openxmlformats.org/officeDocument/2006/relationships" xmlns:p="http://schemas.openxmlformats.org/presentationml/2006/main">
+  <p:cSld>
+    <p:spTree>
+      <p:nvGrpSpPr>
+        <p:cNvPr id="1" name=""/>
+        <p:cNvGrpSpPr/>
+        <p:nvPr/>
+      </p:nvGrpSpPr>
+      <p:grpSpPr>
+        <a:xfrm>
+          <a:off x="0" y="0"/>
+          <a:ext cx="0" cy="0"/>
+          <a:chOff x="0" y="0"/>
+          <a:chExt cx="0" cy="0"/>
+        </a:xfrm>
+      </p:grpSpPr>
+      <p:sp>
+        <p:nvSpPr>
+          <p:cNvPr id="2" name="Title 1"/>
+          <p:cNvSpPr>
+            <a:spLocks noGrp="1"/>
+          </p:cNvSpPr>
+          <p:nvPr>
+            <p:ph type="title"/>
+          </p:nvPr>
+        </p:nvSpPr>
+        <p:spPr>
+          <a:xfrm>
+            <a:off x="685800" y="212352"/>
+            <a:ext cx="7772400" cy="1143000"/>
+          </a:xfrm>
+        </p:spPr>
+        <p:txBody>
+          <a:bodyPr/>
+          <a:lstStyle/>
+          <a:p>
+            <a:r>
+              <a:rPr lang="en-GB" dirty="0" smtClean="0"/>
+              <a:t>Example</a:t>
+            </a:r>
+            <a:endParaRPr lang="en-GB" dirty="0"/>
+          </a:p>
+        </p:txBody>
+      </p:sp>
+      <p:sp>
+        <p:nvSpPr>
+          <p:cNvPr id="3" name="Content Placeholder 2"/>
+          <p:cNvSpPr>
+            <a:spLocks noGrp="1"/>
+          </p:cNvSpPr>
+          <p:nvPr>
+            <p:ph idx="1"/>
+          </p:nvPr>
+        </p:nvSpPr>
+        <p:spPr>
+          <a:xfrm>
+            <a:off x="685800" y="1600200"/>
+            <a:ext cx="7772400" cy="4114800"/>
+          </a:xfrm>
+        </p:spPr>
+        <p:txBody>
+          <a:bodyPr/>
+          <a:lstStyle/>
+          <a:p>
+            <a:r>
+              <a:rPr lang="en-GB" dirty="0" smtClean="0"/>
+              <a:t>Creating a Simple Frame</a:t>
+            </a:r>
+            <a:endParaRPr lang="en-GB" dirty="0"/>
+          </a:p>
+        </p:txBody>
+      </p:sp>
+      <p:pic>
+        <p:nvPicPr>
+          <p:cNvPr id="4" name="Picture 3"/>
+          <p:cNvPicPr>
+            <a:picLocks noChangeAspect="1"/>
+          </p:cNvPicPr>
+          <p:nvPr/>
+        </p:nvPicPr>
+        <p:blipFill>
+          <a:blip r:embed="rId2"/>
+          <a:stretch>
+            <a:fillRect/>
+          </a:stretch>
+        </p:blipFill>
+        <p:spPr>
+          <a:xfrm>
+            <a:off x="1174750" y="2209800"/>
+            <a:ext cx="6267450" cy="2505075"/>
+          </a:xfrm>
+          <a:prstGeom prst="rect">
+            <a:avLst/>
+          </a:prstGeom>
+        </p:spPr>
+      </p:pic>
+      <p:pic>
+        <p:nvPicPr>
+          <p:cNvPr id="5" name="Picture 4"/>
+          <p:cNvPicPr>
+            <a:picLocks noChangeAspect="1"/>
+          </p:cNvPicPr>
+          <p:nvPr/>
+        </p:nvPicPr>
+        <p:blipFill>
+          <a:blip r:embed="rId3"/>
+          <a:stretch>
+            <a:fillRect/>
+          </a:stretch>
+        </p:blipFill>
+        <p:spPr>
+          <a:xfrm>
+            <a:off x="5899150" y="4382247"/>
+            <a:ext cx="3048000" cy="2323353"/>
+          </a:xfrm>
+          <a:prstGeom prst="rect">
+            <a:avLst/>
+          </a:prstGeom>
+        </p:spPr>
+      </p:pic>
+      <p:sp>
+        <p:nvSpPr>
+          <p:cNvPr id="6" name="TextBox 5"/>
+          <p:cNvSpPr txBox="1"/>
+          <p:nvPr/>
+        </p:nvSpPr>
+        <p:spPr>
+          <a:xfrm>
+            <a:off x="711200" y="5569323"/>
+            <a:ext cx="2971800" cy="646331"/>
+          </a:xfrm>
+          <a:prstGeom prst="rect">
+            <a:avLst/>
+          </a:prstGeom>
+          <a:noFill/>
+        </p:spPr>
+        <p:txBody>
+          <a:bodyPr wrap="square" rtlCol="0">
+            <a:spAutoFit/>
+          </a:bodyPr>
+          <a:lstStyle/>
+          <a:p>
+            <a:r>
+              <a:rPr lang="en-GB" sz="1800" dirty="0" err="1" smtClean="0">
+                <a:solidFill>
+                  <a:schemeClr val="bg2"/>
+                </a:solidFill>
+              </a:rPr>
+              <a:t>javac</a:t>
+            </a:r>
+            <a:r>
+              <a:rPr lang="en-GB" sz="1800" dirty="0" smtClean="0">
+                <a:solidFill>
+                  <a:schemeClr val="bg2"/>
+                </a:solidFill>
+              </a:rPr>
+              <a:t> MyFrame.java</a:t>
+            </a:r>
+          </a:p>
+          <a:p>
+            <a:r>
+              <a:rPr lang="en-GB" sz="1800" dirty="0" smtClean="0">
+                <a:solidFill>
+                  <a:schemeClr val="bg2"/>
+                </a:solidFill>
+              </a:rPr>
+              <a:t>java </a:t>
+            </a:r>
+            <a:r>
+              <a:rPr lang="en-GB" sz="1800" dirty="0" err="1" smtClean="0">
+                <a:solidFill>
+                  <a:schemeClr val="bg2"/>
+                </a:solidFill>
+              </a:rPr>
+              <a:t>MyFrame.class</a:t>
+            </a:r>
+            <a:endParaRPr lang="en-GB" sz="1800" dirty="0">
+              <a:solidFill>
+                <a:schemeClr val="bg2"/>
+              </a:solidFill>
+            </a:endParaRPr>
+          </a:p>
+        </p:txBody>
+      </p:sp>
+    </p:spTree>
+    <p:extLst>
+      <p:ext uri="{BB962C8B-B14F-4D97-AF65-F5344CB8AC3E}">
+        <p14:creationId xmlns:p14="http://schemas.microsoft.com/office/powerpoint/2010/main" val="1644586269"/>
+      </p:ext>
+    </p:extLst>
+  </p:cSld>
+  <p:clrMapOvr>
+    <a:masterClrMapping/>
+  </p:clrMapOvr>
+</p:sld>
+</file>
+
+<file path=ppt/slides/slide15.xml><?xml version="1.0" encoding="utf-8"?>
 <p:sld xmlns:a="http://schemas.openxmlformats.org/drawingml/2006/main" xmlns:r="http://schemas.openxmlformats.org/officeDocument/2006/relationships" xmlns:p="http://schemas.openxmlformats.org/presentationml/2006/main">
   <p:cSld>
     <p:spTree>
@@ -4323,500 +4735,6 @@
 </p:sld>
 </file>
 
-<file path=ppt/slides/slide13.xml><?xml version="1.0" encoding="utf-8"?>
-<p:sld xmlns:a="http://schemas.openxmlformats.org/drawingml/2006/main" xmlns:r="http://schemas.openxmlformats.org/officeDocument/2006/relationships" xmlns:p="http://schemas.openxmlformats.org/presentationml/2006/main">
-  <p:cSld>
-    <p:spTree>
-      <p:nvGrpSpPr>
-        <p:cNvPr id="1" name=""/>
-        <p:cNvGrpSpPr/>
-        <p:nvPr/>
-      </p:nvGrpSpPr>
-      <p:grpSpPr>
-        <a:xfrm>
-          <a:off x="0" y="0"/>
-          <a:ext cx="0" cy="0"/>
-          <a:chOff x="0" y="0"/>
-          <a:chExt cx="0" cy="0"/>
-        </a:xfrm>
-      </p:grpSpPr>
-      <p:sp>
-        <p:nvSpPr>
-          <p:cNvPr id="18434" name="Title 1"/>
-          <p:cNvSpPr>
-            <a:spLocks noGrp="1"/>
-          </p:cNvSpPr>
-          <p:nvPr>
-            <p:ph type="title"/>
-          </p:nvPr>
-        </p:nvSpPr>
-        <p:spPr>
-          <a:xfrm>
-            <a:off x="685800" y="228600"/>
-            <a:ext cx="7772400" cy="1143000"/>
-          </a:xfrm>
-        </p:spPr>
-        <p:txBody>
-          <a:bodyPr/>
-          <a:lstStyle/>
-          <a:p>
-            <a:r>
-              <a:rPr lang="en-GB" altLang="en-US" dirty="0" smtClean="0"/>
-              <a:t>Example Special Containers</a:t>
-            </a:r>
-          </a:p>
-        </p:txBody>
-      </p:sp>
-      <p:sp>
-        <p:nvSpPr>
-          <p:cNvPr id="18435" name="Content Placeholder 2"/>
-          <p:cNvSpPr>
-            <a:spLocks noGrp="1"/>
-          </p:cNvSpPr>
-          <p:nvPr>
-            <p:ph idx="1"/>
-          </p:nvPr>
-        </p:nvSpPr>
-        <p:spPr/>
-        <p:txBody>
-          <a:bodyPr/>
-          <a:lstStyle/>
-          <a:p>
-            <a:endParaRPr lang="en-GB" altLang="en-US" smtClean="0"/>
-          </a:p>
-        </p:txBody>
-      </p:sp>
-      <p:pic>
-        <p:nvPicPr>
-          <p:cNvPr id="18436" name="Picture 3"/>
-          <p:cNvPicPr>
-            <a:picLocks noChangeAspect="1"/>
-          </p:cNvPicPr>
-          <p:nvPr/>
-        </p:nvPicPr>
-        <p:blipFill>
-          <a:blip r:embed="rId2">
-            <a:extLst>
-              <a:ext uri="{28A0092B-C50C-407E-A947-70E740481C1C}">
-                <a14:useLocalDpi xmlns:a14="http://schemas.microsoft.com/office/drawing/2010/main" val="0"/>
-              </a:ext>
-            </a:extLst>
-          </a:blip>
-          <a:srcRect/>
-          <a:stretch>
-            <a:fillRect/>
-          </a:stretch>
-        </p:blipFill>
-        <p:spPr bwMode="auto">
-          <a:xfrm>
-            <a:off x="609600" y="1371600"/>
-            <a:ext cx="7696200" cy="4808538"/>
-          </a:xfrm>
-          <a:prstGeom prst="rect">
-            <a:avLst/>
-          </a:prstGeom>
-          <a:noFill/>
-          <a:ln>
-            <a:noFill/>
-          </a:ln>
-          <a:extLst>
-            <a:ext uri="{909E8E84-426E-40DD-AFC4-6F175D3DCCD1}">
-              <a14:hiddenFill xmlns:a14="http://schemas.microsoft.com/office/drawing/2010/main">
-                <a:solidFill>
-                  <a:srgbClr val="FFFFFF"/>
-                </a:solidFill>
-              </a14:hiddenFill>
-            </a:ext>
-            <a:ext uri="{91240B29-F687-4F45-9708-019B960494DF}">
-              <a14:hiddenLine xmlns:a14="http://schemas.microsoft.com/office/drawing/2010/main" w="9525">
-                <a:solidFill>
-                  <a:srgbClr val="000000"/>
-                </a:solidFill>
-                <a:miter lim="800000"/>
-                <a:headEnd/>
-                <a:tailEnd/>
-              </a14:hiddenLine>
-            </a:ext>
-          </a:extLst>
-        </p:spPr>
-      </p:pic>
-    </p:spTree>
-  </p:cSld>
-  <p:clrMapOvr>
-    <a:masterClrMapping/>
-  </p:clrMapOvr>
-</p:sld>
-</file>
-
-<file path=ppt/slides/slide14.xml><?xml version="1.0" encoding="utf-8"?>
-<p:sld xmlns:a="http://schemas.openxmlformats.org/drawingml/2006/main" xmlns:r="http://schemas.openxmlformats.org/officeDocument/2006/relationships" xmlns:p="http://schemas.openxmlformats.org/presentationml/2006/main">
-  <p:cSld>
-    <p:spTree>
-      <p:nvGrpSpPr>
-        <p:cNvPr id="1" name=""/>
-        <p:cNvGrpSpPr/>
-        <p:nvPr/>
-      </p:nvGrpSpPr>
-      <p:grpSpPr>
-        <a:xfrm>
-          <a:off x="0" y="0"/>
-          <a:ext cx="0" cy="0"/>
-          <a:chOff x="0" y="0"/>
-          <a:chExt cx="0" cy="0"/>
-        </a:xfrm>
-      </p:grpSpPr>
-      <p:sp>
-        <p:nvSpPr>
-          <p:cNvPr id="19458" name="Title 1"/>
-          <p:cNvSpPr>
-            <a:spLocks noGrp="1"/>
-          </p:cNvSpPr>
-          <p:nvPr>
-            <p:ph type="title"/>
-          </p:nvPr>
-        </p:nvSpPr>
-        <p:spPr>
-          <a:xfrm>
-            <a:off x="668338" y="304800"/>
-            <a:ext cx="7772400" cy="1143000"/>
-          </a:xfrm>
-        </p:spPr>
-        <p:txBody>
-          <a:bodyPr/>
-          <a:lstStyle/>
-          <a:p>
-            <a:r>
-              <a:rPr lang="en-GB" altLang="en-US" smtClean="0"/>
-              <a:t>Events</a:t>
-            </a:r>
-          </a:p>
-        </p:txBody>
-      </p:sp>
-      <p:sp>
-        <p:nvSpPr>
-          <p:cNvPr id="3" name="Content Placeholder 2"/>
-          <p:cNvSpPr>
-            <a:spLocks noGrp="1"/>
-          </p:cNvSpPr>
-          <p:nvPr>
-            <p:ph idx="1"/>
-          </p:nvPr>
-        </p:nvSpPr>
-        <p:spPr>
-          <a:xfrm>
-            <a:off x="685800" y="1524000"/>
-            <a:ext cx="7772400" cy="2743200"/>
-          </a:xfrm>
-        </p:spPr>
-        <p:txBody>
-          <a:bodyPr>
-            <a:normAutofit fontScale="85000" lnSpcReduction="10000"/>
-          </a:bodyPr>
-          <a:lstStyle/>
-          <a:p>
-            <a:pPr>
-              <a:defRPr/>
-            </a:pPr>
-            <a:r>
-              <a:rPr lang="en-GB" dirty="0" smtClean="0"/>
-              <a:t>Every time the user </a:t>
-            </a:r>
-            <a:r>
-              <a:rPr lang="en-GB" dirty="0" smtClean="0">
-                <a:solidFill>
-                  <a:srgbClr val="FF0000"/>
-                </a:solidFill>
-              </a:rPr>
-              <a:t>types</a:t>
-            </a:r>
-            <a:r>
-              <a:rPr lang="en-GB" dirty="0" smtClean="0"/>
-              <a:t> a character or pushes a mouse </a:t>
-            </a:r>
-            <a:r>
-              <a:rPr lang="en-GB" dirty="0" smtClean="0">
-                <a:solidFill>
-                  <a:srgbClr val="FF0000"/>
-                </a:solidFill>
-              </a:rPr>
-              <a:t>button</a:t>
-            </a:r>
-            <a:r>
-              <a:rPr lang="en-GB" dirty="0" smtClean="0"/>
-              <a:t>, an event occurs</a:t>
-            </a:r>
-          </a:p>
-          <a:p>
-            <a:pPr>
-              <a:defRPr/>
-            </a:pPr>
-            <a:r>
-              <a:rPr lang="en-GB" dirty="0" smtClean="0">
-                <a:solidFill>
-                  <a:srgbClr val="FF0000"/>
-                </a:solidFill>
-              </a:rPr>
-              <a:t>Any object </a:t>
-            </a:r>
-            <a:r>
-              <a:rPr lang="en-GB" dirty="0" smtClean="0"/>
-              <a:t>can be notified of the event</a:t>
-            </a:r>
-          </a:p>
-          <a:p>
-            <a:pPr>
-              <a:defRPr/>
-            </a:pPr>
-            <a:r>
-              <a:rPr lang="en-GB" dirty="0" smtClean="0"/>
-              <a:t>All the objects have to do implement the appropriate </a:t>
-            </a:r>
-            <a:r>
-              <a:rPr lang="en-GB" dirty="0" smtClean="0">
-                <a:solidFill>
-                  <a:srgbClr val="FF0000"/>
-                </a:solidFill>
-              </a:rPr>
-              <a:t>interface</a:t>
-            </a:r>
-            <a:r>
-              <a:rPr lang="en-GB" dirty="0" smtClean="0"/>
-              <a:t> and be registered as an event listener on the appropriate event source</a:t>
-            </a:r>
-            <a:endParaRPr lang="en-GB" dirty="0"/>
-          </a:p>
-        </p:txBody>
-      </p:sp>
-      <p:pic>
-        <p:nvPicPr>
-          <p:cNvPr id="19460" name="Picture 3"/>
-          <p:cNvPicPr>
-            <a:picLocks noChangeAspect="1"/>
-          </p:cNvPicPr>
-          <p:nvPr/>
-        </p:nvPicPr>
-        <p:blipFill>
-          <a:blip r:embed="rId2">
-            <a:extLst>
-              <a:ext uri="{28A0092B-C50C-407E-A947-70E740481C1C}">
-                <a14:useLocalDpi xmlns:a14="http://schemas.microsoft.com/office/drawing/2010/main" val="0"/>
-              </a:ext>
-            </a:extLst>
-          </a:blip>
-          <a:srcRect/>
-          <a:stretch>
-            <a:fillRect/>
-          </a:stretch>
-        </p:blipFill>
-        <p:spPr bwMode="auto">
-          <a:xfrm>
-            <a:off x="228600" y="4495800"/>
-            <a:ext cx="8572500" cy="2047875"/>
-          </a:xfrm>
-          <a:prstGeom prst="rect">
-            <a:avLst/>
-          </a:prstGeom>
-          <a:noFill/>
-          <a:ln>
-            <a:noFill/>
-          </a:ln>
-          <a:extLst>
-            <a:ext uri="{909E8E84-426E-40DD-AFC4-6F175D3DCCD1}">
-              <a14:hiddenFill xmlns:a14="http://schemas.microsoft.com/office/drawing/2010/main">
-                <a:solidFill>
-                  <a:srgbClr val="FFFFFF"/>
-                </a:solidFill>
-              </a14:hiddenFill>
-            </a:ext>
-            <a:ext uri="{91240B29-F687-4F45-9708-019B960494DF}">
-              <a14:hiddenLine xmlns:a14="http://schemas.microsoft.com/office/drawing/2010/main" w="9525">
-                <a:solidFill>
-                  <a:srgbClr val="000000"/>
-                </a:solidFill>
-                <a:miter lim="800000"/>
-                <a:headEnd/>
-                <a:tailEnd/>
-              </a14:hiddenLine>
-            </a:ext>
-          </a:extLst>
-        </p:spPr>
-      </p:pic>
-    </p:spTree>
-  </p:cSld>
-  <p:clrMapOvr>
-    <a:masterClrMapping/>
-  </p:clrMapOvr>
-</p:sld>
-</file>
-
-<file path=ppt/slides/slide15.xml><?xml version="1.0" encoding="utf-8"?>
-<p:sld xmlns:a="http://schemas.openxmlformats.org/drawingml/2006/main" xmlns:r="http://schemas.openxmlformats.org/officeDocument/2006/relationships" xmlns:p="http://schemas.openxmlformats.org/presentationml/2006/main">
-  <p:cSld>
-    <p:spTree>
-      <p:nvGrpSpPr>
-        <p:cNvPr id="1" name=""/>
-        <p:cNvGrpSpPr/>
-        <p:nvPr/>
-      </p:nvGrpSpPr>
-      <p:grpSpPr>
-        <a:xfrm>
-          <a:off x="0" y="0"/>
-          <a:ext cx="0" cy="0"/>
-          <a:chOff x="0" y="0"/>
-          <a:chExt cx="0" cy="0"/>
-        </a:xfrm>
-      </p:grpSpPr>
-      <p:sp>
-        <p:nvSpPr>
-          <p:cNvPr id="20482" name="Title 1"/>
-          <p:cNvSpPr>
-            <a:spLocks noGrp="1"/>
-          </p:cNvSpPr>
-          <p:nvPr>
-            <p:ph type="title"/>
-          </p:nvPr>
-        </p:nvSpPr>
-        <p:spPr>
-          <a:xfrm>
-            <a:off x="677863" y="228600"/>
-            <a:ext cx="7772400" cy="1143000"/>
-          </a:xfrm>
-        </p:spPr>
-        <p:txBody>
-          <a:bodyPr/>
-          <a:lstStyle/>
-          <a:p>
-            <a:r>
-              <a:rPr lang="en-GB" altLang="en-US" smtClean="0"/>
-              <a:t>Events, cont.</a:t>
-            </a:r>
-          </a:p>
-        </p:txBody>
-      </p:sp>
-      <p:sp>
-        <p:nvSpPr>
-          <p:cNvPr id="20483" name="Content Placeholder 2"/>
-          <p:cNvSpPr>
-            <a:spLocks noGrp="1"/>
-          </p:cNvSpPr>
-          <p:nvPr>
-            <p:ph idx="1"/>
-          </p:nvPr>
-        </p:nvSpPr>
-        <p:spPr>
-          <a:xfrm>
-            <a:off x="457200" y="1524000"/>
-            <a:ext cx="8458200" cy="4572000"/>
-          </a:xfrm>
-        </p:spPr>
-        <p:txBody>
-          <a:bodyPr/>
-          <a:lstStyle/>
-          <a:p>
-            <a:r>
-              <a:rPr lang="en-GB" altLang="en-US" dirty="0" smtClean="0"/>
-              <a:t>Several events implemented in </a:t>
-            </a:r>
-            <a:r>
-              <a:rPr lang="en-GB" altLang="en-US" dirty="0" err="1" smtClean="0"/>
-              <a:t>java.awt.AWTEvent</a:t>
-            </a:r>
-            <a:r>
-              <a:rPr lang="en-GB" altLang="en-US" dirty="0" smtClean="0"/>
-              <a:t> subclasses (</a:t>
-            </a:r>
-            <a:r>
-              <a:rPr lang="en-GB" altLang="en-US" dirty="0" err="1" smtClean="0"/>
-              <a:t>java.awt.Event</a:t>
-            </a:r>
-            <a:r>
-              <a:rPr lang="en-GB" altLang="en-US" dirty="0" smtClean="0"/>
-              <a:t> is </a:t>
-            </a:r>
-            <a:r>
-              <a:rPr lang="en-GB" altLang="en-US" dirty="0" smtClean="0">
-                <a:solidFill>
-                  <a:srgbClr val="FF0000"/>
-                </a:solidFill>
-              </a:rPr>
-              <a:t>deprecated</a:t>
-            </a:r>
-            <a:r>
-              <a:rPr lang="en-GB" altLang="en-US" dirty="0" smtClean="0"/>
-              <a:t>)</a:t>
-            </a:r>
-          </a:p>
-          <a:p>
-            <a:pPr lvl="1"/>
-            <a:r>
-              <a:rPr lang="en-GB" altLang="en-US" dirty="0" smtClean="0"/>
-              <a:t>Defines a lot of constants</a:t>
-            </a:r>
-          </a:p>
-        </p:txBody>
-      </p:sp>
-      <p:pic>
-        <p:nvPicPr>
-          <p:cNvPr id="20484" name="Picture 3"/>
-          <p:cNvPicPr>
-            <a:picLocks noChangeAspect="1"/>
-          </p:cNvPicPr>
-          <p:nvPr/>
-        </p:nvPicPr>
-        <p:blipFill>
-          <a:blip r:embed="rId2">
-            <a:extLst>
-              <a:ext uri="{28A0092B-C50C-407E-A947-70E740481C1C}">
-                <a14:useLocalDpi xmlns:a14="http://schemas.microsoft.com/office/drawing/2010/main" val="0"/>
-              </a:ext>
-            </a:extLst>
-          </a:blip>
-          <a:srcRect/>
-          <a:stretch>
-            <a:fillRect/>
-          </a:stretch>
-        </p:blipFill>
-        <p:spPr bwMode="auto">
-          <a:xfrm>
-            <a:off x="152400" y="3843338"/>
-            <a:ext cx="8562975" cy="2686050"/>
-          </a:xfrm>
-          <a:prstGeom prst="rect">
-            <a:avLst/>
-          </a:prstGeom>
-          <a:noFill/>
-          <a:ln>
-            <a:noFill/>
-          </a:ln>
-          <a:extLst>
-            <a:ext uri="{909E8E84-426E-40DD-AFC4-6F175D3DCCD1}">
-              <a14:hiddenFill xmlns:a14="http://schemas.microsoft.com/office/drawing/2010/main">
-                <a:solidFill>
-                  <a:srgbClr val="FFFFFF"/>
-                </a:solidFill>
-              </a14:hiddenFill>
-            </a:ext>
-            <a:ext uri="{91240B29-F687-4F45-9708-019B960494DF}">
-              <a14:hiddenLine xmlns:a14="http://schemas.microsoft.com/office/drawing/2010/main" w="9525">
-                <a:solidFill>
-                  <a:srgbClr val="000000"/>
-                </a:solidFill>
-                <a:miter lim="800000"/>
-                <a:headEnd/>
-                <a:tailEnd/>
-              </a14:hiddenLine>
-            </a:ext>
-          </a:extLst>
-        </p:spPr>
-      </p:pic>
-    </p:spTree>
-  </p:cSld>
-  <p:clrMapOvr>
-    <a:masterClrMapping/>
-  </p:clrMapOvr>
-</p:sld>
-</file>
-
 <file path=ppt/slides/slide16.xml><?xml version="1.0" encoding="utf-8"?>
 <p:sld xmlns:a="http://schemas.openxmlformats.org/drawingml/2006/main" xmlns:r="http://schemas.openxmlformats.org/officeDocument/2006/relationships" xmlns:p="http://schemas.openxmlformats.org/presentationml/2006/main">
   <p:cSld>
@@ -4836,7 +4754,7 @@
       </p:grpSpPr>
       <p:sp>
         <p:nvSpPr>
-          <p:cNvPr id="21506" name="Title 1"/>
+          <p:cNvPr id="2" name="Title 1"/>
           <p:cNvSpPr>
             <a:spLocks noGrp="1"/>
           </p:cNvSpPr>
@@ -4844,15 +4762,21 @@
             <p:ph type="title"/>
           </p:nvPr>
         </p:nvSpPr>
-        <p:spPr/>
+        <p:spPr>
+          <a:xfrm>
+            <a:off x="736600" y="195792"/>
+            <a:ext cx="7772400" cy="1143000"/>
+          </a:xfrm>
+        </p:spPr>
         <p:txBody>
           <a:bodyPr/>
           <a:lstStyle/>
           <a:p>
             <a:r>
-              <a:rPr lang="en-GB" altLang="en-US" smtClean="0"/>
-              <a:t>Events Handlers</a:t>
-            </a:r>
+              <a:rPr lang="en-GB" dirty="0" smtClean="0"/>
+              <a:t>Example</a:t>
+            </a:r>
+            <a:endParaRPr lang="en-GB" dirty="0"/>
           </a:p>
         </p:txBody>
       </p:sp>
@@ -4866,171 +4790,142 @@
             <p:ph idx="1"/>
           </p:nvPr>
         </p:nvSpPr>
-        <p:spPr/>
-        <p:txBody>
-          <a:bodyPr>
-            <a:normAutofit fontScale="77500" lnSpcReduction="20000"/>
+        <p:spPr>
+          <a:xfrm>
+            <a:off x="711200" y="1313392"/>
+            <a:ext cx="7772400" cy="4114800"/>
+          </a:xfrm>
+        </p:spPr>
+        <p:txBody>
+          <a:bodyPr/>
+          <a:lstStyle/>
+          <a:p>
+            <a:r>
+              <a:rPr lang="en-GB" dirty="0" smtClean="0"/>
+              <a:t>Adding Components</a:t>
+            </a:r>
+            <a:endParaRPr lang="en-GB" dirty="0"/>
+          </a:p>
+        </p:txBody>
+      </p:sp>
+      <p:pic>
+        <p:nvPicPr>
+          <p:cNvPr id="5" name="Picture 4"/>
+          <p:cNvPicPr>
+            <a:picLocks noChangeAspect="1"/>
+          </p:cNvPicPr>
+          <p:nvPr/>
+        </p:nvPicPr>
+        <p:blipFill>
+          <a:blip r:embed="rId2"/>
+          <a:stretch>
+            <a:fillRect/>
+          </a:stretch>
+        </p:blipFill>
+        <p:spPr>
+          <a:xfrm>
+            <a:off x="838200" y="1928283"/>
+            <a:ext cx="5695950" cy="3133725"/>
+          </a:xfrm>
+          <a:prstGeom prst="rect">
+            <a:avLst/>
+          </a:prstGeom>
+        </p:spPr>
+      </p:pic>
+      <p:pic>
+        <p:nvPicPr>
+          <p:cNvPr id="6" name="Picture 5"/>
+          <p:cNvPicPr>
+            <a:picLocks noChangeAspect="1"/>
+          </p:cNvPicPr>
+          <p:nvPr/>
+        </p:nvPicPr>
+        <p:blipFill>
+          <a:blip r:embed="rId3"/>
+          <a:stretch>
+            <a:fillRect/>
+          </a:stretch>
+        </p:blipFill>
+        <p:spPr>
+          <a:xfrm>
+            <a:off x="6019800" y="4520317"/>
+            <a:ext cx="2671762" cy="2025475"/>
+          </a:xfrm>
+          <a:prstGeom prst="rect">
+            <a:avLst/>
+          </a:prstGeom>
+        </p:spPr>
+      </p:pic>
+      <p:sp>
+        <p:nvSpPr>
+          <p:cNvPr id="7" name="TextBox 6"/>
+          <p:cNvSpPr txBox="1"/>
+          <p:nvPr/>
+        </p:nvSpPr>
+        <p:spPr>
+          <a:xfrm>
+            <a:off x="711200" y="5569323"/>
+            <a:ext cx="3860800" cy="646331"/>
+          </a:xfrm>
+          <a:prstGeom prst="rect">
+            <a:avLst/>
+          </a:prstGeom>
+          <a:noFill/>
+        </p:spPr>
+        <p:txBody>
+          <a:bodyPr wrap="square" rtlCol="0">
+            <a:spAutoFit/>
           </a:bodyPr>
           <a:lstStyle/>
           <a:p>
-            <a:pPr>
-              <a:defRPr/>
-            </a:pPr>
-            <a:r>
-              <a:rPr lang="en-GB" dirty="0" smtClean="0"/>
-              <a:t> In the declaration for the event handler class, one line of code specifies that the class either implements a listener interface (or extends a class that implements a listener interface).</a:t>
-            </a:r>
-          </a:p>
-          <a:p>
-            <a:pPr lvl="1">
-              <a:defRPr/>
-            </a:pPr>
-            <a:r>
-              <a:rPr lang="en-GB" dirty="0" smtClean="0">
+            <a:r>
+              <a:rPr lang="en-GB" sz="1800" dirty="0" err="1" smtClean="0">
                 <a:solidFill>
-                  <a:srgbClr val="FF0000"/>
+                  <a:schemeClr val="bg2"/>
                 </a:solidFill>
               </a:rPr>
-              <a:t>public class </a:t>
-            </a:r>
-            <a:r>
-              <a:rPr lang="en-GB" dirty="0" err="1" smtClean="0">
+              <a:t>javac</a:t>
+            </a:r>
+            <a:r>
+              <a:rPr lang="en-GB" sz="1800" dirty="0" smtClean="0">
                 <a:solidFill>
-                  <a:srgbClr val="FF0000"/>
+                  <a:schemeClr val="bg2"/>
                 </a:solidFill>
               </a:rPr>
-              <a:t>MyClass</a:t>
-            </a:r>
-            <a:r>
-              <a:rPr lang="en-GB" dirty="0" smtClean="0">
+              <a:t> MyFrameWithComponents.java</a:t>
+            </a:r>
+          </a:p>
+          <a:p>
+            <a:r>
+              <a:rPr lang="en-GB" sz="1800" dirty="0" smtClean="0">
                 <a:solidFill>
-                  <a:srgbClr val="FF0000"/>
+                  <a:schemeClr val="bg2"/>
                 </a:solidFill>
               </a:rPr>
-              <a:t> implements </a:t>
-            </a:r>
-            <a:r>
-              <a:rPr lang="en-GB" dirty="0" err="1" smtClean="0">
+              <a:t>java </a:t>
+            </a:r>
+            <a:r>
+              <a:rPr lang="en-GB" sz="1800" dirty="0" err="1" smtClean="0">
                 <a:solidFill>
-                  <a:srgbClr val="FF0000"/>
+                  <a:schemeClr val="bg2"/>
                 </a:solidFill>
               </a:rPr>
-              <a:t>ActionListener</a:t>
-            </a:r>
-            <a:endParaRPr lang="en-GB" dirty="0" smtClean="0">
+              <a:t>MyFrameWithComponents.class</a:t>
+            </a:r>
+            <a:endParaRPr lang="en-GB" sz="1800" dirty="0">
               <a:solidFill>
-                <a:srgbClr val="FF0000"/>
+                <a:schemeClr val="bg2"/>
               </a:solidFill>
             </a:endParaRPr>
           </a:p>
-          <a:p>
-            <a:pPr>
-              <a:defRPr/>
-            </a:pPr>
-            <a:r>
-              <a:rPr lang="en-GB" dirty="0" smtClean="0"/>
-              <a:t>In the event handler class the method(s) in the listener interface must be implemented</a:t>
-            </a:r>
-          </a:p>
-          <a:p>
-            <a:pPr lvl="1">
-              <a:defRPr/>
-            </a:pPr>
-            <a:r>
-              <a:rPr lang="en-GB" dirty="0" smtClean="0">
-                <a:solidFill>
-                  <a:srgbClr val="FF0000"/>
-                </a:solidFill>
-              </a:rPr>
-              <a:t>public void </a:t>
-            </a:r>
-            <a:r>
-              <a:rPr lang="en-GB" dirty="0" err="1" smtClean="0">
-                <a:solidFill>
-                  <a:srgbClr val="FF0000"/>
-                </a:solidFill>
-              </a:rPr>
-              <a:t>actionPerformed</a:t>
-            </a:r>
-            <a:r>
-              <a:rPr lang="en-GB" dirty="0" smtClean="0">
-                <a:solidFill>
-                  <a:srgbClr val="FF0000"/>
-                </a:solidFill>
-              </a:rPr>
-              <a:t>(</a:t>
-            </a:r>
-            <a:r>
-              <a:rPr lang="en-GB" dirty="0" err="1" smtClean="0">
-                <a:solidFill>
-                  <a:srgbClr val="FF0000"/>
-                </a:solidFill>
-              </a:rPr>
-              <a:t>ActionEvent</a:t>
-            </a:r>
-            <a:r>
-              <a:rPr lang="en-GB" dirty="0" smtClean="0">
-                <a:solidFill>
-                  <a:srgbClr val="FF0000"/>
-                </a:solidFill>
-              </a:rPr>
-              <a:t> e) { /* code that "reacts" to the event */ }</a:t>
-            </a:r>
-          </a:p>
-          <a:p>
-            <a:pPr>
-              <a:defRPr/>
-            </a:pPr>
-            <a:r>
-              <a:rPr lang="en-GB" dirty="0" smtClean="0"/>
-              <a:t>Register an instance of the event handler class as a listener on one or more components.</a:t>
-            </a:r>
-          </a:p>
-          <a:p>
-            <a:pPr lvl="1">
-              <a:defRPr/>
-            </a:pPr>
-            <a:r>
-              <a:rPr lang="en-GB" dirty="0" err="1" smtClean="0">
-                <a:solidFill>
-                  <a:srgbClr val="FF0000"/>
-                </a:solidFill>
-              </a:rPr>
-              <a:t>myComponent.addActionListener</a:t>
-            </a:r>
-            <a:r>
-              <a:rPr lang="en-GB" dirty="0" smtClean="0">
-                <a:solidFill>
-                  <a:srgbClr val="FF0000"/>
-                </a:solidFill>
-              </a:rPr>
-              <a:t>(</a:t>
-            </a:r>
-            <a:r>
-              <a:rPr lang="en-GB" dirty="0" err="1" smtClean="0">
-                <a:solidFill>
-                  <a:srgbClr val="FF0000"/>
-                </a:solidFill>
-              </a:rPr>
-              <a:t>myClassInstance</a:t>
-            </a:r>
-            <a:r>
-              <a:rPr lang="en-GB" dirty="0" smtClean="0">
-                <a:solidFill>
-                  <a:srgbClr val="FF0000"/>
-                </a:solidFill>
-              </a:rPr>
-              <a:t>)</a:t>
-            </a:r>
-            <a:endParaRPr lang="en-GB" dirty="0">
-              <a:solidFill>
-                <a:srgbClr val="FF0000"/>
-              </a:solidFill>
-            </a:endParaRPr>
-          </a:p>
         </p:txBody>
       </p:sp>
     </p:spTree>
+    <p:extLst>
+      <p:ext uri="{BB962C8B-B14F-4D97-AF65-F5344CB8AC3E}">
+        <p14:creationId xmlns:p14="http://schemas.microsoft.com/office/powerpoint/2010/main" val="211809350"/>
+      </p:ext>
+    </p:extLst>
   </p:cSld>
   <p:clrMapOvr>
     <a:masterClrMapping/>
@@ -5057,7 +4952,7 @@
       </p:grpSpPr>
       <p:sp>
         <p:nvSpPr>
-          <p:cNvPr id="22530" name="Title 1"/>
+          <p:cNvPr id="2" name="Title 1"/>
           <p:cNvSpPr>
             <a:spLocks noGrp="1"/>
           </p:cNvSpPr>
@@ -5067,7 +4962,7 @@
         </p:nvSpPr>
         <p:spPr>
           <a:xfrm>
-            <a:off x="685800" y="304800"/>
+            <a:off x="685800" y="312208"/>
             <a:ext cx="7772400" cy="1143000"/>
           </a:xfrm>
         </p:spPr>
@@ -5076,15 +4971,16 @@
           <a:lstStyle/>
           <a:p>
             <a:r>
-              <a:rPr lang="en-GB" altLang="en-US" smtClean="0"/>
-              <a:t>Events Handlers, cont.</a:t>
-            </a:r>
-          </a:p>
-        </p:txBody>
-      </p:sp>
-      <p:sp>
-        <p:nvSpPr>
-          <p:cNvPr id="22531" name="Content Placeholder 2"/>
+              <a:rPr lang="en-GB" dirty="0" smtClean="0"/>
+              <a:t>Question</a:t>
+            </a:r>
+            <a:endParaRPr lang="en-GB" dirty="0"/>
+          </a:p>
+        </p:txBody>
+      </p:sp>
+      <p:sp>
+        <p:nvSpPr>
+          <p:cNvPr id="3" name="Content Placeholder 2"/>
           <p:cNvSpPr>
             <a:spLocks noGrp="1"/>
           </p:cNvSpPr>
@@ -5094,8 +4990,8 @@
         </p:nvSpPr>
         <p:spPr>
           <a:xfrm>
-            <a:off x="685800" y="5029200"/>
-            <a:ext cx="7772400" cy="1655763"/>
+            <a:off x="685800" y="1455208"/>
+            <a:ext cx="7772400" cy="4114800"/>
           </a:xfrm>
         </p:spPr>
         <p:txBody>
@@ -5103,67 +4999,43 @@
           <a:lstStyle/>
           <a:p>
             <a:r>
-              <a:rPr lang="en-GB" altLang="en-US" smtClean="0"/>
-              <a:t>Often an event handler that has only a few lines of code is implemented using an anonymous inner class.</a:t>
-            </a:r>
+              <a:rPr lang="en-GB" dirty="0" smtClean="0"/>
+              <a:t>What would the following output?</a:t>
+            </a:r>
+            <a:endParaRPr lang="en-GB" dirty="0"/>
           </a:p>
         </p:txBody>
       </p:sp>
       <p:pic>
         <p:nvPicPr>
-          <p:cNvPr id="22532" name="Picture 3"/>
+          <p:cNvPr id="4" name="Picture 3"/>
           <p:cNvPicPr>
             <a:picLocks noChangeAspect="1"/>
           </p:cNvPicPr>
           <p:nvPr/>
         </p:nvPicPr>
         <p:blipFill>
-          <a:blip r:embed="rId2">
-            <a:extLst>
-              <a:ext uri="{28A0092B-C50C-407E-A947-70E740481C1C}">
-                <a14:useLocalDpi xmlns:a14="http://schemas.microsoft.com/office/drawing/2010/main" val="0"/>
-              </a:ext>
-            </a:extLst>
-          </a:blip>
-          <a:srcRect/>
+          <a:blip r:embed="rId2"/>
           <a:stretch>
             <a:fillRect/>
           </a:stretch>
         </p:blipFill>
-        <p:spPr bwMode="auto">
-          <a:xfrm>
-            <a:off x="381000" y="1676400"/>
-            <a:ext cx="8477250" cy="3171825"/>
+        <p:spPr>
+          <a:xfrm>
+            <a:off x="1447800" y="2286000"/>
+            <a:ext cx="6172200" cy="4145816"/>
           </a:xfrm>
           <a:prstGeom prst="rect">
             <a:avLst/>
           </a:prstGeom>
-          <a:noFill/>
-          <a:ln>
-            <a:noFill/>
-          </a:ln>
-          <a:extLst>
-            <a:ext uri="{909E8E84-426E-40DD-AFC4-6F175D3DCCD1}">
-              <a14:hiddenFill xmlns:a14="http://schemas.microsoft.com/office/drawing/2010/main">
-                <a:solidFill>
-                  <a:srgbClr val="FFFFFF"/>
-                </a:solidFill>
-              </a14:hiddenFill>
-            </a:ext>
-            <a:ext uri="{91240B29-F687-4F45-9708-019B960494DF}">
-              <a14:hiddenLine xmlns:a14="http://schemas.microsoft.com/office/drawing/2010/main" w="9525">
-                <a:solidFill>
-                  <a:srgbClr val="000000"/>
-                </a:solidFill>
-                <a:miter lim="800000"/>
-                <a:headEnd/>
-                <a:tailEnd/>
-              </a14:hiddenLine>
-            </a:ext>
-          </a:extLst>
         </p:spPr>
       </p:pic>
     </p:spTree>
+    <p:extLst>
+      <p:ext uri="{BB962C8B-B14F-4D97-AF65-F5344CB8AC3E}">
+        <p14:creationId xmlns:p14="http://schemas.microsoft.com/office/powerpoint/2010/main" val="382631693"/>
+      </p:ext>
+    </p:extLst>
   </p:cSld>
   <p:clrMapOvr>
     <a:masterClrMapping/>
@@ -5190,7 +5062,7 @@
       </p:grpSpPr>
       <p:sp>
         <p:nvSpPr>
-          <p:cNvPr id="23554" name="Title 1"/>
+          <p:cNvPr id="2" name="Title 1"/>
           <p:cNvSpPr>
             <a:spLocks noGrp="1"/>
           </p:cNvSpPr>
@@ -5200,7 +5072,7 @@
         </p:nvSpPr>
         <p:spPr>
           <a:xfrm>
-            <a:off x="533400" y="152400"/>
+            <a:off x="685800" y="381000"/>
             <a:ext cx="7772400" cy="1143000"/>
           </a:xfrm>
         </p:spPr>
@@ -5209,9 +5081,10 @@
           <a:lstStyle/>
           <a:p>
             <a:r>
-              <a:rPr lang="en-GB" altLang="en-US" smtClean="0"/>
-              <a:t>Events Handlers, cont.</a:t>
-            </a:r>
+              <a:rPr lang="en-GB" dirty="0" smtClean="0"/>
+              <a:t>Answer</a:t>
+            </a:r>
+            <a:endParaRPr lang="en-GB" dirty="0"/>
           </a:p>
         </p:txBody>
       </p:sp>
@@ -5227,107 +5100,24 @@
         </p:nvSpPr>
         <p:spPr>
           <a:xfrm>
-            <a:off x="533400" y="1447800"/>
-            <a:ext cx="8458200" cy="2438400"/>
-          </a:xfrm>
-        </p:spPr>
-        <p:txBody>
-          <a:bodyPr>
-            <a:normAutofit fontScale="85000" lnSpcReduction="20000"/>
-          </a:bodyPr>
+            <a:off x="685800" y="1676400"/>
+            <a:ext cx="7772400" cy="4114800"/>
+          </a:xfrm>
+        </p:spPr>
+        <p:txBody>
+          <a:bodyPr/>
           <a:lstStyle/>
           <a:p>
-            <a:pPr>
-              <a:defRPr/>
-            </a:pPr>
-            <a:r>
-              <a:rPr lang="en-GB" dirty="0" err="1" smtClean="0"/>
-              <a:t>SwingApplication</a:t>
-            </a:r>
-            <a:r>
-              <a:rPr lang="en-GB" dirty="0" smtClean="0"/>
-              <a:t> has two event handlers.</a:t>
-            </a:r>
-          </a:p>
-          <a:p>
-            <a:pPr lvl="1">
-              <a:defRPr/>
-            </a:pPr>
-            <a:r>
-              <a:rPr lang="en-GB" dirty="0" smtClean="0"/>
-              <a:t>Window closing (window events).</a:t>
-            </a:r>
-          </a:p>
-          <a:p>
-            <a:pPr lvl="2">
-              <a:defRPr/>
-            </a:pPr>
-            <a:r>
-              <a:rPr lang="en-GB" dirty="0" err="1" smtClean="0">
-                <a:solidFill>
-                  <a:srgbClr val="FF0000"/>
-                </a:solidFill>
-              </a:rPr>
-              <a:t>frame.setDefaultCloseOperation</a:t>
-            </a:r>
-            <a:r>
-              <a:rPr lang="en-GB" dirty="0" smtClean="0">
-                <a:solidFill>
-                  <a:srgbClr val="FF0000"/>
-                </a:solidFill>
-              </a:rPr>
-              <a:t> (</a:t>
-            </a:r>
-            <a:r>
-              <a:rPr lang="en-GB" dirty="0" err="1" smtClean="0">
-                <a:solidFill>
-                  <a:srgbClr val="FF0000"/>
-                </a:solidFill>
-              </a:rPr>
-              <a:t>JFrame.EXIT_ON_CLOSE</a:t>
-            </a:r>
-            <a:r>
-              <a:rPr lang="en-GB" dirty="0" smtClean="0">
-                <a:solidFill>
-                  <a:srgbClr val="FF0000"/>
-                </a:solidFill>
-              </a:rPr>
-              <a:t>);</a:t>
-            </a:r>
-          </a:p>
-          <a:p>
-            <a:pPr>
-              <a:defRPr/>
-            </a:pPr>
-            <a:r>
-              <a:rPr lang="en-GB" dirty="0" smtClean="0"/>
-              <a:t>Button clicks (action events).</a:t>
-            </a:r>
-          </a:p>
-          <a:p>
-            <a:pPr lvl="1">
-              <a:defRPr/>
-            </a:pPr>
-            <a:r>
-              <a:rPr lang="en-GB" dirty="0" smtClean="0"/>
-              <a:t>see previous slide.</a:t>
-            </a:r>
-          </a:p>
-          <a:p>
-            <a:pPr>
-              <a:defRPr/>
-            </a:pPr>
-            <a:r>
-              <a:rPr lang="en-GB" dirty="0"/>
-              <a:t>Types of events (listeners defined in </a:t>
-            </a:r>
-            <a:r>
-              <a:rPr lang="en-GB" dirty="0" err="1"/>
-              <a:t>java.awt.event</a:t>
-            </a:r>
-            <a:r>
-              <a:rPr lang="en-GB" dirty="0" smtClean="0"/>
-              <a:t>)</a:t>
+            <a:r>
+              <a:rPr lang="en-GB" dirty="0" smtClean="0"/>
+              <a:t>Buttons are all placed overlapping </a:t>
+            </a:r>
+          </a:p>
+          <a:p>
+            <a:pPr lvl="1"/>
+            <a:r>
+              <a:rPr lang="en-GB" dirty="0" smtClean="0"/>
+              <a:t>(i.e., set the position for each button if you want to see all 100 buttons)</a:t>
             </a:r>
             <a:endParaRPr lang="en-GB" dirty="0"/>
           </a:p>
@@ -5335,59 +5125,34 @@
       </p:sp>
       <p:pic>
         <p:nvPicPr>
-          <p:cNvPr id="23556" name="Picture 3"/>
+          <p:cNvPr id="4" name="Picture 3"/>
           <p:cNvPicPr>
             <a:picLocks noChangeAspect="1"/>
           </p:cNvPicPr>
           <p:nvPr/>
         </p:nvPicPr>
         <p:blipFill>
-          <a:blip r:embed="rId2">
-            <a:extLst>
-              <a:ext uri="{28A0092B-C50C-407E-A947-70E740481C1C}">
-                <a14:useLocalDpi xmlns:a14="http://schemas.microsoft.com/office/drawing/2010/main" val="0"/>
-              </a:ext>
-            </a:extLst>
-          </a:blip>
-          <a:srcRect/>
+          <a:blip r:embed="rId2"/>
           <a:stretch>
             <a:fillRect/>
           </a:stretch>
         </p:blipFill>
-        <p:spPr bwMode="auto">
-          <a:xfrm>
-            <a:off x="914400" y="4030663"/>
-            <a:ext cx="7034213" cy="2630487"/>
+        <p:spPr>
+          <a:xfrm>
+            <a:off x="2676525" y="3657600"/>
+            <a:ext cx="3790950" cy="2886075"/>
           </a:xfrm>
           <a:prstGeom prst="rect">
             <a:avLst/>
           </a:prstGeom>
-          <a:noFill/>
-          <a:ln>
-            <a:noFill/>
-          </a:ln>
-          <a:extLst>
-            <a:ext uri="{909E8E84-426E-40DD-AFC4-6F175D3DCCD1}">
-              <a14:hiddenFill xmlns:a14="http://schemas.microsoft.com/office/drawing/2010/main">
-                <a:solidFill>
-                  <a:srgbClr val="FFFFFF"/>
-                </a:solidFill>
-              </a14:hiddenFill>
-            </a:ext>
-            <a:ext uri="{91240B29-F687-4F45-9708-019B960494DF}">
-              <a14:hiddenLine xmlns:a14="http://schemas.microsoft.com/office/drawing/2010/main" w="9525">
-                <a:solidFill>
-                  <a:srgbClr val="000000"/>
-                </a:solidFill>
-                <a:miter lim="800000"/>
-                <a:headEnd/>
-                <a:tailEnd/>
-              </a14:hiddenLine>
-            </a:ext>
-          </a:extLst>
         </p:spPr>
       </p:pic>
     </p:spTree>
+    <p:extLst>
+      <p:ext uri="{BB962C8B-B14F-4D97-AF65-F5344CB8AC3E}">
+        <p14:creationId xmlns:p14="http://schemas.microsoft.com/office/powerpoint/2010/main" val="3811331213"/>
+      </p:ext>
+    </p:extLst>
   </p:cSld>
   <p:clrMapOvr>
     <a:masterClrMapping/>
@@ -5414,7 +5179,7 @@
       </p:grpSpPr>
       <p:sp>
         <p:nvSpPr>
-          <p:cNvPr id="24578" name="Title 1"/>
+          <p:cNvPr id="18434" name="Title 1"/>
           <p:cNvSpPr>
             <a:spLocks noGrp="1"/>
           </p:cNvSpPr>
@@ -5433,24 +5198,34 @@
           <a:lstStyle/>
           <a:p>
             <a:r>
-              <a:rPr lang="en-GB" altLang="en-US" dirty="0" err="1" smtClean="0"/>
-              <a:t>WindowListener</a:t>
-            </a:r>
-            <a:r>
               <a:rPr lang="en-GB" altLang="en-US" dirty="0" smtClean="0"/>
-              <a:t> and </a:t>
-            </a:r>
-            <a:r>
-              <a:rPr lang="en-GB" altLang="en-US" dirty="0" err="1" smtClean="0"/>
-              <a:t>MouseListener</a:t>
-            </a:r>
-            <a:endParaRPr lang="en-GB" altLang="en-US" dirty="0" smtClean="0"/>
+              <a:t>Example Special Containers</a:t>
+            </a:r>
+          </a:p>
+        </p:txBody>
+      </p:sp>
+      <p:sp>
+        <p:nvSpPr>
+          <p:cNvPr id="18435" name="Content Placeholder 2"/>
+          <p:cNvSpPr>
+            <a:spLocks noGrp="1"/>
+          </p:cNvSpPr>
+          <p:nvPr>
+            <p:ph idx="1"/>
+          </p:nvPr>
+        </p:nvSpPr>
+        <p:spPr/>
+        <p:txBody>
+          <a:bodyPr/>
+          <a:lstStyle/>
+          <a:p>
+            <a:endParaRPr lang="en-GB" altLang="en-US" smtClean="0"/>
           </a:p>
         </p:txBody>
       </p:sp>
       <p:pic>
         <p:nvPicPr>
-          <p:cNvPr id="24579" name="Picture 3"/>
+          <p:cNvPr id="18436" name="Picture 3"/>
           <p:cNvPicPr>
             <a:picLocks noChangeAspect="1"/>
           </p:cNvPicPr>
@@ -5471,62 +5246,8 @@
         </p:blipFill>
         <p:spPr bwMode="auto">
           <a:xfrm>
-            <a:off x="592138" y="1633538"/>
-            <a:ext cx="7731125" cy="2447925"/>
-          </a:xfrm>
-          <a:prstGeom prst="rect">
-            <a:avLst/>
-          </a:prstGeom>
-          <a:noFill/>
-          <a:ln>
-            <a:noFill/>
-          </a:ln>
-          <a:extLst>
-            <a:ext uri="{909E8E84-426E-40DD-AFC4-6F175D3DCCD1}">
-              <a14:hiddenFill xmlns:a14="http://schemas.microsoft.com/office/drawing/2010/main">
-                <a:solidFill>
-                  <a:srgbClr val="FFFFFF"/>
-                </a:solidFill>
-              </a14:hiddenFill>
-            </a:ext>
-            <a:ext uri="{91240B29-F687-4F45-9708-019B960494DF}">
-              <a14:hiddenLine xmlns:a14="http://schemas.microsoft.com/office/drawing/2010/main" w="9525">
-                <a:solidFill>
-                  <a:srgbClr val="000000"/>
-                </a:solidFill>
-                <a:miter lim="800000"/>
-                <a:headEnd/>
-                <a:tailEnd/>
-              </a14:hiddenLine>
-            </a:ext>
-          </a:extLst>
-        </p:spPr>
-      </p:pic>
-      <p:pic>
-        <p:nvPicPr>
-          <p:cNvPr id="24580" name="Picture 4"/>
-          <p:cNvPicPr>
-            <a:picLocks noChangeAspect="1"/>
-          </p:cNvPicPr>
-          <p:nvPr/>
-        </p:nvPicPr>
-        <p:blipFill>
-          <a:blip r:embed="rId3">
-            <a:extLst>
-              <a:ext uri="{28A0092B-C50C-407E-A947-70E740481C1C}">
-                <a14:useLocalDpi xmlns:a14="http://schemas.microsoft.com/office/drawing/2010/main" val="0"/>
-              </a:ext>
-            </a:extLst>
-          </a:blip>
-          <a:srcRect/>
-          <a:stretch>
-            <a:fillRect/>
-          </a:stretch>
-        </p:blipFill>
-        <p:spPr bwMode="auto">
-          <a:xfrm>
-            <a:off x="457200" y="4419600"/>
-            <a:ext cx="8001000" cy="2000250"/>
+            <a:off x="609600" y="1371600"/>
+            <a:ext cx="7696200" cy="4808538"/>
           </a:xfrm>
           <a:prstGeom prst="rect">
             <a:avLst/>
@@ -5702,7 +5423,7 @@
       </p:grpSpPr>
       <p:sp>
         <p:nvSpPr>
-          <p:cNvPr id="25602" name="Title 1"/>
+          <p:cNvPr id="19458" name="Title 1"/>
           <p:cNvSpPr>
             <a:spLocks noGrp="1"/>
           </p:cNvSpPr>
@@ -5712,7 +5433,7 @@
         </p:nvSpPr>
         <p:spPr>
           <a:xfrm>
-            <a:off x="677863" y="76200"/>
+            <a:off x="668338" y="304800"/>
             <a:ext cx="7772400" cy="1143000"/>
           </a:xfrm>
         </p:spPr>
@@ -5722,7 +5443,7 @@
           <a:p>
             <a:r>
               <a:rPr lang="en-GB" altLang="en-US" smtClean="0"/>
-              <a:t>Layout Managers</a:t>
+              <a:t>Events</a:t>
             </a:r>
           </a:p>
         </p:txBody>
@@ -5739,8 +5460,8 @@
         </p:nvSpPr>
         <p:spPr>
           <a:xfrm>
-            <a:off x="677863" y="1227138"/>
-            <a:ext cx="8085137" cy="2362200"/>
+            <a:off x="685800" y="1524000"/>
+            <a:ext cx="7772400" cy="2743200"/>
           </a:xfrm>
         </p:spPr>
         <p:txBody>
@@ -5754,16 +5475,7 @@
             </a:pPr>
             <a:r>
               <a:rPr lang="en-GB" dirty="0" smtClean="0"/>
-              <a:t>A layout manager is an object that determines the manner in which components are displayed in a container</a:t>
-            </a:r>
-          </a:p>
-          <a:p>
-            <a:pPr>
-              <a:defRPr/>
-            </a:pPr>
-            <a:r>
-              <a:rPr lang="en-GB" dirty="0" smtClean="0"/>
-              <a:t>There are </a:t>
+              <a:t>Every time the user </a:t>
             </a:r>
             <a:r>
               <a:rPr lang="en-GB" dirty="0" smtClean="0">
@@ -5771,11 +5483,61 @@
                   <a:srgbClr val="FF0000"/>
                 </a:solidFill>
               </a:rPr>
-              <a:t>several predefined layout managers </a:t>
-            </a:r>
-            <a:r>
-              <a:rPr lang="en-GB" dirty="0" smtClean="0"/>
-              <a:t>defined in the Java standard class library</a:t>
+              <a:t>types</a:t>
+            </a:r>
+            <a:r>
+              <a:rPr lang="en-GB" dirty="0" smtClean="0"/>
+              <a:t> a character or pushes a mouse </a:t>
+            </a:r>
+            <a:r>
+              <a:rPr lang="en-GB" dirty="0" smtClean="0">
+                <a:solidFill>
+                  <a:srgbClr val="FF0000"/>
+                </a:solidFill>
+              </a:rPr>
+              <a:t>button</a:t>
+            </a:r>
+            <a:r>
+              <a:rPr lang="en-GB" dirty="0" smtClean="0"/>
+              <a:t>, an event occurs</a:t>
+            </a:r>
+          </a:p>
+          <a:p>
+            <a:pPr>
+              <a:defRPr/>
+            </a:pPr>
+            <a:r>
+              <a:rPr lang="en-GB" dirty="0" smtClean="0">
+                <a:solidFill>
+                  <a:srgbClr val="FF0000"/>
+                </a:solidFill>
+              </a:rPr>
+              <a:t>Any object </a:t>
+            </a:r>
+            <a:r>
+              <a:rPr lang="en-GB" dirty="0" smtClean="0"/>
+              <a:t>can be notified of the event</a:t>
+            </a:r>
+          </a:p>
+          <a:p>
+            <a:pPr>
+              <a:defRPr/>
+            </a:pPr>
+            <a:r>
+              <a:rPr lang="en-GB" dirty="0" smtClean="0"/>
+              <a:t>All the objects have to do implement the appropriate </a:t>
+            </a:r>
+            <a:r>
+              <a:rPr lang="en-GB" dirty="0" smtClean="0">
+                <a:solidFill>
+                  <a:srgbClr val="FF0000"/>
+                </a:solidFill>
+              </a:rPr>
+              <a:t>interface</a:t>
+            </a:r>
+            <a:r>
+              <a:rPr lang="en-GB" dirty="0" smtClean="0"/>
+              <a:t> and be registered as an event listener on the appropriate event source</a:t>
             </a:r>
             <a:endParaRPr lang="en-GB" dirty="0"/>
           </a:p>
@@ -5783,7 +5545,7 @@
       </p:sp>
       <p:pic>
         <p:nvPicPr>
-          <p:cNvPr id="25604" name="Picture 3"/>
+          <p:cNvPr id="19460" name="Picture 3"/>
           <p:cNvPicPr>
             <a:picLocks noChangeAspect="1"/>
           </p:cNvPicPr>
@@ -5804,8 +5566,8 @@
         </p:blipFill>
         <p:spPr bwMode="auto">
           <a:xfrm>
-            <a:off x="1905000" y="3505200"/>
-            <a:ext cx="5184775" cy="2805113"/>
+            <a:off x="228600" y="4495800"/>
+            <a:ext cx="8572500" cy="2047875"/>
           </a:xfrm>
           <a:prstGeom prst="rect">
             <a:avLst/>
@@ -5862,7 +5624,7 @@
       </p:grpSpPr>
       <p:sp>
         <p:nvSpPr>
-          <p:cNvPr id="26626" name="Title 1"/>
+          <p:cNvPr id="20482" name="Title 1"/>
           <p:cNvSpPr>
             <a:spLocks noGrp="1"/>
           </p:cNvSpPr>
@@ -5872,7 +5634,7 @@
         </p:nvSpPr>
         <p:spPr>
           <a:xfrm>
-            <a:off x="685800" y="152400"/>
+            <a:off x="677863" y="228600"/>
             <a:ext cx="7772400" cy="1143000"/>
           </a:xfrm>
         </p:spPr>
@@ -5882,14 +5644,14 @@
           <a:p>
             <a:r>
               <a:rPr lang="en-GB" altLang="en-US" smtClean="0"/>
-              <a:t>Layout Managers, cont.</a:t>
-            </a:r>
-          </a:p>
-        </p:txBody>
-      </p:sp>
-      <p:sp>
-        <p:nvSpPr>
-          <p:cNvPr id="3" name="Content Placeholder 2"/>
+              <a:t>Events, cont.</a:t>
+            </a:r>
+          </a:p>
+        </p:txBody>
+      </p:sp>
+      <p:sp>
+        <p:nvSpPr>
+          <p:cNvPr id="20483" name="Content Placeholder 2"/>
           <p:cNvSpPr>
             <a:spLocks noGrp="1"/>
           </p:cNvSpPr>
@@ -5899,93 +5661,8 @@
         </p:nvSpPr>
         <p:spPr>
           <a:xfrm>
-            <a:off x="685800" y="1295400"/>
-            <a:ext cx="7772400" cy="5181600"/>
-          </a:xfrm>
-        </p:spPr>
-        <p:txBody>
-          <a:bodyPr>
-            <a:normAutofit fontScale="92500" lnSpcReduction="20000"/>
-          </a:bodyPr>
-          <a:lstStyle/>
-          <a:p>
-            <a:pPr>
-              <a:defRPr/>
-            </a:pPr>
-            <a:r>
-              <a:rPr lang="en-GB" dirty="0" smtClean="0"/>
-              <a:t>Every container has a default layout manager, but we can also explicitly set the layout manager for a container</a:t>
-            </a:r>
-          </a:p>
-          <a:p>
-            <a:pPr>
-              <a:defRPr/>
-            </a:pPr>
-            <a:r>
-              <a:rPr lang="en-GB" dirty="0" smtClean="0"/>
-              <a:t>Each layout manager has its own particular rules governing how the components will be arranged</a:t>
-            </a:r>
-          </a:p>
-          <a:p>
-            <a:pPr>
-              <a:defRPr/>
-            </a:pPr>
-            <a:r>
-              <a:rPr lang="en-GB" dirty="0" smtClean="0"/>
-              <a:t>Some layout managers pay attention to a component's preferred size or alignment, and others do not</a:t>
-            </a:r>
-          </a:p>
-          <a:p>
-            <a:pPr>
-              <a:defRPr/>
-            </a:pPr>
-            <a:r>
-              <a:rPr lang="en-GB" dirty="0" smtClean="0"/>
-              <a:t>The layout managers attempt to adjust the layout as components are added and as containers are resized</a:t>
-            </a:r>
-            <a:endParaRPr lang="en-GB" dirty="0"/>
-          </a:p>
-        </p:txBody>
-      </p:sp>
-    </p:spTree>
-  </p:cSld>
-  <p:clrMapOvr>
-    <a:masterClrMapping/>
-  </p:clrMapOvr>
-</p:sld>
-</file>
-
-<file path=ppt/slides/slide22.xml><?xml version="1.0" encoding="utf-8"?>
-<p:sld xmlns:a="http://schemas.openxmlformats.org/drawingml/2006/main" xmlns:r="http://schemas.openxmlformats.org/officeDocument/2006/relationships" xmlns:p="http://schemas.openxmlformats.org/presentationml/2006/main">
-  <p:cSld>
-    <p:spTree>
-      <p:nvGrpSpPr>
-        <p:cNvPr id="1" name=""/>
-        <p:cNvGrpSpPr/>
-        <p:nvPr/>
-      </p:nvGrpSpPr>
-      <p:grpSpPr>
-        <a:xfrm>
-          <a:off x="0" y="0"/>
-          <a:ext cx="0" cy="0"/>
-          <a:chOff x="0" y="0"/>
-          <a:chExt cx="0" cy="0"/>
-        </a:xfrm>
-      </p:grpSpPr>
-      <p:sp>
-        <p:nvSpPr>
-          <p:cNvPr id="27650" name="Title 1"/>
-          <p:cNvSpPr>
-            <a:spLocks noGrp="1"/>
-          </p:cNvSpPr>
-          <p:nvPr>
-            <p:ph type="title"/>
-          </p:nvPr>
-        </p:nvSpPr>
-        <p:spPr>
-          <a:xfrm>
-            <a:off x="685800" y="76200"/>
-            <a:ext cx="7772400" cy="1143000"/>
+            <a:off x="457200" y="1524000"/>
+            <a:ext cx="8458200" cy="4572000"/>
           </a:xfrm>
         </p:spPr>
         <p:txBody>
@@ -5993,96 +5670,50 @@
           <a:lstStyle/>
           <a:p>
             <a:r>
-              <a:rPr lang="en-GB" altLang="en-US" smtClean="0"/>
-              <a:t>Flow Layout</a:t>
-            </a:r>
-          </a:p>
-        </p:txBody>
-      </p:sp>
-      <p:sp>
-        <p:nvSpPr>
-          <p:cNvPr id="3" name="Content Placeholder 2"/>
-          <p:cNvSpPr>
-            <a:spLocks noGrp="1"/>
-          </p:cNvSpPr>
-          <p:nvPr>
-            <p:ph idx="1"/>
-          </p:nvPr>
-        </p:nvSpPr>
-        <p:spPr>
-          <a:xfrm>
-            <a:off x="685800" y="1219200"/>
-            <a:ext cx="7772400" cy="3505200"/>
-          </a:xfrm>
-        </p:spPr>
-        <p:txBody>
-          <a:bodyPr>
-            <a:normAutofit fontScale="85000" lnSpcReduction="20000"/>
-          </a:bodyPr>
-          <a:lstStyle/>
-          <a:p>
-            <a:pPr>
-              <a:defRPr/>
-            </a:pPr>
-            <a:r>
-              <a:rPr lang="en-GB" dirty="0" smtClean="0"/>
-              <a:t>A flow layout puts as many components on a row as possible, then moves to the next row</a:t>
-            </a:r>
-          </a:p>
-          <a:p>
-            <a:pPr>
-              <a:defRPr/>
-            </a:pPr>
-            <a:r>
-              <a:rPr lang="en-GB" dirty="0" smtClean="0"/>
-              <a:t>Rows are created as needed to accommodate all of the components</a:t>
-            </a:r>
-          </a:p>
-          <a:p>
-            <a:pPr>
-              <a:defRPr/>
-            </a:pPr>
-            <a:r>
-              <a:rPr lang="en-GB" dirty="0" smtClean="0"/>
-              <a:t>Components are displayed in the order they are added to the container</a:t>
-            </a:r>
-          </a:p>
-          <a:p>
-            <a:pPr>
-              <a:defRPr/>
-            </a:pPr>
-            <a:r>
-              <a:rPr lang="en-GB" dirty="0" smtClean="0"/>
-              <a:t>The horizontal and vertical gaps between the components can be explicitly set</a:t>
-            </a:r>
-          </a:p>
-          <a:p>
-            <a:pPr>
-              <a:defRPr/>
-            </a:pPr>
-            <a:r>
-              <a:rPr lang="en-GB" dirty="0" smtClean="0"/>
-              <a:t>Default for </a:t>
-            </a:r>
-            <a:r>
-              <a:rPr lang="en-GB" dirty="0" err="1" smtClean="0">
+              <a:rPr lang="en-GB" altLang="en-US" dirty="0" smtClean="0"/>
+              <a:t>Several events implemented in </a:t>
+            </a:r>
+            <a:r>
+              <a:rPr lang="en-GB" altLang="en-US" dirty="0" err="1" smtClean="0"/>
+              <a:t>java.awt.AWTEvent</a:t>
+            </a:r>
+            <a:r>
+              <a:rPr lang="en-GB" altLang="en-US" dirty="0" smtClean="0"/>
+              <a:t> subclasses (</a:t>
+            </a:r>
+            <a:r>
+              <a:rPr lang="en-GB" altLang="en-US" dirty="0" err="1" smtClean="0"/>
+              <a:t>java.awt.Event</a:t>
+            </a:r>
+            <a:r>
+              <a:rPr lang="en-GB" altLang="en-US" dirty="0" smtClean="0"/>
+              <a:t> is </a:t>
+            </a:r>
+            <a:r>
+              <a:rPr lang="en-GB" altLang="en-US" dirty="0" smtClean="0">
                 <a:solidFill>
                   <a:srgbClr val="FF0000"/>
                 </a:solidFill>
               </a:rPr>
-              <a:t>JPanel</a:t>
-            </a:r>
-            <a:endParaRPr lang="en-GB" dirty="0">
-              <a:solidFill>
-                <a:srgbClr val="FF0000"/>
-              </a:solidFill>
-            </a:endParaRPr>
+              <a:t>deprecated</a:t>
+            </a:r>
+            <a:r>
+              <a:rPr lang="en-GB" altLang="en-US" dirty="0" smtClean="0"/>
+              <a:t>)</a:t>
+            </a:r>
+          </a:p>
+          <a:p>
+            <a:pPr lvl="1"/>
+            <a:r>
+              <a:rPr lang="en-GB" altLang="en-US" dirty="0" smtClean="0"/>
+              <a:t>Defines a lot of constants</a:t>
+            </a:r>
           </a:p>
         </p:txBody>
       </p:sp>
       <p:pic>
         <p:nvPicPr>
-          <p:cNvPr id="27652" name="Picture 3"/>
+          <p:cNvPr id="20484" name="Picture 3"/>
           <p:cNvPicPr>
             <a:picLocks noChangeAspect="1"/>
           </p:cNvPicPr>
@@ -6103,8 +5734,8 @@
         </p:blipFill>
         <p:spPr bwMode="auto">
           <a:xfrm>
-            <a:off x="1190625" y="4953000"/>
-            <a:ext cx="6762750" cy="1076325"/>
+            <a:off x="152400" y="3843338"/>
+            <a:ext cx="8562975" cy="2686050"/>
           </a:xfrm>
           <a:prstGeom prst="rect">
             <a:avLst/>
@@ -6142,6 +5773,227 @@
 </p:sld>
 </file>
 
+<file path=ppt/slides/slide22.xml><?xml version="1.0" encoding="utf-8"?>
+<p:sld xmlns:a="http://schemas.openxmlformats.org/drawingml/2006/main" xmlns:r="http://schemas.openxmlformats.org/officeDocument/2006/relationships" xmlns:p="http://schemas.openxmlformats.org/presentationml/2006/main">
+  <p:cSld>
+    <p:spTree>
+      <p:nvGrpSpPr>
+        <p:cNvPr id="1" name=""/>
+        <p:cNvGrpSpPr/>
+        <p:nvPr/>
+      </p:nvGrpSpPr>
+      <p:grpSpPr>
+        <a:xfrm>
+          <a:off x="0" y="0"/>
+          <a:ext cx="0" cy="0"/>
+          <a:chOff x="0" y="0"/>
+          <a:chExt cx="0" cy="0"/>
+        </a:xfrm>
+      </p:grpSpPr>
+      <p:sp>
+        <p:nvSpPr>
+          <p:cNvPr id="21506" name="Title 1"/>
+          <p:cNvSpPr>
+            <a:spLocks noGrp="1"/>
+          </p:cNvSpPr>
+          <p:nvPr>
+            <p:ph type="title"/>
+          </p:nvPr>
+        </p:nvSpPr>
+        <p:spPr/>
+        <p:txBody>
+          <a:bodyPr/>
+          <a:lstStyle/>
+          <a:p>
+            <a:r>
+              <a:rPr lang="en-GB" altLang="en-US" smtClean="0"/>
+              <a:t>Events Handlers</a:t>
+            </a:r>
+          </a:p>
+        </p:txBody>
+      </p:sp>
+      <p:sp>
+        <p:nvSpPr>
+          <p:cNvPr id="3" name="Content Placeholder 2"/>
+          <p:cNvSpPr>
+            <a:spLocks noGrp="1"/>
+          </p:cNvSpPr>
+          <p:nvPr>
+            <p:ph idx="1"/>
+          </p:nvPr>
+        </p:nvSpPr>
+        <p:spPr/>
+        <p:txBody>
+          <a:bodyPr>
+            <a:normAutofit fontScale="77500" lnSpcReduction="20000"/>
+          </a:bodyPr>
+          <a:lstStyle/>
+          <a:p>
+            <a:pPr>
+              <a:defRPr/>
+            </a:pPr>
+            <a:r>
+              <a:rPr lang="en-GB" dirty="0" smtClean="0"/>
+              <a:t> In the declaration for the event handler class, one line of code specifies that the class either implements a listener interface (or extends a class that implements a listener interface).</a:t>
+            </a:r>
+          </a:p>
+          <a:p>
+            <a:pPr lvl="1">
+              <a:defRPr/>
+            </a:pPr>
+            <a:r>
+              <a:rPr lang="en-GB" dirty="0" smtClean="0">
+                <a:solidFill>
+                  <a:srgbClr val="FF0000"/>
+                </a:solidFill>
+              </a:rPr>
+              <a:t>public class </a:t>
+            </a:r>
+            <a:r>
+              <a:rPr lang="en-GB" dirty="0" err="1" smtClean="0">
+                <a:solidFill>
+                  <a:srgbClr val="FF0000"/>
+                </a:solidFill>
+              </a:rPr>
+              <a:t>MyClass</a:t>
+            </a:r>
+            <a:r>
+              <a:rPr lang="en-GB" dirty="0" smtClean="0">
+                <a:solidFill>
+                  <a:srgbClr val="FF0000"/>
+                </a:solidFill>
+              </a:rPr>
+              <a:t> implements </a:t>
+            </a:r>
+            <a:r>
+              <a:rPr lang="en-GB" dirty="0" err="1" smtClean="0">
+                <a:solidFill>
+                  <a:srgbClr val="FF0000"/>
+                </a:solidFill>
+              </a:rPr>
+              <a:t>ActionListener</a:t>
+            </a:r>
+            <a:endParaRPr lang="en-GB" dirty="0" smtClean="0">
+              <a:solidFill>
+                <a:srgbClr val="FF0000"/>
+              </a:solidFill>
+            </a:endParaRPr>
+          </a:p>
+          <a:p>
+            <a:pPr>
+              <a:defRPr/>
+            </a:pPr>
+            <a:r>
+              <a:rPr lang="en-GB" dirty="0" smtClean="0"/>
+              <a:t>In the event handler class the method(s) in the listener interface must be implemented</a:t>
+            </a:r>
+          </a:p>
+          <a:p>
+            <a:pPr lvl="1">
+              <a:defRPr/>
+            </a:pPr>
+            <a:r>
+              <a:rPr lang="en-GB" dirty="0" smtClean="0">
+                <a:solidFill>
+                  <a:srgbClr val="FF0000"/>
+                </a:solidFill>
+              </a:rPr>
+              <a:t>public void </a:t>
+            </a:r>
+            <a:r>
+              <a:rPr lang="en-GB" dirty="0" err="1" smtClean="0">
+                <a:solidFill>
+                  <a:srgbClr val="FF0000"/>
+                </a:solidFill>
+              </a:rPr>
+              <a:t>actionPerformed</a:t>
+            </a:r>
+            <a:r>
+              <a:rPr lang="en-GB" dirty="0" smtClean="0">
+                <a:solidFill>
+                  <a:srgbClr val="FF0000"/>
+                </a:solidFill>
+              </a:rPr>
+              <a:t>(</a:t>
+            </a:r>
+            <a:r>
+              <a:rPr lang="en-GB" dirty="0" err="1" smtClean="0">
+                <a:solidFill>
+                  <a:srgbClr val="FF0000"/>
+                </a:solidFill>
+              </a:rPr>
+              <a:t>ActionEvent</a:t>
+            </a:r>
+            <a:r>
+              <a:rPr lang="en-GB" dirty="0" smtClean="0">
+                <a:solidFill>
+                  <a:srgbClr val="FF0000"/>
+                </a:solidFill>
+              </a:rPr>
+              <a:t> e) { /* code that "reacts" to the event */ }</a:t>
+            </a:r>
+          </a:p>
+          <a:p>
+            <a:pPr>
+              <a:defRPr/>
+            </a:pPr>
+            <a:r>
+              <a:rPr lang="en-GB" dirty="0" smtClean="0"/>
+              <a:t>Register an instance of the event handler class as a listener on one or more components.</a:t>
+            </a:r>
+          </a:p>
+          <a:p>
+            <a:pPr lvl="1">
+              <a:defRPr/>
+            </a:pPr>
+            <a:r>
+              <a:rPr lang="en-GB" dirty="0" err="1" smtClean="0">
+                <a:solidFill>
+                  <a:srgbClr val="FF0000"/>
+                </a:solidFill>
+              </a:rPr>
+              <a:t>myComponent.addActionListener</a:t>
+            </a:r>
+            <a:r>
+              <a:rPr lang="en-GB" dirty="0" smtClean="0">
+                <a:solidFill>
+                  <a:srgbClr val="FF0000"/>
+                </a:solidFill>
+              </a:rPr>
+              <a:t>(</a:t>
+            </a:r>
+            <a:r>
+              <a:rPr lang="en-GB" dirty="0" err="1" smtClean="0">
+                <a:solidFill>
+                  <a:srgbClr val="FF0000"/>
+                </a:solidFill>
+              </a:rPr>
+              <a:t>myClassInstance</a:t>
+            </a:r>
+            <a:r>
+              <a:rPr lang="en-GB" dirty="0" smtClean="0">
+                <a:solidFill>
+                  <a:srgbClr val="FF0000"/>
+                </a:solidFill>
+              </a:rPr>
+              <a:t>)</a:t>
+            </a:r>
+            <a:endParaRPr lang="en-GB" dirty="0">
+              <a:solidFill>
+                <a:srgbClr val="FF0000"/>
+              </a:solidFill>
+            </a:endParaRPr>
+          </a:p>
+        </p:txBody>
+      </p:sp>
+    </p:spTree>
+  </p:cSld>
+  <p:clrMapOvr>
+    <a:masterClrMapping/>
+  </p:clrMapOvr>
+</p:sld>
+</file>
+
 <file path=ppt/slides/slide23.xml><?xml version="1.0" encoding="utf-8"?>
 <p:sld xmlns:a="http://schemas.openxmlformats.org/drawingml/2006/main" xmlns:r="http://schemas.openxmlformats.org/officeDocument/2006/relationships" xmlns:p="http://schemas.openxmlformats.org/presentationml/2006/main">
   <p:cSld>
@@ -6161,7 +6013,7 @@
       </p:grpSpPr>
       <p:sp>
         <p:nvSpPr>
-          <p:cNvPr id="28674" name="Title 1"/>
+          <p:cNvPr id="22530" name="Title 1"/>
           <p:cNvSpPr>
             <a:spLocks noGrp="1"/>
           </p:cNvSpPr>
@@ -6171,7 +6023,7 @@
         </p:nvSpPr>
         <p:spPr>
           <a:xfrm>
-            <a:off x="609600" y="228600"/>
+            <a:off x="685800" y="304800"/>
             <a:ext cx="7772400" cy="1143000"/>
           </a:xfrm>
         </p:spPr>
@@ -6181,14 +6033,14 @@
           <a:p>
             <a:r>
               <a:rPr lang="en-GB" altLang="en-US" smtClean="0"/>
-              <a:t>Border Layout</a:t>
-            </a:r>
-          </a:p>
-        </p:txBody>
-      </p:sp>
-      <p:sp>
-        <p:nvSpPr>
-          <p:cNvPr id="28675" name="Content Placeholder 2"/>
+              <a:t>Events Handlers, cont.</a:t>
+            </a:r>
+          </a:p>
+        </p:txBody>
+      </p:sp>
+      <p:sp>
+        <p:nvSpPr>
+          <p:cNvPr id="22531" name="Content Placeholder 2"/>
           <p:cNvSpPr>
             <a:spLocks noGrp="1"/>
           </p:cNvSpPr>
@@ -6198,8 +6050,8 @@
         </p:nvSpPr>
         <p:spPr>
           <a:xfrm>
-            <a:off x="685800" y="1600200"/>
-            <a:ext cx="7772400" cy="4495800"/>
+            <a:off x="685800" y="5029200"/>
+            <a:ext cx="7772400" cy="1655763"/>
           </a:xfrm>
         </p:spPr>
         <p:txBody>
@@ -6208,20 +6060,14 @@
           <a:p>
             <a:r>
               <a:rPr lang="en-GB" altLang="en-US" smtClean="0"/>
-              <a:t>A border layout defines five areas into which components can be added</a:t>
-            </a:r>
-          </a:p>
-          <a:p>
-            <a:r>
-              <a:rPr lang="en-GB" altLang="en-US" smtClean="0"/>
-              <a:t>The default for most GUIs</a:t>
+              <a:t>Often an event handler that has only a few lines of code is implemented using an anonymous inner class.</a:t>
             </a:r>
           </a:p>
         </p:txBody>
       </p:sp>
       <p:pic>
         <p:nvPicPr>
-          <p:cNvPr id="28676" name="Picture 3"/>
+          <p:cNvPr id="22532" name="Picture 3"/>
           <p:cNvPicPr>
             <a:picLocks noChangeAspect="1"/>
           </p:cNvPicPr>
@@ -6242,8 +6088,8 @@
         </p:blipFill>
         <p:spPr bwMode="auto">
           <a:xfrm>
-            <a:off x="1638300" y="3581400"/>
-            <a:ext cx="5867400" cy="2057400"/>
+            <a:off x="381000" y="1676400"/>
+            <a:ext cx="8477250" cy="3171825"/>
           </a:xfrm>
           <a:prstGeom prst="rect">
             <a:avLst/>
@@ -6300,7 +6146,7 @@
       </p:grpSpPr>
       <p:sp>
         <p:nvSpPr>
-          <p:cNvPr id="29698" name="Title 1"/>
+          <p:cNvPr id="23554" name="Title 1"/>
           <p:cNvSpPr>
             <a:spLocks noGrp="1"/>
           </p:cNvSpPr>
@@ -6310,7 +6156,7 @@
         </p:nvSpPr>
         <p:spPr>
           <a:xfrm>
-            <a:off x="685800" y="152400"/>
+            <a:off x="533400" y="152400"/>
             <a:ext cx="7772400" cy="1143000"/>
           </a:xfrm>
         </p:spPr>
@@ -6320,7 +6166,7 @@
           <a:p>
             <a:r>
               <a:rPr lang="en-GB" altLang="en-US" smtClean="0"/>
-              <a:t>Box Layout</a:t>
+              <a:t>Events Handlers, cont.</a:t>
             </a:r>
           </a:p>
         </p:txBody>
@@ -6337,13 +6183,13 @@
         </p:nvSpPr>
         <p:spPr>
           <a:xfrm>
-            <a:off x="457200" y="1219200"/>
-            <a:ext cx="8305800" cy="3429000"/>
+            <a:off x="533400" y="1447800"/>
+            <a:ext cx="8458200" cy="2438400"/>
           </a:xfrm>
         </p:spPr>
         <p:txBody>
           <a:bodyPr>
-            <a:normAutofit fontScale="77500" lnSpcReduction="20000"/>
+            <a:normAutofit fontScale="85000" lnSpcReduction="20000"/>
           </a:bodyPr>
           <a:lstStyle/>
           <a:p>
@@ -6351,8 +6197,58 @@
               <a:defRPr/>
             </a:pPr>
             <a:r>
-              <a:rPr lang="en-GB" dirty="0" smtClean="0"/>
-              <a:t>A box layout organizes components either horizontally (in one row) or vertically (in one column)</a:t>
+              <a:rPr lang="en-GB" dirty="0" err="1" smtClean="0"/>
+              <a:t>SwingApplication</a:t>
+            </a:r>
+            <a:r>
+              <a:rPr lang="en-GB" dirty="0" smtClean="0"/>
+              <a:t> has two event handlers.</a:t>
+            </a:r>
+          </a:p>
+          <a:p>
+            <a:pPr lvl="1">
+              <a:defRPr/>
+            </a:pPr>
+            <a:r>
+              <a:rPr lang="en-GB" dirty="0" smtClean="0"/>
+              <a:t>Window closing (window events).</a:t>
+            </a:r>
+          </a:p>
+          <a:p>
+            <a:pPr lvl="2">
+              <a:defRPr/>
+            </a:pPr>
+            <a:r>
+              <a:rPr lang="en-GB" dirty="0" err="1" smtClean="0">
+                <a:solidFill>
+                  <a:srgbClr val="FF0000"/>
+                </a:solidFill>
+              </a:rPr>
+              <a:t>frame.setDefaultCloseOperation</a:t>
+            </a:r>
+            <a:r>
+              <a:rPr lang="en-GB" dirty="0" smtClean="0">
+                <a:solidFill>
+                  <a:srgbClr val="FF0000"/>
+                </a:solidFill>
+              </a:rPr>
+              <a:t> (</a:t>
+            </a:r>
+            <a:r>
+              <a:rPr lang="en-GB" dirty="0" err="1" smtClean="0">
+                <a:solidFill>
+                  <a:srgbClr val="FF0000"/>
+                </a:solidFill>
+              </a:rPr>
+              <a:t>JFrame.EXIT_ON_CLOSE</a:t>
+            </a:r>
+            <a:r>
+              <a:rPr lang="en-GB" dirty="0" smtClean="0">
+                <a:solidFill>
+                  <a:srgbClr val="FF0000"/>
+                </a:solidFill>
+              </a:rPr>
+              <a:t>);</a:t>
             </a:r>
           </a:p>
           <a:p>
@@ -6361,7 +6257,16 @@
             </a:pPr>
             <a:r>
               <a:rPr lang="en-GB" dirty="0" smtClean="0"/>
-              <a:t>Special rigid areas can be added to force a certain amount of spacing between components</a:t>
+              <a:t>Button clicks (action events).</a:t>
+            </a:r>
+          </a:p>
+          <a:p>
+            <a:pPr lvl="1">
+              <a:defRPr/>
+            </a:pPr>
+            <a:r>
+              <a:rPr lang="en-GB" dirty="0" smtClean="0"/>
+              <a:t>see previous slide.</a:t>
             </a:r>
           </a:p>
           <a:p>
@@ -6369,25 +6274,16 @@
               <a:defRPr/>
             </a:pPr>
             <a:r>
-              <a:rPr lang="en-GB" dirty="0" smtClean="0"/>
-              <a:t>By combining multiple containers using box layout, many different configurations can be created</a:t>
-            </a:r>
-          </a:p>
-          <a:p>
-            <a:pPr>
-              <a:defRPr/>
-            </a:pPr>
-            <a:r>
-              <a:rPr lang="en-GB" dirty="0" smtClean="0"/>
-              <a:t>Multiple containers with box layouts are often preferred to one container that uses the more complicated </a:t>
-            </a:r>
-            <a:r>
-              <a:rPr lang="en-GB" dirty="0" err="1" smtClean="0"/>
-              <a:t>gridbag</a:t>
-            </a:r>
-            <a:r>
-              <a:rPr lang="en-GB" dirty="0" smtClean="0"/>
-              <a:t> layout manager</a:t>
+              <a:rPr lang="en-GB" dirty="0"/>
+              <a:t>Types of events (listeners defined in </a:t>
+            </a:r>
+            <a:r>
+              <a:rPr lang="en-GB" dirty="0" err="1"/>
+              <a:t>java.awt.event</a:t>
+            </a:r>
+            <a:r>
+              <a:rPr lang="en-GB" dirty="0" smtClean="0"/>
+              <a:t>)</a:t>
             </a:r>
             <a:endParaRPr lang="en-GB" dirty="0"/>
           </a:p>
@@ -6395,7 +6291,7 @@
       </p:sp>
       <p:pic>
         <p:nvPicPr>
-          <p:cNvPr id="29700" name="Picture 3"/>
+          <p:cNvPr id="23556" name="Picture 3"/>
           <p:cNvPicPr>
             <a:picLocks noChangeAspect="1"/>
           </p:cNvPicPr>
@@ -6416,8 +6312,8 @@
         </p:blipFill>
         <p:spPr bwMode="auto">
           <a:xfrm>
-            <a:off x="3048000" y="4495800"/>
-            <a:ext cx="2562225" cy="1990725"/>
+            <a:off x="914400" y="4030663"/>
+            <a:ext cx="7034213" cy="2630487"/>
           </a:xfrm>
           <a:prstGeom prst="rect">
             <a:avLst/>
@@ -6474,7 +6370,7 @@
       </p:grpSpPr>
       <p:sp>
         <p:nvSpPr>
-          <p:cNvPr id="30722" name="Title 1"/>
+          <p:cNvPr id="24578" name="Title 1"/>
           <p:cNvSpPr>
             <a:spLocks noGrp="1"/>
           </p:cNvSpPr>
@@ -6484,7 +6380,7 @@
         </p:nvSpPr>
         <p:spPr>
           <a:xfrm>
-            <a:off x="685800" y="152400"/>
+            <a:off x="685800" y="228600"/>
             <a:ext cx="7772400" cy="1143000"/>
           </a:xfrm>
         </p:spPr>
@@ -6493,34 +6389,24 @@
           <a:lstStyle/>
           <a:p>
             <a:r>
-              <a:rPr lang="en-GB" altLang="en-US" smtClean="0"/>
-              <a:t>Other Layout Managers</a:t>
-            </a:r>
-          </a:p>
-        </p:txBody>
-      </p:sp>
-      <p:sp>
-        <p:nvSpPr>
-          <p:cNvPr id="30723" name="Content Placeholder 2"/>
-          <p:cNvSpPr>
-            <a:spLocks noGrp="1"/>
-          </p:cNvSpPr>
-          <p:nvPr>
-            <p:ph idx="1"/>
-          </p:nvPr>
-        </p:nvSpPr>
-        <p:spPr/>
-        <p:txBody>
-          <a:bodyPr/>
-          <a:lstStyle/>
-          <a:p>
-            <a:endParaRPr lang="en-GB" altLang="en-US" smtClean="0"/>
+              <a:rPr lang="en-GB" altLang="en-US" dirty="0" err="1" smtClean="0"/>
+              <a:t>WindowListener</a:t>
+            </a:r>
+            <a:r>
+              <a:rPr lang="en-GB" altLang="en-US" dirty="0" smtClean="0"/>
+              <a:t> and </a:t>
+            </a:r>
+            <a:r>
+              <a:rPr lang="en-GB" altLang="en-US" dirty="0" err="1" smtClean="0"/>
+              <a:t>MouseListener</a:t>
+            </a:r>
+            <a:endParaRPr lang="en-GB" altLang="en-US" dirty="0" smtClean="0"/>
           </a:p>
         </p:txBody>
       </p:sp>
       <p:pic>
         <p:nvPicPr>
-          <p:cNvPr id="30724" name="Picture 3"/>
+          <p:cNvPr id="24579" name="Picture 3"/>
           <p:cNvPicPr>
             <a:picLocks noChangeAspect="1"/>
           </p:cNvPicPr>
@@ -6541,8 +6427,8 @@
         </p:blipFill>
         <p:spPr bwMode="auto">
           <a:xfrm>
-            <a:off x="990600" y="1447800"/>
-            <a:ext cx="7019925" cy="4751388"/>
+            <a:off x="592138" y="1633538"/>
+            <a:ext cx="7731125" cy="2447925"/>
           </a:xfrm>
           <a:prstGeom prst="rect">
             <a:avLst/>
@@ -6572,285 +6458,16 @@
           </a:extLst>
         </p:spPr>
       </p:pic>
-    </p:spTree>
-  </p:cSld>
-  <p:clrMapOvr>
-    <a:masterClrMapping/>
-  </p:clrMapOvr>
-</p:sld>
-</file>
-
-<file path=ppt/slides/slide26.xml><?xml version="1.0" encoding="utf-8"?>
-<p:sld xmlns:a="http://schemas.openxmlformats.org/drawingml/2006/main" xmlns:r="http://schemas.openxmlformats.org/officeDocument/2006/relationships" xmlns:p="http://schemas.openxmlformats.org/presentationml/2006/main">
-  <p:cSld>
-    <p:spTree>
-      <p:nvGrpSpPr>
-        <p:cNvPr id="1" name=""/>
-        <p:cNvGrpSpPr/>
-        <p:nvPr/>
-      </p:nvGrpSpPr>
-      <p:grpSpPr>
-        <a:xfrm>
-          <a:off x="0" y="0"/>
-          <a:ext cx="0" cy="0"/>
-          <a:chOff x="0" y="0"/>
-          <a:chExt cx="0" cy="0"/>
-        </a:xfrm>
-      </p:grpSpPr>
-      <p:sp>
-        <p:nvSpPr>
-          <p:cNvPr id="31746" name="Title 1"/>
-          <p:cNvSpPr>
-            <a:spLocks noGrp="1"/>
-          </p:cNvSpPr>
-          <p:nvPr>
-            <p:ph type="title"/>
-          </p:nvPr>
-        </p:nvSpPr>
-        <p:spPr/>
-        <p:txBody>
-          <a:bodyPr/>
-          <a:lstStyle/>
-          <a:p>
-            <a:r>
-              <a:rPr lang="en-GB" altLang="en-US" smtClean="0"/>
-              <a:t>"Atomic" Components</a:t>
-            </a:r>
-          </a:p>
-        </p:txBody>
-      </p:sp>
-      <p:sp>
-        <p:nvSpPr>
-          <p:cNvPr id="3" name="Content Placeholder 2"/>
-          <p:cNvSpPr>
-            <a:spLocks noGrp="1"/>
-          </p:cNvSpPr>
-          <p:nvPr>
-            <p:ph idx="1"/>
-          </p:nvPr>
-        </p:nvSpPr>
-        <p:spPr>
-          <a:xfrm>
-            <a:off x="685800" y="1981200"/>
-            <a:ext cx="8077200" cy="4495800"/>
-          </a:xfrm>
-        </p:spPr>
-        <p:txBody>
-          <a:bodyPr>
-            <a:normAutofit fontScale="77500" lnSpcReduction="20000"/>
-          </a:bodyPr>
-          <a:lstStyle/>
-          <a:p>
-            <a:pPr>
-              <a:defRPr/>
-            </a:pPr>
-            <a:r>
-              <a:rPr lang="en-GB" dirty="0" smtClean="0"/>
-              <a:t>The root in the component hierarchy is </a:t>
-            </a:r>
-            <a:r>
-              <a:rPr lang="en-GB" dirty="0" err="1" smtClean="0"/>
-              <a:t>JComponent</a:t>
-            </a:r>
-            <a:r>
-              <a:rPr lang="en-GB" dirty="0" smtClean="0"/>
-              <a:t>.</a:t>
-            </a:r>
-          </a:p>
-          <a:p>
-            <a:pPr>
-              <a:defRPr/>
-            </a:pPr>
-            <a:r>
-              <a:rPr lang="en-GB" dirty="0" smtClean="0"/>
-              <a:t>The </a:t>
-            </a:r>
-            <a:r>
-              <a:rPr lang="en-GB" dirty="0" err="1" smtClean="0"/>
-              <a:t>JComponent</a:t>
-            </a:r>
-            <a:r>
-              <a:rPr lang="en-GB" dirty="0" smtClean="0"/>
-              <a:t> provides the following functionality to its descendants, e.g., </a:t>
-            </a:r>
-            <a:r>
-              <a:rPr lang="en-GB" dirty="0" err="1" smtClean="0"/>
-              <a:t>JLabel</a:t>
-            </a:r>
-            <a:r>
-              <a:rPr lang="en-GB" dirty="0" smtClean="0"/>
-              <a:t>, </a:t>
-            </a:r>
-            <a:r>
-              <a:rPr lang="en-GB" dirty="0" err="1" smtClean="0"/>
-              <a:t>JRadioButton</a:t>
-            </a:r>
-            <a:r>
-              <a:rPr lang="en-GB" dirty="0" smtClean="0"/>
-              <a:t>, and </a:t>
-            </a:r>
-            <a:r>
-              <a:rPr lang="en-GB" dirty="0" err="1" smtClean="0"/>
-              <a:t>JTextArea</a:t>
-            </a:r>
-            <a:endParaRPr lang="en-GB" dirty="0" smtClean="0"/>
-          </a:p>
-          <a:p>
-            <a:pPr lvl="1">
-              <a:defRPr/>
-            </a:pPr>
-            <a:r>
-              <a:rPr lang="en-GB" dirty="0" smtClean="0"/>
-              <a:t>Tool tips</a:t>
-            </a:r>
-          </a:p>
-          <a:p>
-            <a:pPr lvl="1">
-              <a:defRPr/>
-            </a:pPr>
-            <a:r>
-              <a:rPr lang="en-GB" dirty="0" smtClean="0"/>
-              <a:t>Borders</a:t>
-            </a:r>
-          </a:p>
-          <a:p>
-            <a:pPr lvl="1">
-              <a:defRPr/>
-            </a:pPr>
-            <a:r>
-              <a:rPr lang="en-GB" dirty="0" smtClean="0"/>
-              <a:t>Keyboard-generated actions</a:t>
-            </a:r>
-          </a:p>
-          <a:p>
-            <a:pPr lvl="1">
-              <a:defRPr/>
-            </a:pPr>
-            <a:r>
-              <a:rPr lang="en-GB" dirty="0" smtClean="0"/>
-              <a:t>Application-wide pluggable look and feel</a:t>
-            </a:r>
-          </a:p>
-          <a:p>
-            <a:pPr lvl="1">
-              <a:defRPr/>
-            </a:pPr>
-            <a:r>
-              <a:rPr lang="en-GB" dirty="0" smtClean="0"/>
-              <a:t>Various properties</a:t>
-            </a:r>
-          </a:p>
-          <a:p>
-            <a:pPr lvl="1">
-              <a:defRPr/>
-            </a:pPr>
-            <a:r>
-              <a:rPr lang="en-GB" dirty="0" smtClean="0"/>
-              <a:t>Support for layout</a:t>
-            </a:r>
-          </a:p>
-          <a:p>
-            <a:pPr lvl="1">
-              <a:defRPr/>
-            </a:pPr>
-            <a:r>
-              <a:rPr lang="en-GB" dirty="0" smtClean="0"/>
-              <a:t>Support for accessibility</a:t>
-            </a:r>
-          </a:p>
-          <a:p>
-            <a:pPr lvl="1">
-              <a:defRPr/>
-            </a:pPr>
-            <a:r>
-              <a:rPr lang="en-GB" dirty="0" smtClean="0"/>
-              <a:t>Double buffering</a:t>
-            </a:r>
-            <a:endParaRPr lang="en-GB" dirty="0"/>
-          </a:p>
-        </p:txBody>
-      </p:sp>
-    </p:spTree>
-  </p:cSld>
-  <p:clrMapOvr>
-    <a:masterClrMapping/>
-  </p:clrMapOvr>
-</p:sld>
-</file>
-
-<file path=ppt/slides/slide27.xml><?xml version="1.0" encoding="utf-8"?>
-<p:sld xmlns:a="http://schemas.openxmlformats.org/drawingml/2006/main" xmlns:r="http://schemas.openxmlformats.org/officeDocument/2006/relationships" xmlns:p="http://schemas.openxmlformats.org/presentationml/2006/main">
-  <p:cSld>
-    <p:spTree>
-      <p:nvGrpSpPr>
-        <p:cNvPr id="1" name=""/>
-        <p:cNvGrpSpPr/>
-        <p:nvPr/>
-      </p:nvGrpSpPr>
-      <p:grpSpPr>
-        <a:xfrm>
-          <a:off x="0" y="0"/>
-          <a:ext cx="0" cy="0"/>
-          <a:chOff x="0" y="0"/>
-          <a:chExt cx="0" cy="0"/>
-        </a:xfrm>
-      </p:grpSpPr>
-      <p:sp>
-        <p:nvSpPr>
-          <p:cNvPr id="32770" name="Title 1"/>
-          <p:cNvSpPr>
-            <a:spLocks noGrp="1"/>
-          </p:cNvSpPr>
-          <p:nvPr>
-            <p:ph type="title"/>
-          </p:nvPr>
-        </p:nvSpPr>
-        <p:spPr>
-          <a:xfrm>
-            <a:off x="685800" y="0"/>
-            <a:ext cx="7772400" cy="1143000"/>
-          </a:xfrm>
-        </p:spPr>
-        <p:txBody>
-          <a:bodyPr/>
-          <a:lstStyle/>
-          <a:p>
-            <a:r>
-              <a:rPr lang="en-GB" altLang="en-US" smtClean="0"/>
-              <a:t>Basic Components</a:t>
-            </a:r>
-          </a:p>
-        </p:txBody>
-      </p:sp>
-      <p:sp>
-        <p:nvSpPr>
-          <p:cNvPr id="32771" name="Content Placeholder 2"/>
-          <p:cNvSpPr>
-            <a:spLocks noGrp="1"/>
-          </p:cNvSpPr>
-          <p:nvPr>
-            <p:ph idx="1"/>
-          </p:nvPr>
-        </p:nvSpPr>
-        <p:spPr/>
-        <p:txBody>
-          <a:bodyPr/>
-          <a:lstStyle/>
-          <a:p>
-            <a:endParaRPr lang="en-GB" altLang="en-US" smtClean="0"/>
-          </a:p>
-        </p:txBody>
-      </p:sp>
       <p:pic>
         <p:nvPicPr>
-          <p:cNvPr id="32772" name="Picture 3"/>
+          <p:cNvPr id="24580" name="Picture 4"/>
           <p:cNvPicPr>
             <a:picLocks noChangeAspect="1"/>
           </p:cNvPicPr>
           <p:nvPr/>
         </p:nvPicPr>
         <p:blipFill>
-          <a:blip r:embed="rId2">
+          <a:blip r:embed="rId3">
             <a:extLst>
               <a:ext uri="{28A0092B-C50C-407E-A947-70E740481C1C}">
                 <a14:useLocalDpi xmlns:a14="http://schemas.microsoft.com/office/drawing/2010/main" val="0"/>
@@ -6864,8 +6481,8 @@
         </p:blipFill>
         <p:spPr bwMode="auto">
           <a:xfrm>
-            <a:off x="381000" y="1168400"/>
-            <a:ext cx="7824788" cy="5162550"/>
+            <a:off x="457200" y="4419600"/>
+            <a:ext cx="8001000" cy="2000250"/>
           </a:xfrm>
           <a:prstGeom prst="rect">
             <a:avLst/>
@@ -6903,7 +6520,7 @@
 </p:sld>
 </file>
 
-<file path=ppt/slides/slide28.xml><?xml version="1.0" encoding="utf-8"?>
+<file path=ppt/slides/slide26.xml><?xml version="1.0" encoding="utf-8"?>
 <p:sld xmlns:a="http://schemas.openxmlformats.org/drawingml/2006/main" xmlns:r="http://schemas.openxmlformats.org/officeDocument/2006/relationships" xmlns:p="http://schemas.openxmlformats.org/presentationml/2006/main">
   <p:cSld>
     <p:spTree>
@@ -6922,7 +6539,7 @@
       </p:grpSpPr>
       <p:sp>
         <p:nvSpPr>
-          <p:cNvPr id="33794" name="Title 1"/>
+          <p:cNvPr id="25602" name="Title 1"/>
           <p:cNvSpPr>
             <a:spLocks noGrp="1"/>
           </p:cNvSpPr>
@@ -6932,7 +6549,7 @@
         </p:nvSpPr>
         <p:spPr>
           <a:xfrm>
-            <a:off x="685800" y="152400"/>
+            <a:off x="677863" y="76200"/>
             <a:ext cx="7772400" cy="1143000"/>
           </a:xfrm>
         </p:spPr>
@@ -6942,14 +6559,14 @@
           <a:p>
             <a:r>
               <a:rPr lang="en-GB" altLang="en-US" smtClean="0"/>
-              <a:t>Non-Editable Displays</a:t>
-            </a:r>
-          </a:p>
-        </p:txBody>
-      </p:sp>
-      <p:sp>
-        <p:nvSpPr>
-          <p:cNvPr id="33795" name="Content Placeholder 2"/>
+              <a:t>Layout Managers</a:t>
+            </a:r>
+          </a:p>
+        </p:txBody>
+      </p:sp>
+      <p:sp>
+        <p:nvSpPr>
+          <p:cNvPr id="3" name="Content Placeholder 2"/>
           <p:cNvSpPr>
             <a:spLocks noGrp="1"/>
           </p:cNvSpPr>
@@ -6957,18 +6574,53 @@
             <p:ph idx="1"/>
           </p:nvPr>
         </p:nvSpPr>
-        <p:spPr/>
-        <p:txBody>
-          <a:bodyPr/>
+        <p:spPr>
+          <a:xfrm>
+            <a:off x="677863" y="1227138"/>
+            <a:ext cx="8085137" cy="2362200"/>
+          </a:xfrm>
+        </p:spPr>
+        <p:txBody>
+          <a:bodyPr>
+            <a:normAutofit fontScale="85000" lnSpcReduction="10000"/>
+          </a:bodyPr>
           <a:lstStyle/>
           <a:p>
-            <a:endParaRPr lang="en-GB" altLang="en-US" smtClean="0"/>
+            <a:pPr>
+              <a:defRPr/>
+            </a:pPr>
+            <a:r>
+              <a:rPr lang="en-GB" dirty="0" smtClean="0"/>
+              <a:t>A layout manager is an object that determines the manner in which components are displayed in a container</a:t>
+            </a:r>
+          </a:p>
+          <a:p>
+            <a:pPr>
+              <a:defRPr/>
+            </a:pPr>
+            <a:r>
+              <a:rPr lang="en-GB" dirty="0" smtClean="0"/>
+              <a:t>There are </a:t>
+            </a:r>
+            <a:r>
+              <a:rPr lang="en-GB" dirty="0" smtClean="0">
+                <a:solidFill>
+                  <a:srgbClr val="FF0000"/>
+                </a:solidFill>
+              </a:rPr>
+              <a:t>several predefined layout managers </a:t>
+            </a:r>
+            <a:r>
+              <a:rPr lang="en-GB" dirty="0" smtClean="0"/>
+              <a:t>defined in the Java standard class library</a:t>
+            </a:r>
+            <a:endParaRPr lang="en-GB" dirty="0"/>
           </a:p>
         </p:txBody>
       </p:sp>
       <p:pic>
         <p:nvPicPr>
-          <p:cNvPr id="33796" name="Picture 3"/>
+          <p:cNvPr id="25604" name="Picture 3"/>
           <p:cNvPicPr>
             <a:picLocks noChangeAspect="1"/>
           </p:cNvPicPr>
@@ -6989,8 +6641,8 @@
         </p:blipFill>
         <p:spPr bwMode="auto">
           <a:xfrm>
-            <a:off x="2209800" y="1376363"/>
-            <a:ext cx="4438650" cy="5324475"/>
+            <a:off x="1905000" y="3505200"/>
+            <a:ext cx="5184775" cy="2805113"/>
           </a:xfrm>
           <a:prstGeom prst="rect">
             <a:avLst/>
@@ -7028,7 +6680,7 @@
 </p:sld>
 </file>
 
-<file path=ppt/slides/slide29.xml><?xml version="1.0" encoding="utf-8"?>
+<file path=ppt/slides/slide27.xml><?xml version="1.0" encoding="utf-8"?>
 <p:sld xmlns:a="http://schemas.openxmlformats.org/drawingml/2006/main" xmlns:r="http://schemas.openxmlformats.org/officeDocument/2006/relationships" xmlns:p="http://schemas.openxmlformats.org/presentationml/2006/main">
   <p:cSld>
     <p:spTree>
@@ -7047,7 +6699,7 @@
       </p:grpSpPr>
       <p:sp>
         <p:nvSpPr>
-          <p:cNvPr id="34818" name="Title 1"/>
+          <p:cNvPr id="26626" name="Title 1"/>
           <p:cNvSpPr>
             <a:spLocks noGrp="1"/>
           </p:cNvSpPr>
@@ -7057,7 +6709,7 @@
         </p:nvSpPr>
         <p:spPr>
           <a:xfrm>
-            <a:off x="685800" y="7938"/>
+            <a:off x="685800" y="152400"/>
             <a:ext cx="7772400" cy="1143000"/>
           </a:xfrm>
         </p:spPr>
@@ -7067,14 +6719,14 @@
           <a:p>
             <a:r>
               <a:rPr lang="en-GB" altLang="en-US" smtClean="0"/>
-              <a:t>Editable Displays</a:t>
-            </a:r>
-          </a:p>
-        </p:txBody>
-      </p:sp>
-      <p:sp>
-        <p:nvSpPr>
-          <p:cNvPr id="34819" name="Content Placeholder 2"/>
+              <a:t>Layout Managers, cont.</a:t>
+            </a:r>
+          </a:p>
+        </p:txBody>
+      </p:sp>
+      <p:sp>
+        <p:nvSpPr>
+          <p:cNvPr id="3" name="Content Placeholder 2"/>
           <p:cNvSpPr>
             <a:spLocks noGrp="1"/>
           </p:cNvSpPr>
@@ -7082,18 +6734,192 @@
             <p:ph idx="1"/>
           </p:nvPr>
         </p:nvSpPr>
-        <p:spPr/>
+        <p:spPr>
+          <a:xfrm>
+            <a:off x="685800" y="1295400"/>
+            <a:ext cx="7772400" cy="5181600"/>
+          </a:xfrm>
+        </p:spPr>
+        <p:txBody>
+          <a:bodyPr>
+            <a:normAutofit fontScale="92500" lnSpcReduction="20000"/>
+          </a:bodyPr>
+          <a:lstStyle/>
+          <a:p>
+            <a:pPr>
+              <a:defRPr/>
+            </a:pPr>
+            <a:r>
+              <a:rPr lang="en-GB" dirty="0" smtClean="0"/>
+              <a:t>Every container has a default layout manager, but we can also explicitly set the layout manager for a container</a:t>
+            </a:r>
+          </a:p>
+          <a:p>
+            <a:pPr>
+              <a:defRPr/>
+            </a:pPr>
+            <a:r>
+              <a:rPr lang="en-GB" dirty="0" smtClean="0"/>
+              <a:t>Each layout manager has its own particular rules governing how the components will be arranged</a:t>
+            </a:r>
+          </a:p>
+          <a:p>
+            <a:pPr>
+              <a:defRPr/>
+            </a:pPr>
+            <a:r>
+              <a:rPr lang="en-GB" dirty="0" smtClean="0"/>
+              <a:t>Some layout managers pay attention to a component's preferred size or alignment, and others do not</a:t>
+            </a:r>
+          </a:p>
+          <a:p>
+            <a:pPr>
+              <a:defRPr/>
+            </a:pPr>
+            <a:r>
+              <a:rPr lang="en-GB" dirty="0" smtClean="0"/>
+              <a:t>The layout managers attempt to adjust the layout as components are added and as containers are resized</a:t>
+            </a:r>
+            <a:endParaRPr lang="en-GB" dirty="0"/>
+          </a:p>
+        </p:txBody>
+      </p:sp>
+    </p:spTree>
+  </p:cSld>
+  <p:clrMapOvr>
+    <a:masterClrMapping/>
+  </p:clrMapOvr>
+</p:sld>
+</file>
+
+<file path=ppt/slides/slide28.xml><?xml version="1.0" encoding="utf-8"?>
+<p:sld xmlns:a="http://schemas.openxmlformats.org/drawingml/2006/main" xmlns:r="http://schemas.openxmlformats.org/officeDocument/2006/relationships" xmlns:p="http://schemas.openxmlformats.org/presentationml/2006/main">
+  <p:cSld>
+    <p:spTree>
+      <p:nvGrpSpPr>
+        <p:cNvPr id="1" name=""/>
+        <p:cNvGrpSpPr/>
+        <p:nvPr/>
+      </p:nvGrpSpPr>
+      <p:grpSpPr>
+        <a:xfrm>
+          <a:off x="0" y="0"/>
+          <a:ext cx="0" cy="0"/>
+          <a:chOff x="0" y="0"/>
+          <a:chExt cx="0" cy="0"/>
+        </a:xfrm>
+      </p:grpSpPr>
+      <p:sp>
+        <p:nvSpPr>
+          <p:cNvPr id="27650" name="Title 1"/>
+          <p:cNvSpPr>
+            <a:spLocks noGrp="1"/>
+          </p:cNvSpPr>
+          <p:nvPr>
+            <p:ph type="title"/>
+          </p:nvPr>
+        </p:nvSpPr>
+        <p:spPr>
+          <a:xfrm>
+            <a:off x="685800" y="76200"/>
+            <a:ext cx="7772400" cy="1143000"/>
+          </a:xfrm>
+        </p:spPr>
         <p:txBody>
           <a:bodyPr/>
           <a:lstStyle/>
           <a:p>
-            <a:endParaRPr lang="en-GB" altLang="en-US" smtClean="0"/>
+            <a:r>
+              <a:rPr lang="en-GB" altLang="en-US" smtClean="0"/>
+              <a:t>Flow Layout</a:t>
+            </a:r>
+          </a:p>
+        </p:txBody>
+      </p:sp>
+      <p:sp>
+        <p:nvSpPr>
+          <p:cNvPr id="3" name="Content Placeholder 2"/>
+          <p:cNvSpPr>
+            <a:spLocks noGrp="1"/>
+          </p:cNvSpPr>
+          <p:nvPr>
+            <p:ph idx="1"/>
+          </p:nvPr>
+        </p:nvSpPr>
+        <p:spPr>
+          <a:xfrm>
+            <a:off x="685800" y="1219200"/>
+            <a:ext cx="7772400" cy="3505200"/>
+          </a:xfrm>
+        </p:spPr>
+        <p:txBody>
+          <a:bodyPr>
+            <a:normAutofit fontScale="85000" lnSpcReduction="20000"/>
+          </a:bodyPr>
+          <a:lstStyle/>
+          <a:p>
+            <a:pPr>
+              <a:defRPr/>
+            </a:pPr>
+            <a:r>
+              <a:rPr lang="en-GB" dirty="0" smtClean="0"/>
+              <a:t>A flow layout puts as many components on a row as possible, then moves to the next row</a:t>
+            </a:r>
+          </a:p>
+          <a:p>
+            <a:pPr>
+              <a:defRPr/>
+            </a:pPr>
+            <a:r>
+              <a:rPr lang="en-GB" dirty="0" smtClean="0"/>
+              <a:t>Rows are created as needed to accommodate all of the components</a:t>
+            </a:r>
+          </a:p>
+          <a:p>
+            <a:pPr>
+              <a:defRPr/>
+            </a:pPr>
+            <a:r>
+              <a:rPr lang="en-GB" dirty="0" smtClean="0"/>
+              <a:t>Components are displayed in the order they are added to the container</a:t>
+            </a:r>
+          </a:p>
+          <a:p>
+            <a:pPr>
+              <a:defRPr/>
+            </a:pPr>
+            <a:r>
+              <a:rPr lang="en-GB" dirty="0" smtClean="0"/>
+              <a:t>The horizontal and vertical gaps between the components can be explicitly set</a:t>
+            </a:r>
+          </a:p>
+          <a:p>
+            <a:pPr>
+              <a:defRPr/>
+            </a:pPr>
+            <a:r>
+              <a:rPr lang="en-GB" dirty="0" smtClean="0"/>
+              <a:t>Default for </a:t>
+            </a:r>
+            <a:r>
+              <a:rPr lang="en-GB" dirty="0" err="1" smtClean="0">
+                <a:solidFill>
+                  <a:srgbClr val="FF0000"/>
+                </a:solidFill>
+              </a:rPr>
+              <a:t>JPanel</a:t>
+            </a:r>
+            <a:endParaRPr lang="en-GB" dirty="0">
+              <a:solidFill>
+                <a:srgbClr val="FF0000"/>
+              </a:solidFill>
+            </a:endParaRPr>
           </a:p>
         </p:txBody>
       </p:sp>
       <p:pic>
         <p:nvPicPr>
-          <p:cNvPr id="34820" name="Picture 3"/>
+          <p:cNvPr id="27652" name="Picture 3"/>
           <p:cNvPicPr>
             <a:picLocks noChangeAspect="1"/>
           </p:cNvPicPr>
@@ -7114,8 +6940,8 @@
         </p:blipFill>
         <p:spPr bwMode="auto">
           <a:xfrm>
-            <a:off x="533400" y="1292225"/>
-            <a:ext cx="7781925" cy="4803775"/>
+            <a:off x="1190625" y="4953000"/>
+            <a:ext cx="6762750" cy="1076325"/>
           </a:xfrm>
           <a:prstGeom prst="rect">
             <a:avLst/>
@@ -7153,6 +6979,135 @@
 </p:sld>
 </file>
 
+<file path=ppt/slides/slide29.xml><?xml version="1.0" encoding="utf-8"?>
+<p:sld xmlns:a="http://schemas.openxmlformats.org/drawingml/2006/main" xmlns:r="http://schemas.openxmlformats.org/officeDocument/2006/relationships" xmlns:p="http://schemas.openxmlformats.org/presentationml/2006/main">
+  <p:cSld>
+    <p:spTree>
+      <p:nvGrpSpPr>
+        <p:cNvPr id="1" name=""/>
+        <p:cNvGrpSpPr/>
+        <p:nvPr/>
+      </p:nvGrpSpPr>
+      <p:grpSpPr>
+        <a:xfrm>
+          <a:off x="0" y="0"/>
+          <a:ext cx="0" cy="0"/>
+          <a:chOff x="0" y="0"/>
+          <a:chExt cx="0" cy="0"/>
+        </a:xfrm>
+      </p:grpSpPr>
+      <p:sp>
+        <p:nvSpPr>
+          <p:cNvPr id="2" name="Title 1"/>
+          <p:cNvSpPr>
+            <a:spLocks noGrp="1"/>
+          </p:cNvSpPr>
+          <p:nvPr>
+            <p:ph type="title"/>
+          </p:nvPr>
+        </p:nvSpPr>
+        <p:spPr>
+          <a:xfrm>
+            <a:off x="685800" y="55033"/>
+            <a:ext cx="7772400" cy="1143000"/>
+          </a:xfrm>
+        </p:spPr>
+        <p:txBody>
+          <a:bodyPr/>
+          <a:lstStyle/>
+          <a:p>
+            <a:r>
+              <a:rPr lang="en-GB" dirty="0" err="1" smtClean="0"/>
+              <a:t>FlowLayout</a:t>
+            </a:r>
+            <a:r>
+              <a:rPr lang="en-GB" dirty="0" smtClean="0"/>
+              <a:t> Example</a:t>
+            </a:r>
+            <a:endParaRPr lang="en-GB" dirty="0"/>
+          </a:p>
+        </p:txBody>
+      </p:sp>
+      <p:sp>
+        <p:nvSpPr>
+          <p:cNvPr id="3" name="Content Placeholder 2"/>
+          <p:cNvSpPr>
+            <a:spLocks noGrp="1"/>
+          </p:cNvSpPr>
+          <p:nvPr>
+            <p:ph idx="1"/>
+          </p:nvPr>
+        </p:nvSpPr>
+        <p:spPr/>
+        <p:txBody>
+          <a:bodyPr/>
+          <a:lstStyle/>
+          <a:p>
+            <a:endParaRPr lang="en-GB"/>
+          </a:p>
+        </p:txBody>
+      </p:sp>
+      <p:pic>
+        <p:nvPicPr>
+          <p:cNvPr id="5" name="Picture 4"/>
+          <p:cNvPicPr>
+            <a:picLocks noChangeAspect="1"/>
+          </p:cNvPicPr>
+          <p:nvPr/>
+        </p:nvPicPr>
+        <p:blipFill>
+          <a:blip r:embed="rId2"/>
+          <a:stretch>
+            <a:fillRect/>
+          </a:stretch>
+        </p:blipFill>
+        <p:spPr>
+          <a:xfrm>
+            <a:off x="224333" y="1198033"/>
+            <a:ext cx="5692445" cy="5334000"/>
+          </a:xfrm>
+          <a:prstGeom prst="rect">
+            <a:avLst/>
+          </a:prstGeom>
+        </p:spPr>
+      </p:pic>
+      <p:pic>
+        <p:nvPicPr>
+          <p:cNvPr id="4" name="Picture 3"/>
+          <p:cNvPicPr>
+            <a:picLocks noChangeAspect="1"/>
+          </p:cNvPicPr>
+          <p:nvPr/>
+        </p:nvPicPr>
+        <p:blipFill>
+          <a:blip r:embed="rId3"/>
+          <a:stretch>
+            <a:fillRect/>
+          </a:stretch>
+        </p:blipFill>
+        <p:spPr>
+          <a:xfrm>
+            <a:off x="4724400" y="3429000"/>
+            <a:ext cx="4343400" cy="1507925"/>
+          </a:xfrm>
+          <a:prstGeom prst="rect">
+            <a:avLst/>
+          </a:prstGeom>
+        </p:spPr>
+      </p:pic>
+    </p:spTree>
+    <p:extLst>
+      <p:ext uri="{BB962C8B-B14F-4D97-AF65-F5344CB8AC3E}">
+        <p14:creationId xmlns:p14="http://schemas.microsoft.com/office/powerpoint/2010/main" val="3153619890"/>
+      </p:ext>
+    </p:extLst>
+  </p:cSld>
+  <p:clrMapOvr>
+    <a:masterClrMapping/>
+  </p:clrMapOvr>
+</p:sld>
+</file>
+
 <file path=ppt/slides/slide3.xml><?xml version="1.0" encoding="utf-8"?>
 <p:sld xmlns:a="http://schemas.openxmlformats.org/drawingml/2006/main" xmlns:r="http://schemas.openxmlformats.org/officeDocument/2006/relationships" xmlns:p="http://schemas.openxmlformats.org/presentationml/2006/main">
   <p:cSld>
@@ -7254,7 +7209,7 @@
       </p:grpSpPr>
       <p:sp>
         <p:nvSpPr>
-          <p:cNvPr id="37890" name="Title 1"/>
+          <p:cNvPr id="28674" name="Title 1"/>
           <p:cNvSpPr>
             <a:spLocks noGrp="1"/>
           </p:cNvSpPr>
@@ -7262,21 +7217,26 @@
             <p:ph type="title"/>
           </p:nvPr>
         </p:nvSpPr>
-        <p:spPr/>
+        <p:spPr>
+          <a:xfrm>
+            <a:off x="609600" y="228600"/>
+            <a:ext cx="7772400" cy="1143000"/>
+          </a:xfrm>
+        </p:spPr>
         <p:txBody>
           <a:bodyPr/>
           <a:lstStyle/>
           <a:p>
             <a:r>
               <a:rPr lang="en-GB" altLang="en-US" smtClean="0"/>
-              <a:t>Summary</a:t>
-            </a:r>
-          </a:p>
-        </p:txBody>
-      </p:sp>
-      <p:sp>
-        <p:nvSpPr>
-          <p:cNvPr id="37891" name="Content Placeholder 2"/>
+              <a:t>Border Layout</a:t>
+            </a:r>
+          </a:p>
+        </p:txBody>
+      </p:sp>
+      <p:sp>
+        <p:nvSpPr>
+          <p:cNvPr id="28675" name="Content Placeholder 2"/>
           <p:cNvSpPr>
             <a:spLocks noGrp="1"/>
           </p:cNvSpPr>
@@ -7284,48 +7244,88 @@
             <p:ph idx="1"/>
           </p:nvPr>
         </p:nvSpPr>
-        <p:spPr/>
+        <p:spPr>
+          <a:xfrm>
+            <a:off x="685800" y="1600200"/>
+            <a:ext cx="7772400" cy="4495800"/>
+          </a:xfrm>
+        </p:spPr>
         <p:txBody>
           <a:bodyPr/>
           <a:lstStyle/>
           <a:p>
             <a:r>
-              <a:rPr lang="en-GB" altLang="en-US" dirty="0" smtClean="0"/>
-              <a:t>Overview Basic GUI Principles</a:t>
-            </a:r>
-          </a:p>
-          <a:p>
-            <a:r>
-              <a:rPr lang="en-GB" altLang="en-US" dirty="0" smtClean="0"/>
-              <a:t>Abstract Windowing Toolkit (AWT)</a:t>
-            </a:r>
-          </a:p>
-          <a:p>
-            <a:r>
-              <a:rPr lang="en-GB" altLang="en-US" dirty="0" smtClean="0"/>
-              <a:t>Java Foundation Classes (JFC)</a:t>
-            </a:r>
-          </a:p>
-          <a:p>
-            <a:r>
-              <a:rPr lang="en-GB" altLang="en-US" dirty="0" smtClean="0"/>
-              <a:t>Apply Hands-On/Practical Understanding of GUIs</a:t>
-            </a:r>
-          </a:p>
-        </p:txBody>
-      </p:sp>
+              <a:rPr lang="en-GB" altLang="en-US" smtClean="0"/>
+              <a:t>A border layout defines five areas into which components can be added</a:t>
+            </a:r>
+          </a:p>
+          <a:p>
+            <a:r>
+              <a:rPr lang="en-GB" altLang="en-US" smtClean="0"/>
+              <a:t>The default for most GUIs</a:t>
+            </a:r>
+          </a:p>
+        </p:txBody>
+      </p:sp>
+      <p:pic>
+        <p:nvPicPr>
+          <p:cNvPr id="28676" name="Picture 3"/>
+          <p:cNvPicPr>
+            <a:picLocks noChangeAspect="1"/>
+          </p:cNvPicPr>
+          <p:nvPr/>
+        </p:nvPicPr>
+        <p:blipFill>
+          <a:blip r:embed="rId2">
+            <a:extLst>
+              <a:ext uri="{28A0092B-C50C-407E-A947-70E740481C1C}">
+                <a14:useLocalDpi xmlns:a14="http://schemas.microsoft.com/office/drawing/2010/main" val="0"/>
+              </a:ext>
+            </a:extLst>
+          </a:blip>
+          <a:srcRect/>
+          <a:stretch>
+            <a:fillRect/>
+          </a:stretch>
+        </p:blipFill>
+        <p:spPr bwMode="auto">
+          <a:xfrm>
+            <a:off x="1638300" y="3581400"/>
+            <a:ext cx="5867400" cy="2057400"/>
+          </a:xfrm>
+          <a:prstGeom prst="rect">
+            <a:avLst/>
+          </a:prstGeom>
+          <a:noFill/>
+          <a:ln>
+            <a:noFill/>
+          </a:ln>
+          <a:extLst>
+            <a:ext uri="{909E8E84-426E-40DD-AFC4-6F175D3DCCD1}">
+              <a14:hiddenFill xmlns:a14="http://schemas.microsoft.com/office/drawing/2010/main">
+                <a:solidFill>
+                  <a:srgbClr val="FFFFFF"/>
+                </a:solidFill>
+              </a14:hiddenFill>
+            </a:ext>
+            <a:ext uri="{91240B29-F687-4F45-9708-019B960494DF}">
+              <a14:hiddenLine xmlns:a14="http://schemas.microsoft.com/office/drawing/2010/main" w="9525">
+                <a:solidFill>
+                  <a:srgbClr val="000000"/>
+                </a:solidFill>
+                <a:miter lim="800000"/>
+                <a:headEnd/>
+                <a:tailEnd/>
+              </a14:hiddenLine>
+            </a:ext>
+          </a:extLst>
+        </p:spPr>
+      </p:pic>
     </p:spTree>
   </p:cSld>
   <p:clrMapOvr>
     <a:masterClrMapping/>
   </p:clrMapOvr>
-  <p:timing>
-    <p:tnLst>
-      <p:par>
-        <p:cTn id="1" dur="indefinite" restart="never" nodeType="tmRoot"/>
-      </p:par>
-    </p:tnLst>
-  </p:timing>
 </p:sld>
 </file>
 
@@ -7348,7 +7348,7 @@
       </p:grpSpPr>
       <p:sp>
         <p:nvSpPr>
-          <p:cNvPr id="36866" name="Title 1"/>
+          <p:cNvPr id="29698" name="Title 1"/>
           <p:cNvSpPr>
             <a:spLocks noGrp="1"/>
           </p:cNvSpPr>
@@ -7356,21 +7356,26 @@
             <p:ph type="title"/>
           </p:nvPr>
         </p:nvSpPr>
-        <p:spPr/>
+        <p:spPr>
+          <a:xfrm>
+            <a:off x="685800" y="152400"/>
+            <a:ext cx="7772400" cy="1143000"/>
+          </a:xfrm>
+        </p:spPr>
         <p:txBody>
           <a:bodyPr/>
           <a:lstStyle/>
           <a:p>
             <a:r>
               <a:rPr lang="en-GB" altLang="en-US" smtClean="0"/>
-              <a:t>This Week</a:t>
-            </a:r>
-          </a:p>
-        </p:txBody>
-      </p:sp>
-      <p:sp>
-        <p:nvSpPr>
-          <p:cNvPr id="36867" name="Content Placeholder 2"/>
+              <a:t>Box Layout</a:t>
+            </a:r>
+          </a:p>
+        </p:txBody>
+      </p:sp>
+      <p:sp>
+        <p:nvSpPr>
+          <p:cNvPr id="3" name="Content Placeholder 2"/>
           <p:cNvSpPr>
             <a:spLocks noGrp="1"/>
           </p:cNvSpPr>
@@ -7378,36 +7383,118 @@
             <p:ph idx="1"/>
           </p:nvPr>
         </p:nvSpPr>
-        <p:spPr/>
-        <p:txBody>
-          <a:bodyPr/>
+        <p:spPr>
+          <a:xfrm>
+            <a:off x="457200" y="1219200"/>
+            <a:ext cx="8305800" cy="3429000"/>
+          </a:xfrm>
+        </p:spPr>
+        <p:txBody>
+          <a:bodyPr>
+            <a:normAutofit fontScale="77500" lnSpcReduction="20000"/>
+          </a:bodyPr>
           <a:lstStyle/>
           <a:p>
-            <a:r>
-              <a:rPr lang="en-GB" altLang="en-US" smtClean="0"/>
-              <a:t>Read Associated Chapters</a:t>
-            </a:r>
-          </a:p>
-          <a:p>
-            <a:r>
-              <a:rPr lang="en-GB" altLang="en-US" smtClean="0"/>
-              <a:t>Review Slides</a:t>
-            </a:r>
-          </a:p>
-          <a:p>
-            <a:r>
-              <a:rPr lang="en-GB" altLang="en-US" smtClean="0"/>
-              <a:t>Online Quizzes</a:t>
-            </a:r>
-          </a:p>
-          <a:p>
-            <a:r>
-              <a:rPr lang="en-GB" altLang="en-US" smtClean="0"/>
-              <a:t>Java Exercises</a:t>
-            </a:r>
-          </a:p>
-        </p:txBody>
-      </p:sp>
+            <a:pPr>
+              <a:defRPr/>
+            </a:pPr>
+            <a:r>
+              <a:rPr lang="en-GB" dirty="0" smtClean="0"/>
+              <a:t>A box layout organizes components either horizontally (in one row) or vertically (in one column)</a:t>
+            </a:r>
+          </a:p>
+          <a:p>
+            <a:pPr>
+              <a:defRPr/>
+            </a:pPr>
+            <a:r>
+              <a:rPr lang="en-GB" dirty="0" smtClean="0"/>
+              <a:t>Special rigid areas can be added to force a certain amount of spacing between components</a:t>
+            </a:r>
+          </a:p>
+          <a:p>
+            <a:pPr>
+              <a:defRPr/>
+            </a:pPr>
+            <a:r>
+              <a:rPr lang="en-GB" dirty="0" smtClean="0"/>
+              <a:t>By combining multiple containers using box layout, many different configurations can be created</a:t>
+            </a:r>
+          </a:p>
+          <a:p>
+            <a:pPr>
+              <a:defRPr/>
+            </a:pPr>
+            <a:r>
+              <a:rPr lang="en-GB" dirty="0" smtClean="0"/>
+              <a:t>Multiple containers with box layouts are often preferred to one container that uses the more complicated </a:t>
+            </a:r>
+            <a:r>
+              <a:rPr lang="en-GB" dirty="0" err="1" smtClean="0"/>
+              <a:t>gridbag</a:t>
+            </a:r>
+            <a:r>
+              <a:rPr lang="en-GB" dirty="0" smtClean="0"/>
+              <a:t> layout manager</a:t>
+            </a:r>
+            <a:endParaRPr lang="en-GB" dirty="0"/>
+          </a:p>
+        </p:txBody>
+      </p:sp>
+      <p:pic>
+        <p:nvPicPr>
+          <p:cNvPr id="29700" name="Picture 3"/>
+          <p:cNvPicPr>
+            <a:picLocks noChangeAspect="1"/>
+          </p:cNvPicPr>
+          <p:nvPr/>
+        </p:nvPicPr>
+        <p:blipFill>
+          <a:blip r:embed="rId2">
+            <a:extLst>
+              <a:ext uri="{28A0092B-C50C-407E-A947-70E740481C1C}">
+                <a14:useLocalDpi xmlns:a14="http://schemas.microsoft.com/office/drawing/2010/main" val="0"/>
+              </a:ext>
+            </a:extLst>
+          </a:blip>
+          <a:srcRect/>
+          <a:stretch>
+            <a:fillRect/>
+          </a:stretch>
+        </p:blipFill>
+        <p:spPr bwMode="auto">
+          <a:xfrm>
+            <a:off x="3048000" y="4495800"/>
+            <a:ext cx="2562225" cy="1990725"/>
+          </a:xfrm>
+          <a:prstGeom prst="rect">
+            <a:avLst/>
+          </a:prstGeom>
+          <a:noFill/>
+          <a:ln>
+            <a:noFill/>
+          </a:ln>
+          <a:extLst>
+            <a:ext uri="{909E8E84-426E-40DD-AFC4-6F175D3DCCD1}">
+              <a14:hiddenFill xmlns:a14="http://schemas.microsoft.com/office/drawing/2010/main">
+                <a:solidFill>
+                  <a:srgbClr val="FFFFFF"/>
+                </a:solidFill>
+              </a14:hiddenFill>
+            </a:ext>
+            <a:ext uri="{91240B29-F687-4F45-9708-019B960494DF}">
+              <a14:hiddenLine xmlns:a14="http://schemas.microsoft.com/office/drawing/2010/main" w="9525">
+                <a:solidFill>
+                  <a:srgbClr val="000000"/>
+                </a:solidFill>
+                <a:miter lim="800000"/>
+                <a:headEnd/>
+                <a:tailEnd/>
+              </a14:hiddenLine>
+            </a:ext>
+          </a:extLst>
+        </p:spPr>
+      </p:pic>
     </p:spTree>
   </p:cSld>
   <p:clrMapOvr>
@@ -7435,7 +7522,7 @@
       </p:grpSpPr>
       <p:sp>
         <p:nvSpPr>
-          <p:cNvPr id="50178" name="Title 1"/>
+          <p:cNvPr id="30722" name="Title 1"/>
           <p:cNvSpPr>
             <a:spLocks noGrp="1"/>
           </p:cNvSpPr>
@@ -7445,7 +7532,7 @@
         </p:nvSpPr>
         <p:spPr>
           <a:xfrm>
-            <a:off x="685800" y="76200"/>
+            <a:off x="685800" y="152400"/>
             <a:ext cx="7772400" cy="1143000"/>
           </a:xfrm>
         </p:spPr>
@@ -7455,14 +7542,14 @@
           <a:p>
             <a:r>
               <a:rPr lang="en-GB" altLang="en-US" smtClean="0"/>
-              <a:t>Today’s Practical</a:t>
-            </a:r>
-          </a:p>
-        </p:txBody>
-      </p:sp>
-      <p:sp>
-        <p:nvSpPr>
-          <p:cNvPr id="3" name="Content Placeholder 2"/>
+              <a:t>Other Layout Managers</a:t>
+            </a:r>
+          </a:p>
+        </p:txBody>
+      </p:sp>
+      <p:sp>
+        <p:nvSpPr>
+          <p:cNvPr id="30723" name="Content Placeholder 2"/>
           <p:cNvSpPr>
             <a:spLocks noGrp="1"/>
           </p:cNvSpPr>
@@ -7470,164 +7557,70 @@
             <p:ph idx="1"/>
           </p:nvPr>
         </p:nvSpPr>
-        <p:spPr>
-          <a:xfrm>
-            <a:off x="685800" y="1447800"/>
-            <a:ext cx="7772400" cy="5181600"/>
-          </a:xfrm>
-        </p:spPr>
-        <p:txBody>
-          <a:bodyPr>
-            <a:normAutofit fontScale="70000" lnSpcReduction="20000"/>
-          </a:bodyPr>
+        <p:spPr/>
+        <p:txBody>
+          <a:bodyPr/>
           <a:lstStyle/>
           <a:p>
-            <a:pPr>
-              <a:defRPr/>
-            </a:pPr>
-            <a:r>
-              <a:rPr lang="en-GB" b="1" dirty="0"/>
-              <a:t>Programming Exercises (Book): </a:t>
-            </a:r>
-          </a:p>
-          <a:p>
-            <a:pPr lvl="1">
-              <a:defRPr/>
-            </a:pPr>
-            <a:r>
-              <a:rPr lang="en-GB" b="1" dirty="0" smtClean="0"/>
-              <a:t>Chapter 12.1-12.5</a:t>
-            </a:r>
-          </a:p>
-          <a:p>
-            <a:pPr lvl="1">
-              <a:defRPr/>
-            </a:pPr>
-            <a:r>
-              <a:rPr lang="en-GB" b="1" dirty="0" smtClean="0"/>
-              <a:t>(</a:t>
-            </a:r>
-            <a:r>
-              <a:rPr lang="en-GB" b="1" dirty="0"/>
-              <a:t>Only code not UML)</a:t>
-            </a:r>
-          </a:p>
-          <a:p>
-            <a:pPr>
-              <a:defRPr/>
-            </a:pPr>
-            <a:endParaRPr lang="en-GB" dirty="0"/>
-          </a:p>
-          <a:p>
-            <a:pPr>
-              <a:defRPr/>
-            </a:pPr>
-            <a:r>
-              <a:rPr lang="en-GB" dirty="0"/>
-              <a:t>Upload single .zip file containing all your java files (only java files).</a:t>
-            </a:r>
-          </a:p>
-          <a:p>
-            <a:pPr lvl="1">
-              <a:defRPr/>
-            </a:pPr>
-            <a:r>
-              <a:rPr lang="en-GB" dirty="0">
-                <a:hlinkClick r:id="rId2"/>
-              </a:rPr>
-              <a:t>www.zjnu.xyz</a:t>
-            </a:r>
-            <a:endParaRPr lang="en-GB" dirty="0"/>
-          </a:p>
-          <a:p>
-            <a:pPr lvl="1">
-              <a:defRPr/>
-            </a:pPr>
-            <a:r>
-              <a:rPr lang="en-GB" dirty="0"/>
-              <a:t>zip file name should be your student number, e.g., 29392929.zip</a:t>
-            </a:r>
-          </a:p>
-          <a:p>
-            <a:pPr>
-              <a:defRPr/>
-            </a:pPr>
-            <a:endParaRPr lang="en-GB" dirty="0"/>
-          </a:p>
-          <a:p>
-            <a:pPr>
-              <a:defRPr/>
-            </a:pPr>
-            <a:r>
-              <a:rPr lang="en-GB" dirty="0"/>
-              <a:t>Remember to </a:t>
-            </a:r>
-            <a:r>
-              <a:rPr lang="en-GB" dirty="0">
+            <a:endParaRPr lang="en-GB" altLang="en-US" smtClean="0"/>
+          </a:p>
+        </p:txBody>
+      </p:sp>
+      <p:pic>
+        <p:nvPicPr>
+          <p:cNvPr id="30724" name="Picture 3"/>
+          <p:cNvPicPr>
+            <a:picLocks noChangeAspect="1"/>
+          </p:cNvPicPr>
+          <p:nvPr/>
+        </p:nvPicPr>
+        <p:blipFill>
+          <a:blip r:embed="rId2">
+            <a:extLst>
+              <a:ext uri="{28A0092B-C50C-407E-A947-70E740481C1C}">
+                <a14:useLocalDpi xmlns:a14="http://schemas.microsoft.com/office/drawing/2010/main" val="0"/>
+              </a:ext>
+            </a:extLst>
+          </a:blip>
+          <a:srcRect/>
+          <a:stretch>
+            <a:fillRect/>
+          </a:stretch>
+        </p:blipFill>
+        <p:spPr bwMode="auto">
+          <a:xfrm>
+            <a:off x="990600" y="1447800"/>
+            <a:ext cx="7019925" cy="4751388"/>
+          </a:xfrm>
+          <a:prstGeom prst="rect">
+            <a:avLst/>
+          </a:prstGeom>
+          <a:noFill/>
+          <a:ln>
+            <a:noFill/>
+          </a:ln>
+          <a:extLst>
+            <a:ext uri="{909E8E84-426E-40DD-AFC4-6F175D3DCCD1}">
+              <a14:hiddenFill xmlns:a14="http://schemas.microsoft.com/office/drawing/2010/main">
                 <a:solidFill>
-                  <a:srgbClr val="FF0000"/>
+                  <a:srgbClr val="FFFFFF"/>
                 </a:solidFill>
-              </a:rPr>
-              <a:t>comment your code</a:t>
-            </a:r>
-            <a:r>
-              <a:rPr lang="en-GB" dirty="0"/>
-              <a:t>, name/student number at the top of files.</a:t>
-            </a:r>
-          </a:p>
-          <a:p>
-            <a:pPr>
-              <a:defRPr/>
-            </a:pPr>
-            <a:endParaRPr lang="en-GB" dirty="0"/>
-          </a:p>
-          <a:p>
-            <a:pPr>
-              <a:defRPr/>
-            </a:pPr>
-            <a:r>
-              <a:rPr lang="en-GB" dirty="0" smtClean="0"/>
-              <a:t>Organise your files so it’s clear to identify each exercise (e.g., file names/folders)</a:t>
-            </a:r>
-            <a:endParaRPr lang="en-GB" dirty="0"/>
-          </a:p>
-          <a:p>
-            <a:pPr lvl="1">
-              <a:defRPr/>
-            </a:pPr>
-            <a:r>
-              <a:rPr lang="en-GB" dirty="0" smtClean="0"/>
-              <a:t>ch12_1.java</a:t>
-            </a:r>
-            <a:r>
-              <a:rPr lang="en-GB" dirty="0"/>
-              <a:t>, </a:t>
-            </a:r>
-            <a:r>
-              <a:rPr lang="en-GB" dirty="0" smtClean="0"/>
-              <a:t>ch12_2.java</a:t>
-            </a:r>
-            <a:r>
-              <a:rPr lang="en-GB" dirty="0"/>
-              <a:t>, …</a:t>
-            </a:r>
-          </a:p>
-          <a:p>
-            <a:pPr marL="0" indent="0">
-              <a:buFontTx/>
-              <a:buNone/>
-              <a:defRPr/>
-            </a:pPr>
-            <a:endParaRPr lang="en-GB" dirty="0"/>
-          </a:p>
-        </p:txBody>
-      </p:sp>
+              </a14:hiddenFill>
+            </a:ext>
+            <a:ext uri="{91240B29-F687-4F45-9708-019B960494DF}">
+              <a14:hiddenLine xmlns:a14="http://schemas.microsoft.com/office/drawing/2010/main" w="9525">
+                <a:solidFill>
+                  <a:srgbClr val="000000"/>
+                </a:solidFill>
+                <a:miter lim="800000"/>
+                <a:headEnd/>
+                <a:tailEnd/>
+              </a14:hiddenLine>
+            </a:ext>
+          </a:extLst>
+        </p:spPr>
+      </p:pic>
     </p:spTree>
-    <p:extLst>
-      <p:ext uri="{BB962C8B-B14F-4D97-AF65-F5344CB8AC3E}">
-        <p14:creationId xmlns:p14="http://schemas.microsoft.com/office/powerpoint/2010/main" val="3561413903"/>
-      </p:ext>
-    </p:extLst>
   </p:cSld>
   <p:clrMapOvr>
     <a:masterClrMapping/>
@@ -7654,7 +7647,7 @@
       </p:grpSpPr>
       <p:sp>
         <p:nvSpPr>
-          <p:cNvPr id="38914" name="Title 1"/>
+          <p:cNvPr id="31746" name="Title 1"/>
           <p:cNvSpPr>
             <a:spLocks noGrp="1"/>
           </p:cNvSpPr>
@@ -7667,17 +7660,16 @@
           <a:bodyPr/>
           <a:lstStyle/>
           <a:p>
-            <a:pPr eaLnBrk="1" hangingPunct="1"/>
             <a:r>
               <a:rPr lang="en-GB" altLang="en-US" smtClean="0"/>
-              <a:t>Questions/Discussion</a:t>
-            </a:r>
-          </a:p>
-        </p:txBody>
-      </p:sp>
-      <p:sp>
-        <p:nvSpPr>
-          <p:cNvPr id="38915" name="Content Placeholder 2"/>
+              <a:t>"Atomic" Components</a:t>
+            </a:r>
+          </a:p>
+        </p:txBody>
+      </p:sp>
+      <p:sp>
+        <p:nvSpPr>
+          <p:cNvPr id="3" name="Content Placeholder 2"/>
           <p:cNvSpPr>
             <a:spLocks noGrp="1"/>
           </p:cNvSpPr>
@@ -7685,13 +7677,606 @@
             <p:ph idx="1"/>
           </p:nvPr>
         </p:nvSpPr>
-        <p:spPr/>
+        <p:spPr>
+          <a:xfrm>
+            <a:off x="685800" y="1981200"/>
+            <a:ext cx="8077200" cy="4495800"/>
+          </a:xfrm>
+        </p:spPr>
+        <p:txBody>
+          <a:bodyPr>
+            <a:normAutofit fontScale="77500" lnSpcReduction="20000"/>
+          </a:bodyPr>
+          <a:lstStyle/>
+          <a:p>
+            <a:pPr>
+              <a:defRPr/>
+            </a:pPr>
+            <a:r>
+              <a:rPr lang="en-GB" dirty="0" smtClean="0"/>
+              <a:t>The root in the component hierarchy is </a:t>
+            </a:r>
+            <a:r>
+              <a:rPr lang="en-GB" dirty="0" err="1" smtClean="0"/>
+              <a:t>JComponent</a:t>
+            </a:r>
+            <a:r>
+              <a:rPr lang="en-GB" dirty="0" smtClean="0"/>
+              <a:t>.</a:t>
+            </a:r>
+          </a:p>
+          <a:p>
+            <a:pPr>
+              <a:defRPr/>
+            </a:pPr>
+            <a:r>
+              <a:rPr lang="en-GB" dirty="0" smtClean="0"/>
+              <a:t>The </a:t>
+            </a:r>
+            <a:r>
+              <a:rPr lang="en-GB" dirty="0" err="1" smtClean="0"/>
+              <a:t>JComponent</a:t>
+            </a:r>
+            <a:r>
+              <a:rPr lang="en-GB" dirty="0" smtClean="0"/>
+              <a:t> provides the following functionality to its descendants, e.g., </a:t>
+            </a:r>
+            <a:r>
+              <a:rPr lang="en-GB" dirty="0" err="1" smtClean="0"/>
+              <a:t>JLabel</a:t>
+            </a:r>
+            <a:r>
+              <a:rPr lang="en-GB" dirty="0" smtClean="0"/>
+              <a:t>, </a:t>
+            </a:r>
+            <a:r>
+              <a:rPr lang="en-GB" dirty="0" err="1" smtClean="0"/>
+              <a:t>JRadioButton</a:t>
+            </a:r>
+            <a:r>
+              <a:rPr lang="en-GB" dirty="0" smtClean="0"/>
+              <a:t>, and </a:t>
+            </a:r>
+            <a:r>
+              <a:rPr lang="en-GB" dirty="0" err="1" smtClean="0"/>
+              <a:t>JTextArea</a:t>
+            </a:r>
+            <a:endParaRPr lang="en-GB" dirty="0" smtClean="0"/>
+          </a:p>
+          <a:p>
+            <a:pPr lvl="1">
+              <a:defRPr/>
+            </a:pPr>
+            <a:r>
+              <a:rPr lang="en-GB" dirty="0" smtClean="0"/>
+              <a:t>Tool tips</a:t>
+            </a:r>
+          </a:p>
+          <a:p>
+            <a:pPr lvl="1">
+              <a:defRPr/>
+            </a:pPr>
+            <a:r>
+              <a:rPr lang="en-GB" dirty="0" smtClean="0"/>
+              <a:t>Borders</a:t>
+            </a:r>
+          </a:p>
+          <a:p>
+            <a:pPr lvl="1">
+              <a:defRPr/>
+            </a:pPr>
+            <a:r>
+              <a:rPr lang="en-GB" dirty="0" smtClean="0"/>
+              <a:t>Keyboard-generated actions</a:t>
+            </a:r>
+          </a:p>
+          <a:p>
+            <a:pPr lvl="1">
+              <a:defRPr/>
+            </a:pPr>
+            <a:r>
+              <a:rPr lang="en-GB" dirty="0" smtClean="0"/>
+              <a:t>Application-wide pluggable look and feel</a:t>
+            </a:r>
+          </a:p>
+          <a:p>
+            <a:pPr lvl="1">
+              <a:defRPr/>
+            </a:pPr>
+            <a:r>
+              <a:rPr lang="en-GB" dirty="0" smtClean="0"/>
+              <a:t>Various properties</a:t>
+            </a:r>
+          </a:p>
+          <a:p>
+            <a:pPr lvl="1">
+              <a:defRPr/>
+            </a:pPr>
+            <a:r>
+              <a:rPr lang="en-GB" dirty="0" smtClean="0"/>
+              <a:t>Support for layout</a:t>
+            </a:r>
+          </a:p>
+          <a:p>
+            <a:pPr lvl="1">
+              <a:defRPr/>
+            </a:pPr>
+            <a:r>
+              <a:rPr lang="en-GB" dirty="0" smtClean="0"/>
+              <a:t>Support for accessibility</a:t>
+            </a:r>
+          </a:p>
+          <a:p>
+            <a:pPr lvl="1">
+              <a:defRPr/>
+            </a:pPr>
+            <a:r>
+              <a:rPr lang="en-GB" dirty="0" smtClean="0"/>
+              <a:t>Double buffering</a:t>
+            </a:r>
+            <a:endParaRPr lang="en-GB" dirty="0"/>
+          </a:p>
+        </p:txBody>
+      </p:sp>
+    </p:spTree>
+  </p:cSld>
+  <p:clrMapOvr>
+    <a:masterClrMapping/>
+  </p:clrMapOvr>
+</p:sld>
+</file>
+
+<file path=ppt/slides/slide34.xml><?xml version="1.0" encoding="utf-8"?>
+<p:sld xmlns:a="http://schemas.openxmlformats.org/drawingml/2006/main" xmlns:r="http://schemas.openxmlformats.org/officeDocument/2006/relationships" xmlns:p="http://schemas.openxmlformats.org/presentationml/2006/main">
+  <p:cSld>
+    <p:spTree>
+      <p:nvGrpSpPr>
+        <p:cNvPr id="1" name=""/>
+        <p:cNvGrpSpPr/>
+        <p:nvPr/>
+      </p:nvGrpSpPr>
+      <p:grpSpPr>
+        <a:xfrm>
+          <a:off x="0" y="0"/>
+          <a:ext cx="0" cy="0"/>
+          <a:chOff x="0" y="0"/>
+          <a:chExt cx="0" cy="0"/>
+        </a:xfrm>
+      </p:grpSpPr>
+      <p:sp>
+        <p:nvSpPr>
+          <p:cNvPr id="32770" name="Title 1"/>
+          <p:cNvSpPr>
+            <a:spLocks noGrp="1"/>
+          </p:cNvSpPr>
+          <p:nvPr>
+            <p:ph type="title"/>
+          </p:nvPr>
+        </p:nvSpPr>
+        <p:spPr>
+          <a:xfrm>
+            <a:off x="685800" y="0"/>
+            <a:ext cx="7772400" cy="1143000"/>
+          </a:xfrm>
+        </p:spPr>
         <p:txBody>
           <a:bodyPr/>
           <a:lstStyle/>
           <a:p>
-            <a:pPr eaLnBrk="1" hangingPunct="1"/>
+            <a:r>
+              <a:rPr lang="en-GB" altLang="en-US" smtClean="0"/>
+              <a:t>Basic Components</a:t>
+            </a:r>
+          </a:p>
+        </p:txBody>
+      </p:sp>
+      <p:sp>
+        <p:nvSpPr>
+          <p:cNvPr id="32771" name="Content Placeholder 2"/>
+          <p:cNvSpPr>
+            <a:spLocks noGrp="1"/>
+          </p:cNvSpPr>
+          <p:nvPr>
+            <p:ph idx="1"/>
+          </p:nvPr>
+        </p:nvSpPr>
+        <p:spPr/>
+        <p:txBody>
+          <a:bodyPr/>
+          <a:lstStyle/>
+          <a:p>
             <a:endParaRPr lang="en-GB" altLang="en-US" smtClean="0"/>
+          </a:p>
+        </p:txBody>
+      </p:sp>
+      <p:pic>
+        <p:nvPicPr>
+          <p:cNvPr id="32772" name="Picture 3"/>
+          <p:cNvPicPr>
+            <a:picLocks noChangeAspect="1"/>
+          </p:cNvPicPr>
+          <p:nvPr/>
+        </p:nvPicPr>
+        <p:blipFill>
+          <a:blip r:embed="rId2">
+            <a:extLst>
+              <a:ext uri="{28A0092B-C50C-407E-A947-70E740481C1C}">
+                <a14:useLocalDpi xmlns:a14="http://schemas.microsoft.com/office/drawing/2010/main" val="0"/>
+              </a:ext>
+            </a:extLst>
+          </a:blip>
+          <a:srcRect/>
+          <a:stretch>
+            <a:fillRect/>
+          </a:stretch>
+        </p:blipFill>
+        <p:spPr bwMode="auto">
+          <a:xfrm>
+            <a:off x="381000" y="1168400"/>
+            <a:ext cx="7824788" cy="5162550"/>
+          </a:xfrm>
+          <a:prstGeom prst="rect">
+            <a:avLst/>
+          </a:prstGeom>
+          <a:noFill/>
+          <a:ln>
+            <a:noFill/>
+          </a:ln>
+          <a:extLst>
+            <a:ext uri="{909E8E84-426E-40DD-AFC4-6F175D3DCCD1}">
+              <a14:hiddenFill xmlns:a14="http://schemas.microsoft.com/office/drawing/2010/main">
+                <a:solidFill>
+                  <a:srgbClr val="FFFFFF"/>
+                </a:solidFill>
+              </a14:hiddenFill>
+            </a:ext>
+            <a:ext uri="{91240B29-F687-4F45-9708-019B960494DF}">
+              <a14:hiddenLine xmlns:a14="http://schemas.microsoft.com/office/drawing/2010/main" w="9525">
+                <a:solidFill>
+                  <a:srgbClr val="000000"/>
+                </a:solidFill>
+                <a:miter lim="800000"/>
+                <a:headEnd/>
+                <a:tailEnd/>
+              </a14:hiddenLine>
+            </a:ext>
+          </a:extLst>
+        </p:spPr>
+      </p:pic>
+    </p:spTree>
+  </p:cSld>
+  <p:clrMapOvr>
+    <a:masterClrMapping/>
+  </p:clrMapOvr>
+</p:sld>
+</file>
+
+<file path=ppt/slides/slide35.xml><?xml version="1.0" encoding="utf-8"?>
+<p:sld xmlns:a="http://schemas.openxmlformats.org/drawingml/2006/main" xmlns:r="http://schemas.openxmlformats.org/officeDocument/2006/relationships" xmlns:p="http://schemas.openxmlformats.org/presentationml/2006/main">
+  <p:cSld>
+    <p:spTree>
+      <p:nvGrpSpPr>
+        <p:cNvPr id="1" name=""/>
+        <p:cNvGrpSpPr/>
+        <p:nvPr/>
+      </p:nvGrpSpPr>
+      <p:grpSpPr>
+        <a:xfrm>
+          <a:off x="0" y="0"/>
+          <a:ext cx="0" cy="0"/>
+          <a:chOff x="0" y="0"/>
+          <a:chExt cx="0" cy="0"/>
+        </a:xfrm>
+      </p:grpSpPr>
+      <p:sp>
+        <p:nvSpPr>
+          <p:cNvPr id="33794" name="Title 1"/>
+          <p:cNvSpPr>
+            <a:spLocks noGrp="1"/>
+          </p:cNvSpPr>
+          <p:nvPr>
+            <p:ph type="title"/>
+          </p:nvPr>
+        </p:nvSpPr>
+        <p:spPr>
+          <a:xfrm>
+            <a:off x="685800" y="152400"/>
+            <a:ext cx="7772400" cy="1143000"/>
+          </a:xfrm>
+        </p:spPr>
+        <p:txBody>
+          <a:bodyPr/>
+          <a:lstStyle/>
+          <a:p>
+            <a:r>
+              <a:rPr lang="en-GB" altLang="en-US" smtClean="0"/>
+              <a:t>Non-Editable Displays</a:t>
+            </a:r>
+          </a:p>
+        </p:txBody>
+      </p:sp>
+      <p:sp>
+        <p:nvSpPr>
+          <p:cNvPr id="33795" name="Content Placeholder 2"/>
+          <p:cNvSpPr>
+            <a:spLocks noGrp="1"/>
+          </p:cNvSpPr>
+          <p:nvPr>
+            <p:ph idx="1"/>
+          </p:nvPr>
+        </p:nvSpPr>
+        <p:spPr/>
+        <p:txBody>
+          <a:bodyPr/>
+          <a:lstStyle/>
+          <a:p>
+            <a:endParaRPr lang="en-GB" altLang="en-US" smtClean="0"/>
+          </a:p>
+        </p:txBody>
+      </p:sp>
+      <p:pic>
+        <p:nvPicPr>
+          <p:cNvPr id="33796" name="Picture 3"/>
+          <p:cNvPicPr>
+            <a:picLocks noChangeAspect="1"/>
+          </p:cNvPicPr>
+          <p:nvPr/>
+        </p:nvPicPr>
+        <p:blipFill>
+          <a:blip r:embed="rId2">
+            <a:extLst>
+              <a:ext uri="{28A0092B-C50C-407E-A947-70E740481C1C}">
+                <a14:useLocalDpi xmlns:a14="http://schemas.microsoft.com/office/drawing/2010/main" val="0"/>
+              </a:ext>
+            </a:extLst>
+          </a:blip>
+          <a:srcRect/>
+          <a:stretch>
+            <a:fillRect/>
+          </a:stretch>
+        </p:blipFill>
+        <p:spPr bwMode="auto">
+          <a:xfrm>
+            <a:off x="2209800" y="1376363"/>
+            <a:ext cx="4438650" cy="5324475"/>
+          </a:xfrm>
+          <a:prstGeom prst="rect">
+            <a:avLst/>
+          </a:prstGeom>
+          <a:noFill/>
+          <a:ln>
+            <a:noFill/>
+          </a:ln>
+          <a:extLst>
+            <a:ext uri="{909E8E84-426E-40DD-AFC4-6F175D3DCCD1}">
+              <a14:hiddenFill xmlns:a14="http://schemas.microsoft.com/office/drawing/2010/main">
+                <a:solidFill>
+                  <a:srgbClr val="FFFFFF"/>
+                </a:solidFill>
+              </a14:hiddenFill>
+            </a:ext>
+            <a:ext uri="{91240B29-F687-4F45-9708-019B960494DF}">
+              <a14:hiddenLine xmlns:a14="http://schemas.microsoft.com/office/drawing/2010/main" w="9525">
+                <a:solidFill>
+                  <a:srgbClr val="000000"/>
+                </a:solidFill>
+                <a:miter lim="800000"/>
+                <a:headEnd/>
+                <a:tailEnd/>
+              </a14:hiddenLine>
+            </a:ext>
+          </a:extLst>
+        </p:spPr>
+      </p:pic>
+    </p:spTree>
+  </p:cSld>
+  <p:clrMapOvr>
+    <a:masterClrMapping/>
+  </p:clrMapOvr>
+</p:sld>
+</file>
+
+<file path=ppt/slides/slide36.xml><?xml version="1.0" encoding="utf-8"?>
+<p:sld xmlns:a="http://schemas.openxmlformats.org/drawingml/2006/main" xmlns:r="http://schemas.openxmlformats.org/officeDocument/2006/relationships" xmlns:p="http://schemas.openxmlformats.org/presentationml/2006/main">
+  <p:cSld>
+    <p:spTree>
+      <p:nvGrpSpPr>
+        <p:cNvPr id="1" name=""/>
+        <p:cNvGrpSpPr/>
+        <p:nvPr/>
+      </p:nvGrpSpPr>
+      <p:grpSpPr>
+        <a:xfrm>
+          <a:off x="0" y="0"/>
+          <a:ext cx="0" cy="0"/>
+          <a:chOff x="0" y="0"/>
+          <a:chExt cx="0" cy="0"/>
+        </a:xfrm>
+      </p:grpSpPr>
+      <p:sp>
+        <p:nvSpPr>
+          <p:cNvPr id="34818" name="Title 1"/>
+          <p:cNvSpPr>
+            <a:spLocks noGrp="1"/>
+          </p:cNvSpPr>
+          <p:nvPr>
+            <p:ph type="title"/>
+          </p:nvPr>
+        </p:nvSpPr>
+        <p:spPr>
+          <a:xfrm>
+            <a:off x="685800" y="7938"/>
+            <a:ext cx="7772400" cy="1143000"/>
+          </a:xfrm>
+        </p:spPr>
+        <p:txBody>
+          <a:bodyPr/>
+          <a:lstStyle/>
+          <a:p>
+            <a:r>
+              <a:rPr lang="en-GB" altLang="en-US" smtClean="0"/>
+              <a:t>Editable Displays</a:t>
+            </a:r>
+          </a:p>
+        </p:txBody>
+      </p:sp>
+      <p:sp>
+        <p:nvSpPr>
+          <p:cNvPr id="34819" name="Content Placeholder 2"/>
+          <p:cNvSpPr>
+            <a:spLocks noGrp="1"/>
+          </p:cNvSpPr>
+          <p:nvPr>
+            <p:ph idx="1"/>
+          </p:nvPr>
+        </p:nvSpPr>
+        <p:spPr/>
+        <p:txBody>
+          <a:bodyPr/>
+          <a:lstStyle/>
+          <a:p>
+            <a:endParaRPr lang="en-GB" altLang="en-US" smtClean="0"/>
+          </a:p>
+        </p:txBody>
+      </p:sp>
+      <p:pic>
+        <p:nvPicPr>
+          <p:cNvPr id="34820" name="Picture 3"/>
+          <p:cNvPicPr>
+            <a:picLocks noChangeAspect="1"/>
+          </p:cNvPicPr>
+          <p:nvPr/>
+        </p:nvPicPr>
+        <p:blipFill>
+          <a:blip r:embed="rId2">
+            <a:extLst>
+              <a:ext uri="{28A0092B-C50C-407E-A947-70E740481C1C}">
+                <a14:useLocalDpi xmlns:a14="http://schemas.microsoft.com/office/drawing/2010/main" val="0"/>
+              </a:ext>
+            </a:extLst>
+          </a:blip>
+          <a:srcRect/>
+          <a:stretch>
+            <a:fillRect/>
+          </a:stretch>
+        </p:blipFill>
+        <p:spPr bwMode="auto">
+          <a:xfrm>
+            <a:off x="533400" y="1292225"/>
+            <a:ext cx="7781925" cy="4803775"/>
+          </a:xfrm>
+          <a:prstGeom prst="rect">
+            <a:avLst/>
+          </a:prstGeom>
+          <a:noFill/>
+          <a:ln>
+            <a:noFill/>
+          </a:ln>
+          <a:extLst>
+            <a:ext uri="{909E8E84-426E-40DD-AFC4-6F175D3DCCD1}">
+              <a14:hiddenFill xmlns:a14="http://schemas.microsoft.com/office/drawing/2010/main">
+                <a:solidFill>
+                  <a:srgbClr val="FFFFFF"/>
+                </a:solidFill>
+              </a14:hiddenFill>
+            </a:ext>
+            <a:ext uri="{91240B29-F687-4F45-9708-019B960494DF}">
+              <a14:hiddenLine xmlns:a14="http://schemas.microsoft.com/office/drawing/2010/main" w="9525">
+                <a:solidFill>
+                  <a:srgbClr val="000000"/>
+                </a:solidFill>
+                <a:miter lim="800000"/>
+                <a:headEnd/>
+                <a:tailEnd/>
+              </a14:hiddenLine>
+            </a:ext>
+          </a:extLst>
+        </p:spPr>
+      </p:pic>
+    </p:spTree>
+  </p:cSld>
+  <p:clrMapOvr>
+    <a:masterClrMapping/>
+  </p:clrMapOvr>
+</p:sld>
+</file>
+
+<file path=ppt/slides/slide37.xml><?xml version="1.0" encoding="utf-8"?>
+<p:sld xmlns:a="http://schemas.openxmlformats.org/drawingml/2006/main" xmlns:r="http://schemas.openxmlformats.org/officeDocument/2006/relationships" xmlns:p="http://schemas.openxmlformats.org/presentationml/2006/main">
+  <p:cSld>
+    <p:spTree>
+      <p:nvGrpSpPr>
+        <p:cNvPr id="1" name=""/>
+        <p:cNvGrpSpPr/>
+        <p:nvPr/>
+      </p:nvGrpSpPr>
+      <p:grpSpPr>
+        <a:xfrm>
+          <a:off x="0" y="0"/>
+          <a:ext cx="0" cy="0"/>
+          <a:chOff x="0" y="0"/>
+          <a:chExt cx="0" cy="0"/>
+        </a:xfrm>
+      </p:grpSpPr>
+      <p:sp>
+        <p:nvSpPr>
+          <p:cNvPr id="37890" name="Title 1"/>
+          <p:cNvSpPr>
+            <a:spLocks noGrp="1"/>
+          </p:cNvSpPr>
+          <p:nvPr>
+            <p:ph type="title"/>
+          </p:nvPr>
+        </p:nvSpPr>
+        <p:spPr/>
+        <p:txBody>
+          <a:bodyPr/>
+          <a:lstStyle/>
+          <a:p>
+            <a:r>
+              <a:rPr lang="en-GB" altLang="en-US" smtClean="0"/>
+              <a:t>Summary</a:t>
+            </a:r>
+          </a:p>
+        </p:txBody>
+      </p:sp>
+      <p:sp>
+        <p:nvSpPr>
+          <p:cNvPr id="37891" name="Content Placeholder 2"/>
+          <p:cNvSpPr>
+            <a:spLocks noGrp="1"/>
+          </p:cNvSpPr>
+          <p:nvPr>
+            <p:ph idx="1"/>
+          </p:nvPr>
+        </p:nvSpPr>
+        <p:spPr/>
+        <p:txBody>
+          <a:bodyPr/>
+          <a:lstStyle/>
+          <a:p>
+            <a:r>
+              <a:rPr lang="en-GB" altLang="en-US" dirty="0" smtClean="0"/>
+              <a:t>Overview Basic GUI Principles</a:t>
+            </a:r>
+          </a:p>
+          <a:p>
+            <a:r>
+              <a:rPr lang="en-GB" altLang="en-US" dirty="0" smtClean="0"/>
+              <a:t>Abstract Windowing Toolkit (AWT)</a:t>
+            </a:r>
+          </a:p>
+          <a:p>
+            <a:r>
+              <a:rPr lang="en-GB" altLang="en-US" dirty="0" smtClean="0"/>
+              <a:t>Java Foundation Classes (JFC)</a:t>
+            </a:r>
+          </a:p>
+          <a:p>
+            <a:r>
+              <a:rPr lang="en-GB" altLang="en-US" dirty="0" smtClean="0"/>
+              <a:t>Apply Hands-On/Practical Understanding of GUIs</a:t>
+            </a:r>
           </a:p>
         </p:txBody>
       </p:sp>
@@ -7707,6 +8292,371 @@
       </p:par>
     </p:tnLst>
   </p:timing>
+</p:sld>
+</file>
+
+<file path=ppt/slides/slide38.xml><?xml version="1.0" encoding="utf-8"?>
+<p:sld xmlns:a="http://schemas.openxmlformats.org/drawingml/2006/main" xmlns:r="http://schemas.openxmlformats.org/officeDocument/2006/relationships" xmlns:p="http://schemas.openxmlformats.org/presentationml/2006/main">
+  <p:cSld>
+    <p:spTree>
+      <p:nvGrpSpPr>
+        <p:cNvPr id="1" name=""/>
+        <p:cNvGrpSpPr/>
+        <p:nvPr/>
+      </p:nvGrpSpPr>
+      <p:grpSpPr>
+        <a:xfrm>
+          <a:off x="0" y="0"/>
+          <a:ext cx="0" cy="0"/>
+          <a:chOff x="0" y="0"/>
+          <a:chExt cx="0" cy="0"/>
+        </a:xfrm>
+      </p:grpSpPr>
+      <p:sp>
+        <p:nvSpPr>
+          <p:cNvPr id="36866" name="Title 1"/>
+          <p:cNvSpPr>
+            <a:spLocks noGrp="1"/>
+          </p:cNvSpPr>
+          <p:nvPr>
+            <p:ph type="title"/>
+          </p:nvPr>
+        </p:nvSpPr>
+        <p:spPr/>
+        <p:txBody>
+          <a:bodyPr/>
+          <a:lstStyle/>
+          <a:p>
+            <a:r>
+              <a:rPr lang="en-GB" altLang="en-US" smtClean="0"/>
+              <a:t>This Week</a:t>
+            </a:r>
+          </a:p>
+        </p:txBody>
+      </p:sp>
+      <p:sp>
+        <p:nvSpPr>
+          <p:cNvPr id="36867" name="Content Placeholder 2"/>
+          <p:cNvSpPr>
+            <a:spLocks noGrp="1"/>
+          </p:cNvSpPr>
+          <p:nvPr>
+            <p:ph idx="1"/>
+          </p:nvPr>
+        </p:nvSpPr>
+        <p:spPr>
+          <a:xfrm>
+            <a:off x="685800" y="1981200"/>
+            <a:ext cx="7772400" cy="4495800"/>
+          </a:xfrm>
+        </p:spPr>
+        <p:txBody>
+          <a:bodyPr>
+            <a:normAutofit fontScale="92500" lnSpcReduction="20000"/>
+          </a:bodyPr>
+          <a:lstStyle/>
+          <a:p>
+            <a:r>
+              <a:rPr lang="en-GB" altLang="en-US" dirty="0" smtClean="0"/>
+              <a:t>Read Associated </a:t>
+            </a:r>
+            <a:r>
+              <a:rPr lang="en-GB" altLang="en-US" dirty="0" smtClean="0"/>
+              <a:t>Chapters</a:t>
+            </a:r>
+          </a:p>
+          <a:p>
+            <a:pPr lvl="1"/>
+            <a:r>
+              <a:rPr lang="en-GB" altLang="en-US" dirty="0" smtClean="0"/>
+              <a:t>Regularly reviewing the material</a:t>
+            </a:r>
+          </a:p>
+          <a:p>
+            <a:pPr lvl="1"/>
+            <a:r>
+              <a:rPr lang="en-GB" altLang="en-US" dirty="0" smtClean="0"/>
+              <a:t>Reading around the subject</a:t>
+            </a:r>
+          </a:p>
+          <a:p>
+            <a:pPr lvl="1"/>
+            <a:r>
+              <a:rPr lang="en-GB" altLang="en-US" dirty="0" smtClean="0"/>
+              <a:t>Experimenting (Trial &amp; Error)</a:t>
+            </a:r>
+            <a:endParaRPr lang="en-GB" altLang="en-US" dirty="0" smtClean="0"/>
+          </a:p>
+          <a:p>
+            <a:r>
+              <a:rPr lang="en-GB" altLang="en-US" dirty="0" smtClean="0"/>
+              <a:t>Review Slides</a:t>
+            </a:r>
+          </a:p>
+          <a:p>
+            <a:r>
+              <a:rPr lang="en-GB" altLang="en-US" dirty="0" smtClean="0"/>
+              <a:t>Online Quizzes</a:t>
+            </a:r>
+          </a:p>
+          <a:p>
+            <a:r>
+              <a:rPr lang="en-GB" altLang="en-US" dirty="0" smtClean="0"/>
+              <a:t>Java </a:t>
+            </a:r>
+            <a:r>
+              <a:rPr lang="en-GB" altLang="en-US" dirty="0" smtClean="0"/>
+              <a:t>Exercises</a:t>
+            </a:r>
+          </a:p>
+          <a:p>
+            <a:pPr lvl="1"/>
+            <a:r>
+              <a:rPr lang="en-GB" altLang="en-US" dirty="0" smtClean="0"/>
+              <a:t>Typing Java Code Regularly</a:t>
+            </a:r>
+          </a:p>
+          <a:p>
+            <a:pPr lvl="1"/>
+            <a:r>
+              <a:rPr lang="en-GB" altLang="en-US" dirty="0" smtClean="0"/>
+              <a:t>Intuitive/Natural</a:t>
+            </a:r>
+          </a:p>
+          <a:p>
+            <a:pPr lvl="1"/>
+            <a:r>
+              <a:rPr lang="en-GB" altLang="en-US" dirty="0" smtClean="0"/>
+              <a:t>Avoid `Copy-Pasting’</a:t>
+            </a:r>
+            <a:endParaRPr lang="en-GB" altLang="en-US" dirty="0" smtClean="0"/>
+          </a:p>
+        </p:txBody>
+      </p:sp>
+    </p:spTree>
+  </p:cSld>
+  <p:clrMapOvr>
+    <a:masterClrMapping/>
+  </p:clrMapOvr>
+</p:sld>
+</file>
+
+<file path=ppt/slides/slide39.xml><?xml version="1.0" encoding="utf-8"?>
+<p:sld xmlns:a="http://schemas.openxmlformats.org/drawingml/2006/main" xmlns:r="http://schemas.openxmlformats.org/officeDocument/2006/relationships" xmlns:p="http://schemas.openxmlformats.org/presentationml/2006/main">
+  <p:cSld>
+    <p:spTree>
+      <p:nvGrpSpPr>
+        <p:cNvPr id="1" name=""/>
+        <p:cNvGrpSpPr/>
+        <p:nvPr/>
+      </p:nvGrpSpPr>
+      <p:grpSpPr>
+        <a:xfrm>
+          <a:off x="0" y="0"/>
+          <a:ext cx="0" cy="0"/>
+          <a:chOff x="0" y="0"/>
+          <a:chExt cx="0" cy="0"/>
+        </a:xfrm>
+      </p:grpSpPr>
+      <p:sp>
+        <p:nvSpPr>
+          <p:cNvPr id="50178" name="Title 1"/>
+          <p:cNvSpPr>
+            <a:spLocks noGrp="1"/>
+          </p:cNvSpPr>
+          <p:nvPr>
+            <p:ph type="title"/>
+          </p:nvPr>
+        </p:nvSpPr>
+        <p:spPr>
+          <a:xfrm>
+            <a:off x="685800" y="76200"/>
+            <a:ext cx="7772400" cy="1143000"/>
+          </a:xfrm>
+        </p:spPr>
+        <p:txBody>
+          <a:bodyPr/>
+          <a:lstStyle/>
+          <a:p>
+            <a:r>
+              <a:rPr lang="en-GB" altLang="en-US" smtClean="0"/>
+              <a:t>Today’s Practical</a:t>
+            </a:r>
+          </a:p>
+        </p:txBody>
+      </p:sp>
+      <p:sp>
+        <p:nvSpPr>
+          <p:cNvPr id="3" name="Content Placeholder 2"/>
+          <p:cNvSpPr>
+            <a:spLocks noGrp="1"/>
+          </p:cNvSpPr>
+          <p:nvPr>
+            <p:ph idx="1"/>
+          </p:nvPr>
+        </p:nvSpPr>
+        <p:spPr>
+          <a:xfrm>
+            <a:off x="685800" y="1447800"/>
+            <a:ext cx="7772400" cy="5181600"/>
+          </a:xfrm>
+        </p:spPr>
+        <p:txBody>
+          <a:bodyPr>
+            <a:normAutofit fontScale="70000" lnSpcReduction="20000"/>
+          </a:bodyPr>
+          <a:lstStyle/>
+          <a:p>
+            <a:pPr>
+              <a:defRPr/>
+            </a:pPr>
+            <a:r>
+              <a:rPr lang="en-GB" b="1" dirty="0"/>
+              <a:t>Programming Exercises (Book): </a:t>
+            </a:r>
+          </a:p>
+          <a:p>
+            <a:pPr lvl="1">
+              <a:defRPr/>
+            </a:pPr>
+            <a:r>
+              <a:rPr lang="en-GB" b="1" dirty="0" smtClean="0"/>
+              <a:t>Chapter 12.1-12.5</a:t>
+            </a:r>
+          </a:p>
+          <a:p>
+            <a:pPr lvl="1">
+              <a:defRPr/>
+            </a:pPr>
+            <a:r>
+              <a:rPr lang="en-GB" b="1" dirty="0" smtClean="0"/>
+              <a:t>(</a:t>
+            </a:r>
+            <a:r>
+              <a:rPr lang="en-GB" b="1" dirty="0"/>
+              <a:t>Only code not UML)</a:t>
+            </a:r>
+          </a:p>
+          <a:p>
+            <a:pPr>
+              <a:defRPr/>
+            </a:pPr>
+            <a:endParaRPr lang="en-GB" dirty="0"/>
+          </a:p>
+          <a:p>
+            <a:pPr>
+              <a:defRPr/>
+            </a:pPr>
+            <a:r>
+              <a:rPr lang="en-GB" dirty="0"/>
+              <a:t>Upload single .zip file containing all your java files (only java files).</a:t>
+            </a:r>
+          </a:p>
+          <a:p>
+            <a:pPr lvl="1">
+              <a:defRPr/>
+            </a:pPr>
+            <a:r>
+              <a:rPr lang="en-GB" dirty="0">
+                <a:hlinkClick r:id="rId2"/>
+              </a:rPr>
+              <a:t>www.zjnu.xyz</a:t>
+            </a:r>
+            <a:endParaRPr lang="en-GB" dirty="0"/>
+          </a:p>
+          <a:p>
+            <a:pPr lvl="1">
+              <a:defRPr/>
+            </a:pPr>
+            <a:r>
+              <a:rPr lang="en-GB" dirty="0"/>
+              <a:t>zip file name should be your student number, e.g., 29392929.zip</a:t>
+            </a:r>
+          </a:p>
+          <a:p>
+            <a:pPr>
+              <a:defRPr/>
+            </a:pPr>
+            <a:endParaRPr lang="en-GB" dirty="0"/>
+          </a:p>
+          <a:p>
+            <a:pPr>
+              <a:defRPr/>
+            </a:pPr>
+            <a:r>
+              <a:rPr lang="en-GB" dirty="0"/>
+              <a:t>Remember to </a:t>
+            </a:r>
+            <a:r>
+              <a:rPr lang="en-GB" dirty="0">
+                <a:solidFill>
+                  <a:srgbClr val="FF0000"/>
+                </a:solidFill>
+              </a:rPr>
+              <a:t>comment your code</a:t>
+            </a:r>
+            <a:r>
+              <a:rPr lang="en-GB" dirty="0"/>
+              <a:t>, name/student number at the top of files.</a:t>
+            </a:r>
+          </a:p>
+          <a:p>
+            <a:pPr>
+              <a:defRPr/>
+            </a:pPr>
+            <a:endParaRPr lang="en-GB" dirty="0"/>
+          </a:p>
+          <a:p>
+            <a:pPr>
+              <a:defRPr/>
+            </a:pPr>
+            <a:r>
+              <a:rPr lang="en-GB" dirty="0" smtClean="0"/>
+              <a:t>Organise your files so it’s clear to identify each exercise (e.g., file names/folders)</a:t>
+            </a:r>
+            <a:endParaRPr lang="en-GB" dirty="0"/>
+          </a:p>
+          <a:p>
+            <a:pPr lvl="1">
+              <a:defRPr/>
+            </a:pPr>
+            <a:r>
+              <a:rPr lang="en-GB" dirty="0" smtClean="0"/>
+              <a:t>ch12_1.java</a:t>
+            </a:r>
+            <a:r>
+              <a:rPr lang="en-GB" dirty="0"/>
+              <a:t>, </a:t>
+            </a:r>
+            <a:r>
+              <a:rPr lang="en-GB" dirty="0" smtClean="0"/>
+              <a:t>ch12_2.java</a:t>
+            </a:r>
+            <a:r>
+              <a:rPr lang="en-GB" dirty="0"/>
+              <a:t>, …</a:t>
+            </a:r>
+          </a:p>
+          <a:p>
+            <a:pPr marL="0" indent="0">
+              <a:buFontTx/>
+              <a:buNone/>
+              <a:defRPr/>
+            </a:pPr>
+            <a:endParaRPr lang="en-GB" dirty="0"/>
+          </a:p>
+        </p:txBody>
+      </p:sp>
+    </p:spTree>
+    <p:extLst>
+      <p:ext uri="{BB962C8B-B14F-4D97-AF65-F5344CB8AC3E}">
+        <p14:creationId xmlns:p14="http://schemas.microsoft.com/office/powerpoint/2010/main" val="3561413903"/>
+      </p:ext>
+    </p:extLst>
+  </p:cSld>
+  <p:clrMapOvr>
+    <a:masterClrMapping/>
+  </p:clrMapOvr>
 </p:sld>
 </file>
 
@@ -7798,6 +8748,81 @@
   <p:clrMapOvr>
     <a:masterClrMapping/>
   </p:clrMapOvr>
+</p:sld>
+</file>
+
+<file path=ppt/slides/slide40.xml><?xml version="1.0" encoding="utf-8"?>
+<p:sld xmlns:a="http://schemas.openxmlformats.org/drawingml/2006/main" xmlns:r="http://schemas.openxmlformats.org/officeDocument/2006/relationships" xmlns:p="http://schemas.openxmlformats.org/presentationml/2006/main">
+  <p:cSld>
+    <p:spTree>
+      <p:nvGrpSpPr>
+        <p:cNvPr id="1" name=""/>
+        <p:cNvGrpSpPr/>
+        <p:nvPr/>
+      </p:nvGrpSpPr>
+      <p:grpSpPr>
+        <a:xfrm>
+          <a:off x="0" y="0"/>
+          <a:ext cx="0" cy="0"/>
+          <a:chOff x="0" y="0"/>
+          <a:chExt cx="0" cy="0"/>
+        </a:xfrm>
+      </p:grpSpPr>
+      <p:sp>
+        <p:nvSpPr>
+          <p:cNvPr id="38914" name="Title 1"/>
+          <p:cNvSpPr>
+            <a:spLocks noGrp="1"/>
+          </p:cNvSpPr>
+          <p:nvPr>
+            <p:ph type="title"/>
+          </p:nvPr>
+        </p:nvSpPr>
+        <p:spPr/>
+        <p:txBody>
+          <a:bodyPr/>
+          <a:lstStyle/>
+          <a:p>
+            <a:pPr eaLnBrk="1" hangingPunct="1"/>
+            <a:r>
+              <a:rPr lang="en-GB" altLang="en-US" smtClean="0"/>
+              <a:t>Questions/Discussion</a:t>
+            </a:r>
+          </a:p>
+        </p:txBody>
+      </p:sp>
+      <p:sp>
+        <p:nvSpPr>
+          <p:cNvPr id="38915" name="Content Placeholder 2"/>
+          <p:cNvSpPr>
+            <a:spLocks noGrp="1"/>
+          </p:cNvSpPr>
+          <p:nvPr>
+            <p:ph idx="1"/>
+          </p:nvPr>
+        </p:nvSpPr>
+        <p:spPr/>
+        <p:txBody>
+          <a:bodyPr/>
+          <a:lstStyle/>
+          <a:p>
+            <a:pPr eaLnBrk="1" hangingPunct="1"/>
+            <a:endParaRPr lang="en-GB" altLang="en-US" smtClean="0"/>
+          </a:p>
+        </p:txBody>
+      </p:sp>
+    </p:spTree>
+  </p:cSld>
+  <p:clrMapOvr>
+    <a:masterClrMapping/>
+  </p:clrMapOvr>
+  <p:timing>
+    <p:tnLst>
+      <p:par>
+        <p:cTn id="1" dur="indefinite" restart="never" nodeType="tmRoot"/>
+      </p:par>
+    </p:tnLst>
+  </p:timing>
 </p:sld>
 </file>
 

--- a/OOP/lectures/070--GUI.Basics.pptx
+++ b/OOP/lectures/070--GUI.Basics.pptx
@@ -5,7 +5,7 @@
     <p:sldMasterId id="2147483648" r:id="rId1"/>
   </p:sldMasterIdLst>
   <p:notesMasterIdLst>
-    <p:notesMasterId r:id="rId42"/>
+    <p:notesMasterId r:id="rId45"/>
   </p:notesMasterIdLst>
   <p:sldIdLst>
     <p:sldId id="267" r:id="rId2"/>
@@ -13,41 +13,44 @@
     <p:sldId id="276" r:id="rId4"/>
     <p:sldId id="300" r:id="rId5"/>
     <p:sldId id="301" r:id="rId6"/>
-    <p:sldId id="304" r:id="rId7"/>
-    <p:sldId id="305" r:id="rId8"/>
-    <p:sldId id="277" r:id="rId9"/>
-    <p:sldId id="278" r:id="rId10"/>
-    <p:sldId id="306" r:id="rId11"/>
-    <p:sldId id="307" r:id="rId12"/>
-    <p:sldId id="302" r:id="rId13"/>
-    <p:sldId id="280" r:id="rId14"/>
-    <p:sldId id="308" r:id="rId15"/>
-    <p:sldId id="281" r:id="rId16"/>
-    <p:sldId id="309" r:id="rId17"/>
-    <p:sldId id="310" r:id="rId18"/>
-    <p:sldId id="311" r:id="rId19"/>
-    <p:sldId id="283" r:id="rId20"/>
-    <p:sldId id="284" r:id="rId21"/>
-    <p:sldId id="285" r:id="rId22"/>
-    <p:sldId id="286" r:id="rId23"/>
-    <p:sldId id="287" r:id="rId24"/>
-    <p:sldId id="288" r:id="rId25"/>
-    <p:sldId id="289" r:id="rId26"/>
-    <p:sldId id="290" r:id="rId27"/>
-    <p:sldId id="291" r:id="rId28"/>
-    <p:sldId id="292" r:id="rId29"/>
-    <p:sldId id="312" r:id="rId30"/>
-    <p:sldId id="293" r:id="rId31"/>
-    <p:sldId id="294" r:id="rId32"/>
-    <p:sldId id="295" r:id="rId33"/>
-    <p:sldId id="296" r:id="rId34"/>
-    <p:sldId id="297" r:id="rId35"/>
-    <p:sldId id="298" r:id="rId36"/>
-    <p:sldId id="299" r:id="rId37"/>
-    <p:sldId id="272" r:id="rId38"/>
-    <p:sldId id="275" r:id="rId39"/>
-    <p:sldId id="303" r:id="rId40"/>
-    <p:sldId id="268" r:id="rId41"/>
+    <p:sldId id="314" r:id="rId7"/>
+    <p:sldId id="315" r:id="rId8"/>
+    <p:sldId id="304" r:id="rId9"/>
+    <p:sldId id="305" r:id="rId10"/>
+    <p:sldId id="277" r:id="rId11"/>
+    <p:sldId id="278" r:id="rId12"/>
+    <p:sldId id="306" r:id="rId13"/>
+    <p:sldId id="307" r:id="rId14"/>
+    <p:sldId id="302" r:id="rId15"/>
+    <p:sldId id="280" r:id="rId16"/>
+    <p:sldId id="308" r:id="rId17"/>
+    <p:sldId id="281" r:id="rId18"/>
+    <p:sldId id="309" r:id="rId19"/>
+    <p:sldId id="310" r:id="rId20"/>
+    <p:sldId id="311" r:id="rId21"/>
+    <p:sldId id="283" r:id="rId22"/>
+    <p:sldId id="284" r:id="rId23"/>
+    <p:sldId id="285" r:id="rId24"/>
+    <p:sldId id="286" r:id="rId25"/>
+    <p:sldId id="287" r:id="rId26"/>
+    <p:sldId id="288" r:id="rId27"/>
+    <p:sldId id="289" r:id="rId28"/>
+    <p:sldId id="313" r:id="rId29"/>
+    <p:sldId id="290" r:id="rId30"/>
+    <p:sldId id="291" r:id="rId31"/>
+    <p:sldId id="292" r:id="rId32"/>
+    <p:sldId id="312" r:id="rId33"/>
+    <p:sldId id="293" r:id="rId34"/>
+    <p:sldId id="294" r:id="rId35"/>
+    <p:sldId id="295" r:id="rId36"/>
+    <p:sldId id="296" r:id="rId37"/>
+    <p:sldId id="297" r:id="rId38"/>
+    <p:sldId id="298" r:id="rId39"/>
+    <p:sldId id="299" r:id="rId40"/>
+    <p:sldId id="272" r:id="rId41"/>
+    <p:sldId id="275" r:id="rId42"/>
+    <p:sldId id="303" r:id="rId43"/>
+    <p:sldId id="268" r:id="rId44"/>
   </p:sldIdLst>
   <p:sldSz cx="9144000" cy="6858000" type="screen4x3"/>
   <p:notesSz cx="6858000" cy="9144000"/>
@@ -3921,7 +3924,7 @@
       </p:grpSpPr>
       <p:sp>
         <p:nvSpPr>
-          <p:cNvPr id="2" name="Title 1"/>
+          <p:cNvPr id="14338" name="Title 1"/>
           <p:cNvSpPr>
             <a:spLocks noGrp="1"/>
           </p:cNvSpPr>
@@ -3935,16 +3938,15 @@
           <a:lstStyle/>
           <a:p>
             <a:r>
-              <a:rPr lang="en-GB" dirty="0" smtClean="0"/>
-              <a:t>Question</a:t>
-            </a:r>
-            <a:endParaRPr lang="en-GB" dirty="0"/>
-          </a:p>
-        </p:txBody>
-      </p:sp>
-      <p:sp>
-        <p:nvSpPr>
-          <p:cNvPr id="3" name="Content Placeholder 2"/>
+              <a:rPr lang="en-GB" altLang="en-US" smtClean="0"/>
+              <a:t>GUI Overview</a:t>
+            </a:r>
+          </a:p>
+        </p:txBody>
+      </p:sp>
+      <p:sp>
+        <p:nvSpPr>
+          <p:cNvPr id="14339" name="Content Placeholder 2"/>
           <p:cNvSpPr>
             <a:spLocks noGrp="1"/>
           </p:cNvSpPr>
@@ -3958,65 +3960,55 @@
           <a:lstStyle/>
           <a:p>
             <a:r>
-              <a:rPr lang="en-GB" dirty="0" smtClean="0"/>
-              <a:t>Java development classes ‘</a:t>
-            </a:r>
-            <a:r>
-              <a:rPr lang="en-GB" i="1" dirty="0" smtClean="0"/>
-              <a:t>AWT</a:t>
-            </a:r>
-            <a:r>
-              <a:rPr lang="en-GB" dirty="0" smtClean="0"/>
-              <a:t>’ stands for:</a:t>
-            </a:r>
-          </a:p>
-          <a:p>
-            <a:endParaRPr lang="en-GB" dirty="0"/>
-          </a:p>
-          <a:p>
-            <a:pPr marL="0" indent="0">
-              <a:buNone/>
-            </a:pPr>
-            <a:r>
-              <a:rPr lang="en-GB" dirty="0" smtClean="0"/>
-              <a:t>a) Amazing Work Tower</a:t>
-            </a:r>
-          </a:p>
-          <a:p>
-            <a:pPr marL="0" indent="0">
-              <a:buNone/>
-            </a:pPr>
-            <a:r>
-              <a:rPr lang="en-GB" dirty="0" smtClean="0"/>
-              <a:t>b) Action Window Thread</a:t>
-            </a:r>
-          </a:p>
-          <a:p>
-            <a:pPr marL="0" indent="0">
-              <a:buNone/>
-            </a:pPr>
-            <a:r>
-              <a:rPr lang="en-GB" dirty="0" smtClean="0"/>
-              <a:t>c) Abstract Worker Thread</a:t>
-            </a:r>
-          </a:p>
-          <a:p>
-            <a:pPr marL="0" indent="0">
-              <a:buNone/>
-            </a:pPr>
-            <a:r>
-              <a:rPr lang="en-GB" dirty="0"/>
-              <a:t>d) Abstract Windowing Toolkit </a:t>
+              <a:rPr lang="en-GB" altLang="en-US" smtClean="0"/>
+              <a:t>To create a Java GUI, you need to understand</a:t>
+            </a:r>
+          </a:p>
+          <a:p>
+            <a:pPr lvl="1"/>
+            <a:r>
+              <a:rPr lang="en-GB" altLang="en-US" smtClean="0"/>
+              <a:t>Containers</a:t>
+            </a:r>
+          </a:p>
+          <a:p>
+            <a:pPr lvl="1"/>
+            <a:r>
+              <a:rPr lang="en-GB" altLang="en-US" smtClean="0"/>
+              <a:t>Event</a:t>
+            </a:r>
+          </a:p>
+          <a:p>
+            <a:pPr lvl="1"/>
+            <a:r>
+              <a:rPr lang="en-GB" altLang="en-US" smtClean="0"/>
+              <a:t>Event Handlers</a:t>
+            </a:r>
+          </a:p>
+          <a:p>
+            <a:pPr lvl="1"/>
+            <a:r>
+              <a:rPr lang="en-GB" altLang="en-US" smtClean="0"/>
+              <a:t>Layout managers</a:t>
+            </a:r>
+          </a:p>
+          <a:p>
+            <a:pPr lvl="1"/>
+            <a:r>
+              <a:rPr lang="en-GB" altLang="en-US" smtClean="0"/>
+              <a:t>Components</a:t>
+            </a:r>
+          </a:p>
+          <a:p>
+            <a:pPr lvl="1"/>
+            <a:r>
+              <a:rPr lang="en-GB" altLang="en-US" smtClean="0"/>
+              <a:t>Special features</a:t>
             </a:r>
           </a:p>
         </p:txBody>
       </p:sp>
     </p:spTree>
-    <p:extLst>
-      <p:ext uri="{BB962C8B-B14F-4D97-AF65-F5344CB8AC3E}">
-        <p14:creationId xmlns:p14="http://schemas.microsoft.com/office/powerpoint/2010/main" val="3370705544"/>
-      </p:ext>
-    </p:extLst>
   </p:cSld>
   <p:clrMapOvr>
     <a:masterClrMapping/>
@@ -4043,7 +4035,7 @@
       </p:grpSpPr>
       <p:sp>
         <p:nvSpPr>
-          <p:cNvPr id="2" name="Title 1"/>
+          <p:cNvPr id="15362" name="Title 1"/>
           <p:cNvSpPr>
             <a:spLocks noGrp="1"/>
           </p:cNvSpPr>
@@ -4057,10 +4049,9 @@
           <a:lstStyle/>
           <a:p>
             <a:r>
-              <a:rPr lang="en-GB" dirty="0" smtClean="0"/>
-              <a:t>Answer</a:t>
-            </a:r>
-            <a:endParaRPr lang="en-GB" dirty="0"/>
+              <a:rPr lang="en-GB" altLang="en-US" smtClean="0"/>
+              <a:t>AWT and JFC/Swing</a:t>
+            </a:r>
           </a:p>
         </p:txBody>
       </p:sp>
@@ -4074,30 +4065,135 @@
             <p:ph idx="1"/>
           </p:nvPr>
         </p:nvSpPr>
-        <p:spPr/>
-        <p:txBody>
-          <a:bodyPr/>
+        <p:spPr>
+          <a:xfrm>
+            <a:off x="685800" y="1981200"/>
+            <a:ext cx="7772400" cy="4343400"/>
+          </a:xfrm>
+        </p:spPr>
+        <p:txBody>
+          <a:bodyPr>
+            <a:normAutofit fontScale="77500" lnSpcReduction="20000"/>
+          </a:bodyPr>
           <a:lstStyle/>
           <a:p>
+            <a:pPr>
+              <a:defRPr/>
+            </a:pPr>
+            <a:r>
+              <a:rPr lang="en-GB" dirty="0" smtClean="0"/>
+              <a:t>Early Java development used graphic classes defined in</a:t>
+            </a:r>
             <a:r>
               <a:rPr lang="en-GB" dirty="0"/>
-              <a:t>d) Abstract Windowing Toolkit </a:t>
-            </a:r>
-          </a:p>
-          <a:p>
-            <a:pPr marL="0" indent="0">
-              <a:buNone/>
-            </a:pPr>
-            <a:endParaRPr lang="en-GB" dirty="0"/>
+              <a:t> </a:t>
+            </a:r>
+            <a:r>
+              <a:rPr lang="en-GB" dirty="0" smtClean="0"/>
+              <a:t>the Abstract Windowing Toolkit (</a:t>
+            </a:r>
+            <a:r>
+              <a:rPr lang="en-GB" i="1" dirty="0" smtClean="0"/>
+              <a:t>AWT</a:t>
+            </a:r>
+            <a:r>
+              <a:rPr lang="en-GB" dirty="0" smtClean="0"/>
+              <a:t>)</a:t>
+            </a:r>
+          </a:p>
+          <a:p>
+            <a:pPr lvl="1">
+              <a:defRPr/>
+            </a:pPr>
+            <a:r>
+              <a:rPr lang="en-GB" dirty="0" smtClean="0"/>
+              <a:t>See the </a:t>
+            </a:r>
+            <a:r>
+              <a:rPr lang="en-GB" dirty="0" err="1" smtClean="0">
+                <a:solidFill>
+                  <a:srgbClr val="FF0000"/>
+                </a:solidFill>
+              </a:rPr>
+              <a:t>java.awt</a:t>
+            </a:r>
+            <a:r>
+              <a:rPr lang="en-GB" dirty="0" smtClean="0"/>
+              <a:t> packages.</a:t>
+            </a:r>
+          </a:p>
+          <a:p>
+            <a:pPr>
+              <a:defRPr/>
+            </a:pPr>
+            <a:r>
+              <a:rPr lang="en-GB" dirty="0" smtClean="0"/>
+              <a:t>Java 2 introduced the JFC/Swing classes</a:t>
+            </a:r>
+          </a:p>
+          <a:p>
+            <a:pPr lvl="1">
+              <a:defRPr/>
+            </a:pPr>
+            <a:r>
+              <a:rPr lang="en-GB" dirty="0" smtClean="0"/>
+              <a:t>See the </a:t>
+            </a:r>
+            <a:r>
+              <a:rPr lang="en-GB" dirty="0" err="1" smtClean="0">
+                <a:solidFill>
+                  <a:srgbClr val="FF0000"/>
+                </a:solidFill>
+              </a:rPr>
+              <a:t>javax.swing</a:t>
+            </a:r>
+            <a:r>
+              <a:rPr lang="en-GB" dirty="0" smtClean="0"/>
+              <a:t> packages</a:t>
+            </a:r>
+          </a:p>
+          <a:p>
+            <a:pPr>
+              <a:defRPr/>
+            </a:pPr>
+            <a:r>
+              <a:rPr lang="en-GB" dirty="0" smtClean="0"/>
+              <a:t>Many AWT components have similar Swing counterparts</a:t>
+            </a:r>
+          </a:p>
+          <a:p>
+            <a:pPr lvl="1">
+              <a:defRPr/>
+            </a:pPr>
+            <a:r>
+              <a:rPr lang="en-GB" dirty="0" smtClean="0"/>
+              <a:t>An example, the AWT Button class corresponds to a more versatile Swing class called </a:t>
+            </a:r>
+            <a:r>
+              <a:rPr lang="en-GB" dirty="0" err="1" smtClean="0">
+                <a:solidFill>
+                  <a:srgbClr val="FF0000"/>
+                </a:solidFill>
+              </a:rPr>
+              <a:t>JButton</a:t>
+            </a:r>
+            <a:r>
+              <a:rPr lang="en-GB" dirty="0" smtClean="0"/>
+              <a:t>.</a:t>
+            </a:r>
+          </a:p>
+          <a:p>
+            <a:pPr>
+              <a:defRPr/>
+            </a:pPr>
+            <a:r>
+              <a:rPr lang="en-GB" dirty="0" smtClean="0"/>
+              <a:t>Swing does not generally replace the AWT; still use AWT for events and the underlying AWT event processing model</a:t>
+            </a:r>
           </a:p>
         </p:txBody>
       </p:sp>
     </p:spTree>
-    <p:extLst>
-      <p:ext uri="{BB962C8B-B14F-4D97-AF65-F5344CB8AC3E}">
-        <p14:creationId xmlns:p14="http://schemas.microsoft.com/office/powerpoint/2010/main" val="960757143"/>
-      </p:ext>
-    </p:extLst>
   </p:cSld>
   <p:clrMapOvr>
     <a:masterClrMapping/>
@@ -4124,7 +4220,7 @@
       </p:grpSpPr>
       <p:sp>
         <p:nvSpPr>
-          <p:cNvPr id="35842" name="Title 1"/>
+          <p:cNvPr id="2" name="Title 1"/>
           <p:cNvSpPr>
             <a:spLocks noGrp="1"/>
           </p:cNvSpPr>
@@ -4132,26 +4228,22 @@
             <p:ph type="title"/>
           </p:nvPr>
         </p:nvSpPr>
-        <p:spPr>
-          <a:xfrm>
-            <a:off x="457199" y="609600"/>
-            <a:ext cx="8201025" cy="1371600"/>
-          </a:xfrm>
-        </p:spPr>
+        <p:spPr/>
         <p:txBody>
           <a:bodyPr/>
           <a:lstStyle/>
           <a:p>
             <a:r>
-              <a:rPr lang="en-GB" altLang="en-US" dirty="0" smtClean="0"/>
-              <a:t>Standard GUI Components used to Create User Interfaces (Swing)</a:t>
-            </a:r>
-          </a:p>
-        </p:txBody>
-      </p:sp>
-      <p:sp>
-        <p:nvSpPr>
-          <p:cNvPr id="35843" name="Content Placeholder 2"/>
+              <a:rPr lang="en-GB" dirty="0" smtClean="0"/>
+              <a:t>Question</a:t>
+            </a:r>
+            <a:endParaRPr lang="en-GB" dirty="0"/>
+          </a:p>
+        </p:txBody>
+      </p:sp>
+      <p:sp>
+        <p:nvSpPr>
+          <p:cNvPr id="3" name="Content Placeholder 2"/>
           <p:cNvSpPr>
             <a:spLocks noGrp="1"/>
           </p:cNvSpPr>
@@ -4164,68 +4256,64 @@
           <a:bodyPr/>
           <a:lstStyle/>
           <a:p>
-            <a:endParaRPr lang="en-GB" altLang="en-US" smtClean="0"/>
-          </a:p>
-        </p:txBody>
-      </p:sp>
-      <p:pic>
-        <p:nvPicPr>
-          <p:cNvPr id="35844" name="Picture 3"/>
-          <p:cNvPicPr>
-            <a:picLocks noChangeAspect="1"/>
-          </p:cNvPicPr>
-          <p:nvPr/>
-        </p:nvPicPr>
-        <p:blipFill>
-          <a:blip r:embed="rId2">
-            <a:extLst>
-              <a:ext uri="{28A0092B-C50C-407E-A947-70E740481C1C}">
-                <a14:useLocalDpi xmlns:a14="http://schemas.microsoft.com/office/drawing/2010/main" val="0"/>
-              </a:ext>
-            </a:extLst>
-          </a:blip>
-          <a:srcRect/>
-          <a:stretch>
-            <a:fillRect/>
-          </a:stretch>
-        </p:blipFill>
-        <p:spPr bwMode="auto">
-          <a:xfrm>
-            <a:off x="304800" y="2590800"/>
-            <a:ext cx="8353425" cy="3733800"/>
-          </a:xfrm>
-          <a:prstGeom prst="rect">
-            <a:avLst/>
-          </a:prstGeom>
-          <a:noFill/>
-          <a:ln>
-            <a:noFill/>
-          </a:ln>
-          <a:extLst>
-            <a:ext uri="{909E8E84-426E-40DD-AFC4-6F175D3DCCD1}">
-              <a14:hiddenFill xmlns:a14="http://schemas.microsoft.com/office/drawing/2010/main">
-                <a:solidFill>
-                  <a:srgbClr val="FFFFFF"/>
-                </a:solidFill>
-              </a14:hiddenFill>
-            </a:ext>
-            <a:ext uri="{91240B29-F687-4F45-9708-019B960494DF}">
-              <a14:hiddenLine xmlns:a14="http://schemas.microsoft.com/office/drawing/2010/main" w="9525">
-                <a:solidFill>
-                  <a:srgbClr val="000000"/>
-                </a:solidFill>
-                <a:miter lim="800000"/>
-                <a:headEnd/>
-                <a:tailEnd/>
-              </a14:hiddenLine>
-            </a:ext>
-          </a:extLst>
-        </p:spPr>
-      </p:pic>
+            <a:r>
+              <a:rPr lang="en-GB" dirty="0" smtClean="0"/>
+              <a:t>Java development classes ‘</a:t>
+            </a:r>
+            <a:r>
+              <a:rPr lang="en-GB" i="1" dirty="0" smtClean="0"/>
+              <a:t>AWT</a:t>
+            </a:r>
+            <a:r>
+              <a:rPr lang="en-GB" dirty="0" smtClean="0"/>
+              <a:t>’ stands for:</a:t>
+            </a:r>
+          </a:p>
+          <a:p>
+            <a:endParaRPr lang="en-GB" dirty="0"/>
+          </a:p>
+          <a:p>
+            <a:pPr marL="0" indent="0">
+              <a:buNone/>
+            </a:pPr>
+            <a:r>
+              <a:rPr lang="en-GB" dirty="0" smtClean="0"/>
+              <a:t>a) Amazing Work Tower</a:t>
+            </a:r>
+          </a:p>
+          <a:p>
+            <a:pPr marL="0" indent="0">
+              <a:buNone/>
+            </a:pPr>
+            <a:r>
+              <a:rPr lang="en-GB" dirty="0" smtClean="0"/>
+              <a:t>b) Action Window Thread</a:t>
+            </a:r>
+          </a:p>
+          <a:p>
+            <a:pPr marL="0" indent="0">
+              <a:buNone/>
+            </a:pPr>
+            <a:r>
+              <a:rPr lang="en-GB" dirty="0" smtClean="0"/>
+              <a:t>c) Abstract Worker Thread</a:t>
+            </a:r>
+          </a:p>
+          <a:p>
+            <a:pPr marL="0" indent="0">
+              <a:buNone/>
+            </a:pPr>
+            <a:r>
+              <a:rPr lang="en-GB" dirty="0"/>
+              <a:t>d) Abstract Windowing Toolkit </a:t>
+            </a:r>
+          </a:p>
+        </p:txBody>
+      </p:sp>
     </p:spTree>
     <p:extLst>
       <p:ext uri="{BB962C8B-B14F-4D97-AF65-F5344CB8AC3E}">
-        <p14:creationId xmlns:p14="http://schemas.microsoft.com/office/powerpoint/2010/main" val="2407066035"/>
+        <p14:creationId xmlns:p14="http://schemas.microsoft.com/office/powerpoint/2010/main" val="3370705544"/>
       </p:ext>
     </p:extLst>
   </p:cSld>
@@ -4254,7 +4342,7 @@
       </p:grpSpPr>
       <p:sp>
         <p:nvSpPr>
-          <p:cNvPr id="16386" name="Title 1"/>
+          <p:cNvPr id="2" name="Title 1"/>
           <p:cNvSpPr>
             <a:spLocks noGrp="1"/>
           </p:cNvSpPr>
@@ -4262,20 +4350,16 @@
             <p:ph type="title"/>
           </p:nvPr>
         </p:nvSpPr>
-        <p:spPr>
-          <a:xfrm>
-            <a:off x="685800" y="228600"/>
-            <a:ext cx="7772400" cy="1143000"/>
-          </a:xfrm>
-        </p:spPr>
+        <p:spPr/>
         <p:txBody>
           <a:bodyPr/>
           <a:lstStyle/>
           <a:p>
             <a:r>
-              <a:rPr lang="en-GB" altLang="en-US" dirty="0" smtClean="0"/>
-              <a:t>Containers</a:t>
-            </a:r>
+              <a:rPr lang="en-GB" dirty="0" smtClean="0"/>
+              <a:t>Answer</a:t>
+            </a:r>
+            <a:endParaRPr lang="en-GB" dirty="0"/>
           </a:p>
         </p:txBody>
       </p:sp>
@@ -4289,115 +4373,30 @@
             <p:ph idx="1"/>
           </p:nvPr>
         </p:nvSpPr>
-        <p:spPr>
-          <a:xfrm>
-            <a:off x="685800" y="1600200"/>
-            <a:ext cx="7772400" cy="4876800"/>
-          </a:xfrm>
-        </p:spPr>
-        <p:txBody>
-          <a:bodyPr>
-            <a:normAutofit fontScale="85000" lnSpcReduction="20000"/>
-          </a:bodyPr>
+        <p:spPr/>
+        <p:txBody>
+          <a:bodyPr/>
           <a:lstStyle/>
           <a:p>
-            <a:pPr>
-              <a:defRPr/>
-            </a:pPr>
-            <a:r>
-              <a:rPr lang="en-GB" dirty="0" smtClean="0"/>
-              <a:t>A container is a special component that can hold other components</a:t>
-            </a:r>
-          </a:p>
-          <a:p>
-            <a:pPr>
-              <a:defRPr/>
-            </a:pPr>
-            <a:r>
-              <a:rPr lang="en-GB" dirty="0" smtClean="0"/>
-              <a:t>The AWT class, as well as the Swing class, are containers</a:t>
-            </a:r>
-          </a:p>
-          <a:p>
-            <a:pPr>
-              <a:defRPr/>
-            </a:pPr>
-            <a:r>
-              <a:rPr lang="en-GB" dirty="0" smtClean="0"/>
-              <a:t>Other containers include</a:t>
-            </a:r>
-          </a:p>
-          <a:p>
-            <a:pPr lvl="1">
-              <a:defRPr/>
-            </a:pPr>
-            <a:r>
-              <a:rPr lang="en-GB" b="1" dirty="0" smtClean="0">
-                <a:solidFill>
-                  <a:srgbClr val="FF0000"/>
-                </a:solidFill>
-              </a:rPr>
-              <a:t>Frames</a:t>
-            </a:r>
-          </a:p>
-          <a:p>
-            <a:pPr lvl="2">
-              <a:defRPr/>
-            </a:pPr>
-            <a:r>
-              <a:rPr lang="en-GB" dirty="0" smtClean="0"/>
-              <a:t>A frame is a container that is free standing and can be positioned anywhere on the screen.</a:t>
-            </a:r>
-          </a:p>
-          <a:p>
-            <a:pPr lvl="2">
-              <a:defRPr/>
-            </a:pPr>
-            <a:r>
-              <a:rPr lang="en-GB" dirty="0" smtClean="0"/>
-              <a:t>Frames give the ability to do graphics and GUIs through applications</a:t>
-            </a:r>
-          </a:p>
-          <a:p>
-            <a:pPr lvl="1">
-              <a:defRPr/>
-            </a:pPr>
-            <a:r>
-              <a:rPr lang="en-GB" dirty="0" smtClean="0"/>
-              <a:t>Dialog boxes</a:t>
-            </a:r>
-          </a:p>
-          <a:p>
-            <a:pPr lvl="1">
-              <a:defRPr/>
-            </a:pPr>
-            <a:r>
-              <a:rPr lang="en-GB" dirty="0" smtClean="0"/>
-              <a:t>Panels</a:t>
-            </a:r>
-          </a:p>
-          <a:p>
-            <a:pPr lvl="1">
-              <a:defRPr/>
-            </a:pPr>
-            <a:r>
-              <a:rPr lang="en-GB" dirty="0" smtClean="0"/>
-              <a:t>Panes</a:t>
-            </a:r>
-          </a:p>
-          <a:p>
-            <a:pPr lvl="1">
-              <a:defRPr/>
-            </a:pPr>
-            <a:r>
-              <a:rPr lang="en-GB" dirty="0" smtClean="0"/>
-              <a:t>Toolbars</a:t>
-            </a:r>
+            <a:r>
+              <a:rPr lang="en-GB" dirty="0"/>
+              <a:t>d) Abstract Windowing Toolkit </a:t>
+            </a:r>
+          </a:p>
+          <a:p>
+            <a:pPr marL="0" indent="0">
+              <a:buNone/>
+            </a:pPr>
             <a:endParaRPr lang="en-GB" dirty="0"/>
           </a:p>
         </p:txBody>
       </p:sp>
     </p:spTree>
+    <p:extLst>
+      <p:ext uri="{BB962C8B-B14F-4D97-AF65-F5344CB8AC3E}">
+        <p14:creationId xmlns:p14="http://schemas.microsoft.com/office/powerpoint/2010/main" val="960757143"/>
+      </p:ext>
+    </p:extLst>
   </p:cSld>
   <p:clrMapOvr>
     <a:masterClrMapping/>
@@ -4424,7 +4423,7 @@
       </p:grpSpPr>
       <p:sp>
         <p:nvSpPr>
-          <p:cNvPr id="2" name="Title 1"/>
+          <p:cNvPr id="35842" name="Title 1"/>
           <p:cNvSpPr>
             <a:spLocks noGrp="1"/>
           </p:cNvSpPr>
@@ -4434,8 +4433,8 @@
         </p:nvSpPr>
         <p:spPr>
           <a:xfrm>
-            <a:off x="685800" y="212352"/>
-            <a:ext cx="7772400" cy="1143000"/>
+            <a:off x="457199" y="609600"/>
+            <a:ext cx="8201025" cy="1371600"/>
           </a:xfrm>
         </p:spPr>
         <p:txBody>
@@ -4443,16 +4442,15 @@
           <a:lstStyle/>
           <a:p>
             <a:r>
-              <a:rPr lang="en-GB" dirty="0" smtClean="0"/>
-              <a:t>Example</a:t>
-            </a:r>
-            <a:endParaRPr lang="en-GB" dirty="0"/>
-          </a:p>
-        </p:txBody>
-      </p:sp>
-      <p:sp>
-        <p:nvSpPr>
-          <p:cNvPr id="3" name="Content Placeholder 2"/>
+              <a:rPr lang="en-GB" altLang="en-US" dirty="0" smtClean="0"/>
+              <a:t>Standard GUI Components used to Create User Interfaces (Swing)</a:t>
+            </a:r>
+          </a:p>
+        </p:txBody>
+      </p:sp>
+      <p:sp>
+        <p:nvSpPr>
+          <p:cNvPr id="35843" name="Content Placeholder 2"/>
           <p:cNvSpPr>
             <a:spLocks noGrp="1"/>
           </p:cNvSpPr>
@@ -4460,140 +4458,73 @@
             <p:ph idx="1"/>
           </p:nvPr>
         </p:nvSpPr>
-        <p:spPr>
-          <a:xfrm>
-            <a:off x="685800" y="1600200"/>
-            <a:ext cx="7772400" cy="4114800"/>
-          </a:xfrm>
-        </p:spPr>
+        <p:spPr/>
         <p:txBody>
           <a:bodyPr/>
           <a:lstStyle/>
           <a:p>
-            <a:r>
-              <a:rPr lang="en-GB" dirty="0" smtClean="0"/>
-              <a:t>Creating a Simple Frame</a:t>
-            </a:r>
-            <a:endParaRPr lang="en-GB" dirty="0"/>
+            <a:endParaRPr lang="en-GB" altLang="en-US" smtClean="0"/>
           </a:p>
         </p:txBody>
       </p:sp>
       <p:pic>
         <p:nvPicPr>
-          <p:cNvPr id="4" name="Picture 3"/>
+          <p:cNvPr id="35844" name="Picture 3"/>
           <p:cNvPicPr>
             <a:picLocks noChangeAspect="1"/>
           </p:cNvPicPr>
           <p:nvPr/>
         </p:nvPicPr>
         <p:blipFill>
-          <a:blip r:embed="rId2"/>
+          <a:blip r:embed="rId2">
+            <a:extLst>
+              <a:ext uri="{28A0092B-C50C-407E-A947-70E740481C1C}">
+                <a14:useLocalDpi xmlns:a14="http://schemas.microsoft.com/office/drawing/2010/main" val="0"/>
+              </a:ext>
+            </a:extLst>
+          </a:blip>
+          <a:srcRect/>
           <a:stretch>
             <a:fillRect/>
           </a:stretch>
         </p:blipFill>
-        <p:spPr>
-          <a:xfrm>
-            <a:off x="1174750" y="2209800"/>
-            <a:ext cx="6267450" cy="2505075"/>
-          </a:xfrm>
-          <a:prstGeom prst="rect">
-            <a:avLst/>
-          </a:prstGeom>
-        </p:spPr>
-      </p:pic>
-      <p:pic>
-        <p:nvPicPr>
-          <p:cNvPr id="5" name="Picture 4"/>
-          <p:cNvPicPr>
-            <a:picLocks noChangeAspect="1"/>
-          </p:cNvPicPr>
-          <p:nvPr/>
-        </p:nvPicPr>
-        <p:blipFill>
-          <a:blip r:embed="rId3"/>
-          <a:stretch>
-            <a:fillRect/>
-          </a:stretch>
-        </p:blipFill>
-        <p:spPr>
-          <a:xfrm>
-            <a:off x="5899150" y="4382247"/>
-            <a:ext cx="3048000" cy="2323353"/>
-          </a:xfrm>
-          <a:prstGeom prst="rect">
-            <a:avLst/>
-          </a:prstGeom>
-        </p:spPr>
-      </p:pic>
-      <p:sp>
-        <p:nvSpPr>
-          <p:cNvPr id="6" name="TextBox 5"/>
-          <p:cNvSpPr txBox="1"/>
-          <p:nvPr/>
-        </p:nvSpPr>
-        <p:spPr>
-          <a:xfrm>
-            <a:off x="711200" y="5569323"/>
-            <a:ext cx="2971800" cy="646331"/>
+        <p:spPr bwMode="auto">
+          <a:xfrm>
+            <a:off x="304800" y="2590800"/>
+            <a:ext cx="8353425" cy="3733800"/>
           </a:xfrm>
           <a:prstGeom prst="rect">
             <a:avLst/>
           </a:prstGeom>
           <a:noFill/>
-        </p:spPr>
-        <p:txBody>
-          <a:bodyPr wrap="square" rtlCol="0">
-            <a:spAutoFit/>
-          </a:bodyPr>
-          <a:lstStyle/>
-          <a:p>
-            <a:r>
-              <a:rPr lang="en-GB" sz="1800" dirty="0" err="1" smtClean="0">
-                <a:solidFill>
-                  <a:schemeClr val="bg2"/>
-                </a:solidFill>
-              </a:rPr>
-              <a:t>javac</a:t>
-            </a:r>
-            <a:r>
-              <a:rPr lang="en-GB" sz="1800" dirty="0" smtClean="0">
-                <a:solidFill>
-                  <a:schemeClr val="bg2"/>
-                </a:solidFill>
-              </a:rPr>
-              <a:t> MyFrame.java</a:t>
-            </a:r>
-          </a:p>
-          <a:p>
-            <a:r>
-              <a:rPr lang="en-GB" sz="1800" dirty="0" smtClean="0">
-                <a:solidFill>
-                  <a:schemeClr val="bg2"/>
-                </a:solidFill>
-              </a:rPr>
-              <a:t>java </a:t>
-            </a:r>
-            <a:r>
-              <a:rPr lang="en-GB" sz="1800" dirty="0" err="1" smtClean="0">
-                <a:solidFill>
-                  <a:schemeClr val="bg2"/>
-                </a:solidFill>
-              </a:rPr>
-              <a:t>MyFrame.class</a:t>
-            </a:r>
-            <a:endParaRPr lang="en-GB" sz="1800" dirty="0">
-              <a:solidFill>
-                <a:schemeClr val="bg2"/>
-              </a:solidFill>
-            </a:endParaRPr>
-          </a:p>
-        </p:txBody>
-      </p:sp>
+          <a:ln>
+            <a:noFill/>
+          </a:ln>
+          <a:extLst>
+            <a:ext uri="{909E8E84-426E-40DD-AFC4-6F175D3DCCD1}">
+              <a14:hiddenFill xmlns:a14="http://schemas.microsoft.com/office/drawing/2010/main">
+                <a:solidFill>
+                  <a:srgbClr val="FFFFFF"/>
+                </a:solidFill>
+              </a14:hiddenFill>
+            </a:ext>
+            <a:ext uri="{91240B29-F687-4F45-9708-019B960494DF}">
+              <a14:hiddenLine xmlns:a14="http://schemas.microsoft.com/office/drawing/2010/main" w="9525">
+                <a:solidFill>
+                  <a:srgbClr val="000000"/>
+                </a:solidFill>
+                <a:miter lim="800000"/>
+                <a:headEnd/>
+                <a:tailEnd/>
+              </a14:hiddenLine>
+            </a:ext>
+          </a:extLst>
+        </p:spPr>
+      </p:pic>
     </p:spTree>
     <p:extLst>
       <p:ext uri="{BB962C8B-B14F-4D97-AF65-F5344CB8AC3E}">
-        <p14:creationId xmlns:p14="http://schemas.microsoft.com/office/powerpoint/2010/main" val="1644586269"/>
+        <p14:creationId xmlns:p14="http://schemas.microsoft.com/office/powerpoint/2010/main" val="2407066035"/>
       </p:ext>
     </p:extLst>
   </p:cSld>
@@ -4622,7 +4553,7 @@
       </p:grpSpPr>
       <p:sp>
         <p:nvSpPr>
-          <p:cNvPr id="17410" name="Title 1"/>
+          <p:cNvPr id="16386" name="Title 1"/>
           <p:cNvSpPr>
             <a:spLocks noGrp="1"/>
           </p:cNvSpPr>
@@ -4632,8 +4563,8 @@
         </p:nvSpPr>
         <p:spPr>
           <a:xfrm>
-            <a:off x="228600" y="304800"/>
-            <a:ext cx="8686800" cy="1143000"/>
+            <a:off x="685800" y="228600"/>
+            <a:ext cx="7772400" cy="1143000"/>
           </a:xfrm>
         </p:spPr>
         <p:txBody>
@@ -4642,21 +4573,14 @@
           <a:p>
             <a:r>
               <a:rPr lang="en-GB" altLang="en-US" dirty="0" smtClean="0"/>
-              <a:t>Example Containers </a:t>
-            </a:r>
-            <a:br>
-              <a:rPr lang="en-GB" altLang="en-US" dirty="0" smtClean="0"/>
-            </a:br>
-            <a:r>
-              <a:rPr lang="en-GB" altLang="en-US" dirty="0" smtClean="0"/>
-              <a:t>(Top Level and General)</a:t>
-            </a:r>
-          </a:p>
-        </p:txBody>
-      </p:sp>
-      <p:sp>
-        <p:nvSpPr>
-          <p:cNvPr id="17411" name="Content Placeholder 2"/>
+              <a:t>Containers</a:t>
+            </a:r>
+          </a:p>
+        </p:txBody>
+      </p:sp>
+      <p:sp>
+        <p:nvSpPr>
+          <p:cNvPr id="3" name="Content Placeholder 2"/>
           <p:cNvSpPr>
             <a:spLocks noGrp="1"/>
           </p:cNvSpPr>
@@ -4664,69 +4588,114 @@
             <p:ph idx="1"/>
           </p:nvPr>
         </p:nvSpPr>
-        <p:spPr/>
-        <p:txBody>
-          <a:bodyPr/>
+        <p:spPr>
+          <a:xfrm>
+            <a:off x="685800" y="1600200"/>
+            <a:ext cx="7772400" cy="4876800"/>
+          </a:xfrm>
+        </p:spPr>
+        <p:txBody>
+          <a:bodyPr>
+            <a:normAutofit fontScale="85000" lnSpcReduction="20000"/>
+          </a:bodyPr>
           <a:lstStyle/>
           <a:p>
-            <a:endParaRPr lang="en-GB" altLang="en-US" smtClean="0"/>
-          </a:p>
-        </p:txBody>
-      </p:sp>
-      <p:pic>
-        <p:nvPicPr>
-          <p:cNvPr id="17412" name="Picture 3"/>
-          <p:cNvPicPr>
-            <a:picLocks noChangeAspect="1"/>
-          </p:cNvPicPr>
-          <p:nvPr/>
-        </p:nvPicPr>
-        <p:blipFill>
-          <a:blip r:embed="rId2">
-            <a:extLst>
-              <a:ext uri="{28A0092B-C50C-407E-A947-70E740481C1C}">
-                <a14:useLocalDpi xmlns:a14="http://schemas.microsoft.com/office/drawing/2010/main" val="0"/>
-              </a:ext>
-            </a:extLst>
-          </a:blip>
-          <a:srcRect/>
-          <a:stretch>
-            <a:fillRect/>
-          </a:stretch>
-        </p:blipFill>
-        <p:spPr bwMode="auto">
-          <a:xfrm>
-            <a:off x="685800" y="1676400"/>
-            <a:ext cx="7696200" cy="4821238"/>
-          </a:xfrm>
-          <a:prstGeom prst="rect">
-            <a:avLst/>
-          </a:prstGeom>
-          <a:noFill/>
-          <a:ln>
-            <a:noFill/>
-          </a:ln>
-          <a:extLst>
-            <a:ext uri="{909E8E84-426E-40DD-AFC4-6F175D3DCCD1}">
-              <a14:hiddenFill xmlns:a14="http://schemas.microsoft.com/office/drawing/2010/main">
-                <a:solidFill>
-                  <a:srgbClr val="FFFFFF"/>
-                </a:solidFill>
-              </a14:hiddenFill>
-            </a:ext>
-            <a:ext uri="{91240B29-F687-4F45-9708-019B960494DF}">
-              <a14:hiddenLine xmlns:a14="http://schemas.microsoft.com/office/drawing/2010/main" w="9525">
-                <a:solidFill>
-                  <a:srgbClr val="000000"/>
-                </a:solidFill>
-                <a:miter lim="800000"/>
-                <a:headEnd/>
-                <a:tailEnd/>
-              </a14:hiddenLine>
-            </a:ext>
-          </a:extLst>
-        </p:spPr>
-      </p:pic>
+            <a:pPr>
+              <a:defRPr/>
+            </a:pPr>
+            <a:r>
+              <a:rPr lang="en-GB" dirty="0" smtClean="0"/>
+              <a:t>A container is a special component that can hold other components</a:t>
+            </a:r>
+          </a:p>
+          <a:p>
+            <a:pPr>
+              <a:defRPr/>
+            </a:pPr>
+            <a:r>
+              <a:rPr lang="en-GB" dirty="0" smtClean="0"/>
+              <a:t>The AWT class, as well as the Swing class, are containers</a:t>
+            </a:r>
+          </a:p>
+          <a:p>
+            <a:pPr>
+              <a:defRPr/>
+            </a:pPr>
+            <a:r>
+              <a:rPr lang="en-GB" dirty="0" smtClean="0"/>
+              <a:t>Other containers include</a:t>
+            </a:r>
+          </a:p>
+          <a:p>
+            <a:pPr lvl="1">
+              <a:defRPr/>
+            </a:pPr>
+            <a:r>
+              <a:rPr lang="en-GB" b="1" dirty="0" smtClean="0">
+                <a:solidFill>
+                  <a:srgbClr val="FF0000"/>
+                </a:solidFill>
+              </a:rPr>
+              <a:t>Frames</a:t>
+            </a:r>
+          </a:p>
+          <a:p>
+            <a:pPr lvl="2">
+              <a:defRPr/>
+            </a:pPr>
+            <a:r>
+              <a:rPr lang="en-GB" dirty="0" smtClean="0"/>
+              <a:t>A frame is a container that is free standing and can be positioned anywhere on the screen.</a:t>
+            </a:r>
+          </a:p>
+          <a:p>
+            <a:pPr lvl="2">
+              <a:defRPr/>
+            </a:pPr>
+            <a:r>
+              <a:rPr lang="en-GB" dirty="0" smtClean="0"/>
+              <a:t>Frames give the ability to do graphics and GUIs through applications</a:t>
+            </a:r>
+          </a:p>
+          <a:p>
+            <a:pPr lvl="1">
+              <a:defRPr/>
+            </a:pPr>
+            <a:r>
+              <a:rPr lang="en-GB" dirty="0" smtClean="0"/>
+              <a:t>Dialog boxes</a:t>
+            </a:r>
+          </a:p>
+          <a:p>
+            <a:pPr lvl="1">
+              <a:defRPr/>
+            </a:pPr>
+            <a:r>
+              <a:rPr lang="en-GB" dirty="0" smtClean="0"/>
+              <a:t>Panels</a:t>
+            </a:r>
+          </a:p>
+          <a:p>
+            <a:pPr lvl="1">
+              <a:defRPr/>
+            </a:pPr>
+            <a:r>
+              <a:rPr lang="en-GB" dirty="0" smtClean="0"/>
+              <a:t>Panes</a:t>
+            </a:r>
+          </a:p>
+          <a:p>
+            <a:pPr lvl="1">
+              <a:defRPr/>
+            </a:pPr>
+            <a:r>
+              <a:rPr lang="en-GB" dirty="0" smtClean="0"/>
+              <a:t>Toolbars</a:t>
+            </a:r>
+            <a:endParaRPr lang="en-GB" dirty="0"/>
+          </a:p>
+        </p:txBody>
+      </p:sp>
     </p:spTree>
   </p:cSld>
   <p:clrMapOvr>
@@ -4764,7 +4733,7 @@
         </p:nvSpPr>
         <p:spPr>
           <a:xfrm>
-            <a:off x="736600" y="195792"/>
+            <a:off x="685800" y="212352"/>
             <a:ext cx="7772400" cy="1143000"/>
           </a:xfrm>
         </p:spPr>
@@ -4792,7 +4761,7 @@
         </p:nvSpPr>
         <p:spPr>
           <a:xfrm>
-            <a:off x="711200" y="1313392"/>
+            <a:off x="685800" y="1600200"/>
             <a:ext cx="7772400" cy="4114800"/>
           </a:xfrm>
         </p:spPr>
@@ -4802,7 +4771,7 @@
           <a:p>
             <a:r>
               <a:rPr lang="en-GB" dirty="0" smtClean="0"/>
-              <a:t>Adding Components</a:t>
+              <a:t>Creating a Simple Frame</a:t>
             </a:r>
             <a:endParaRPr lang="en-GB" dirty="0"/>
           </a:p>
@@ -4810,7 +4779,7 @@
       </p:sp>
       <p:pic>
         <p:nvPicPr>
-          <p:cNvPr id="5" name="Picture 4"/>
+          <p:cNvPr id="4" name="Picture 3"/>
           <p:cNvPicPr>
             <a:picLocks noChangeAspect="1"/>
           </p:cNvPicPr>
@@ -4824,8 +4793,8 @@
         </p:blipFill>
         <p:spPr>
           <a:xfrm>
-            <a:off x="838200" y="1928283"/>
-            <a:ext cx="5695950" cy="3133725"/>
+            <a:off x="1174750" y="2209800"/>
+            <a:ext cx="6267450" cy="2505075"/>
           </a:xfrm>
           <a:prstGeom prst="rect">
             <a:avLst/>
@@ -4834,7 +4803,7 @@
       </p:pic>
       <p:pic>
         <p:nvPicPr>
-          <p:cNvPr id="6" name="Picture 5"/>
+          <p:cNvPr id="5" name="Picture 4"/>
           <p:cNvPicPr>
             <a:picLocks noChangeAspect="1"/>
           </p:cNvPicPr>
@@ -4848,8 +4817,8 @@
         </p:blipFill>
         <p:spPr>
           <a:xfrm>
-            <a:off x="6019800" y="4520317"/>
-            <a:ext cx="2671762" cy="2025475"/>
+            <a:off x="5899150" y="4382247"/>
+            <a:ext cx="3048000" cy="2323353"/>
           </a:xfrm>
           <a:prstGeom prst="rect">
             <a:avLst/>
@@ -4858,14 +4827,14 @@
       </p:pic>
       <p:sp>
         <p:nvSpPr>
-          <p:cNvPr id="7" name="TextBox 6"/>
+          <p:cNvPr id="6" name="TextBox 5"/>
           <p:cNvSpPr txBox="1"/>
           <p:nvPr/>
         </p:nvSpPr>
         <p:spPr>
           <a:xfrm>
             <a:off x="711200" y="5569323"/>
-            <a:ext cx="3860800" cy="646331"/>
+            <a:ext cx="2971800" cy="646331"/>
           </a:xfrm>
           <a:prstGeom prst="rect">
             <a:avLst/>
@@ -4892,7 +4861,7 @@
                   <a:schemeClr val="bg2"/>
                 </a:solidFill>
               </a:rPr>
-              <a:t> MyFrameWithComponents.java</a:t>
+              <a:t> MyFrame.java</a:t>
             </a:r>
           </a:p>
           <a:p>
@@ -4910,7 +4879,7 @@
                   <a:schemeClr val="bg2"/>
                 </a:solidFill>
               </a:rPr>
-              <a:t>MyFrameWithComponents.class</a:t>
+              <a:t>MyFrame.class</a:t>
             </a:r>
             <a:endParaRPr lang="en-GB" sz="1800" dirty="0">
               <a:solidFill>
@@ -4923,7 +4892,7 @@
     </p:spTree>
     <p:extLst>
       <p:ext uri="{BB962C8B-B14F-4D97-AF65-F5344CB8AC3E}">
-        <p14:creationId xmlns:p14="http://schemas.microsoft.com/office/powerpoint/2010/main" val="211809350"/>
+        <p14:creationId xmlns:p14="http://schemas.microsoft.com/office/powerpoint/2010/main" val="1644586269"/>
       </p:ext>
     </p:extLst>
   </p:cSld>
@@ -4952,7 +4921,7 @@
       </p:grpSpPr>
       <p:sp>
         <p:nvSpPr>
-          <p:cNvPr id="2" name="Title 1"/>
+          <p:cNvPr id="17410" name="Title 1"/>
           <p:cNvSpPr>
             <a:spLocks noGrp="1"/>
           </p:cNvSpPr>
@@ -4962,8 +4931,8 @@
         </p:nvSpPr>
         <p:spPr>
           <a:xfrm>
-            <a:off x="685800" y="312208"/>
-            <a:ext cx="7772400" cy="1143000"/>
+            <a:off x="228600" y="304800"/>
+            <a:ext cx="8686800" cy="1143000"/>
           </a:xfrm>
         </p:spPr>
         <p:txBody>
@@ -4971,16 +4940,22 @@
           <a:lstStyle/>
           <a:p>
             <a:r>
-              <a:rPr lang="en-GB" dirty="0" smtClean="0"/>
-              <a:t>Question</a:t>
-            </a:r>
-            <a:endParaRPr lang="en-GB" dirty="0"/>
-          </a:p>
-        </p:txBody>
-      </p:sp>
-      <p:sp>
-        <p:nvSpPr>
-          <p:cNvPr id="3" name="Content Placeholder 2"/>
+              <a:rPr lang="en-GB" altLang="en-US" dirty="0" smtClean="0"/>
+              <a:t>Example Containers </a:t>
+            </a:r>
+            <a:br>
+              <a:rPr lang="en-GB" altLang="en-US" dirty="0" smtClean="0"/>
+            </a:br>
+            <a:r>
+              <a:rPr lang="en-GB" altLang="en-US" dirty="0" smtClean="0"/>
+              <a:t>(Top Level and General)</a:t>
+            </a:r>
+          </a:p>
+        </p:txBody>
+      </p:sp>
+      <p:sp>
+        <p:nvSpPr>
+          <p:cNvPr id="17411" name="Content Placeholder 2"/>
           <p:cNvSpPr>
             <a:spLocks noGrp="1"/>
           </p:cNvSpPr>
@@ -4988,54 +4963,70 @@
             <p:ph idx="1"/>
           </p:nvPr>
         </p:nvSpPr>
-        <p:spPr>
-          <a:xfrm>
-            <a:off x="685800" y="1455208"/>
-            <a:ext cx="7772400" cy="4114800"/>
-          </a:xfrm>
-        </p:spPr>
+        <p:spPr/>
         <p:txBody>
           <a:bodyPr/>
           <a:lstStyle/>
           <a:p>
-            <a:r>
-              <a:rPr lang="en-GB" dirty="0" smtClean="0"/>
-              <a:t>What would the following output?</a:t>
-            </a:r>
-            <a:endParaRPr lang="en-GB" dirty="0"/>
+            <a:endParaRPr lang="en-GB" altLang="en-US" smtClean="0"/>
           </a:p>
         </p:txBody>
       </p:sp>
       <p:pic>
         <p:nvPicPr>
-          <p:cNvPr id="4" name="Picture 3"/>
+          <p:cNvPr id="17412" name="Picture 3"/>
           <p:cNvPicPr>
             <a:picLocks noChangeAspect="1"/>
           </p:cNvPicPr>
           <p:nvPr/>
         </p:nvPicPr>
         <p:blipFill>
-          <a:blip r:embed="rId2"/>
+          <a:blip r:embed="rId2">
+            <a:extLst>
+              <a:ext uri="{28A0092B-C50C-407E-A947-70E740481C1C}">
+                <a14:useLocalDpi xmlns:a14="http://schemas.microsoft.com/office/drawing/2010/main" val="0"/>
+              </a:ext>
+            </a:extLst>
+          </a:blip>
+          <a:srcRect/>
           <a:stretch>
             <a:fillRect/>
           </a:stretch>
         </p:blipFill>
-        <p:spPr>
-          <a:xfrm>
-            <a:off x="1447800" y="2286000"/>
-            <a:ext cx="6172200" cy="4145816"/>
+        <p:spPr bwMode="auto">
+          <a:xfrm>
+            <a:off x="685800" y="1676400"/>
+            <a:ext cx="7696200" cy="4821238"/>
           </a:xfrm>
           <a:prstGeom prst="rect">
             <a:avLst/>
           </a:prstGeom>
+          <a:noFill/>
+          <a:ln>
+            <a:noFill/>
+          </a:ln>
+          <a:extLst>
+            <a:ext uri="{909E8E84-426E-40DD-AFC4-6F175D3DCCD1}">
+              <a14:hiddenFill xmlns:a14="http://schemas.microsoft.com/office/drawing/2010/main">
+                <a:solidFill>
+                  <a:srgbClr val="FFFFFF"/>
+                </a:solidFill>
+              </a14:hiddenFill>
+            </a:ext>
+            <a:ext uri="{91240B29-F687-4F45-9708-019B960494DF}">
+              <a14:hiddenLine xmlns:a14="http://schemas.microsoft.com/office/drawing/2010/main" w="9525">
+                <a:solidFill>
+                  <a:srgbClr val="000000"/>
+                </a:solidFill>
+                <a:miter lim="800000"/>
+                <a:headEnd/>
+                <a:tailEnd/>
+              </a14:hiddenLine>
+            </a:ext>
+          </a:extLst>
         </p:spPr>
       </p:pic>
     </p:spTree>
-    <p:extLst>
-      <p:ext uri="{BB962C8B-B14F-4D97-AF65-F5344CB8AC3E}">
-        <p14:creationId xmlns:p14="http://schemas.microsoft.com/office/powerpoint/2010/main" val="382631693"/>
-      </p:ext>
-    </p:extLst>
   </p:cSld>
   <p:clrMapOvr>
     <a:masterClrMapping/>
@@ -5072,7 +5063,7 @@
         </p:nvSpPr>
         <p:spPr>
           <a:xfrm>
-            <a:off x="685800" y="381000"/>
+            <a:off x="736600" y="195792"/>
             <a:ext cx="7772400" cy="1143000"/>
           </a:xfrm>
         </p:spPr>
@@ -5082,7 +5073,7 @@
           <a:p>
             <a:r>
               <a:rPr lang="en-GB" dirty="0" smtClean="0"/>
-              <a:t>Answer</a:t>
+              <a:t>Example</a:t>
             </a:r>
             <a:endParaRPr lang="en-GB" dirty="0"/>
           </a:p>
@@ -5100,7 +5091,7 @@
         </p:nvSpPr>
         <p:spPr>
           <a:xfrm>
-            <a:off x="685800" y="1676400"/>
+            <a:off x="711200" y="1313392"/>
             <a:ext cx="7772400" cy="4114800"/>
           </a:xfrm>
         </p:spPr>
@@ -5110,14 +5101,7 @@
           <a:p>
             <a:r>
               <a:rPr lang="en-GB" dirty="0" smtClean="0"/>
-              <a:t>Buttons are all placed overlapping </a:t>
-            </a:r>
-          </a:p>
-          <a:p>
-            <a:pPr lvl="1"/>
-            <a:r>
-              <a:rPr lang="en-GB" dirty="0" smtClean="0"/>
-              <a:t>(i.e., set the position for each button if you want to see all 100 buttons)</a:t>
+              <a:t>Adding Components</a:t>
             </a:r>
             <a:endParaRPr lang="en-GB" dirty="0"/>
           </a:p>
@@ -5125,7 +5109,7 @@
       </p:sp>
       <p:pic>
         <p:nvPicPr>
-          <p:cNvPr id="4" name="Picture 3"/>
+          <p:cNvPr id="5" name="Picture 4"/>
           <p:cNvPicPr>
             <a:picLocks noChangeAspect="1"/>
           </p:cNvPicPr>
@@ -5139,18 +5123,106 @@
         </p:blipFill>
         <p:spPr>
           <a:xfrm>
-            <a:off x="2676525" y="3657600"/>
-            <a:ext cx="3790950" cy="2886075"/>
+            <a:off x="838200" y="1928283"/>
+            <a:ext cx="5695950" cy="3133725"/>
           </a:xfrm>
           <a:prstGeom prst="rect">
             <a:avLst/>
           </a:prstGeom>
         </p:spPr>
       </p:pic>
+      <p:pic>
+        <p:nvPicPr>
+          <p:cNvPr id="6" name="Picture 5"/>
+          <p:cNvPicPr>
+            <a:picLocks noChangeAspect="1"/>
+          </p:cNvPicPr>
+          <p:nvPr/>
+        </p:nvPicPr>
+        <p:blipFill>
+          <a:blip r:embed="rId3"/>
+          <a:stretch>
+            <a:fillRect/>
+          </a:stretch>
+        </p:blipFill>
+        <p:spPr>
+          <a:xfrm>
+            <a:off x="6019800" y="4520317"/>
+            <a:ext cx="2671762" cy="2025475"/>
+          </a:xfrm>
+          <a:prstGeom prst="rect">
+            <a:avLst/>
+          </a:prstGeom>
+        </p:spPr>
+      </p:pic>
+      <p:sp>
+        <p:nvSpPr>
+          <p:cNvPr id="7" name="TextBox 6"/>
+          <p:cNvSpPr txBox="1"/>
+          <p:nvPr/>
+        </p:nvSpPr>
+        <p:spPr>
+          <a:xfrm>
+            <a:off x="711200" y="5569323"/>
+            <a:ext cx="3860800" cy="646331"/>
+          </a:xfrm>
+          <a:prstGeom prst="rect">
+            <a:avLst/>
+          </a:prstGeom>
+          <a:noFill/>
+        </p:spPr>
+        <p:txBody>
+          <a:bodyPr wrap="square" rtlCol="0">
+            <a:spAutoFit/>
+          </a:bodyPr>
+          <a:lstStyle/>
+          <a:p>
+            <a:r>
+              <a:rPr lang="en-GB" sz="1800" dirty="0" err="1" smtClean="0">
+                <a:solidFill>
+                  <a:schemeClr val="bg2"/>
+                </a:solidFill>
+              </a:rPr>
+              <a:t>javac</a:t>
+            </a:r>
+            <a:r>
+              <a:rPr lang="en-GB" sz="1800" dirty="0" smtClean="0">
+                <a:solidFill>
+                  <a:schemeClr val="bg2"/>
+                </a:solidFill>
+              </a:rPr>
+              <a:t> MyFrameWithComponents.java</a:t>
+            </a:r>
+          </a:p>
+          <a:p>
+            <a:r>
+              <a:rPr lang="en-GB" sz="1800" dirty="0" smtClean="0">
+                <a:solidFill>
+                  <a:schemeClr val="bg2"/>
+                </a:solidFill>
+              </a:rPr>
+              <a:t>java </a:t>
+            </a:r>
+            <a:r>
+              <a:rPr lang="en-GB" sz="1800" dirty="0" err="1" smtClean="0">
+                <a:solidFill>
+                  <a:schemeClr val="bg2"/>
+                </a:solidFill>
+              </a:rPr>
+              <a:t>MyFrameWithComponents.class</a:t>
+            </a:r>
+            <a:endParaRPr lang="en-GB" sz="1800" dirty="0">
+              <a:solidFill>
+                <a:schemeClr val="bg2"/>
+              </a:solidFill>
+            </a:endParaRPr>
+          </a:p>
+        </p:txBody>
+      </p:sp>
     </p:spTree>
     <p:extLst>
       <p:ext uri="{BB962C8B-B14F-4D97-AF65-F5344CB8AC3E}">
-        <p14:creationId xmlns:p14="http://schemas.microsoft.com/office/powerpoint/2010/main" val="3811331213"/>
+        <p14:creationId xmlns:p14="http://schemas.microsoft.com/office/powerpoint/2010/main" val="211809350"/>
       </p:ext>
     </p:extLst>
   </p:cSld>
@@ -5179,7 +5251,7 @@
       </p:grpSpPr>
       <p:sp>
         <p:nvSpPr>
-          <p:cNvPr id="18434" name="Title 1"/>
+          <p:cNvPr id="2" name="Title 1"/>
           <p:cNvSpPr>
             <a:spLocks noGrp="1"/>
           </p:cNvSpPr>
@@ -5189,7 +5261,7 @@
         </p:nvSpPr>
         <p:spPr>
           <a:xfrm>
-            <a:off x="685800" y="228600"/>
+            <a:off x="685800" y="312208"/>
             <a:ext cx="7772400" cy="1143000"/>
           </a:xfrm>
         </p:spPr>
@@ -5198,15 +5270,16 @@
           <a:lstStyle/>
           <a:p>
             <a:r>
-              <a:rPr lang="en-GB" altLang="en-US" dirty="0" smtClean="0"/>
-              <a:t>Example Special Containers</a:t>
-            </a:r>
-          </a:p>
-        </p:txBody>
-      </p:sp>
-      <p:sp>
-        <p:nvSpPr>
-          <p:cNvPr id="18435" name="Content Placeholder 2"/>
+              <a:rPr lang="en-GB" dirty="0" smtClean="0"/>
+              <a:t>Question</a:t>
+            </a:r>
+            <a:endParaRPr lang="en-GB" dirty="0"/>
+          </a:p>
+        </p:txBody>
+      </p:sp>
+      <p:sp>
+        <p:nvSpPr>
+          <p:cNvPr id="3" name="Content Placeholder 2"/>
           <p:cNvSpPr>
             <a:spLocks noGrp="1"/>
           </p:cNvSpPr>
@@ -5214,70 +5287,54 @@
             <p:ph idx="1"/>
           </p:nvPr>
         </p:nvSpPr>
-        <p:spPr/>
+        <p:spPr>
+          <a:xfrm>
+            <a:off x="685800" y="1455208"/>
+            <a:ext cx="7772400" cy="4114800"/>
+          </a:xfrm>
+        </p:spPr>
         <p:txBody>
           <a:bodyPr/>
           <a:lstStyle/>
           <a:p>
-            <a:endParaRPr lang="en-GB" altLang="en-US" smtClean="0"/>
+            <a:r>
+              <a:rPr lang="en-GB" dirty="0" smtClean="0"/>
+              <a:t>What would the following output?</a:t>
+            </a:r>
+            <a:endParaRPr lang="en-GB" dirty="0"/>
           </a:p>
         </p:txBody>
       </p:sp>
       <p:pic>
         <p:nvPicPr>
-          <p:cNvPr id="18436" name="Picture 3"/>
+          <p:cNvPr id="4" name="Picture 3"/>
           <p:cNvPicPr>
             <a:picLocks noChangeAspect="1"/>
           </p:cNvPicPr>
           <p:nvPr/>
         </p:nvPicPr>
         <p:blipFill>
-          <a:blip r:embed="rId2">
-            <a:extLst>
-              <a:ext uri="{28A0092B-C50C-407E-A947-70E740481C1C}">
-                <a14:useLocalDpi xmlns:a14="http://schemas.microsoft.com/office/drawing/2010/main" val="0"/>
-              </a:ext>
-            </a:extLst>
-          </a:blip>
-          <a:srcRect/>
+          <a:blip r:embed="rId2"/>
           <a:stretch>
             <a:fillRect/>
           </a:stretch>
         </p:blipFill>
-        <p:spPr bwMode="auto">
-          <a:xfrm>
-            <a:off x="609600" y="1371600"/>
-            <a:ext cx="7696200" cy="4808538"/>
+        <p:spPr>
+          <a:xfrm>
+            <a:off x="1447800" y="2286000"/>
+            <a:ext cx="6172200" cy="4145816"/>
           </a:xfrm>
           <a:prstGeom prst="rect">
             <a:avLst/>
           </a:prstGeom>
-          <a:noFill/>
-          <a:ln>
-            <a:noFill/>
-          </a:ln>
-          <a:extLst>
-            <a:ext uri="{909E8E84-426E-40DD-AFC4-6F175D3DCCD1}">
-              <a14:hiddenFill xmlns:a14="http://schemas.microsoft.com/office/drawing/2010/main">
-                <a:solidFill>
-                  <a:srgbClr val="FFFFFF"/>
-                </a:solidFill>
-              </a14:hiddenFill>
-            </a:ext>
-            <a:ext uri="{91240B29-F687-4F45-9708-019B960494DF}">
-              <a14:hiddenLine xmlns:a14="http://schemas.microsoft.com/office/drawing/2010/main" w="9525">
-                <a:solidFill>
-                  <a:srgbClr val="000000"/>
-                </a:solidFill>
-                <a:miter lim="800000"/>
-                <a:headEnd/>
-                <a:tailEnd/>
-              </a14:hiddenLine>
-            </a:ext>
-          </a:extLst>
         </p:spPr>
       </p:pic>
     </p:spTree>
+    <p:extLst>
+      <p:ext uri="{BB962C8B-B14F-4D97-AF65-F5344CB8AC3E}">
+        <p14:creationId xmlns:p14="http://schemas.microsoft.com/office/powerpoint/2010/main" val="382631693"/>
+      </p:ext>
+    </p:extLst>
   </p:cSld>
   <p:clrMapOvr>
     <a:masterClrMapping/>
@@ -5423,7 +5480,7 @@
       </p:grpSpPr>
       <p:sp>
         <p:nvSpPr>
-          <p:cNvPr id="19458" name="Title 1"/>
+          <p:cNvPr id="2" name="Title 1"/>
           <p:cNvSpPr>
             <a:spLocks noGrp="1"/>
           </p:cNvSpPr>
@@ -5433,7 +5490,7 @@
         </p:nvSpPr>
         <p:spPr>
           <a:xfrm>
-            <a:off x="668338" y="304800"/>
+            <a:off x="685800" y="381000"/>
             <a:ext cx="7772400" cy="1143000"/>
           </a:xfrm>
         </p:spPr>
@@ -5442,9 +5499,10 @@
           <a:lstStyle/>
           <a:p>
             <a:r>
-              <a:rPr lang="en-GB" altLang="en-US" smtClean="0"/>
-              <a:t>Events</a:t>
-            </a:r>
+              <a:rPr lang="en-GB" dirty="0" smtClean="0"/>
+              <a:t>Answer</a:t>
+            </a:r>
+            <a:endParaRPr lang="en-GB" dirty="0"/>
           </a:p>
         </p:txBody>
       </p:sp>
@@ -5460,84 +5518,24 @@
         </p:nvSpPr>
         <p:spPr>
           <a:xfrm>
-            <a:off x="685800" y="1524000"/>
-            <a:ext cx="7772400" cy="2743200"/>
-          </a:xfrm>
-        </p:spPr>
-        <p:txBody>
-          <a:bodyPr>
-            <a:normAutofit fontScale="85000" lnSpcReduction="10000"/>
-          </a:bodyPr>
+            <a:off x="685800" y="1676400"/>
+            <a:ext cx="7772400" cy="4114800"/>
+          </a:xfrm>
+        </p:spPr>
+        <p:txBody>
+          <a:bodyPr/>
           <a:lstStyle/>
           <a:p>
-            <a:pPr>
-              <a:defRPr/>
-            </a:pPr>
-            <a:r>
-              <a:rPr lang="en-GB" dirty="0" smtClean="0"/>
-              <a:t>Every time the user </a:t>
-            </a:r>
-            <a:r>
-              <a:rPr lang="en-GB" dirty="0" smtClean="0">
-                <a:solidFill>
-                  <a:srgbClr val="FF0000"/>
-                </a:solidFill>
-              </a:rPr>
-              <a:t>types</a:t>
-            </a:r>
-            <a:r>
-              <a:rPr lang="en-GB" dirty="0" smtClean="0"/>
-              <a:t> a character or pushes a mouse </a:t>
-            </a:r>
-            <a:r>
-              <a:rPr lang="en-GB" dirty="0" smtClean="0">
-                <a:solidFill>
-                  <a:srgbClr val="FF0000"/>
-                </a:solidFill>
-              </a:rPr>
-              <a:t>button</a:t>
-            </a:r>
-            <a:r>
-              <a:rPr lang="en-GB" dirty="0" smtClean="0"/>
-              <a:t>, an event occurs</a:t>
-            </a:r>
-          </a:p>
-          <a:p>
-            <a:pPr>
-              <a:defRPr/>
-            </a:pPr>
-            <a:r>
-              <a:rPr lang="en-GB" dirty="0" smtClean="0">
-                <a:solidFill>
-                  <a:srgbClr val="FF0000"/>
-                </a:solidFill>
-              </a:rPr>
-              <a:t>Any object </a:t>
-            </a:r>
-            <a:r>
-              <a:rPr lang="en-GB" dirty="0" smtClean="0"/>
-              <a:t>can be notified of the event</a:t>
-            </a:r>
-          </a:p>
-          <a:p>
-            <a:pPr>
-              <a:defRPr/>
-            </a:pPr>
-            <a:r>
-              <a:rPr lang="en-GB" dirty="0" smtClean="0"/>
-              <a:t>All the objects have to do implement the appropriate </a:t>
-            </a:r>
-            <a:r>
-              <a:rPr lang="en-GB" dirty="0" smtClean="0">
-                <a:solidFill>
-                  <a:srgbClr val="FF0000"/>
-                </a:solidFill>
-              </a:rPr>
-              <a:t>interface</a:t>
-            </a:r>
-            <a:r>
-              <a:rPr lang="en-GB" dirty="0" smtClean="0"/>
-              <a:t> and be registered as an event listener on the appropriate event source</a:t>
+            <a:r>
+              <a:rPr lang="en-GB" dirty="0" smtClean="0"/>
+              <a:t>Buttons are all placed overlapping </a:t>
+            </a:r>
+          </a:p>
+          <a:p>
+            <a:pPr lvl="1"/>
+            <a:r>
+              <a:rPr lang="en-GB" dirty="0" smtClean="0"/>
+              <a:t>(i.e., set the position for each button if you want to see all 100 buttons)</a:t>
             </a:r>
             <a:endParaRPr lang="en-GB" dirty="0"/>
           </a:p>
@@ -5545,59 +5543,34 @@
       </p:sp>
       <p:pic>
         <p:nvPicPr>
-          <p:cNvPr id="19460" name="Picture 3"/>
+          <p:cNvPr id="4" name="Picture 3"/>
           <p:cNvPicPr>
             <a:picLocks noChangeAspect="1"/>
           </p:cNvPicPr>
           <p:nvPr/>
         </p:nvPicPr>
         <p:blipFill>
-          <a:blip r:embed="rId2">
-            <a:extLst>
-              <a:ext uri="{28A0092B-C50C-407E-A947-70E740481C1C}">
-                <a14:useLocalDpi xmlns:a14="http://schemas.microsoft.com/office/drawing/2010/main" val="0"/>
-              </a:ext>
-            </a:extLst>
-          </a:blip>
-          <a:srcRect/>
+          <a:blip r:embed="rId2"/>
           <a:stretch>
             <a:fillRect/>
           </a:stretch>
         </p:blipFill>
-        <p:spPr bwMode="auto">
-          <a:xfrm>
-            <a:off x="228600" y="4495800"/>
-            <a:ext cx="8572500" cy="2047875"/>
+        <p:spPr>
+          <a:xfrm>
+            <a:off x="2676525" y="3657600"/>
+            <a:ext cx="3790950" cy="2886075"/>
           </a:xfrm>
           <a:prstGeom prst="rect">
             <a:avLst/>
           </a:prstGeom>
-          <a:noFill/>
-          <a:ln>
-            <a:noFill/>
-          </a:ln>
-          <a:extLst>
-            <a:ext uri="{909E8E84-426E-40DD-AFC4-6F175D3DCCD1}">
-              <a14:hiddenFill xmlns:a14="http://schemas.microsoft.com/office/drawing/2010/main">
-                <a:solidFill>
-                  <a:srgbClr val="FFFFFF"/>
-                </a:solidFill>
-              </a14:hiddenFill>
-            </a:ext>
-            <a:ext uri="{91240B29-F687-4F45-9708-019B960494DF}">
-              <a14:hiddenLine xmlns:a14="http://schemas.microsoft.com/office/drawing/2010/main" w="9525">
-                <a:solidFill>
-                  <a:srgbClr val="000000"/>
-                </a:solidFill>
-                <a:miter lim="800000"/>
-                <a:headEnd/>
-                <a:tailEnd/>
-              </a14:hiddenLine>
-            </a:ext>
-          </a:extLst>
         </p:spPr>
       </p:pic>
     </p:spTree>
+    <p:extLst>
+      <p:ext uri="{BB962C8B-B14F-4D97-AF65-F5344CB8AC3E}">
+        <p14:creationId xmlns:p14="http://schemas.microsoft.com/office/powerpoint/2010/main" val="3811331213"/>
+      </p:ext>
+    </p:extLst>
   </p:cSld>
   <p:clrMapOvr>
     <a:masterClrMapping/>
@@ -5624,7 +5597,7 @@
       </p:grpSpPr>
       <p:sp>
         <p:nvSpPr>
-          <p:cNvPr id="20482" name="Title 1"/>
+          <p:cNvPr id="18434" name="Title 1"/>
           <p:cNvSpPr>
             <a:spLocks noGrp="1"/>
           </p:cNvSpPr>
@@ -5634,7 +5607,7 @@
         </p:nvSpPr>
         <p:spPr>
           <a:xfrm>
-            <a:off x="677863" y="228600"/>
+            <a:off x="685800" y="228600"/>
             <a:ext cx="7772400" cy="1143000"/>
           </a:xfrm>
         </p:spPr>
@@ -5643,15 +5616,15 @@
           <a:lstStyle/>
           <a:p>
             <a:r>
-              <a:rPr lang="en-GB" altLang="en-US" smtClean="0"/>
-              <a:t>Events, cont.</a:t>
-            </a:r>
-          </a:p>
-        </p:txBody>
-      </p:sp>
-      <p:sp>
-        <p:nvSpPr>
-          <p:cNvPr id="20483" name="Content Placeholder 2"/>
+              <a:rPr lang="en-GB" altLang="en-US" dirty="0" smtClean="0"/>
+              <a:t>Example Special Containers</a:t>
+            </a:r>
+          </a:p>
+        </p:txBody>
+      </p:sp>
+      <p:sp>
+        <p:nvSpPr>
+          <p:cNvPr id="18435" name="Content Placeholder 2"/>
           <p:cNvSpPr>
             <a:spLocks noGrp="1"/>
           </p:cNvSpPr>
@@ -5659,61 +5632,18 @@
             <p:ph idx="1"/>
           </p:nvPr>
         </p:nvSpPr>
-        <p:spPr>
-          <a:xfrm>
-            <a:off x="457200" y="1524000"/>
-            <a:ext cx="8458200" cy="4572000"/>
-          </a:xfrm>
-        </p:spPr>
+        <p:spPr/>
         <p:txBody>
           <a:bodyPr/>
           <a:lstStyle/>
           <a:p>
-            <a:r>
-              <a:rPr lang="en-GB" altLang="en-US" dirty="0" smtClean="0"/>
-              <a:t>Several events implemented in </a:t>
-            </a:r>
-            <a:r>
-              <a:rPr lang="en-GB" altLang="en-US" dirty="0" err="1" smtClean="0"/>
-              <a:t>java.awt.AWTEvent</a:t>
-            </a:r>
-            <a:r>
-              <a:rPr lang="en-GB" altLang="en-US" dirty="0" smtClean="0"/>
-              <a:t> subclasses (</a:t>
-            </a:r>
-            <a:r>
-              <a:rPr lang="en-GB" altLang="en-US" dirty="0" err="1" smtClean="0"/>
-              <a:t>java.awt.Event</a:t>
-            </a:r>
-            <a:r>
-              <a:rPr lang="en-GB" altLang="en-US" dirty="0" smtClean="0"/>
-              <a:t> is </a:t>
-            </a:r>
-            <a:r>
-              <a:rPr lang="en-GB" altLang="en-US" dirty="0" smtClean="0">
-                <a:solidFill>
-                  <a:srgbClr val="FF0000"/>
-                </a:solidFill>
-              </a:rPr>
-              <a:t>deprecated</a:t>
-            </a:r>
-            <a:r>
-              <a:rPr lang="en-GB" altLang="en-US" dirty="0" smtClean="0"/>
-              <a:t>)</a:t>
-            </a:r>
-          </a:p>
-          <a:p>
-            <a:pPr lvl="1"/>
-            <a:r>
-              <a:rPr lang="en-GB" altLang="en-US" dirty="0" smtClean="0"/>
-              <a:t>Defines a lot of constants</a:t>
-            </a:r>
+            <a:endParaRPr lang="en-GB" altLang="en-US" smtClean="0"/>
           </a:p>
         </p:txBody>
       </p:sp>
       <p:pic>
         <p:nvPicPr>
-          <p:cNvPr id="20484" name="Picture 3"/>
+          <p:cNvPr id="18436" name="Picture 3"/>
           <p:cNvPicPr>
             <a:picLocks noChangeAspect="1"/>
           </p:cNvPicPr>
@@ -5734,8 +5664,8 @@
         </p:blipFill>
         <p:spPr bwMode="auto">
           <a:xfrm>
-            <a:off x="152400" y="3843338"/>
-            <a:ext cx="8562975" cy="2686050"/>
+            <a:off x="609600" y="1371600"/>
+            <a:ext cx="7696200" cy="4808538"/>
           </a:xfrm>
           <a:prstGeom prst="rect">
             <a:avLst/>
@@ -5792,7 +5722,7 @@
       </p:grpSpPr>
       <p:sp>
         <p:nvSpPr>
-          <p:cNvPr id="21506" name="Title 1"/>
+          <p:cNvPr id="19458" name="Title 1"/>
           <p:cNvSpPr>
             <a:spLocks noGrp="1"/>
           </p:cNvSpPr>
@@ -5800,14 +5730,19 @@
             <p:ph type="title"/>
           </p:nvPr>
         </p:nvSpPr>
-        <p:spPr/>
+        <p:spPr>
+          <a:xfrm>
+            <a:off x="668338" y="304800"/>
+            <a:ext cx="7772400" cy="1143000"/>
+          </a:xfrm>
+        </p:spPr>
         <p:txBody>
           <a:bodyPr/>
           <a:lstStyle/>
           <a:p>
             <a:r>
               <a:rPr lang="en-GB" altLang="en-US" smtClean="0"/>
-              <a:t>Events Handlers</a:t>
+              <a:t>Events</a:t>
             </a:r>
           </a:p>
         </p:txBody>
@@ -5822,10 +5757,15 @@
             <p:ph idx="1"/>
           </p:nvPr>
         </p:nvSpPr>
-        <p:spPr/>
+        <p:spPr>
+          <a:xfrm>
+            <a:off x="685800" y="1524000"/>
+            <a:ext cx="7772400" cy="2743200"/>
+          </a:xfrm>
+        </p:spPr>
         <p:txBody>
           <a:bodyPr>
-            <a:normAutofit fontScale="77500" lnSpcReduction="20000"/>
+            <a:normAutofit fontScale="85000" lnSpcReduction="10000"/>
           </a:bodyPr>
           <a:lstStyle/>
           <a:p>
@@ -5834,158 +5774,128 @@
             </a:pPr>
             <a:r>
               <a:rPr lang="en-GB" dirty="0" smtClean="0"/>
-              <a:t> In the declaration for the event handler class, one line of code specifies that the class either implements a listener interface (or extends a class that implements a listener interface).</a:t>
-            </a:r>
-          </a:p>
-          <a:p>
-            <a:pPr lvl="1">
-              <a:defRPr/>
-            </a:pPr>
+              <a:t>Every time the user </a:t>
+            </a:r>
             <a:r>
               <a:rPr lang="en-GB" dirty="0" smtClean="0">
                 <a:solidFill>
                   <a:srgbClr val="FF0000"/>
                 </a:solidFill>
               </a:rPr>
-              <a:t>public class </a:t>
-            </a:r>
-            <a:r>
-              <a:rPr lang="en-GB" dirty="0" err="1" smtClean="0">
+              <a:t>types</a:t>
+            </a:r>
+            <a:r>
+              <a:rPr lang="en-GB" dirty="0" smtClean="0"/>
+              <a:t> a character or pushes a mouse </a:t>
+            </a:r>
+            <a:r>
+              <a:rPr lang="en-GB" dirty="0" smtClean="0">
                 <a:solidFill>
                   <a:srgbClr val="FF0000"/>
                 </a:solidFill>
               </a:rPr>
-              <a:t>MyClass</a:t>
-            </a:r>
+              <a:t>button</a:t>
+            </a:r>
+            <a:r>
+              <a:rPr lang="en-GB" dirty="0" smtClean="0"/>
+              <a:t>, an event occurs</a:t>
+            </a:r>
+          </a:p>
+          <a:p>
+            <a:pPr>
+              <a:defRPr/>
+            </a:pPr>
             <a:r>
               <a:rPr lang="en-GB" dirty="0" smtClean="0">
                 <a:solidFill>
                   <a:srgbClr val="FF0000"/>
                 </a:solidFill>
               </a:rPr>
-              <a:t> implements </a:t>
-            </a:r>
-            <a:r>
-              <a:rPr lang="en-GB" dirty="0" err="1" smtClean="0">
+              <a:t>Any object </a:t>
+            </a:r>
+            <a:r>
+              <a:rPr lang="en-GB" dirty="0" smtClean="0"/>
+              <a:t>can be notified of the event</a:t>
+            </a:r>
+          </a:p>
+          <a:p>
+            <a:pPr>
+              <a:defRPr/>
+            </a:pPr>
+            <a:r>
+              <a:rPr lang="en-GB" dirty="0" smtClean="0"/>
+              <a:t>All the objects have to do implement the appropriate </a:t>
+            </a:r>
+            <a:r>
+              <a:rPr lang="en-GB" dirty="0" smtClean="0">
                 <a:solidFill>
                   <a:srgbClr val="FF0000"/>
                 </a:solidFill>
               </a:rPr>
-              <a:t>ActionListener</a:t>
-            </a:r>
-            <a:endParaRPr lang="en-GB" dirty="0" smtClean="0">
-              <a:solidFill>
-                <a:srgbClr val="FF0000"/>
-              </a:solidFill>
-            </a:endParaRPr>
-          </a:p>
-          <a:p>
-            <a:pPr>
-              <a:defRPr/>
-            </a:pPr>
-            <a:r>
-              <a:rPr lang="en-GB" dirty="0" smtClean="0"/>
-              <a:t>In the event handler class the method(s) in the listener interface must be implemented</a:t>
-            </a:r>
-          </a:p>
-          <a:p>
-            <a:pPr lvl="1">
-              <a:defRPr/>
-            </a:pPr>
-            <a:r>
-              <a:rPr lang="en-GB" dirty="0" smtClean="0">
-                <a:solidFill>
-                  <a:srgbClr val="FF0000"/>
-                </a:solidFill>
-              </a:rPr>
-              <a:t>public void </a:t>
-            </a:r>
-            <a:r>
-              <a:rPr lang="en-GB" dirty="0" err="1" smtClean="0">
-                <a:solidFill>
-                  <a:srgbClr val="FF0000"/>
-                </a:solidFill>
-              </a:rPr>
-              <a:t>actionPerformed</a:t>
-            </a:r>
-            <a:r>
-              <a:rPr lang="en-GB" dirty="0" smtClean="0">
-                <a:solidFill>
-                  <a:srgbClr val="FF0000"/>
-                </a:solidFill>
-              </a:rPr>
-              <a:t>(</a:t>
-            </a:r>
-            <a:r>
-              <a:rPr lang="en-GB" dirty="0" err="1" smtClean="0">
-                <a:solidFill>
-                  <a:srgbClr val="FF0000"/>
-                </a:solidFill>
-              </a:rPr>
-              <a:t>ActionEvent</a:t>
-            </a:r>
-            <a:r>
-              <a:rPr lang="en-GB" dirty="0" smtClean="0">
-                <a:solidFill>
-                  <a:srgbClr val="FF0000"/>
-                </a:solidFill>
-              </a:rPr>
-              <a:t> e) { /* code that "reacts" to the event */ }</a:t>
-            </a:r>
-          </a:p>
-          <a:p>
-            <a:pPr>
-              <a:defRPr/>
-            </a:pPr>
-            <a:r>
-              <a:rPr lang="en-GB" dirty="0" smtClean="0"/>
-              <a:t>Register an instance of the event handler class as a listener on one or more components.</a:t>
-            </a:r>
-          </a:p>
-          <a:p>
-            <a:pPr lvl="1">
-              <a:defRPr/>
-            </a:pPr>
-            <a:r>
-              <a:rPr lang="en-GB" dirty="0" err="1" smtClean="0">
-                <a:solidFill>
-                  <a:srgbClr val="FF0000"/>
-                </a:solidFill>
-              </a:rPr>
-              <a:t>myComponent.addActionListener</a:t>
-            </a:r>
-            <a:r>
-              <a:rPr lang="en-GB" dirty="0" smtClean="0">
-                <a:solidFill>
-                  <a:srgbClr val="FF0000"/>
-                </a:solidFill>
-              </a:rPr>
-              <a:t>(</a:t>
-            </a:r>
-            <a:r>
-              <a:rPr lang="en-GB" dirty="0" err="1" smtClean="0">
-                <a:solidFill>
-                  <a:srgbClr val="FF0000"/>
-                </a:solidFill>
-              </a:rPr>
-              <a:t>myClassInstance</a:t>
-            </a:r>
-            <a:r>
-              <a:rPr lang="en-GB" dirty="0" smtClean="0">
-                <a:solidFill>
-                  <a:srgbClr val="FF0000"/>
-                </a:solidFill>
-              </a:rPr>
-              <a:t>)</a:t>
-            </a:r>
-            <a:endParaRPr lang="en-GB" dirty="0">
-              <a:solidFill>
-                <a:srgbClr val="FF0000"/>
-              </a:solidFill>
-            </a:endParaRPr>
-          </a:p>
-        </p:txBody>
-      </p:sp>
+              <a:t>interface</a:t>
+            </a:r>
+            <a:r>
+              <a:rPr lang="en-GB" dirty="0" smtClean="0"/>
+              <a:t> and be registered as an event listener on the appropriate event source</a:t>
+            </a:r>
+            <a:endParaRPr lang="en-GB" dirty="0"/>
+          </a:p>
+        </p:txBody>
+      </p:sp>
+      <p:pic>
+        <p:nvPicPr>
+          <p:cNvPr id="19460" name="Picture 3"/>
+          <p:cNvPicPr>
+            <a:picLocks noChangeAspect="1"/>
+          </p:cNvPicPr>
+          <p:nvPr/>
+        </p:nvPicPr>
+        <p:blipFill>
+          <a:blip r:embed="rId2">
+            <a:extLst>
+              <a:ext uri="{28A0092B-C50C-407E-A947-70E740481C1C}">
+                <a14:useLocalDpi xmlns:a14="http://schemas.microsoft.com/office/drawing/2010/main" val="0"/>
+              </a:ext>
+            </a:extLst>
+          </a:blip>
+          <a:srcRect/>
+          <a:stretch>
+            <a:fillRect/>
+          </a:stretch>
+        </p:blipFill>
+        <p:spPr bwMode="auto">
+          <a:xfrm>
+            <a:off x="228600" y="4495800"/>
+            <a:ext cx="8572500" cy="2047875"/>
+          </a:xfrm>
+          <a:prstGeom prst="rect">
+            <a:avLst/>
+          </a:prstGeom>
+          <a:noFill/>
+          <a:ln>
+            <a:noFill/>
+          </a:ln>
+          <a:extLst>
+            <a:ext uri="{909E8E84-426E-40DD-AFC4-6F175D3DCCD1}">
+              <a14:hiddenFill xmlns:a14="http://schemas.microsoft.com/office/drawing/2010/main">
+                <a:solidFill>
+                  <a:srgbClr val="FFFFFF"/>
+                </a:solidFill>
+              </a14:hiddenFill>
+            </a:ext>
+            <a:ext uri="{91240B29-F687-4F45-9708-019B960494DF}">
+              <a14:hiddenLine xmlns:a14="http://schemas.microsoft.com/office/drawing/2010/main" w="9525">
+                <a:solidFill>
+                  <a:srgbClr val="000000"/>
+                </a:solidFill>
+                <a:miter lim="800000"/>
+                <a:headEnd/>
+                <a:tailEnd/>
+              </a14:hiddenLine>
+            </a:ext>
+          </a:extLst>
+        </p:spPr>
+      </p:pic>
     </p:spTree>
   </p:cSld>
   <p:clrMapOvr>
@@ -6013,7 +5923,7 @@
       </p:grpSpPr>
       <p:sp>
         <p:nvSpPr>
-          <p:cNvPr id="22530" name="Title 1"/>
+          <p:cNvPr id="20482" name="Title 1"/>
           <p:cNvSpPr>
             <a:spLocks noGrp="1"/>
           </p:cNvSpPr>
@@ -6023,7 +5933,7 @@
         </p:nvSpPr>
         <p:spPr>
           <a:xfrm>
-            <a:off x="685800" y="304800"/>
+            <a:off x="677863" y="228600"/>
             <a:ext cx="7772400" cy="1143000"/>
           </a:xfrm>
         </p:spPr>
@@ -6033,14 +5943,14 @@
           <a:p>
             <a:r>
               <a:rPr lang="en-GB" altLang="en-US" smtClean="0"/>
-              <a:t>Events Handlers, cont.</a:t>
-            </a:r>
-          </a:p>
-        </p:txBody>
-      </p:sp>
-      <p:sp>
-        <p:nvSpPr>
-          <p:cNvPr id="22531" name="Content Placeholder 2"/>
+              <a:t>Events, cont.</a:t>
+            </a:r>
+          </a:p>
+        </p:txBody>
+      </p:sp>
+      <p:sp>
+        <p:nvSpPr>
+          <p:cNvPr id="20483" name="Content Placeholder 2"/>
           <p:cNvSpPr>
             <a:spLocks noGrp="1"/>
           </p:cNvSpPr>
@@ -6050,8 +5960,8 @@
         </p:nvSpPr>
         <p:spPr>
           <a:xfrm>
-            <a:off x="685800" y="5029200"/>
-            <a:ext cx="7772400" cy="1655763"/>
+            <a:off x="457200" y="1524000"/>
+            <a:ext cx="8458200" cy="4572000"/>
           </a:xfrm>
         </p:spPr>
         <p:txBody>
@@ -6059,15 +5969,50 @@
           <a:lstStyle/>
           <a:p>
             <a:r>
-              <a:rPr lang="en-GB" altLang="en-US" smtClean="0"/>
-              <a:t>Often an event handler that has only a few lines of code is implemented using an anonymous inner class.</a:t>
+              <a:rPr lang="en-GB" altLang="en-US" dirty="0" smtClean="0"/>
+              <a:t>Several events implemented in </a:t>
+            </a:r>
+            <a:r>
+              <a:rPr lang="en-GB" altLang="en-US" dirty="0" err="1" smtClean="0"/>
+              <a:t>java.awt.AWTEvent</a:t>
+            </a:r>
+            <a:r>
+              <a:rPr lang="en-GB" altLang="en-US" dirty="0" smtClean="0"/>
+              <a:t> subclasses (</a:t>
+            </a:r>
+            <a:r>
+              <a:rPr lang="en-GB" altLang="en-US" dirty="0" err="1" smtClean="0"/>
+              <a:t>java.awt.Event</a:t>
+            </a:r>
+            <a:r>
+              <a:rPr lang="en-GB" altLang="en-US" dirty="0" smtClean="0"/>
+              <a:t> is </a:t>
+            </a:r>
+            <a:r>
+              <a:rPr lang="en-GB" altLang="en-US" dirty="0" smtClean="0">
+                <a:solidFill>
+                  <a:srgbClr val="FF0000"/>
+                </a:solidFill>
+              </a:rPr>
+              <a:t>deprecated</a:t>
+            </a:r>
+            <a:r>
+              <a:rPr lang="en-GB" altLang="en-US" dirty="0" smtClean="0"/>
+              <a:t>)</a:t>
+            </a:r>
+          </a:p>
+          <a:p>
+            <a:pPr lvl="1"/>
+            <a:r>
+              <a:rPr lang="en-GB" altLang="en-US" dirty="0" smtClean="0"/>
+              <a:t>Defines a lot of constants</a:t>
             </a:r>
           </a:p>
         </p:txBody>
       </p:sp>
       <p:pic>
         <p:nvPicPr>
-          <p:cNvPr id="22532" name="Picture 3"/>
+          <p:cNvPr id="20484" name="Picture 3"/>
           <p:cNvPicPr>
             <a:picLocks noChangeAspect="1"/>
           </p:cNvPicPr>
@@ -6088,8 +6033,8 @@
         </p:blipFill>
         <p:spPr bwMode="auto">
           <a:xfrm>
-            <a:off x="381000" y="1676400"/>
-            <a:ext cx="8477250" cy="3171825"/>
+            <a:off x="152400" y="3843338"/>
+            <a:ext cx="8562975" cy="2686050"/>
           </a:xfrm>
           <a:prstGeom prst="rect">
             <a:avLst/>
@@ -6146,7 +6091,7 @@
       </p:grpSpPr>
       <p:sp>
         <p:nvSpPr>
-          <p:cNvPr id="23554" name="Title 1"/>
+          <p:cNvPr id="21506" name="Title 1"/>
           <p:cNvSpPr>
             <a:spLocks noGrp="1"/>
           </p:cNvSpPr>
@@ -6154,19 +6099,14 @@
             <p:ph type="title"/>
           </p:nvPr>
         </p:nvSpPr>
-        <p:spPr>
-          <a:xfrm>
-            <a:off x="533400" y="152400"/>
-            <a:ext cx="7772400" cy="1143000"/>
-          </a:xfrm>
-        </p:spPr>
+        <p:spPr/>
         <p:txBody>
           <a:bodyPr/>
           <a:lstStyle/>
           <a:p>
             <a:r>
               <a:rPr lang="en-GB" altLang="en-US" smtClean="0"/>
-              <a:t>Events Handlers, cont.</a:t>
+              <a:t>Events Handlers</a:t>
             </a:r>
           </a:p>
         </p:txBody>
@@ -6181,15 +6121,10 @@
             <p:ph idx="1"/>
           </p:nvPr>
         </p:nvSpPr>
-        <p:spPr>
-          <a:xfrm>
-            <a:off x="533400" y="1447800"/>
-            <a:ext cx="8458200" cy="2438400"/>
-          </a:xfrm>
-        </p:spPr>
+        <p:spPr/>
         <p:txBody>
           <a:bodyPr>
-            <a:normAutofit fontScale="85000" lnSpcReduction="20000"/>
+            <a:normAutofit fontScale="77500" lnSpcReduction="20000"/>
           </a:bodyPr>
           <a:lstStyle/>
           <a:p>
@@ -6197,12 +6132,8 @@
               <a:defRPr/>
             </a:pPr>
             <a:r>
-              <a:rPr lang="en-GB" dirty="0" err="1" smtClean="0"/>
-              <a:t>SwingApplication</a:t>
-            </a:r>
-            <a:r>
-              <a:rPr lang="en-GB" dirty="0" smtClean="0"/>
-              <a:t> has two event handlers.</a:t>
+              <a:rPr lang="en-GB" dirty="0" smtClean="0"/>
+              <a:t> In the declaration for the event handler class, one line of code specifies that the class either implements a listener interface (or extends a class that implements a listener interface).</a:t>
             </a:r>
           </a:p>
           <a:p>
@@ -6210,21 +6141,20 @@
               <a:defRPr/>
             </a:pPr>
             <a:r>
-              <a:rPr lang="en-GB" dirty="0" smtClean="0"/>
-              <a:t>Window closing (window events).</a:t>
-            </a:r>
-          </a:p>
-          <a:p>
-            <a:pPr lvl="2">
-              <a:defRPr/>
-            </a:pPr>
+              <a:rPr lang="en-GB" dirty="0" smtClean="0">
+                <a:solidFill>
+                  <a:srgbClr val="FF0000"/>
+                </a:solidFill>
+              </a:rPr>
+              <a:t>public class </a:t>
+            </a:r>
             <a:r>
               <a:rPr lang="en-GB" dirty="0" err="1" smtClean="0">
                 <a:solidFill>
                   <a:srgbClr val="FF0000"/>
                 </a:solidFill>
               </a:rPr>
-              <a:t>frame.setDefaultCloseOperation</a:t>
+              <a:t>MyClass</a:t>
             </a:r>
             <a:r>
               <a:rPr lang="en-GB" dirty="0" smtClean="0">
@@ -6232,7 +6162,7 @@
                   <a:srgbClr val="FF0000"/>
                 </a:solidFill>
               </a:rPr>
-              <a:t> (</a:t>
+              <a:t> implements </a:t>
             </a:r>
             <a:r>
               <a:rPr lang="en-GB" dirty="0" err="1" smtClean="0">
@@ -6240,15 +6170,66 @@
                   <a:srgbClr val="FF0000"/>
                 </a:solidFill>
               </a:rPr>
-              <a:t>JFrame.EXIT_ON_CLOSE</a:t>
-            </a:r>
+              <a:t>ActionListener</a:t>
+            </a:r>
+            <a:endParaRPr lang="en-GB" dirty="0" smtClean="0">
+              <a:solidFill>
+                <a:srgbClr val="FF0000"/>
+              </a:solidFill>
+            </a:endParaRPr>
+          </a:p>
+          <a:p>
+            <a:pPr>
+              <a:defRPr/>
+            </a:pPr>
+            <a:r>
+              <a:rPr lang="en-GB" dirty="0" smtClean="0"/>
+              <a:t>In the event handler class the method(s) in the listener interface must be implemented</a:t>
+            </a:r>
+          </a:p>
+          <a:p>
+            <a:pPr lvl="1">
+              <a:defRPr/>
+            </a:pPr>
             <a:r>
               <a:rPr lang="en-GB" dirty="0" smtClean="0">
                 <a:solidFill>
                   <a:srgbClr val="FF0000"/>
                 </a:solidFill>
               </a:rPr>
-              <a:t>);</a:t>
+              <a:t>public void </a:t>
+            </a:r>
+            <a:r>
+              <a:rPr lang="en-GB" dirty="0" err="1" smtClean="0">
+                <a:solidFill>
+                  <a:srgbClr val="FF0000"/>
+                </a:solidFill>
+              </a:rPr>
+              <a:t>actionPerformed</a:t>
+            </a:r>
+            <a:r>
+              <a:rPr lang="en-GB" dirty="0" smtClean="0">
+                <a:solidFill>
+                  <a:srgbClr val="FF0000"/>
+                </a:solidFill>
+              </a:rPr>
+              <a:t>(</a:t>
+            </a:r>
+            <a:r>
+              <a:rPr lang="en-GB" dirty="0" err="1" smtClean="0">
+                <a:solidFill>
+                  <a:srgbClr val="FF0000"/>
+                </a:solidFill>
+              </a:rPr>
+              <a:t>ActionEvent</a:t>
+            </a:r>
+            <a:r>
+              <a:rPr lang="en-GB" dirty="0" smtClean="0">
+                <a:solidFill>
+                  <a:srgbClr val="FF0000"/>
+                </a:solidFill>
+              </a:rPr>
+              <a:t> e) { /* code that "reacts" to the event */ }</a:t>
             </a:r>
           </a:p>
           <a:p>
@@ -6257,7 +6238,7 @@
             </a:pPr>
             <a:r>
               <a:rPr lang="en-GB" dirty="0" smtClean="0"/>
-              <a:t>Button clicks (action events).</a:t>
+              <a:t>Register an instance of the event handler class as a listener on one or more components.</a:t>
             </a:r>
           </a:p>
           <a:p>
@@ -6265,84 +6246,45 @@
               <a:defRPr/>
             </a:pPr>
             <a:r>
-              <a:rPr lang="en-GB" dirty="0" smtClean="0"/>
-              <a:t>see previous slide.</a:t>
-            </a:r>
-          </a:p>
-          <a:p>
-            <a:pPr>
-              <a:defRPr/>
-            </a:pPr>
-            <a:r>
-              <a:rPr lang="en-GB" dirty="0"/>
-              <a:t>Types of events (listeners defined in </a:t>
-            </a:r>
-            <a:r>
-              <a:rPr lang="en-GB" dirty="0" err="1"/>
-              <a:t>java.awt.event</a:t>
-            </a:r>
-            <a:r>
-              <a:rPr lang="en-GB" dirty="0" smtClean="0"/>
+              <a:rPr lang="en-GB" dirty="0" err="1" smtClean="0">
+                <a:solidFill>
+                  <a:srgbClr val="FF0000"/>
+                </a:solidFill>
+              </a:rPr>
+              <a:t>myComponent.addActionListener</a:t>
+            </a:r>
+            <a:r>
+              <a:rPr lang="en-GB" dirty="0" smtClean="0">
+                <a:solidFill>
+                  <a:srgbClr val="FF0000"/>
+                </a:solidFill>
+              </a:rPr>
+              <a:t>(</a:t>
+            </a:r>
+            <a:r>
+              <a:rPr lang="en-GB" dirty="0" err="1" smtClean="0">
+                <a:solidFill>
+                  <a:srgbClr val="FF0000"/>
+                </a:solidFill>
+              </a:rPr>
+              <a:t>myClassInstance</a:t>
+            </a:r>
+            <a:r>
+              <a:rPr lang="en-GB" dirty="0" smtClean="0">
+                <a:solidFill>
+                  <a:srgbClr val="FF0000"/>
+                </a:solidFill>
+              </a:rPr>
               <a:t>)</a:t>
             </a:r>
-            <a:endParaRPr lang="en-GB" dirty="0"/>
-          </a:p>
-        </p:txBody>
-      </p:sp>
-      <p:pic>
-        <p:nvPicPr>
-          <p:cNvPr id="23556" name="Picture 3"/>
-          <p:cNvPicPr>
-            <a:picLocks noChangeAspect="1"/>
-          </p:cNvPicPr>
-          <p:nvPr/>
-        </p:nvPicPr>
-        <p:blipFill>
-          <a:blip r:embed="rId2">
-            <a:extLst>
-              <a:ext uri="{28A0092B-C50C-407E-A947-70E740481C1C}">
-                <a14:useLocalDpi xmlns:a14="http://schemas.microsoft.com/office/drawing/2010/main" val="0"/>
-              </a:ext>
-            </a:extLst>
-          </a:blip>
-          <a:srcRect/>
-          <a:stretch>
-            <a:fillRect/>
-          </a:stretch>
-        </p:blipFill>
-        <p:spPr bwMode="auto">
-          <a:xfrm>
-            <a:off x="914400" y="4030663"/>
-            <a:ext cx="7034213" cy="2630487"/>
-          </a:xfrm>
-          <a:prstGeom prst="rect">
-            <a:avLst/>
-          </a:prstGeom>
-          <a:noFill/>
-          <a:ln>
-            <a:noFill/>
-          </a:ln>
-          <a:extLst>
-            <a:ext uri="{909E8E84-426E-40DD-AFC4-6F175D3DCCD1}">
-              <a14:hiddenFill xmlns:a14="http://schemas.microsoft.com/office/drawing/2010/main">
-                <a:solidFill>
-                  <a:srgbClr val="FFFFFF"/>
-                </a:solidFill>
-              </a14:hiddenFill>
-            </a:ext>
-            <a:ext uri="{91240B29-F687-4F45-9708-019B960494DF}">
-              <a14:hiddenLine xmlns:a14="http://schemas.microsoft.com/office/drawing/2010/main" w="9525">
-                <a:solidFill>
-                  <a:srgbClr val="000000"/>
-                </a:solidFill>
-                <a:miter lim="800000"/>
-                <a:headEnd/>
-                <a:tailEnd/>
-              </a14:hiddenLine>
-            </a:ext>
-          </a:extLst>
-        </p:spPr>
-      </p:pic>
+            <a:endParaRPr lang="en-GB" dirty="0">
+              <a:solidFill>
+                <a:srgbClr val="FF0000"/>
+              </a:solidFill>
+            </a:endParaRPr>
+          </a:p>
+        </p:txBody>
+      </p:sp>
     </p:spTree>
   </p:cSld>
   <p:clrMapOvr>
@@ -6370,7 +6312,7 @@
       </p:grpSpPr>
       <p:sp>
         <p:nvSpPr>
-          <p:cNvPr id="24578" name="Title 1"/>
+          <p:cNvPr id="22530" name="Title 1"/>
           <p:cNvSpPr>
             <a:spLocks noGrp="1"/>
           </p:cNvSpPr>
@@ -6380,7 +6322,7 @@
         </p:nvSpPr>
         <p:spPr>
           <a:xfrm>
-            <a:off x="685800" y="228600"/>
+            <a:off x="685800" y="304800"/>
             <a:ext cx="7772400" cy="1143000"/>
           </a:xfrm>
         </p:spPr>
@@ -6389,24 +6331,42 @@
           <a:lstStyle/>
           <a:p>
             <a:r>
-              <a:rPr lang="en-GB" altLang="en-US" dirty="0" err="1" smtClean="0"/>
-              <a:t>WindowListener</a:t>
-            </a:r>
-            <a:r>
-              <a:rPr lang="en-GB" altLang="en-US" dirty="0" smtClean="0"/>
-              <a:t> and </a:t>
-            </a:r>
-            <a:r>
-              <a:rPr lang="en-GB" altLang="en-US" dirty="0" err="1" smtClean="0"/>
-              <a:t>MouseListener</a:t>
-            </a:r>
-            <a:endParaRPr lang="en-GB" altLang="en-US" dirty="0" smtClean="0"/>
+              <a:rPr lang="en-GB" altLang="en-US" smtClean="0"/>
+              <a:t>Events Handlers, cont.</a:t>
+            </a:r>
+          </a:p>
+        </p:txBody>
+      </p:sp>
+      <p:sp>
+        <p:nvSpPr>
+          <p:cNvPr id="22531" name="Content Placeholder 2"/>
+          <p:cNvSpPr>
+            <a:spLocks noGrp="1"/>
+          </p:cNvSpPr>
+          <p:nvPr>
+            <p:ph idx="1"/>
+          </p:nvPr>
+        </p:nvSpPr>
+        <p:spPr>
+          <a:xfrm>
+            <a:off x="685800" y="5029200"/>
+            <a:ext cx="7772400" cy="1655763"/>
+          </a:xfrm>
+        </p:spPr>
+        <p:txBody>
+          <a:bodyPr/>
+          <a:lstStyle/>
+          <a:p>
+            <a:r>
+              <a:rPr lang="en-GB" altLang="en-US" smtClean="0"/>
+              <a:t>Often an event handler that has only a few lines of code is implemented using an anonymous inner class.</a:t>
+            </a:r>
           </a:p>
         </p:txBody>
       </p:sp>
       <p:pic>
         <p:nvPicPr>
-          <p:cNvPr id="24579" name="Picture 3"/>
+          <p:cNvPr id="22532" name="Picture 3"/>
           <p:cNvPicPr>
             <a:picLocks noChangeAspect="1"/>
           </p:cNvPicPr>
@@ -6427,62 +6387,8 @@
         </p:blipFill>
         <p:spPr bwMode="auto">
           <a:xfrm>
-            <a:off x="592138" y="1633538"/>
-            <a:ext cx="7731125" cy="2447925"/>
-          </a:xfrm>
-          <a:prstGeom prst="rect">
-            <a:avLst/>
-          </a:prstGeom>
-          <a:noFill/>
-          <a:ln>
-            <a:noFill/>
-          </a:ln>
-          <a:extLst>
-            <a:ext uri="{909E8E84-426E-40DD-AFC4-6F175D3DCCD1}">
-              <a14:hiddenFill xmlns:a14="http://schemas.microsoft.com/office/drawing/2010/main">
-                <a:solidFill>
-                  <a:srgbClr val="FFFFFF"/>
-                </a:solidFill>
-              </a14:hiddenFill>
-            </a:ext>
-            <a:ext uri="{91240B29-F687-4F45-9708-019B960494DF}">
-              <a14:hiddenLine xmlns:a14="http://schemas.microsoft.com/office/drawing/2010/main" w="9525">
-                <a:solidFill>
-                  <a:srgbClr val="000000"/>
-                </a:solidFill>
-                <a:miter lim="800000"/>
-                <a:headEnd/>
-                <a:tailEnd/>
-              </a14:hiddenLine>
-            </a:ext>
-          </a:extLst>
-        </p:spPr>
-      </p:pic>
-      <p:pic>
-        <p:nvPicPr>
-          <p:cNvPr id="24580" name="Picture 4"/>
-          <p:cNvPicPr>
-            <a:picLocks noChangeAspect="1"/>
-          </p:cNvPicPr>
-          <p:nvPr/>
-        </p:nvPicPr>
-        <p:blipFill>
-          <a:blip r:embed="rId3">
-            <a:extLst>
-              <a:ext uri="{28A0092B-C50C-407E-A947-70E740481C1C}">
-                <a14:useLocalDpi xmlns:a14="http://schemas.microsoft.com/office/drawing/2010/main" val="0"/>
-              </a:ext>
-            </a:extLst>
-          </a:blip>
-          <a:srcRect/>
-          <a:stretch>
-            <a:fillRect/>
-          </a:stretch>
-        </p:blipFill>
-        <p:spPr bwMode="auto">
-          <a:xfrm>
-            <a:off x="457200" y="4419600"/>
-            <a:ext cx="8001000" cy="2000250"/>
+            <a:off x="381000" y="1676400"/>
+            <a:ext cx="8477250" cy="3171825"/>
           </a:xfrm>
           <a:prstGeom prst="rect">
             <a:avLst/>
@@ -6539,7 +6445,7 @@
       </p:grpSpPr>
       <p:sp>
         <p:nvSpPr>
-          <p:cNvPr id="25602" name="Title 1"/>
+          <p:cNvPr id="23554" name="Title 1"/>
           <p:cNvSpPr>
             <a:spLocks noGrp="1"/>
           </p:cNvSpPr>
@@ -6549,7 +6455,7 @@
         </p:nvSpPr>
         <p:spPr>
           <a:xfrm>
-            <a:off x="677863" y="76200"/>
+            <a:off x="533400" y="152400"/>
             <a:ext cx="7772400" cy="1143000"/>
           </a:xfrm>
         </p:spPr>
@@ -6559,7 +6465,7 @@
           <a:p>
             <a:r>
               <a:rPr lang="en-GB" altLang="en-US" smtClean="0"/>
-              <a:t>Layout Managers</a:t>
+              <a:t>Events Handlers, cont.</a:t>
             </a:r>
           </a:p>
         </p:txBody>
@@ -6576,13 +6482,13 @@
         </p:nvSpPr>
         <p:spPr>
           <a:xfrm>
-            <a:off x="677863" y="1227138"/>
-            <a:ext cx="8085137" cy="2362200"/>
+            <a:off x="533400" y="1447800"/>
+            <a:ext cx="8458200" cy="2438400"/>
           </a:xfrm>
         </p:spPr>
         <p:txBody>
           <a:bodyPr>
-            <a:normAutofit fontScale="85000" lnSpcReduction="10000"/>
+            <a:normAutofit fontScale="85000" lnSpcReduction="20000"/>
           </a:bodyPr>
           <a:lstStyle/>
           <a:p>
@@ -6590,8 +6496,58 @@
               <a:defRPr/>
             </a:pPr>
             <a:r>
-              <a:rPr lang="en-GB" dirty="0" smtClean="0"/>
-              <a:t>A layout manager is an object that determines the manner in which components are displayed in a container</a:t>
+              <a:rPr lang="en-GB" dirty="0" err="1" smtClean="0"/>
+              <a:t>SwingApplication</a:t>
+            </a:r>
+            <a:r>
+              <a:rPr lang="en-GB" dirty="0" smtClean="0"/>
+              <a:t> has two event handlers.</a:t>
+            </a:r>
+          </a:p>
+          <a:p>
+            <a:pPr lvl="1">
+              <a:defRPr/>
+            </a:pPr>
+            <a:r>
+              <a:rPr lang="en-GB" dirty="0" smtClean="0"/>
+              <a:t>Window closing (window events).</a:t>
+            </a:r>
+          </a:p>
+          <a:p>
+            <a:pPr lvl="2">
+              <a:defRPr/>
+            </a:pPr>
+            <a:r>
+              <a:rPr lang="en-GB" dirty="0" err="1" smtClean="0">
+                <a:solidFill>
+                  <a:srgbClr val="FF0000"/>
+                </a:solidFill>
+              </a:rPr>
+              <a:t>frame.setDefaultCloseOperation</a:t>
+            </a:r>
+            <a:r>
+              <a:rPr lang="en-GB" dirty="0" smtClean="0">
+                <a:solidFill>
+                  <a:srgbClr val="FF0000"/>
+                </a:solidFill>
+              </a:rPr>
+              <a:t> (</a:t>
+            </a:r>
+            <a:r>
+              <a:rPr lang="en-GB" dirty="0" err="1" smtClean="0">
+                <a:solidFill>
+                  <a:srgbClr val="FF0000"/>
+                </a:solidFill>
+              </a:rPr>
+              <a:t>JFrame.EXIT_ON_CLOSE</a:t>
+            </a:r>
+            <a:r>
+              <a:rPr lang="en-GB" dirty="0" smtClean="0">
+                <a:solidFill>
+                  <a:srgbClr val="FF0000"/>
+                </a:solidFill>
+              </a:rPr>
+              <a:t>);</a:t>
             </a:r>
           </a:p>
           <a:p>
@@ -6600,19 +6556,33 @@
             </a:pPr>
             <a:r>
               <a:rPr lang="en-GB" dirty="0" smtClean="0"/>
-              <a:t>There are </a:t>
-            </a:r>
-            <a:r>
-              <a:rPr lang="en-GB" dirty="0" smtClean="0">
-                <a:solidFill>
-                  <a:srgbClr val="FF0000"/>
-                </a:solidFill>
-              </a:rPr>
-              <a:t>several predefined layout managers </a:t>
-            </a:r>
-            <a:r>
-              <a:rPr lang="en-GB" dirty="0" smtClean="0"/>
-              <a:t>defined in the Java standard class library</a:t>
+              <a:t>Button clicks (action events).</a:t>
+            </a:r>
+          </a:p>
+          <a:p>
+            <a:pPr lvl="1">
+              <a:defRPr/>
+            </a:pPr>
+            <a:r>
+              <a:rPr lang="en-GB" dirty="0" smtClean="0"/>
+              <a:t>see previous slide.</a:t>
+            </a:r>
+          </a:p>
+          <a:p>
+            <a:pPr>
+              <a:defRPr/>
+            </a:pPr>
+            <a:r>
+              <a:rPr lang="en-GB" dirty="0"/>
+              <a:t>Types of events (listeners defined in </a:t>
+            </a:r>
+            <a:r>
+              <a:rPr lang="en-GB" dirty="0" err="1"/>
+              <a:t>java.awt.event</a:t>
+            </a:r>
+            <a:r>
+              <a:rPr lang="en-GB" dirty="0" smtClean="0"/>
+              <a:t>)</a:t>
             </a:r>
             <a:endParaRPr lang="en-GB" dirty="0"/>
           </a:p>
@@ -6620,7 +6590,7 @@
       </p:sp>
       <p:pic>
         <p:nvPicPr>
-          <p:cNvPr id="25604" name="Picture 3"/>
+          <p:cNvPr id="23556" name="Picture 3"/>
           <p:cNvPicPr>
             <a:picLocks noChangeAspect="1"/>
           </p:cNvPicPr>
@@ -6641,8 +6611,8 @@
         </p:blipFill>
         <p:spPr bwMode="auto">
           <a:xfrm>
-            <a:off x="1905000" y="3505200"/>
-            <a:ext cx="5184775" cy="2805113"/>
+            <a:off x="914400" y="4030663"/>
+            <a:ext cx="7034213" cy="2630487"/>
           </a:xfrm>
           <a:prstGeom prst="rect">
             <a:avLst/>
@@ -6699,7 +6669,7 @@
       </p:grpSpPr>
       <p:sp>
         <p:nvSpPr>
-          <p:cNvPr id="26626" name="Title 1"/>
+          <p:cNvPr id="24578" name="Title 1"/>
           <p:cNvSpPr>
             <a:spLocks noGrp="1"/>
           </p:cNvSpPr>
@@ -6709,7 +6679,7 @@
         </p:nvSpPr>
         <p:spPr>
           <a:xfrm>
-            <a:off x="685800" y="152400"/>
+            <a:off x="685800" y="228600"/>
             <a:ext cx="7772400" cy="1143000"/>
           </a:xfrm>
         </p:spPr>
@@ -6718,72 +6688,129 @@
           <a:lstStyle/>
           <a:p>
             <a:r>
-              <a:rPr lang="en-GB" altLang="en-US" smtClean="0"/>
-              <a:t>Layout Managers, cont.</a:t>
-            </a:r>
-          </a:p>
-        </p:txBody>
-      </p:sp>
-      <p:sp>
-        <p:nvSpPr>
-          <p:cNvPr id="3" name="Content Placeholder 2"/>
-          <p:cNvSpPr>
-            <a:spLocks noGrp="1"/>
-          </p:cNvSpPr>
-          <p:nvPr>
-            <p:ph idx="1"/>
-          </p:nvPr>
-        </p:nvSpPr>
-        <p:spPr>
-          <a:xfrm>
-            <a:off x="685800" y="1295400"/>
-            <a:ext cx="7772400" cy="5181600"/>
-          </a:xfrm>
-        </p:spPr>
-        <p:txBody>
-          <a:bodyPr>
-            <a:normAutofit fontScale="92500" lnSpcReduction="20000"/>
-          </a:bodyPr>
-          <a:lstStyle/>
-          <a:p>
-            <a:pPr>
-              <a:defRPr/>
-            </a:pPr>
-            <a:r>
-              <a:rPr lang="en-GB" dirty="0" smtClean="0"/>
-              <a:t>Every container has a default layout manager, but we can also explicitly set the layout manager for a container</a:t>
-            </a:r>
-          </a:p>
-          <a:p>
-            <a:pPr>
-              <a:defRPr/>
-            </a:pPr>
-            <a:r>
-              <a:rPr lang="en-GB" dirty="0" smtClean="0"/>
-              <a:t>Each layout manager has its own particular rules governing how the components will be arranged</a:t>
-            </a:r>
-          </a:p>
-          <a:p>
-            <a:pPr>
-              <a:defRPr/>
-            </a:pPr>
-            <a:r>
-              <a:rPr lang="en-GB" dirty="0" smtClean="0"/>
-              <a:t>Some layout managers pay attention to a component's preferred size or alignment, and others do not</a:t>
-            </a:r>
-          </a:p>
-          <a:p>
-            <a:pPr>
-              <a:defRPr/>
-            </a:pPr>
-            <a:r>
-              <a:rPr lang="en-GB" dirty="0" smtClean="0"/>
-              <a:t>The layout managers attempt to adjust the layout as components are added and as containers are resized</a:t>
-            </a:r>
-            <a:endParaRPr lang="en-GB" dirty="0"/>
-          </a:p>
-        </p:txBody>
-      </p:sp>
+              <a:rPr lang="en-GB" altLang="en-US" dirty="0" err="1" smtClean="0"/>
+              <a:t>WindowListener</a:t>
+            </a:r>
+            <a:r>
+              <a:rPr lang="en-GB" altLang="en-US" dirty="0" smtClean="0"/>
+              <a:t> and </a:t>
+            </a:r>
+            <a:r>
+              <a:rPr lang="en-GB" altLang="en-US" dirty="0" err="1" smtClean="0"/>
+              <a:t>MouseListener</a:t>
+            </a:r>
+            <a:endParaRPr lang="en-GB" altLang="en-US" dirty="0" smtClean="0"/>
+          </a:p>
+        </p:txBody>
+      </p:sp>
+      <p:pic>
+        <p:nvPicPr>
+          <p:cNvPr id="24579" name="Picture 3"/>
+          <p:cNvPicPr>
+            <a:picLocks noChangeAspect="1"/>
+          </p:cNvPicPr>
+          <p:nvPr/>
+        </p:nvPicPr>
+        <p:blipFill>
+          <a:blip r:embed="rId2">
+            <a:extLst>
+              <a:ext uri="{28A0092B-C50C-407E-A947-70E740481C1C}">
+                <a14:useLocalDpi xmlns:a14="http://schemas.microsoft.com/office/drawing/2010/main" val="0"/>
+              </a:ext>
+            </a:extLst>
+          </a:blip>
+          <a:srcRect/>
+          <a:stretch>
+            <a:fillRect/>
+          </a:stretch>
+        </p:blipFill>
+        <p:spPr bwMode="auto">
+          <a:xfrm>
+            <a:off x="592138" y="1633538"/>
+            <a:ext cx="7731125" cy="2447925"/>
+          </a:xfrm>
+          <a:prstGeom prst="rect">
+            <a:avLst/>
+          </a:prstGeom>
+          <a:noFill/>
+          <a:ln>
+            <a:noFill/>
+          </a:ln>
+          <a:extLst>
+            <a:ext uri="{909E8E84-426E-40DD-AFC4-6F175D3DCCD1}">
+              <a14:hiddenFill xmlns:a14="http://schemas.microsoft.com/office/drawing/2010/main">
+                <a:solidFill>
+                  <a:srgbClr val="FFFFFF"/>
+                </a:solidFill>
+              </a14:hiddenFill>
+            </a:ext>
+            <a:ext uri="{91240B29-F687-4F45-9708-019B960494DF}">
+              <a14:hiddenLine xmlns:a14="http://schemas.microsoft.com/office/drawing/2010/main" w="9525">
+                <a:solidFill>
+                  <a:srgbClr val="000000"/>
+                </a:solidFill>
+                <a:miter lim="800000"/>
+                <a:headEnd/>
+                <a:tailEnd/>
+              </a14:hiddenLine>
+            </a:ext>
+          </a:extLst>
+        </p:spPr>
+      </p:pic>
+      <p:pic>
+        <p:nvPicPr>
+          <p:cNvPr id="24580" name="Picture 4"/>
+          <p:cNvPicPr>
+            <a:picLocks noChangeAspect="1"/>
+          </p:cNvPicPr>
+          <p:nvPr/>
+        </p:nvPicPr>
+        <p:blipFill>
+          <a:blip r:embed="rId3">
+            <a:extLst>
+              <a:ext uri="{28A0092B-C50C-407E-A947-70E740481C1C}">
+                <a14:useLocalDpi xmlns:a14="http://schemas.microsoft.com/office/drawing/2010/main" val="0"/>
+              </a:ext>
+            </a:extLst>
+          </a:blip>
+          <a:srcRect/>
+          <a:stretch>
+            <a:fillRect/>
+          </a:stretch>
+        </p:blipFill>
+        <p:spPr bwMode="auto">
+          <a:xfrm>
+            <a:off x="457200" y="4419600"/>
+            <a:ext cx="8001000" cy="2000250"/>
+          </a:xfrm>
+          <a:prstGeom prst="rect">
+            <a:avLst/>
+          </a:prstGeom>
+          <a:noFill/>
+          <a:ln>
+            <a:noFill/>
+          </a:ln>
+          <a:extLst>
+            <a:ext uri="{909E8E84-426E-40DD-AFC4-6F175D3DCCD1}">
+              <a14:hiddenFill xmlns:a14="http://schemas.microsoft.com/office/drawing/2010/main">
+                <a:solidFill>
+                  <a:srgbClr val="FFFFFF"/>
+                </a:solidFill>
+              </a14:hiddenFill>
+            </a:ext>
+            <a:ext uri="{91240B29-F687-4F45-9708-019B960494DF}">
+              <a14:hiddenLine xmlns:a14="http://schemas.microsoft.com/office/drawing/2010/main" w="9525">
+                <a:solidFill>
+                  <a:srgbClr val="000000"/>
+                </a:solidFill>
+                <a:miter lim="800000"/>
+                <a:headEnd/>
+                <a:tailEnd/>
+              </a14:hiddenLine>
+            </a:ext>
+          </a:extLst>
+        </p:spPr>
+      </p:pic>
     </p:spTree>
   </p:cSld>
   <p:clrMapOvr>
@@ -6811,7 +6838,7 @@
       </p:grpSpPr>
       <p:sp>
         <p:nvSpPr>
-          <p:cNvPr id="27650" name="Title 1"/>
+          <p:cNvPr id="2" name="Title 1"/>
           <p:cNvSpPr>
             <a:spLocks noGrp="1"/>
           </p:cNvSpPr>
@@ -6821,7 +6848,7 @@
         </p:nvSpPr>
         <p:spPr>
           <a:xfrm>
-            <a:off x="685800" y="76200"/>
+            <a:off x="590550" y="-16933"/>
             <a:ext cx="7772400" cy="1143000"/>
           </a:xfrm>
         </p:spPr>
@@ -6830,9 +6857,10 @@
           <a:lstStyle/>
           <a:p>
             <a:r>
-              <a:rPr lang="en-GB" altLang="en-US" smtClean="0"/>
-              <a:t>Flow Layout</a:t>
-            </a:r>
+              <a:rPr lang="en-GB" dirty="0" smtClean="0"/>
+              <a:t>Example</a:t>
+            </a:r>
+            <a:endParaRPr lang="en-GB" dirty="0"/>
           </a:p>
         </p:txBody>
       </p:sp>
@@ -6846,132 +6874,270 @@
             <p:ph idx="1"/>
           </p:nvPr>
         </p:nvSpPr>
-        <p:spPr>
-          <a:xfrm>
-            <a:off x="685800" y="1219200"/>
-            <a:ext cx="7772400" cy="3505200"/>
-          </a:xfrm>
-        </p:spPr>
-        <p:txBody>
-          <a:bodyPr>
-            <a:normAutofit fontScale="85000" lnSpcReduction="20000"/>
-          </a:bodyPr>
+        <p:spPr/>
+        <p:txBody>
+          <a:bodyPr/>
           <a:lstStyle/>
           <a:p>
-            <a:pPr>
-              <a:defRPr/>
-            </a:pPr>
-            <a:r>
-              <a:rPr lang="en-GB" dirty="0" smtClean="0"/>
-              <a:t>A flow layout puts as many components on a row as possible, then moves to the next row</a:t>
-            </a:r>
-          </a:p>
-          <a:p>
-            <a:pPr>
-              <a:defRPr/>
-            </a:pPr>
-            <a:r>
-              <a:rPr lang="en-GB" dirty="0" smtClean="0"/>
-              <a:t>Rows are created as needed to accommodate all of the components</a:t>
-            </a:r>
-          </a:p>
-          <a:p>
-            <a:pPr>
-              <a:defRPr/>
-            </a:pPr>
-            <a:r>
-              <a:rPr lang="en-GB" dirty="0" smtClean="0"/>
-              <a:t>Components are displayed in the order they are added to the container</a:t>
-            </a:r>
-          </a:p>
-          <a:p>
-            <a:pPr>
-              <a:defRPr/>
-            </a:pPr>
-            <a:r>
-              <a:rPr lang="en-GB" dirty="0" smtClean="0"/>
-              <a:t>The horizontal and vertical gaps between the components can be explicitly set</a:t>
-            </a:r>
-          </a:p>
-          <a:p>
-            <a:pPr>
-              <a:defRPr/>
-            </a:pPr>
-            <a:r>
-              <a:rPr lang="en-GB" dirty="0" smtClean="0"/>
-              <a:t>Default for </a:t>
-            </a:r>
-            <a:r>
-              <a:rPr lang="en-GB" dirty="0" err="1" smtClean="0">
-                <a:solidFill>
-                  <a:srgbClr val="FF0000"/>
-                </a:solidFill>
-              </a:rPr>
-              <a:t>JPanel</a:t>
-            </a:r>
-            <a:endParaRPr lang="en-GB" dirty="0">
-              <a:solidFill>
-                <a:srgbClr val="FF0000"/>
-              </a:solidFill>
-            </a:endParaRPr>
+            <a:endParaRPr lang="en-GB"/>
           </a:p>
         </p:txBody>
       </p:sp>
       <p:pic>
         <p:nvPicPr>
-          <p:cNvPr id="27652" name="Picture 3"/>
+          <p:cNvPr id="4" name="Picture 3"/>
           <p:cNvPicPr>
             <a:picLocks noChangeAspect="1"/>
           </p:cNvPicPr>
           <p:nvPr/>
         </p:nvPicPr>
         <p:blipFill>
-          <a:blip r:embed="rId2">
-            <a:extLst>
-              <a:ext uri="{28A0092B-C50C-407E-A947-70E740481C1C}">
-                <a14:useLocalDpi xmlns:a14="http://schemas.microsoft.com/office/drawing/2010/main" val="0"/>
-              </a:ext>
-            </a:extLst>
-          </a:blip>
-          <a:srcRect/>
+          <a:blip r:embed="rId2"/>
           <a:stretch>
             <a:fillRect/>
           </a:stretch>
         </p:blipFill>
-        <p:spPr bwMode="auto">
-          <a:xfrm>
-            <a:off x="1190625" y="4953000"/>
-            <a:ext cx="6762750" cy="1076325"/>
+        <p:spPr>
+          <a:xfrm>
+            <a:off x="6400800" y="1219200"/>
+            <a:ext cx="1962150" cy="1990725"/>
+          </a:xfrm>
+          <a:prstGeom prst="rect">
+            <a:avLst/>
+          </a:prstGeom>
+        </p:spPr>
+      </p:pic>
+      <p:pic>
+        <p:nvPicPr>
+          <p:cNvPr id="5" name="Picture 4"/>
+          <p:cNvPicPr>
+            <a:picLocks noChangeAspect="1"/>
+          </p:cNvPicPr>
+          <p:nvPr/>
+        </p:nvPicPr>
+        <p:blipFill>
+          <a:blip r:embed="rId3"/>
+          <a:stretch>
+            <a:fillRect/>
+          </a:stretch>
+        </p:blipFill>
+        <p:spPr>
+          <a:xfrm>
+            <a:off x="411091" y="1066800"/>
+            <a:ext cx="5495925" cy="4848225"/>
+          </a:xfrm>
+          <a:prstGeom prst="rect">
+            <a:avLst/>
+          </a:prstGeom>
+        </p:spPr>
+      </p:pic>
+      <p:sp>
+        <p:nvSpPr>
+          <p:cNvPr id="6" name="TextBox 5"/>
+          <p:cNvSpPr txBox="1"/>
+          <p:nvPr/>
+        </p:nvSpPr>
+        <p:spPr>
+          <a:xfrm>
+            <a:off x="323994" y="6035216"/>
+            <a:ext cx="1976823" cy="707886"/>
           </a:xfrm>
           <a:prstGeom prst="rect">
             <a:avLst/>
           </a:prstGeom>
           <a:noFill/>
-          <a:ln>
-            <a:noFill/>
-          </a:ln>
-          <a:extLst>
-            <a:ext uri="{909E8E84-426E-40DD-AFC4-6F175D3DCCD1}">
-              <a14:hiddenFill xmlns:a14="http://schemas.microsoft.com/office/drawing/2010/main">
-                <a:solidFill>
-                  <a:srgbClr val="FFFFFF"/>
-                </a:solidFill>
-              </a14:hiddenFill>
-            </a:ext>
-            <a:ext uri="{91240B29-F687-4F45-9708-019B960494DF}">
-              <a14:hiddenLine xmlns:a14="http://schemas.microsoft.com/office/drawing/2010/main" w="9525">
-                <a:solidFill>
-                  <a:srgbClr val="000000"/>
-                </a:solidFill>
-                <a:miter lim="800000"/>
-                <a:headEnd/>
-                <a:tailEnd/>
-              </a14:hiddenLine>
-            </a:ext>
-          </a:extLst>
-        </p:spPr>
-      </p:pic>
+        </p:spPr>
+        <p:txBody>
+          <a:bodyPr wrap="none" rtlCol="0">
+            <a:spAutoFit/>
+          </a:bodyPr>
+          <a:lstStyle/>
+          <a:p>
+            <a:r>
+              <a:rPr lang="en-GB" sz="2000" dirty="0" err="1" smtClean="0">
+                <a:solidFill>
+                  <a:schemeClr val="bg2"/>
+                </a:solidFill>
+              </a:rPr>
+              <a:t>javac</a:t>
+            </a:r>
+            <a:r>
+              <a:rPr lang="en-GB" sz="2000" dirty="0" smtClean="0">
+                <a:solidFill>
+                  <a:schemeClr val="bg2"/>
+                </a:solidFill>
+              </a:rPr>
+              <a:t> Mouse.java</a:t>
+            </a:r>
+          </a:p>
+          <a:p>
+            <a:r>
+              <a:rPr lang="en-GB" sz="2000" dirty="0" smtClean="0">
+                <a:solidFill>
+                  <a:schemeClr val="bg2"/>
+                </a:solidFill>
+              </a:rPr>
+              <a:t>java </a:t>
+            </a:r>
+            <a:r>
+              <a:rPr lang="en-GB" sz="2000" dirty="0" err="1" smtClean="0">
+                <a:solidFill>
+                  <a:schemeClr val="bg2"/>
+                </a:solidFill>
+              </a:rPr>
+              <a:t>Mouse.class</a:t>
+            </a:r>
+            <a:endParaRPr lang="en-GB" sz="2000" dirty="0">
+              <a:solidFill>
+                <a:schemeClr val="bg2"/>
+              </a:solidFill>
+            </a:endParaRPr>
+          </a:p>
+        </p:txBody>
+      </p:sp>
+      <p:sp>
+        <p:nvSpPr>
+          <p:cNvPr id="8" name="TextBox 7"/>
+          <p:cNvSpPr txBox="1"/>
+          <p:nvPr/>
+        </p:nvSpPr>
+        <p:spPr>
+          <a:xfrm>
+            <a:off x="3714606" y="5666654"/>
+            <a:ext cx="5105400" cy="1015663"/>
+          </a:xfrm>
+          <a:prstGeom prst="rect">
+            <a:avLst/>
+          </a:prstGeom>
+          <a:noFill/>
+        </p:spPr>
+        <p:txBody>
+          <a:bodyPr wrap="square" rtlCol="0">
+            <a:spAutoFit/>
+          </a:bodyPr>
+          <a:lstStyle/>
+          <a:p>
+            <a:r>
+              <a:rPr lang="en-GB" sz="1200" b="1" dirty="0" smtClean="0">
+                <a:solidFill>
+                  <a:schemeClr val="bg2"/>
+                </a:solidFill>
+              </a:rPr>
+              <a:t>Button Pressed: </a:t>
+            </a:r>
+            <a:r>
+              <a:rPr lang="en-GB" sz="1200" dirty="0" err="1" smtClean="0">
+                <a:solidFill>
+                  <a:schemeClr val="bg2"/>
+                </a:solidFill>
+              </a:rPr>
+              <a:t>java.awt.event.MouseEvent</a:t>
+            </a:r>
+            <a:r>
+              <a:rPr lang="en-GB" sz="1200" dirty="0" smtClean="0">
+                <a:solidFill>
+                  <a:schemeClr val="bg2"/>
+                </a:solidFill>
+              </a:rPr>
+              <a:t>[MOUSE_PRESSED</a:t>
+            </a:r>
+            <a:r>
+              <a:rPr lang="en-GB" sz="1200" dirty="0">
+                <a:solidFill>
+                  <a:schemeClr val="bg2"/>
+                </a:solidFill>
+              </a:rPr>
+              <a:t>,(123,43),absolute(134,87),</a:t>
+            </a:r>
+            <a:r>
+              <a:rPr lang="en-GB" sz="1200" dirty="0" smtClean="0">
+                <a:solidFill>
+                  <a:schemeClr val="bg2"/>
+                </a:solidFill>
+              </a:rPr>
+              <a:t>button=1,modifiers=Button1,extModifiers=Button1,clickCount=1</a:t>
+            </a:r>
+            <a:r>
+              <a:rPr lang="en-GB" sz="1200" dirty="0">
+                <a:solidFill>
+                  <a:schemeClr val="bg2"/>
+                </a:solidFill>
+              </a:rPr>
+              <a:t>] on Mouse[,</a:t>
+            </a:r>
+            <a:r>
+              <a:rPr lang="en-GB" sz="1200" dirty="0" smtClean="0">
+                <a:solidFill>
+                  <a:schemeClr val="bg2"/>
+                </a:solidFill>
+              </a:rPr>
+              <a:t>0,0,178x145,layout=</a:t>
+            </a:r>
+            <a:r>
+              <a:rPr lang="en-GB" sz="1200" dirty="0" err="1" smtClean="0">
+                <a:solidFill>
+                  <a:schemeClr val="bg2"/>
+                </a:solidFill>
+              </a:rPr>
+              <a:t>java.awt.FlowLayout,alignmentX</a:t>
+            </a:r>
+            <a:r>
+              <a:rPr lang="en-GB" sz="1200" dirty="0" smtClean="0">
+                <a:solidFill>
+                  <a:schemeClr val="bg2"/>
+                </a:solidFill>
+              </a:rPr>
+              <a:t>=0.0,alignmentY=0.0,border</a:t>
+            </a:r>
+            <a:r>
+              <a:rPr lang="en-GB" sz="1200" dirty="0">
+                <a:solidFill>
+                  <a:schemeClr val="bg2"/>
+                </a:solidFill>
+              </a:rPr>
+              <a:t>=,flags=9,maximumSize=,</a:t>
+            </a:r>
+            <a:r>
+              <a:rPr lang="en-GB" sz="1200" dirty="0" err="1" smtClean="0">
+                <a:solidFill>
+                  <a:schemeClr val="bg2"/>
+                </a:solidFill>
+              </a:rPr>
+              <a:t>minimumSize</a:t>
+            </a:r>
+            <a:r>
+              <a:rPr lang="en-GB" sz="1200" dirty="0">
+                <a:solidFill>
+                  <a:schemeClr val="bg2"/>
+                </a:solidFill>
+              </a:rPr>
+              <a:t>=,</a:t>
+            </a:r>
+            <a:r>
+              <a:rPr lang="en-GB" sz="1200" dirty="0" err="1">
+                <a:solidFill>
+                  <a:schemeClr val="bg2"/>
+                </a:solidFill>
+              </a:rPr>
+              <a:t>preferredSize</a:t>
+            </a:r>
+            <a:r>
+              <a:rPr lang="en-GB" sz="1200" dirty="0">
+                <a:solidFill>
+                  <a:schemeClr val="bg2"/>
+                </a:solidFill>
+              </a:rPr>
+              <a:t>=]</a:t>
+            </a:r>
+          </a:p>
+        </p:txBody>
+      </p:sp>
     </p:spTree>
+    <p:extLst>
+      <p:ext uri="{BB962C8B-B14F-4D97-AF65-F5344CB8AC3E}">
+        <p14:creationId xmlns:p14="http://schemas.microsoft.com/office/powerpoint/2010/main" val="2489509592"/>
+      </p:ext>
+    </p:extLst>
   </p:cSld>
   <p:clrMapOvr>
     <a:masterClrMapping/>
@@ -6998,7 +7164,7 @@
       </p:grpSpPr>
       <p:sp>
         <p:nvSpPr>
-          <p:cNvPr id="2" name="Title 1"/>
+          <p:cNvPr id="25602" name="Title 1"/>
           <p:cNvSpPr>
             <a:spLocks noGrp="1"/>
           </p:cNvSpPr>
@@ -7008,7 +7174,7 @@
         </p:nvSpPr>
         <p:spPr>
           <a:xfrm>
-            <a:off x="685800" y="55033"/>
+            <a:off x="677863" y="76200"/>
             <a:ext cx="7772400" cy="1143000"/>
           </a:xfrm>
         </p:spPr>
@@ -7017,90 +7183,121 @@
           <a:lstStyle/>
           <a:p>
             <a:r>
-              <a:rPr lang="en-GB" dirty="0" err="1" smtClean="0"/>
-              <a:t>FlowLayout</a:t>
-            </a:r>
-            <a:r>
-              <a:rPr lang="en-GB" dirty="0" smtClean="0"/>
-              <a:t> Example</a:t>
+              <a:rPr lang="en-GB" altLang="en-US" smtClean="0"/>
+              <a:t>Layout Managers</a:t>
+            </a:r>
+          </a:p>
+        </p:txBody>
+      </p:sp>
+      <p:sp>
+        <p:nvSpPr>
+          <p:cNvPr id="3" name="Content Placeholder 2"/>
+          <p:cNvSpPr>
+            <a:spLocks noGrp="1"/>
+          </p:cNvSpPr>
+          <p:nvPr>
+            <p:ph idx="1"/>
+          </p:nvPr>
+        </p:nvSpPr>
+        <p:spPr>
+          <a:xfrm>
+            <a:off x="677863" y="1227138"/>
+            <a:ext cx="8085137" cy="2362200"/>
+          </a:xfrm>
+        </p:spPr>
+        <p:txBody>
+          <a:bodyPr>
+            <a:normAutofit fontScale="85000" lnSpcReduction="10000"/>
+          </a:bodyPr>
+          <a:lstStyle/>
+          <a:p>
+            <a:pPr>
+              <a:defRPr/>
+            </a:pPr>
+            <a:r>
+              <a:rPr lang="en-GB" dirty="0" smtClean="0"/>
+              <a:t>A layout manager is an object that determines the manner in which components are displayed in a container</a:t>
+            </a:r>
+          </a:p>
+          <a:p>
+            <a:pPr>
+              <a:defRPr/>
+            </a:pPr>
+            <a:r>
+              <a:rPr lang="en-GB" dirty="0" smtClean="0"/>
+              <a:t>There are </a:t>
+            </a:r>
+            <a:r>
+              <a:rPr lang="en-GB" dirty="0" smtClean="0">
+                <a:solidFill>
+                  <a:srgbClr val="FF0000"/>
+                </a:solidFill>
+              </a:rPr>
+              <a:t>several predefined layout managers </a:t>
+            </a:r>
+            <a:r>
+              <a:rPr lang="en-GB" dirty="0" smtClean="0"/>
+              <a:t>defined in the Java standard class library</a:t>
             </a:r>
             <a:endParaRPr lang="en-GB" dirty="0"/>
-          </a:p>
-        </p:txBody>
-      </p:sp>
-      <p:sp>
-        <p:nvSpPr>
-          <p:cNvPr id="3" name="Content Placeholder 2"/>
-          <p:cNvSpPr>
-            <a:spLocks noGrp="1"/>
-          </p:cNvSpPr>
-          <p:nvPr>
-            <p:ph idx="1"/>
-          </p:nvPr>
-        </p:nvSpPr>
-        <p:spPr/>
-        <p:txBody>
-          <a:bodyPr/>
-          <a:lstStyle/>
-          <a:p>
-            <a:endParaRPr lang="en-GB"/>
           </a:p>
         </p:txBody>
       </p:sp>
       <p:pic>
         <p:nvPicPr>
-          <p:cNvPr id="5" name="Picture 4"/>
+          <p:cNvPr id="25604" name="Picture 3"/>
           <p:cNvPicPr>
             <a:picLocks noChangeAspect="1"/>
           </p:cNvPicPr>
           <p:nvPr/>
         </p:nvPicPr>
         <p:blipFill>
-          <a:blip r:embed="rId2"/>
+          <a:blip r:embed="rId2">
+            <a:extLst>
+              <a:ext uri="{28A0092B-C50C-407E-A947-70E740481C1C}">
+                <a14:useLocalDpi xmlns:a14="http://schemas.microsoft.com/office/drawing/2010/main" val="0"/>
+              </a:ext>
+            </a:extLst>
+          </a:blip>
+          <a:srcRect/>
           <a:stretch>
             <a:fillRect/>
           </a:stretch>
         </p:blipFill>
-        <p:spPr>
-          <a:xfrm>
-            <a:off x="224333" y="1198033"/>
-            <a:ext cx="5692445" cy="5334000"/>
+        <p:spPr bwMode="auto">
+          <a:xfrm>
+            <a:off x="1905000" y="3505200"/>
+            <a:ext cx="5184775" cy="2805113"/>
           </a:xfrm>
           <a:prstGeom prst="rect">
             <a:avLst/>
           </a:prstGeom>
-        </p:spPr>
-      </p:pic>
-      <p:pic>
-        <p:nvPicPr>
-          <p:cNvPr id="4" name="Picture 3"/>
-          <p:cNvPicPr>
-            <a:picLocks noChangeAspect="1"/>
-          </p:cNvPicPr>
-          <p:nvPr/>
-        </p:nvPicPr>
-        <p:blipFill>
-          <a:blip r:embed="rId3"/>
-          <a:stretch>
-            <a:fillRect/>
-          </a:stretch>
-        </p:blipFill>
-        <p:spPr>
-          <a:xfrm>
-            <a:off x="4724400" y="3429000"/>
-            <a:ext cx="4343400" cy="1507925"/>
-          </a:xfrm>
-          <a:prstGeom prst="rect">
-            <a:avLst/>
-          </a:prstGeom>
+          <a:noFill/>
+          <a:ln>
+            <a:noFill/>
+          </a:ln>
+          <a:extLst>
+            <a:ext uri="{909E8E84-426E-40DD-AFC4-6F175D3DCCD1}">
+              <a14:hiddenFill xmlns:a14="http://schemas.microsoft.com/office/drawing/2010/main">
+                <a:solidFill>
+                  <a:srgbClr val="FFFFFF"/>
+                </a:solidFill>
+              </a14:hiddenFill>
+            </a:ext>
+            <a:ext uri="{91240B29-F687-4F45-9708-019B960494DF}">
+              <a14:hiddenLine xmlns:a14="http://schemas.microsoft.com/office/drawing/2010/main" w="9525">
+                <a:solidFill>
+                  <a:srgbClr val="000000"/>
+                </a:solidFill>
+                <a:miter lim="800000"/>
+                <a:headEnd/>
+                <a:tailEnd/>
+              </a14:hiddenLine>
+            </a:ext>
+          </a:extLst>
         </p:spPr>
       </p:pic>
     </p:spTree>
-    <p:extLst>
-      <p:ext uri="{BB962C8B-B14F-4D97-AF65-F5344CB8AC3E}">
-        <p14:creationId xmlns:p14="http://schemas.microsoft.com/office/powerpoint/2010/main" val="3153619890"/>
-      </p:ext>
-    </p:extLst>
   </p:cSld>
   <p:clrMapOvr>
     <a:masterClrMapping/>
@@ -7209,7 +7406,7 @@
       </p:grpSpPr>
       <p:sp>
         <p:nvSpPr>
-          <p:cNvPr id="28674" name="Title 1"/>
+          <p:cNvPr id="26626" name="Title 1"/>
           <p:cNvSpPr>
             <a:spLocks noGrp="1"/>
           </p:cNvSpPr>
@@ -7219,7 +7416,7 @@
         </p:nvSpPr>
         <p:spPr>
           <a:xfrm>
-            <a:off x="609600" y="228600"/>
+            <a:off x="685800" y="152400"/>
             <a:ext cx="7772400" cy="1143000"/>
           </a:xfrm>
         </p:spPr>
@@ -7229,14 +7426,14 @@
           <a:p>
             <a:r>
               <a:rPr lang="en-GB" altLang="en-US" smtClean="0"/>
-              <a:t>Border Layout</a:t>
-            </a:r>
-          </a:p>
-        </p:txBody>
-      </p:sp>
-      <p:sp>
-        <p:nvSpPr>
-          <p:cNvPr id="28675" name="Content Placeholder 2"/>
+              <a:t>Layout Managers, cont.</a:t>
+            </a:r>
+          </a:p>
+        </p:txBody>
+      </p:sp>
+      <p:sp>
+        <p:nvSpPr>
+          <p:cNvPr id="3" name="Content Placeholder 2"/>
           <p:cNvSpPr>
             <a:spLocks noGrp="1"/>
           </p:cNvSpPr>
@@ -7246,81 +7443,54 @@
         </p:nvSpPr>
         <p:spPr>
           <a:xfrm>
-            <a:off x="685800" y="1600200"/>
-            <a:ext cx="7772400" cy="4495800"/>
-          </a:xfrm>
-        </p:spPr>
-        <p:txBody>
-          <a:bodyPr/>
+            <a:off x="685800" y="1295400"/>
+            <a:ext cx="7772400" cy="5181600"/>
+          </a:xfrm>
+        </p:spPr>
+        <p:txBody>
+          <a:bodyPr>
+            <a:normAutofit fontScale="92500" lnSpcReduction="20000"/>
+          </a:bodyPr>
           <a:lstStyle/>
           <a:p>
-            <a:r>
-              <a:rPr lang="en-GB" altLang="en-US" smtClean="0"/>
-              <a:t>A border layout defines five areas into which components can be added</a:t>
-            </a:r>
-          </a:p>
-          <a:p>
-            <a:r>
-              <a:rPr lang="en-GB" altLang="en-US" smtClean="0"/>
-              <a:t>The default for most GUIs</a:t>
-            </a:r>
-          </a:p>
-        </p:txBody>
-      </p:sp>
-      <p:pic>
-        <p:nvPicPr>
-          <p:cNvPr id="28676" name="Picture 3"/>
-          <p:cNvPicPr>
-            <a:picLocks noChangeAspect="1"/>
-          </p:cNvPicPr>
-          <p:nvPr/>
-        </p:nvPicPr>
-        <p:blipFill>
-          <a:blip r:embed="rId2">
-            <a:extLst>
-              <a:ext uri="{28A0092B-C50C-407E-A947-70E740481C1C}">
-                <a14:useLocalDpi xmlns:a14="http://schemas.microsoft.com/office/drawing/2010/main" val="0"/>
-              </a:ext>
-            </a:extLst>
-          </a:blip>
-          <a:srcRect/>
-          <a:stretch>
-            <a:fillRect/>
-          </a:stretch>
-        </p:blipFill>
-        <p:spPr bwMode="auto">
-          <a:xfrm>
-            <a:off x="1638300" y="3581400"/>
-            <a:ext cx="5867400" cy="2057400"/>
-          </a:xfrm>
-          <a:prstGeom prst="rect">
-            <a:avLst/>
-          </a:prstGeom>
-          <a:noFill/>
-          <a:ln>
-            <a:noFill/>
-          </a:ln>
-          <a:extLst>
-            <a:ext uri="{909E8E84-426E-40DD-AFC4-6F175D3DCCD1}">
-              <a14:hiddenFill xmlns:a14="http://schemas.microsoft.com/office/drawing/2010/main">
-                <a:solidFill>
-                  <a:srgbClr val="FFFFFF"/>
-                </a:solidFill>
-              </a14:hiddenFill>
-            </a:ext>
-            <a:ext uri="{91240B29-F687-4F45-9708-019B960494DF}">
-              <a14:hiddenLine xmlns:a14="http://schemas.microsoft.com/office/drawing/2010/main" w="9525">
-                <a:solidFill>
-                  <a:srgbClr val="000000"/>
-                </a:solidFill>
-                <a:miter lim="800000"/>
-                <a:headEnd/>
-                <a:tailEnd/>
-              </a14:hiddenLine>
-            </a:ext>
-          </a:extLst>
-        </p:spPr>
-      </p:pic>
+            <a:pPr>
+              <a:defRPr/>
+            </a:pPr>
+            <a:r>
+              <a:rPr lang="en-GB" dirty="0" smtClean="0"/>
+              <a:t>Every container has a default layout manager, but we can also explicitly set the layout manager for a container</a:t>
+            </a:r>
+          </a:p>
+          <a:p>
+            <a:pPr>
+              <a:defRPr/>
+            </a:pPr>
+            <a:r>
+              <a:rPr lang="en-GB" dirty="0" smtClean="0"/>
+              <a:t>Each layout manager has its own particular rules governing how the components will be arranged</a:t>
+            </a:r>
+          </a:p>
+          <a:p>
+            <a:pPr>
+              <a:defRPr/>
+            </a:pPr>
+            <a:r>
+              <a:rPr lang="en-GB" dirty="0" smtClean="0"/>
+              <a:t>Some layout managers pay attention to a component's preferred size or alignment, and others do not</a:t>
+            </a:r>
+          </a:p>
+          <a:p>
+            <a:pPr>
+              <a:defRPr/>
+            </a:pPr>
+            <a:r>
+              <a:rPr lang="en-GB" dirty="0" smtClean="0"/>
+              <a:t>The layout managers attempt to adjust the layout as components are added and as containers are resized</a:t>
+            </a:r>
+            <a:endParaRPr lang="en-GB" dirty="0"/>
+          </a:p>
+        </p:txBody>
+      </p:sp>
     </p:spTree>
   </p:cSld>
   <p:clrMapOvr>
@@ -7348,7 +7518,7 @@
       </p:grpSpPr>
       <p:sp>
         <p:nvSpPr>
-          <p:cNvPr id="29698" name="Title 1"/>
+          <p:cNvPr id="27650" name="Title 1"/>
           <p:cNvSpPr>
             <a:spLocks noGrp="1"/>
           </p:cNvSpPr>
@@ -7358,7 +7528,7 @@
         </p:nvSpPr>
         <p:spPr>
           <a:xfrm>
-            <a:off x="685800" y="152400"/>
+            <a:off x="685800" y="76200"/>
             <a:ext cx="7772400" cy="1143000"/>
           </a:xfrm>
         </p:spPr>
@@ -7368,7 +7538,7 @@
           <a:p>
             <a:r>
               <a:rPr lang="en-GB" altLang="en-US" smtClean="0"/>
-              <a:t>Box Layout</a:t>
+              <a:t>Flow Layout</a:t>
             </a:r>
           </a:p>
         </p:txBody>
@@ -7385,13 +7555,13 @@
         </p:nvSpPr>
         <p:spPr>
           <a:xfrm>
-            <a:off x="457200" y="1219200"/>
-            <a:ext cx="8305800" cy="3429000"/>
+            <a:off x="685800" y="1219200"/>
+            <a:ext cx="7772400" cy="3505200"/>
           </a:xfrm>
         </p:spPr>
         <p:txBody>
           <a:bodyPr>
-            <a:normAutofit fontScale="77500" lnSpcReduction="20000"/>
+            <a:normAutofit fontScale="85000" lnSpcReduction="20000"/>
           </a:bodyPr>
           <a:lstStyle/>
           <a:p>
@@ -7400,7 +7570,7 @@
             </a:pPr>
             <a:r>
               <a:rPr lang="en-GB" dirty="0" smtClean="0"/>
-              <a:t>A box layout organizes components either horizontally (in one row) or vertically (in one column)</a:t>
+              <a:t>A flow layout puts as many components on a row as possible, then moves to the next row</a:t>
             </a:r>
           </a:p>
           <a:p>
@@ -7409,7 +7579,7 @@
             </a:pPr>
             <a:r>
               <a:rPr lang="en-GB" dirty="0" smtClean="0"/>
-              <a:t>Special rigid areas can be added to force a certain amount of spacing between components</a:t>
+              <a:t>Rows are created as needed to accommodate all of the components</a:t>
             </a:r>
           </a:p>
           <a:p>
@@ -7418,7 +7588,7 @@
             </a:pPr>
             <a:r>
               <a:rPr lang="en-GB" dirty="0" smtClean="0"/>
-              <a:t>By combining multiple containers using box layout, many different configurations can be created</a:t>
+              <a:t>Components are displayed in the order they are added to the container</a:t>
             </a:r>
           </a:p>
           <a:p>
@@ -7427,23 +7597,36 @@
             </a:pPr>
             <a:r>
               <a:rPr lang="en-GB" dirty="0" smtClean="0"/>
-              <a:t>Multiple containers with box layouts are often preferred to one container that uses the more complicated </a:t>
-            </a:r>
-            <a:r>
-              <a:rPr lang="en-GB" dirty="0" err="1" smtClean="0"/>
-              <a:t>gridbag</a:t>
-            </a:r>
-            <a:r>
-              <a:rPr lang="en-GB" dirty="0" smtClean="0"/>
-              <a:t> layout manager</a:t>
-            </a:r>
-            <a:endParaRPr lang="en-GB" dirty="0"/>
+              <a:t>The horizontal and vertical gaps between the components can be explicitly set</a:t>
+            </a:r>
+          </a:p>
+          <a:p>
+            <a:pPr>
+              <a:defRPr/>
+            </a:pPr>
+            <a:r>
+              <a:rPr lang="en-GB" dirty="0" smtClean="0"/>
+              <a:t>Default for </a:t>
+            </a:r>
+            <a:r>
+              <a:rPr lang="en-GB" dirty="0" err="1" smtClean="0">
+                <a:solidFill>
+                  <a:srgbClr val="FF0000"/>
+                </a:solidFill>
+              </a:rPr>
+              <a:t>JPanel</a:t>
+            </a:r>
+            <a:endParaRPr lang="en-GB" dirty="0">
+              <a:solidFill>
+                <a:srgbClr val="FF0000"/>
+              </a:solidFill>
+            </a:endParaRPr>
           </a:p>
         </p:txBody>
       </p:sp>
       <p:pic>
         <p:nvPicPr>
-          <p:cNvPr id="29700" name="Picture 3"/>
+          <p:cNvPr id="27652" name="Picture 3"/>
           <p:cNvPicPr>
             <a:picLocks noChangeAspect="1"/>
           </p:cNvPicPr>
@@ -7464,8 +7647,8 @@
         </p:blipFill>
         <p:spPr bwMode="auto">
           <a:xfrm>
-            <a:off x="3048000" y="4495800"/>
-            <a:ext cx="2562225" cy="1990725"/>
+            <a:off x="1190625" y="4953000"/>
+            <a:ext cx="6762750" cy="1076325"/>
           </a:xfrm>
           <a:prstGeom prst="rect">
             <a:avLst/>
@@ -7522,7 +7705,7 @@
       </p:grpSpPr>
       <p:sp>
         <p:nvSpPr>
-          <p:cNvPr id="30722" name="Title 1"/>
+          <p:cNvPr id="2" name="Title 1"/>
           <p:cNvSpPr>
             <a:spLocks noGrp="1"/>
           </p:cNvSpPr>
@@ -7532,7 +7715,7 @@
         </p:nvSpPr>
         <p:spPr>
           <a:xfrm>
-            <a:off x="685800" y="152400"/>
+            <a:off x="685800" y="55033"/>
             <a:ext cx="7772400" cy="1143000"/>
           </a:xfrm>
         </p:spPr>
@@ -7541,15 +7724,20 @@
           <a:lstStyle/>
           <a:p>
             <a:r>
-              <a:rPr lang="en-GB" altLang="en-US" smtClean="0"/>
-              <a:t>Other Layout Managers</a:t>
-            </a:r>
-          </a:p>
-        </p:txBody>
-      </p:sp>
-      <p:sp>
-        <p:nvSpPr>
-          <p:cNvPr id="30723" name="Content Placeholder 2"/>
+              <a:rPr lang="en-GB" dirty="0" err="1" smtClean="0"/>
+              <a:t>FlowLayout</a:t>
+            </a:r>
+            <a:r>
+              <a:rPr lang="en-GB" dirty="0" smtClean="0"/>
+              <a:t> Example</a:t>
+            </a:r>
+            <a:endParaRPr lang="en-GB" dirty="0"/>
+          </a:p>
+        </p:txBody>
+      </p:sp>
+      <p:sp>
+        <p:nvSpPr>
+          <p:cNvPr id="3" name="Content Placeholder 2"/>
           <p:cNvSpPr>
             <a:spLocks noGrp="1"/>
           </p:cNvSpPr>
@@ -7562,65 +7750,64 @@
           <a:bodyPr/>
           <a:lstStyle/>
           <a:p>
-            <a:endParaRPr lang="en-GB" altLang="en-US" smtClean="0"/>
+            <a:endParaRPr lang="en-GB"/>
           </a:p>
         </p:txBody>
       </p:sp>
       <p:pic>
         <p:nvPicPr>
-          <p:cNvPr id="30724" name="Picture 3"/>
+          <p:cNvPr id="5" name="Picture 4"/>
           <p:cNvPicPr>
             <a:picLocks noChangeAspect="1"/>
           </p:cNvPicPr>
           <p:nvPr/>
         </p:nvPicPr>
         <p:blipFill>
-          <a:blip r:embed="rId2">
-            <a:extLst>
-              <a:ext uri="{28A0092B-C50C-407E-A947-70E740481C1C}">
-                <a14:useLocalDpi xmlns:a14="http://schemas.microsoft.com/office/drawing/2010/main" val="0"/>
-              </a:ext>
-            </a:extLst>
-          </a:blip>
-          <a:srcRect/>
+          <a:blip r:embed="rId2"/>
           <a:stretch>
             <a:fillRect/>
           </a:stretch>
         </p:blipFill>
-        <p:spPr bwMode="auto">
-          <a:xfrm>
-            <a:off x="990600" y="1447800"/>
-            <a:ext cx="7019925" cy="4751388"/>
+        <p:spPr>
+          <a:xfrm>
+            <a:off x="224333" y="1198033"/>
+            <a:ext cx="5692445" cy="5334000"/>
           </a:xfrm>
           <a:prstGeom prst="rect">
             <a:avLst/>
           </a:prstGeom>
-          <a:noFill/>
-          <a:ln>
-            <a:noFill/>
-          </a:ln>
-          <a:extLst>
-            <a:ext uri="{909E8E84-426E-40DD-AFC4-6F175D3DCCD1}">
-              <a14:hiddenFill xmlns:a14="http://schemas.microsoft.com/office/drawing/2010/main">
-                <a:solidFill>
-                  <a:srgbClr val="FFFFFF"/>
-                </a:solidFill>
-              </a14:hiddenFill>
-            </a:ext>
-            <a:ext uri="{91240B29-F687-4F45-9708-019B960494DF}">
-              <a14:hiddenLine xmlns:a14="http://schemas.microsoft.com/office/drawing/2010/main" w="9525">
-                <a:solidFill>
-                  <a:srgbClr val="000000"/>
-                </a:solidFill>
-                <a:miter lim="800000"/>
-                <a:headEnd/>
-                <a:tailEnd/>
-              </a14:hiddenLine>
-            </a:ext>
-          </a:extLst>
+        </p:spPr>
+      </p:pic>
+      <p:pic>
+        <p:nvPicPr>
+          <p:cNvPr id="4" name="Picture 3"/>
+          <p:cNvPicPr>
+            <a:picLocks noChangeAspect="1"/>
+          </p:cNvPicPr>
+          <p:nvPr/>
+        </p:nvPicPr>
+        <p:blipFill>
+          <a:blip r:embed="rId3"/>
+          <a:stretch>
+            <a:fillRect/>
+          </a:stretch>
+        </p:blipFill>
+        <p:spPr>
+          <a:xfrm>
+            <a:off x="4724400" y="3429000"/>
+            <a:ext cx="4343400" cy="1507925"/>
+          </a:xfrm>
+          <a:prstGeom prst="rect">
+            <a:avLst/>
+          </a:prstGeom>
         </p:spPr>
       </p:pic>
     </p:spTree>
+    <p:extLst>
+      <p:ext uri="{BB962C8B-B14F-4D97-AF65-F5344CB8AC3E}">
+        <p14:creationId xmlns:p14="http://schemas.microsoft.com/office/powerpoint/2010/main" val="3153619890"/>
+      </p:ext>
+    </p:extLst>
   </p:cSld>
   <p:clrMapOvr>
     <a:masterClrMapping/>
@@ -7647,7 +7834,7 @@
       </p:grpSpPr>
       <p:sp>
         <p:nvSpPr>
-          <p:cNvPr id="31746" name="Title 1"/>
+          <p:cNvPr id="28674" name="Title 1"/>
           <p:cNvSpPr>
             <a:spLocks noGrp="1"/>
           </p:cNvSpPr>
@@ -7655,21 +7842,26 @@
             <p:ph type="title"/>
           </p:nvPr>
         </p:nvSpPr>
-        <p:spPr/>
+        <p:spPr>
+          <a:xfrm>
+            <a:off x="609600" y="228600"/>
+            <a:ext cx="7772400" cy="1143000"/>
+          </a:xfrm>
+        </p:spPr>
         <p:txBody>
           <a:bodyPr/>
           <a:lstStyle/>
           <a:p>
             <a:r>
               <a:rPr lang="en-GB" altLang="en-US" smtClean="0"/>
-              <a:t>"Atomic" Components</a:t>
-            </a:r>
-          </a:p>
-        </p:txBody>
-      </p:sp>
-      <p:sp>
-        <p:nvSpPr>
-          <p:cNvPr id="3" name="Content Placeholder 2"/>
+              <a:t>Border Layout</a:t>
+            </a:r>
+          </a:p>
+        </p:txBody>
+      </p:sp>
+      <p:sp>
+        <p:nvSpPr>
+          <p:cNvPr id="28675" name="Content Placeholder 2"/>
           <p:cNvSpPr>
             <a:spLocks noGrp="1"/>
           </p:cNvSpPr>
@@ -7679,145 +7871,81 @@
         </p:nvSpPr>
         <p:spPr>
           <a:xfrm>
-            <a:off x="685800" y="1981200"/>
-            <a:ext cx="8077200" cy="4495800"/>
-          </a:xfrm>
-        </p:spPr>
-        <p:txBody>
-          <a:bodyPr>
-            <a:normAutofit fontScale="77500" lnSpcReduction="20000"/>
-          </a:bodyPr>
+            <a:off x="685800" y="1600200"/>
+            <a:ext cx="7772400" cy="4495800"/>
+          </a:xfrm>
+        </p:spPr>
+        <p:txBody>
+          <a:bodyPr/>
           <a:lstStyle/>
           <a:p>
-            <a:pPr>
-              <a:defRPr/>
-            </a:pPr>
-            <a:r>
-              <a:rPr lang="en-GB" dirty="0" smtClean="0"/>
-              <a:t>The root in the component hierarchy is </a:t>
-            </a:r>
-            <a:r>
-              <a:rPr lang="en-GB" dirty="0" err="1" smtClean="0"/>
-              <a:t>JComponent</a:t>
-            </a:r>
-            <a:r>
-              <a:rPr lang="en-GB" dirty="0" smtClean="0"/>
-              <a:t>.</a:t>
-            </a:r>
-          </a:p>
-          <a:p>
-            <a:pPr>
-              <a:defRPr/>
-            </a:pPr>
-            <a:r>
-              <a:rPr lang="en-GB" dirty="0" smtClean="0"/>
-              <a:t>The </a:t>
-            </a:r>
-            <a:r>
-              <a:rPr lang="en-GB" dirty="0" err="1" smtClean="0"/>
-              <a:t>JComponent</a:t>
-            </a:r>
-            <a:r>
-              <a:rPr lang="en-GB" dirty="0" smtClean="0"/>
-              <a:t> provides the following functionality to its descendants, e.g., </a:t>
-            </a:r>
-            <a:r>
-              <a:rPr lang="en-GB" dirty="0" err="1" smtClean="0"/>
-              <a:t>JLabel</a:t>
-            </a:r>
-            <a:r>
-              <a:rPr lang="en-GB" dirty="0" smtClean="0"/>
-              <a:t>, </a:t>
-            </a:r>
-            <a:r>
-              <a:rPr lang="en-GB" dirty="0" err="1" smtClean="0"/>
-              <a:t>JRadioButton</a:t>
-            </a:r>
-            <a:r>
-              <a:rPr lang="en-GB" dirty="0" smtClean="0"/>
-              <a:t>, and </a:t>
-            </a:r>
-            <a:r>
-              <a:rPr lang="en-GB" dirty="0" err="1" smtClean="0"/>
-              <a:t>JTextArea</a:t>
-            </a:r>
-            <a:endParaRPr lang="en-GB" dirty="0" smtClean="0"/>
-          </a:p>
-          <a:p>
-            <a:pPr lvl="1">
-              <a:defRPr/>
-            </a:pPr>
-            <a:r>
-              <a:rPr lang="en-GB" dirty="0" smtClean="0"/>
-              <a:t>Tool tips</a:t>
-            </a:r>
-          </a:p>
-          <a:p>
-            <a:pPr lvl="1">
-              <a:defRPr/>
-            </a:pPr>
-            <a:r>
-              <a:rPr lang="en-GB" dirty="0" smtClean="0"/>
-              <a:t>Borders</a:t>
-            </a:r>
-          </a:p>
-          <a:p>
-            <a:pPr lvl="1">
-              <a:defRPr/>
-            </a:pPr>
-            <a:r>
-              <a:rPr lang="en-GB" dirty="0" smtClean="0"/>
-              <a:t>Keyboard-generated actions</a:t>
-            </a:r>
-          </a:p>
-          <a:p>
-            <a:pPr lvl="1">
-              <a:defRPr/>
-            </a:pPr>
-            <a:r>
-              <a:rPr lang="en-GB" dirty="0" smtClean="0"/>
-              <a:t>Application-wide pluggable look and feel</a:t>
-            </a:r>
-          </a:p>
-          <a:p>
-            <a:pPr lvl="1">
-              <a:defRPr/>
-            </a:pPr>
-            <a:r>
-              <a:rPr lang="en-GB" dirty="0" smtClean="0"/>
-              <a:t>Various properties</a:t>
-            </a:r>
-          </a:p>
-          <a:p>
-            <a:pPr lvl="1">
-              <a:defRPr/>
-            </a:pPr>
-            <a:r>
-              <a:rPr lang="en-GB" dirty="0" smtClean="0"/>
-              <a:t>Support for layout</a:t>
-            </a:r>
-          </a:p>
-          <a:p>
-            <a:pPr lvl="1">
-              <a:defRPr/>
-            </a:pPr>
-            <a:r>
-              <a:rPr lang="en-GB" dirty="0" smtClean="0"/>
-              <a:t>Support for accessibility</a:t>
-            </a:r>
-          </a:p>
-          <a:p>
-            <a:pPr lvl="1">
-              <a:defRPr/>
-            </a:pPr>
-            <a:r>
-              <a:rPr lang="en-GB" dirty="0" smtClean="0"/>
-              <a:t>Double buffering</a:t>
-            </a:r>
-            <a:endParaRPr lang="en-GB" dirty="0"/>
-          </a:p>
-        </p:txBody>
-      </p:sp>
+            <a:r>
+              <a:rPr lang="en-GB" altLang="en-US" smtClean="0"/>
+              <a:t>A border layout defines five areas into which components can be added</a:t>
+            </a:r>
+          </a:p>
+          <a:p>
+            <a:r>
+              <a:rPr lang="en-GB" altLang="en-US" smtClean="0"/>
+              <a:t>The default for most GUIs</a:t>
+            </a:r>
+          </a:p>
+        </p:txBody>
+      </p:sp>
+      <p:pic>
+        <p:nvPicPr>
+          <p:cNvPr id="28676" name="Picture 3"/>
+          <p:cNvPicPr>
+            <a:picLocks noChangeAspect="1"/>
+          </p:cNvPicPr>
+          <p:nvPr/>
+        </p:nvPicPr>
+        <p:blipFill>
+          <a:blip r:embed="rId2">
+            <a:extLst>
+              <a:ext uri="{28A0092B-C50C-407E-A947-70E740481C1C}">
+                <a14:useLocalDpi xmlns:a14="http://schemas.microsoft.com/office/drawing/2010/main" val="0"/>
+              </a:ext>
+            </a:extLst>
+          </a:blip>
+          <a:srcRect/>
+          <a:stretch>
+            <a:fillRect/>
+          </a:stretch>
+        </p:blipFill>
+        <p:spPr bwMode="auto">
+          <a:xfrm>
+            <a:off x="1638300" y="3581400"/>
+            <a:ext cx="5867400" cy="2057400"/>
+          </a:xfrm>
+          <a:prstGeom prst="rect">
+            <a:avLst/>
+          </a:prstGeom>
+          <a:noFill/>
+          <a:ln>
+            <a:noFill/>
+          </a:ln>
+          <a:extLst>
+            <a:ext uri="{909E8E84-426E-40DD-AFC4-6F175D3DCCD1}">
+              <a14:hiddenFill xmlns:a14="http://schemas.microsoft.com/office/drawing/2010/main">
+                <a:solidFill>
+                  <a:srgbClr val="FFFFFF"/>
+                </a:solidFill>
+              </a14:hiddenFill>
+            </a:ext>
+            <a:ext uri="{91240B29-F687-4F45-9708-019B960494DF}">
+              <a14:hiddenLine xmlns:a14="http://schemas.microsoft.com/office/drawing/2010/main" w="9525">
+                <a:solidFill>
+                  <a:srgbClr val="000000"/>
+                </a:solidFill>
+                <a:miter lim="800000"/>
+                <a:headEnd/>
+                <a:tailEnd/>
+              </a14:hiddenLine>
+            </a:ext>
+          </a:extLst>
+        </p:spPr>
+      </p:pic>
     </p:spTree>
   </p:cSld>
   <p:clrMapOvr>
@@ -7845,7 +7973,7 @@
       </p:grpSpPr>
       <p:sp>
         <p:nvSpPr>
-          <p:cNvPr id="32770" name="Title 1"/>
+          <p:cNvPr id="29698" name="Title 1"/>
           <p:cNvSpPr>
             <a:spLocks noGrp="1"/>
           </p:cNvSpPr>
@@ -7855,7 +7983,7 @@
         </p:nvSpPr>
         <p:spPr>
           <a:xfrm>
-            <a:off x="685800" y="0"/>
+            <a:off x="685800" y="152400"/>
             <a:ext cx="7772400" cy="1143000"/>
           </a:xfrm>
         </p:spPr>
@@ -7865,14 +7993,14 @@
           <a:p>
             <a:r>
               <a:rPr lang="en-GB" altLang="en-US" smtClean="0"/>
-              <a:t>Basic Components</a:t>
-            </a:r>
-          </a:p>
-        </p:txBody>
-      </p:sp>
-      <p:sp>
-        <p:nvSpPr>
-          <p:cNvPr id="32771" name="Content Placeholder 2"/>
+              <a:t>Box Layout</a:t>
+            </a:r>
+          </a:p>
+        </p:txBody>
+      </p:sp>
+      <p:sp>
+        <p:nvSpPr>
+          <p:cNvPr id="3" name="Content Placeholder 2"/>
           <p:cNvSpPr>
             <a:spLocks noGrp="1"/>
           </p:cNvSpPr>
@@ -7880,18 +8008,67 @@
             <p:ph idx="1"/>
           </p:nvPr>
         </p:nvSpPr>
-        <p:spPr/>
-        <p:txBody>
-          <a:bodyPr/>
+        <p:spPr>
+          <a:xfrm>
+            <a:off x="457200" y="1219200"/>
+            <a:ext cx="8305800" cy="3429000"/>
+          </a:xfrm>
+        </p:spPr>
+        <p:txBody>
+          <a:bodyPr>
+            <a:normAutofit fontScale="77500" lnSpcReduction="20000"/>
+          </a:bodyPr>
           <a:lstStyle/>
           <a:p>
-            <a:endParaRPr lang="en-GB" altLang="en-US" smtClean="0"/>
+            <a:pPr>
+              <a:defRPr/>
+            </a:pPr>
+            <a:r>
+              <a:rPr lang="en-GB" dirty="0" smtClean="0"/>
+              <a:t>A box layout organizes components either horizontally (in one row) or vertically (in one column)</a:t>
+            </a:r>
+          </a:p>
+          <a:p>
+            <a:pPr>
+              <a:defRPr/>
+            </a:pPr>
+            <a:r>
+              <a:rPr lang="en-GB" dirty="0" smtClean="0"/>
+              <a:t>Special rigid areas can be added to force a certain amount of spacing between components</a:t>
+            </a:r>
+          </a:p>
+          <a:p>
+            <a:pPr>
+              <a:defRPr/>
+            </a:pPr>
+            <a:r>
+              <a:rPr lang="en-GB" dirty="0" smtClean="0"/>
+              <a:t>By combining multiple containers using box layout, many different configurations can be created</a:t>
+            </a:r>
+          </a:p>
+          <a:p>
+            <a:pPr>
+              <a:defRPr/>
+            </a:pPr>
+            <a:r>
+              <a:rPr lang="en-GB" dirty="0" smtClean="0"/>
+              <a:t>Multiple containers with box layouts are often preferred to one container that uses the more complicated </a:t>
+            </a:r>
+            <a:r>
+              <a:rPr lang="en-GB" dirty="0" err="1" smtClean="0"/>
+              <a:t>gridbag</a:t>
+            </a:r>
+            <a:r>
+              <a:rPr lang="en-GB" dirty="0" smtClean="0"/>
+              <a:t> layout manager</a:t>
+            </a:r>
+            <a:endParaRPr lang="en-GB" dirty="0"/>
           </a:p>
         </p:txBody>
       </p:sp>
       <p:pic>
         <p:nvPicPr>
-          <p:cNvPr id="32772" name="Picture 3"/>
+          <p:cNvPr id="29700" name="Picture 3"/>
           <p:cNvPicPr>
             <a:picLocks noChangeAspect="1"/>
           </p:cNvPicPr>
@@ -7912,8 +8089,8 @@
         </p:blipFill>
         <p:spPr bwMode="auto">
           <a:xfrm>
-            <a:off x="381000" y="1168400"/>
-            <a:ext cx="7824788" cy="5162550"/>
+            <a:off x="3048000" y="4495800"/>
+            <a:ext cx="2562225" cy="1990725"/>
           </a:xfrm>
           <a:prstGeom prst="rect">
             <a:avLst/>
@@ -7970,7 +8147,7 @@
       </p:grpSpPr>
       <p:sp>
         <p:nvSpPr>
-          <p:cNvPr id="33794" name="Title 1"/>
+          <p:cNvPr id="30722" name="Title 1"/>
           <p:cNvSpPr>
             <a:spLocks noGrp="1"/>
           </p:cNvSpPr>
@@ -7990,14 +8167,14 @@
           <a:p>
             <a:r>
               <a:rPr lang="en-GB" altLang="en-US" smtClean="0"/>
-              <a:t>Non-Editable Displays</a:t>
-            </a:r>
-          </a:p>
-        </p:txBody>
-      </p:sp>
-      <p:sp>
-        <p:nvSpPr>
-          <p:cNvPr id="33795" name="Content Placeholder 2"/>
+              <a:t>Other Layout Managers</a:t>
+            </a:r>
+          </a:p>
+        </p:txBody>
+      </p:sp>
+      <p:sp>
+        <p:nvSpPr>
+          <p:cNvPr id="30723" name="Content Placeholder 2"/>
           <p:cNvSpPr>
             <a:spLocks noGrp="1"/>
           </p:cNvSpPr>
@@ -8016,7 +8193,7 @@
       </p:sp>
       <p:pic>
         <p:nvPicPr>
-          <p:cNvPr id="33796" name="Picture 3"/>
+          <p:cNvPr id="30724" name="Picture 3"/>
           <p:cNvPicPr>
             <a:picLocks noChangeAspect="1"/>
           </p:cNvPicPr>
@@ -8037,8 +8214,8 @@
         </p:blipFill>
         <p:spPr bwMode="auto">
           <a:xfrm>
-            <a:off x="2209800" y="1376363"/>
-            <a:ext cx="4438650" cy="5324475"/>
+            <a:off x="990600" y="1447800"/>
+            <a:ext cx="7019925" cy="4751388"/>
           </a:xfrm>
           <a:prstGeom prst="rect">
             <a:avLst/>
@@ -8095,7 +8272,7 @@
       </p:grpSpPr>
       <p:sp>
         <p:nvSpPr>
-          <p:cNvPr id="34818" name="Title 1"/>
+          <p:cNvPr id="31746" name="Title 1"/>
           <p:cNvSpPr>
             <a:spLocks noGrp="1"/>
           </p:cNvSpPr>
@@ -8103,26 +8280,21 @@
             <p:ph type="title"/>
           </p:nvPr>
         </p:nvSpPr>
-        <p:spPr>
-          <a:xfrm>
-            <a:off x="685800" y="7938"/>
-            <a:ext cx="7772400" cy="1143000"/>
-          </a:xfrm>
-        </p:spPr>
+        <p:spPr/>
         <p:txBody>
           <a:bodyPr/>
           <a:lstStyle/>
           <a:p>
             <a:r>
               <a:rPr lang="en-GB" altLang="en-US" smtClean="0"/>
-              <a:t>Editable Displays</a:t>
-            </a:r>
-          </a:p>
-        </p:txBody>
-      </p:sp>
-      <p:sp>
-        <p:nvSpPr>
-          <p:cNvPr id="34819" name="Content Placeholder 2"/>
+              <a:t>"Atomic" Components</a:t>
+            </a:r>
+          </a:p>
+        </p:txBody>
+      </p:sp>
+      <p:sp>
+        <p:nvSpPr>
+          <p:cNvPr id="3" name="Content Placeholder 2"/>
           <p:cNvSpPr>
             <a:spLocks noGrp="1"/>
           </p:cNvSpPr>
@@ -8130,69 +8302,147 @@
             <p:ph idx="1"/>
           </p:nvPr>
         </p:nvSpPr>
-        <p:spPr/>
-        <p:txBody>
-          <a:bodyPr/>
+        <p:spPr>
+          <a:xfrm>
+            <a:off x="685800" y="1981200"/>
+            <a:ext cx="8077200" cy="4495800"/>
+          </a:xfrm>
+        </p:spPr>
+        <p:txBody>
+          <a:bodyPr>
+            <a:normAutofit fontScale="77500" lnSpcReduction="20000"/>
+          </a:bodyPr>
           <a:lstStyle/>
           <a:p>
-            <a:endParaRPr lang="en-GB" altLang="en-US" smtClean="0"/>
-          </a:p>
-        </p:txBody>
-      </p:sp>
-      <p:pic>
-        <p:nvPicPr>
-          <p:cNvPr id="34820" name="Picture 3"/>
-          <p:cNvPicPr>
-            <a:picLocks noChangeAspect="1"/>
-          </p:cNvPicPr>
-          <p:nvPr/>
-        </p:nvPicPr>
-        <p:blipFill>
-          <a:blip r:embed="rId2">
-            <a:extLst>
-              <a:ext uri="{28A0092B-C50C-407E-A947-70E740481C1C}">
-                <a14:useLocalDpi xmlns:a14="http://schemas.microsoft.com/office/drawing/2010/main" val="0"/>
-              </a:ext>
-            </a:extLst>
-          </a:blip>
-          <a:srcRect/>
-          <a:stretch>
-            <a:fillRect/>
-          </a:stretch>
-        </p:blipFill>
-        <p:spPr bwMode="auto">
-          <a:xfrm>
-            <a:off x="533400" y="1292225"/>
-            <a:ext cx="7781925" cy="4803775"/>
-          </a:xfrm>
-          <a:prstGeom prst="rect">
-            <a:avLst/>
-          </a:prstGeom>
-          <a:noFill/>
-          <a:ln>
-            <a:noFill/>
-          </a:ln>
-          <a:extLst>
-            <a:ext uri="{909E8E84-426E-40DD-AFC4-6F175D3DCCD1}">
-              <a14:hiddenFill xmlns:a14="http://schemas.microsoft.com/office/drawing/2010/main">
-                <a:solidFill>
-                  <a:srgbClr val="FFFFFF"/>
-                </a:solidFill>
-              </a14:hiddenFill>
-            </a:ext>
-            <a:ext uri="{91240B29-F687-4F45-9708-019B960494DF}">
-              <a14:hiddenLine xmlns:a14="http://schemas.microsoft.com/office/drawing/2010/main" w="9525">
-                <a:solidFill>
-                  <a:srgbClr val="000000"/>
-                </a:solidFill>
-                <a:miter lim="800000"/>
-                <a:headEnd/>
-                <a:tailEnd/>
-              </a14:hiddenLine>
-            </a:ext>
-          </a:extLst>
-        </p:spPr>
-      </p:pic>
+            <a:pPr>
+              <a:defRPr/>
+            </a:pPr>
+            <a:r>
+              <a:rPr lang="en-GB" dirty="0" smtClean="0"/>
+              <a:t>The root in the component hierarchy is </a:t>
+            </a:r>
+            <a:r>
+              <a:rPr lang="en-GB" dirty="0" err="1" smtClean="0"/>
+              <a:t>JComponent</a:t>
+            </a:r>
+            <a:r>
+              <a:rPr lang="en-GB" dirty="0" smtClean="0"/>
+              <a:t>.</a:t>
+            </a:r>
+          </a:p>
+          <a:p>
+            <a:pPr>
+              <a:defRPr/>
+            </a:pPr>
+            <a:r>
+              <a:rPr lang="en-GB" dirty="0" smtClean="0"/>
+              <a:t>The </a:t>
+            </a:r>
+            <a:r>
+              <a:rPr lang="en-GB" dirty="0" err="1" smtClean="0"/>
+              <a:t>JComponent</a:t>
+            </a:r>
+            <a:r>
+              <a:rPr lang="en-GB" dirty="0" smtClean="0"/>
+              <a:t> provides the following functionality to its descendants, e.g., </a:t>
+            </a:r>
+            <a:r>
+              <a:rPr lang="en-GB" dirty="0" err="1" smtClean="0"/>
+              <a:t>JLabel</a:t>
+            </a:r>
+            <a:r>
+              <a:rPr lang="en-GB" dirty="0" smtClean="0"/>
+              <a:t>, </a:t>
+            </a:r>
+            <a:r>
+              <a:rPr lang="en-GB" dirty="0" err="1" smtClean="0"/>
+              <a:t>JRadioButton</a:t>
+            </a:r>
+            <a:r>
+              <a:rPr lang="en-GB" dirty="0" smtClean="0"/>
+              <a:t>, and </a:t>
+            </a:r>
+            <a:r>
+              <a:rPr lang="en-GB" dirty="0" err="1" smtClean="0"/>
+              <a:t>JTextArea</a:t>
+            </a:r>
+            <a:endParaRPr lang="en-GB" dirty="0" smtClean="0"/>
+          </a:p>
+          <a:p>
+            <a:pPr lvl="1">
+              <a:defRPr/>
+            </a:pPr>
+            <a:r>
+              <a:rPr lang="en-GB" dirty="0" smtClean="0"/>
+              <a:t>Tool tips</a:t>
+            </a:r>
+          </a:p>
+          <a:p>
+            <a:pPr lvl="1">
+              <a:defRPr/>
+            </a:pPr>
+            <a:r>
+              <a:rPr lang="en-GB" dirty="0" smtClean="0"/>
+              <a:t>Borders</a:t>
+            </a:r>
+          </a:p>
+          <a:p>
+            <a:pPr lvl="1">
+              <a:defRPr/>
+            </a:pPr>
+            <a:r>
+              <a:rPr lang="en-GB" dirty="0" smtClean="0"/>
+              <a:t>Keyboard-generated actions</a:t>
+            </a:r>
+          </a:p>
+          <a:p>
+            <a:pPr lvl="1">
+              <a:defRPr/>
+            </a:pPr>
+            <a:r>
+              <a:rPr lang="en-GB" dirty="0" smtClean="0"/>
+              <a:t>Application-wide pluggable look and feel</a:t>
+            </a:r>
+          </a:p>
+          <a:p>
+            <a:pPr lvl="1">
+              <a:defRPr/>
+            </a:pPr>
+            <a:r>
+              <a:rPr lang="en-GB" dirty="0" smtClean="0"/>
+              <a:t>Various properties</a:t>
+            </a:r>
+          </a:p>
+          <a:p>
+            <a:pPr lvl="1">
+              <a:defRPr/>
+            </a:pPr>
+            <a:r>
+              <a:rPr lang="en-GB" dirty="0" smtClean="0"/>
+              <a:t>Support for layout</a:t>
+            </a:r>
+          </a:p>
+          <a:p>
+            <a:pPr lvl="1">
+              <a:defRPr/>
+            </a:pPr>
+            <a:r>
+              <a:rPr lang="en-GB" dirty="0" smtClean="0"/>
+              <a:t>Support for accessibility</a:t>
+            </a:r>
+          </a:p>
+          <a:p>
+            <a:pPr lvl="1">
+              <a:defRPr/>
+            </a:pPr>
+            <a:r>
+              <a:rPr lang="en-GB" dirty="0" smtClean="0"/>
+              <a:t>Double buffering</a:t>
+            </a:r>
+            <a:endParaRPr lang="en-GB" dirty="0"/>
+          </a:p>
+        </p:txBody>
+      </p:sp>
     </p:spTree>
   </p:cSld>
   <p:clrMapOvr>
@@ -8220,7 +8470,7 @@
       </p:grpSpPr>
       <p:sp>
         <p:nvSpPr>
-          <p:cNvPr id="37890" name="Title 1"/>
+          <p:cNvPr id="32770" name="Title 1"/>
           <p:cNvSpPr>
             <a:spLocks noGrp="1"/>
           </p:cNvSpPr>
@@ -8228,21 +8478,26 @@
             <p:ph type="title"/>
           </p:nvPr>
         </p:nvSpPr>
-        <p:spPr/>
+        <p:spPr>
+          <a:xfrm>
+            <a:off x="685800" y="0"/>
+            <a:ext cx="7772400" cy="1143000"/>
+          </a:xfrm>
+        </p:spPr>
         <p:txBody>
           <a:bodyPr/>
           <a:lstStyle/>
           <a:p>
             <a:r>
               <a:rPr lang="en-GB" altLang="en-US" smtClean="0"/>
-              <a:t>Summary</a:t>
-            </a:r>
-          </a:p>
-        </p:txBody>
-      </p:sp>
-      <p:sp>
-        <p:nvSpPr>
-          <p:cNvPr id="37891" name="Content Placeholder 2"/>
+              <a:t>Basic Components</a:t>
+            </a:r>
+          </a:p>
+        </p:txBody>
+      </p:sp>
+      <p:sp>
+        <p:nvSpPr>
+          <p:cNvPr id="32771" name="Content Placeholder 2"/>
           <p:cNvSpPr>
             <a:spLocks noGrp="1"/>
           </p:cNvSpPr>
@@ -8255,43 +8510,69 @@
           <a:bodyPr/>
           <a:lstStyle/>
           <a:p>
-            <a:r>
-              <a:rPr lang="en-GB" altLang="en-US" dirty="0" smtClean="0"/>
-              <a:t>Overview Basic GUI Principles</a:t>
-            </a:r>
-          </a:p>
-          <a:p>
-            <a:r>
-              <a:rPr lang="en-GB" altLang="en-US" dirty="0" smtClean="0"/>
-              <a:t>Abstract Windowing Toolkit (AWT)</a:t>
-            </a:r>
-          </a:p>
-          <a:p>
-            <a:r>
-              <a:rPr lang="en-GB" altLang="en-US" dirty="0" smtClean="0"/>
-              <a:t>Java Foundation Classes (JFC)</a:t>
-            </a:r>
-          </a:p>
-          <a:p>
-            <a:r>
-              <a:rPr lang="en-GB" altLang="en-US" dirty="0" smtClean="0"/>
-              <a:t>Apply Hands-On/Practical Understanding of GUIs</a:t>
-            </a:r>
-          </a:p>
-        </p:txBody>
-      </p:sp>
+            <a:endParaRPr lang="en-GB" altLang="en-US" smtClean="0"/>
+          </a:p>
+        </p:txBody>
+      </p:sp>
+      <p:pic>
+        <p:nvPicPr>
+          <p:cNvPr id="32772" name="Picture 3"/>
+          <p:cNvPicPr>
+            <a:picLocks noChangeAspect="1"/>
+          </p:cNvPicPr>
+          <p:nvPr/>
+        </p:nvPicPr>
+        <p:blipFill>
+          <a:blip r:embed="rId2">
+            <a:extLst>
+              <a:ext uri="{28A0092B-C50C-407E-A947-70E740481C1C}">
+                <a14:useLocalDpi xmlns:a14="http://schemas.microsoft.com/office/drawing/2010/main" val="0"/>
+              </a:ext>
+            </a:extLst>
+          </a:blip>
+          <a:srcRect/>
+          <a:stretch>
+            <a:fillRect/>
+          </a:stretch>
+        </p:blipFill>
+        <p:spPr bwMode="auto">
+          <a:xfrm>
+            <a:off x="381000" y="1168400"/>
+            <a:ext cx="7824788" cy="5162550"/>
+          </a:xfrm>
+          <a:prstGeom prst="rect">
+            <a:avLst/>
+          </a:prstGeom>
+          <a:noFill/>
+          <a:ln>
+            <a:noFill/>
+          </a:ln>
+          <a:extLst>
+            <a:ext uri="{909E8E84-426E-40DD-AFC4-6F175D3DCCD1}">
+              <a14:hiddenFill xmlns:a14="http://schemas.microsoft.com/office/drawing/2010/main">
+                <a:solidFill>
+                  <a:srgbClr val="FFFFFF"/>
+                </a:solidFill>
+              </a14:hiddenFill>
+            </a:ext>
+            <a:ext uri="{91240B29-F687-4F45-9708-019B960494DF}">
+              <a14:hiddenLine xmlns:a14="http://schemas.microsoft.com/office/drawing/2010/main" w="9525">
+                <a:solidFill>
+                  <a:srgbClr val="000000"/>
+                </a:solidFill>
+                <a:miter lim="800000"/>
+                <a:headEnd/>
+                <a:tailEnd/>
+              </a14:hiddenLine>
+            </a:ext>
+          </a:extLst>
+        </p:spPr>
+      </p:pic>
     </p:spTree>
   </p:cSld>
   <p:clrMapOvr>
     <a:masterClrMapping/>
   </p:clrMapOvr>
-  <p:timing>
-    <p:tnLst>
-      <p:par>
-        <p:cTn id="1" dur="indefinite" restart="never" nodeType="tmRoot"/>
-      </p:par>
-    </p:tnLst>
-  </p:timing>
 </p:sld>
 </file>
 
@@ -8314,7 +8595,7 @@
       </p:grpSpPr>
       <p:sp>
         <p:nvSpPr>
-          <p:cNvPr id="36866" name="Title 1"/>
+          <p:cNvPr id="33794" name="Title 1"/>
           <p:cNvSpPr>
             <a:spLocks noGrp="1"/>
           </p:cNvSpPr>
@@ -8322,21 +8603,26 @@
             <p:ph type="title"/>
           </p:nvPr>
         </p:nvSpPr>
-        <p:spPr/>
+        <p:spPr>
+          <a:xfrm>
+            <a:off x="685800" y="152400"/>
+            <a:ext cx="7772400" cy="1143000"/>
+          </a:xfrm>
+        </p:spPr>
         <p:txBody>
           <a:bodyPr/>
           <a:lstStyle/>
           <a:p>
             <a:r>
               <a:rPr lang="en-GB" altLang="en-US" smtClean="0"/>
-              <a:t>This Week</a:t>
-            </a:r>
-          </a:p>
-        </p:txBody>
-      </p:sp>
-      <p:sp>
-        <p:nvSpPr>
-          <p:cNvPr id="36867" name="Content Placeholder 2"/>
+              <a:t>Non-Editable Displays</a:t>
+            </a:r>
+          </a:p>
+        </p:txBody>
+      </p:sp>
+      <p:sp>
+        <p:nvSpPr>
+          <p:cNvPr id="33795" name="Content Placeholder 2"/>
           <p:cNvSpPr>
             <a:spLocks noGrp="1"/>
           </p:cNvSpPr>
@@ -8344,95 +8630,69 @@
             <p:ph idx="1"/>
           </p:nvPr>
         </p:nvSpPr>
-        <p:spPr>
-          <a:xfrm>
-            <a:off x="685800" y="1981200"/>
-            <a:ext cx="7772400" cy="4495800"/>
-          </a:xfrm>
-        </p:spPr>
-        <p:txBody>
-          <a:bodyPr>
-            <a:normAutofit fontScale="92500" lnSpcReduction="20000"/>
-          </a:bodyPr>
+        <p:spPr/>
+        <p:txBody>
+          <a:bodyPr/>
           <a:lstStyle/>
           <a:p>
-            <a:r>
-              <a:rPr lang="en-GB" altLang="en-US" dirty="0" smtClean="0"/>
-              <a:t>Read Associated </a:t>
-            </a:r>
-            <a:r>
-              <a:rPr lang="en-GB" altLang="en-US" dirty="0" smtClean="0"/>
-              <a:t>Chapters</a:t>
-            </a:r>
-          </a:p>
-          <a:p>
-            <a:pPr lvl="1"/>
-            <a:r>
-              <a:rPr lang="en-GB" altLang="en-US" dirty="0" smtClean="0"/>
-              <a:t>Regularly reviewing the material</a:t>
-            </a:r>
-          </a:p>
-          <a:p>
-            <a:pPr lvl="1"/>
-            <a:r>
-              <a:rPr lang="en-GB" altLang="en-US" dirty="0" smtClean="0"/>
-              <a:t>Reading around the subject</a:t>
-            </a:r>
-          </a:p>
-          <a:p>
-            <a:pPr lvl="1"/>
-            <a:r>
-              <a:rPr lang="en-GB" altLang="en-US" dirty="0" smtClean="0"/>
-              <a:t>Experimenting (Trial &amp; Error)</a:t>
-            </a:r>
-            <a:endParaRPr lang="en-GB" altLang="en-US" dirty="0" smtClean="0"/>
-          </a:p>
-          <a:p>
-            <a:r>
-              <a:rPr lang="en-GB" altLang="en-US" dirty="0" smtClean="0"/>
-              <a:t>Review Slides</a:t>
-            </a:r>
-          </a:p>
-          <a:p>
-            <a:r>
-              <a:rPr lang="en-GB" altLang="en-US" dirty="0" smtClean="0"/>
-              <a:t>Online Quizzes</a:t>
-            </a:r>
-          </a:p>
-          <a:p>
-            <a:r>
-              <a:rPr lang="en-GB" altLang="en-US" dirty="0" smtClean="0"/>
-              <a:t>Java </a:t>
-            </a:r>
-            <a:r>
-              <a:rPr lang="en-GB" altLang="en-US" dirty="0" smtClean="0"/>
-              <a:t>Exercises</a:t>
-            </a:r>
-          </a:p>
-          <a:p>
-            <a:pPr lvl="1"/>
-            <a:r>
-              <a:rPr lang="en-GB" altLang="en-US" dirty="0" smtClean="0"/>
-              <a:t>Typing Java Code Regularly</a:t>
-            </a:r>
-          </a:p>
-          <a:p>
-            <a:pPr lvl="1"/>
-            <a:r>
-              <a:rPr lang="en-GB" altLang="en-US" dirty="0" smtClean="0"/>
-              <a:t>Intuitive/Natural</a:t>
-            </a:r>
-          </a:p>
-          <a:p>
-            <a:pPr lvl="1"/>
-            <a:r>
-              <a:rPr lang="en-GB" altLang="en-US" dirty="0" smtClean="0"/>
-              <a:t>Avoid `Copy-Pasting’</a:t>
-            </a:r>
-            <a:endParaRPr lang="en-GB" altLang="en-US" dirty="0" smtClean="0"/>
-          </a:p>
-        </p:txBody>
-      </p:sp>
+            <a:endParaRPr lang="en-GB" altLang="en-US" smtClean="0"/>
+          </a:p>
+        </p:txBody>
+      </p:sp>
+      <p:pic>
+        <p:nvPicPr>
+          <p:cNvPr id="33796" name="Picture 3"/>
+          <p:cNvPicPr>
+            <a:picLocks noChangeAspect="1"/>
+          </p:cNvPicPr>
+          <p:nvPr/>
+        </p:nvPicPr>
+        <p:blipFill>
+          <a:blip r:embed="rId2">
+            <a:extLst>
+              <a:ext uri="{28A0092B-C50C-407E-A947-70E740481C1C}">
+                <a14:useLocalDpi xmlns:a14="http://schemas.microsoft.com/office/drawing/2010/main" val="0"/>
+              </a:ext>
+            </a:extLst>
+          </a:blip>
+          <a:srcRect/>
+          <a:stretch>
+            <a:fillRect/>
+          </a:stretch>
+        </p:blipFill>
+        <p:spPr bwMode="auto">
+          <a:xfrm>
+            <a:off x="2209800" y="1376363"/>
+            <a:ext cx="4438650" cy="5324475"/>
+          </a:xfrm>
+          <a:prstGeom prst="rect">
+            <a:avLst/>
+          </a:prstGeom>
+          <a:noFill/>
+          <a:ln>
+            <a:noFill/>
+          </a:ln>
+          <a:extLst>
+            <a:ext uri="{909E8E84-426E-40DD-AFC4-6F175D3DCCD1}">
+              <a14:hiddenFill xmlns:a14="http://schemas.microsoft.com/office/drawing/2010/main">
+                <a:solidFill>
+                  <a:srgbClr val="FFFFFF"/>
+                </a:solidFill>
+              </a14:hiddenFill>
+            </a:ext>
+            <a:ext uri="{91240B29-F687-4F45-9708-019B960494DF}">
+              <a14:hiddenLine xmlns:a14="http://schemas.microsoft.com/office/drawing/2010/main" w="9525">
+                <a:solidFill>
+                  <a:srgbClr val="000000"/>
+                </a:solidFill>
+                <a:miter lim="800000"/>
+                <a:headEnd/>
+                <a:tailEnd/>
+              </a14:hiddenLine>
+            </a:ext>
+          </a:extLst>
+        </p:spPr>
+      </p:pic>
     </p:spTree>
   </p:cSld>
   <p:clrMapOvr>
@@ -8460,7 +8720,7 @@
       </p:grpSpPr>
       <p:sp>
         <p:nvSpPr>
-          <p:cNvPr id="50178" name="Title 1"/>
+          <p:cNvPr id="34818" name="Title 1"/>
           <p:cNvSpPr>
             <a:spLocks noGrp="1"/>
           </p:cNvSpPr>
@@ -8470,7 +8730,7 @@
         </p:nvSpPr>
         <p:spPr>
           <a:xfrm>
-            <a:off x="685800" y="76200"/>
+            <a:off x="685800" y="7938"/>
             <a:ext cx="7772400" cy="1143000"/>
           </a:xfrm>
         </p:spPr>
@@ -8480,14 +8740,14 @@
           <a:p>
             <a:r>
               <a:rPr lang="en-GB" altLang="en-US" smtClean="0"/>
-              <a:t>Today’s Practical</a:t>
-            </a:r>
-          </a:p>
-        </p:txBody>
-      </p:sp>
-      <p:sp>
-        <p:nvSpPr>
-          <p:cNvPr id="3" name="Content Placeholder 2"/>
+              <a:t>Editable Displays</a:t>
+            </a:r>
+          </a:p>
+        </p:txBody>
+      </p:sp>
+      <p:sp>
+        <p:nvSpPr>
+          <p:cNvPr id="34819" name="Content Placeholder 2"/>
           <p:cNvSpPr>
             <a:spLocks noGrp="1"/>
           </p:cNvSpPr>
@@ -8495,164 +8755,70 @@
             <p:ph idx="1"/>
           </p:nvPr>
         </p:nvSpPr>
-        <p:spPr>
-          <a:xfrm>
-            <a:off x="685800" y="1447800"/>
-            <a:ext cx="7772400" cy="5181600"/>
-          </a:xfrm>
-        </p:spPr>
-        <p:txBody>
-          <a:bodyPr>
-            <a:normAutofit fontScale="70000" lnSpcReduction="20000"/>
-          </a:bodyPr>
+        <p:spPr/>
+        <p:txBody>
+          <a:bodyPr/>
           <a:lstStyle/>
           <a:p>
-            <a:pPr>
-              <a:defRPr/>
-            </a:pPr>
-            <a:r>
-              <a:rPr lang="en-GB" b="1" dirty="0"/>
-              <a:t>Programming Exercises (Book): </a:t>
-            </a:r>
-          </a:p>
-          <a:p>
-            <a:pPr lvl="1">
-              <a:defRPr/>
-            </a:pPr>
-            <a:r>
-              <a:rPr lang="en-GB" b="1" dirty="0" smtClean="0"/>
-              <a:t>Chapter 12.1-12.5</a:t>
-            </a:r>
-          </a:p>
-          <a:p>
-            <a:pPr lvl="1">
-              <a:defRPr/>
-            </a:pPr>
-            <a:r>
-              <a:rPr lang="en-GB" b="1" dirty="0" smtClean="0"/>
-              <a:t>(</a:t>
-            </a:r>
-            <a:r>
-              <a:rPr lang="en-GB" b="1" dirty="0"/>
-              <a:t>Only code not UML)</a:t>
-            </a:r>
-          </a:p>
-          <a:p>
-            <a:pPr>
-              <a:defRPr/>
-            </a:pPr>
-            <a:endParaRPr lang="en-GB" dirty="0"/>
-          </a:p>
-          <a:p>
-            <a:pPr>
-              <a:defRPr/>
-            </a:pPr>
-            <a:r>
-              <a:rPr lang="en-GB" dirty="0"/>
-              <a:t>Upload single .zip file containing all your java files (only java files).</a:t>
-            </a:r>
-          </a:p>
-          <a:p>
-            <a:pPr lvl="1">
-              <a:defRPr/>
-            </a:pPr>
-            <a:r>
-              <a:rPr lang="en-GB" dirty="0">
-                <a:hlinkClick r:id="rId2"/>
-              </a:rPr>
-              <a:t>www.zjnu.xyz</a:t>
-            </a:r>
-            <a:endParaRPr lang="en-GB" dirty="0"/>
-          </a:p>
-          <a:p>
-            <a:pPr lvl="1">
-              <a:defRPr/>
-            </a:pPr>
-            <a:r>
-              <a:rPr lang="en-GB" dirty="0"/>
-              <a:t>zip file name should be your student number, e.g., 29392929.zip</a:t>
-            </a:r>
-          </a:p>
-          <a:p>
-            <a:pPr>
-              <a:defRPr/>
-            </a:pPr>
-            <a:endParaRPr lang="en-GB" dirty="0"/>
-          </a:p>
-          <a:p>
-            <a:pPr>
-              <a:defRPr/>
-            </a:pPr>
-            <a:r>
-              <a:rPr lang="en-GB" dirty="0"/>
-              <a:t>Remember to </a:t>
-            </a:r>
-            <a:r>
-              <a:rPr lang="en-GB" dirty="0">
-                <a:solidFill>
-                  <a:srgbClr val="FF0000"/>
-                </a:solidFill>
-              </a:rPr>
-              <a:t>comment your code</a:t>
-            </a:r>
-            <a:r>
-              <a:rPr lang="en-GB" dirty="0"/>
-              <a:t>, name/student number at the top of files.</a:t>
-            </a:r>
-          </a:p>
-          <a:p>
-            <a:pPr>
-              <a:defRPr/>
-            </a:pPr>
-            <a:endParaRPr lang="en-GB" dirty="0"/>
-          </a:p>
-          <a:p>
-            <a:pPr>
-              <a:defRPr/>
-            </a:pPr>
-            <a:r>
-              <a:rPr lang="en-GB" dirty="0" smtClean="0"/>
-              <a:t>Organise your files so it’s clear to identify each exercise (e.g., file names/folders)</a:t>
-            </a:r>
-            <a:endParaRPr lang="en-GB" dirty="0"/>
-          </a:p>
-          <a:p>
-            <a:pPr lvl="1">
-              <a:defRPr/>
-            </a:pPr>
-            <a:r>
-              <a:rPr lang="en-GB" dirty="0" smtClean="0"/>
-              <a:t>ch12_1.java</a:t>
-            </a:r>
-            <a:r>
-              <a:rPr lang="en-GB" dirty="0"/>
-              <a:t>, </a:t>
-            </a:r>
-            <a:r>
-              <a:rPr lang="en-GB" dirty="0" smtClean="0"/>
-              <a:t>ch12_2.java</a:t>
-            </a:r>
-            <a:r>
-              <a:rPr lang="en-GB" dirty="0"/>
-              <a:t>, …</a:t>
-            </a:r>
-          </a:p>
-          <a:p>
-            <a:pPr marL="0" indent="0">
-              <a:buFontTx/>
-              <a:buNone/>
-              <a:defRPr/>
-            </a:pPr>
-            <a:endParaRPr lang="en-GB" dirty="0"/>
-          </a:p>
-        </p:txBody>
-      </p:sp>
+            <a:endParaRPr lang="en-GB" altLang="en-US" smtClean="0"/>
+          </a:p>
+        </p:txBody>
+      </p:sp>
+      <p:pic>
+        <p:nvPicPr>
+          <p:cNvPr id="34820" name="Picture 3"/>
+          <p:cNvPicPr>
+            <a:picLocks noChangeAspect="1"/>
+          </p:cNvPicPr>
+          <p:nvPr/>
+        </p:nvPicPr>
+        <p:blipFill>
+          <a:blip r:embed="rId2">
+            <a:extLst>
+              <a:ext uri="{28A0092B-C50C-407E-A947-70E740481C1C}">
+                <a14:useLocalDpi xmlns:a14="http://schemas.microsoft.com/office/drawing/2010/main" val="0"/>
+              </a:ext>
+            </a:extLst>
+          </a:blip>
+          <a:srcRect/>
+          <a:stretch>
+            <a:fillRect/>
+          </a:stretch>
+        </p:blipFill>
+        <p:spPr bwMode="auto">
+          <a:xfrm>
+            <a:off x="533400" y="1292225"/>
+            <a:ext cx="7781925" cy="4803775"/>
+          </a:xfrm>
+          <a:prstGeom prst="rect">
+            <a:avLst/>
+          </a:prstGeom>
+          <a:noFill/>
+          <a:ln>
+            <a:noFill/>
+          </a:ln>
+          <a:extLst>
+            <a:ext uri="{909E8E84-426E-40DD-AFC4-6F175D3DCCD1}">
+              <a14:hiddenFill xmlns:a14="http://schemas.microsoft.com/office/drawing/2010/main">
+                <a:solidFill>
+                  <a:srgbClr val="FFFFFF"/>
+                </a:solidFill>
+              </a14:hiddenFill>
+            </a:ext>
+            <a:ext uri="{91240B29-F687-4F45-9708-019B960494DF}">
+              <a14:hiddenLine xmlns:a14="http://schemas.microsoft.com/office/drawing/2010/main" w="9525">
+                <a:solidFill>
+                  <a:srgbClr val="000000"/>
+                </a:solidFill>
+                <a:miter lim="800000"/>
+                <a:headEnd/>
+                <a:tailEnd/>
+              </a14:hiddenLine>
+            </a:ext>
+          </a:extLst>
+        </p:spPr>
+      </p:pic>
     </p:spTree>
-    <p:extLst>
-      <p:ext uri="{BB962C8B-B14F-4D97-AF65-F5344CB8AC3E}">
-        <p14:creationId xmlns:p14="http://schemas.microsoft.com/office/powerpoint/2010/main" val="3561413903"/>
-      </p:ext>
-    </p:extLst>
   </p:cSld>
   <p:clrMapOvr>
     <a:masterClrMapping/>
@@ -8770,7 +8936,7 @@
       </p:grpSpPr>
       <p:sp>
         <p:nvSpPr>
-          <p:cNvPr id="38914" name="Title 1"/>
+          <p:cNvPr id="37890" name="Title 1"/>
           <p:cNvSpPr>
             <a:spLocks noGrp="1"/>
           </p:cNvSpPr>
@@ -8783,17 +8949,16 @@
           <a:bodyPr/>
           <a:lstStyle/>
           <a:p>
-            <a:pPr eaLnBrk="1" hangingPunct="1"/>
             <a:r>
               <a:rPr lang="en-GB" altLang="en-US" smtClean="0"/>
-              <a:t>Questions/Discussion</a:t>
-            </a:r>
-          </a:p>
-        </p:txBody>
-      </p:sp>
-      <p:sp>
-        <p:nvSpPr>
-          <p:cNvPr id="38915" name="Content Placeholder 2"/>
+              <a:t>Summary</a:t>
+            </a:r>
+          </a:p>
+        </p:txBody>
+      </p:sp>
+      <p:sp>
+        <p:nvSpPr>
+          <p:cNvPr id="37891" name="Content Placeholder 2"/>
           <p:cNvSpPr>
             <a:spLocks noGrp="1"/>
           </p:cNvSpPr>
@@ -8806,8 +8971,536 @@
           <a:bodyPr/>
           <a:lstStyle/>
           <a:p>
+            <a:r>
+              <a:rPr lang="en-GB" altLang="en-US" dirty="0" smtClean="0"/>
+              <a:t>Overview Basic GUI Principles</a:t>
+            </a:r>
+          </a:p>
+          <a:p>
+            <a:r>
+              <a:rPr lang="en-GB" altLang="en-US" dirty="0" smtClean="0"/>
+              <a:t>Abstract Windowing Toolkit (AWT)</a:t>
+            </a:r>
+          </a:p>
+          <a:p>
+            <a:r>
+              <a:rPr lang="en-GB" altLang="en-US" dirty="0" smtClean="0"/>
+              <a:t>Java Foundation Classes (JFC)</a:t>
+            </a:r>
+          </a:p>
+          <a:p>
+            <a:r>
+              <a:rPr lang="en-GB" altLang="en-US" dirty="0" smtClean="0"/>
+              <a:t>Apply Hands-On/Practical Understanding of GUIs</a:t>
+            </a:r>
+          </a:p>
+        </p:txBody>
+      </p:sp>
+    </p:spTree>
+  </p:cSld>
+  <p:clrMapOvr>
+    <a:masterClrMapping/>
+  </p:clrMapOvr>
+  <p:timing>
+    <p:tnLst>
+      <p:par>
+        <p:cTn id="1" dur="indefinite" restart="never" nodeType="tmRoot"/>
+      </p:par>
+    </p:tnLst>
+  </p:timing>
+</p:sld>
+</file>
+
+<file path=ppt/slides/slide41.xml><?xml version="1.0" encoding="utf-8"?>
+<p:sld xmlns:a="http://schemas.openxmlformats.org/drawingml/2006/main" xmlns:r="http://schemas.openxmlformats.org/officeDocument/2006/relationships" xmlns:p="http://schemas.openxmlformats.org/presentationml/2006/main">
+  <p:cSld>
+    <p:spTree>
+      <p:nvGrpSpPr>
+        <p:cNvPr id="1" name=""/>
+        <p:cNvGrpSpPr/>
+        <p:nvPr/>
+      </p:nvGrpSpPr>
+      <p:grpSpPr>
+        <a:xfrm>
+          <a:off x="0" y="0"/>
+          <a:ext cx="0" cy="0"/>
+          <a:chOff x="0" y="0"/>
+          <a:chExt cx="0" cy="0"/>
+        </a:xfrm>
+      </p:grpSpPr>
+      <p:sp>
+        <p:nvSpPr>
+          <p:cNvPr id="36866" name="Title 1"/>
+          <p:cNvSpPr>
+            <a:spLocks noGrp="1"/>
+          </p:cNvSpPr>
+          <p:nvPr>
+            <p:ph type="title"/>
+          </p:nvPr>
+        </p:nvSpPr>
+        <p:spPr/>
+        <p:txBody>
+          <a:bodyPr/>
+          <a:lstStyle/>
+          <a:p>
+            <a:r>
+              <a:rPr lang="en-GB" altLang="en-US" smtClean="0"/>
+              <a:t>This Week</a:t>
+            </a:r>
+          </a:p>
+        </p:txBody>
+      </p:sp>
+      <p:sp>
+        <p:nvSpPr>
+          <p:cNvPr id="36867" name="Content Placeholder 2"/>
+          <p:cNvSpPr>
+            <a:spLocks noGrp="1"/>
+          </p:cNvSpPr>
+          <p:nvPr>
+            <p:ph idx="1"/>
+          </p:nvPr>
+        </p:nvSpPr>
+        <p:spPr>
+          <a:xfrm>
+            <a:off x="685800" y="1981200"/>
+            <a:ext cx="7772400" cy="4495800"/>
+          </a:xfrm>
+        </p:spPr>
+        <p:txBody>
+          <a:bodyPr>
+            <a:normAutofit fontScale="92500" lnSpcReduction="20000"/>
+          </a:bodyPr>
+          <a:lstStyle/>
+          <a:p>
+            <a:r>
+              <a:rPr lang="en-GB" altLang="en-US" dirty="0" smtClean="0"/>
+              <a:t>Read Associated Chapters</a:t>
+            </a:r>
+          </a:p>
+          <a:p>
+            <a:pPr lvl="1"/>
+            <a:r>
+              <a:rPr lang="en-GB" altLang="en-US" dirty="0" smtClean="0"/>
+              <a:t>Regularly reviewing the material</a:t>
+            </a:r>
+          </a:p>
+          <a:p>
+            <a:pPr lvl="1"/>
+            <a:r>
+              <a:rPr lang="en-GB" altLang="en-US" dirty="0" smtClean="0"/>
+              <a:t>Reading around the subject</a:t>
+            </a:r>
+          </a:p>
+          <a:p>
+            <a:pPr lvl="1"/>
+            <a:r>
+              <a:rPr lang="en-GB" altLang="en-US" dirty="0" smtClean="0"/>
+              <a:t>Experimenting (Trial &amp; Error)</a:t>
+            </a:r>
+          </a:p>
+          <a:p>
+            <a:r>
+              <a:rPr lang="en-GB" altLang="en-US" dirty="0" smtClean="0"/>
+              <a:t>Review Slides</a:t>
+            </a:r>
+          </a:p>
+          <a:p>
+            <a:r>
+              <a:rPr lang="en-GB" altLang="en-US" dirty="0" smtClean="0"/>
+              <a:t>Online Quizzes</a:t>
+            </a:r>
+          </a:p>
+          <a:p>
+            <a:r>
+              <a:rPr lang="en-GB" altLang="en-US" dirty="0" smtClean="0"/>
+              <a:t>Java Exercises</a:t>
+            </a:r>
+          </a:p>
+          <a:p>
+            <a:pPr lvl="1"/>
+            <a:r>
+              <a:rPr lang="en-GB" altLang="en-US" dirty="0" smtClean="0"/>
+              <a:t>Typing Java Code Regularly</a:t>
+            </a:r>
+          </a:p>
+          <a:p>
+            <a:pPr lvl="1"/>
+            <a:r>
+              <a:rPr lang="en-GB" altLang="en-US" dirty="0" smtClean="0"/>
+              <a:t>Intuitive/Natural</a:t>
+            </a:r>
+          </a:p>
+          <a:p>
+            <a:pPr lvl="1"/>
+            <a:r>
+              <a:rPr lang="en-GB" altLang="en-US" dirty="0" smtClean="0"/>
+              <a:t>Avoid `Copy-Pasting’</a:t>
+            </a:r>
+          </a:p>
+        </p:txBody>
+      </p:sp>
+    </p:spTree>
+  </p:cSld>
+  <p:clrMapOvr>
+    <a:masterClrMapping/>
+  </p:clrMapOvr>
+</p:sld>
+</file>
+
+<file path=ppt/slides/slide42.xml><?xml version="1.0" encoding="utf-8"?>
+<p:sld xmlns:a="http://schemas.openxmlformats.org/drawingml/2006/main" xmlns:r="http://schemas.openxmlformats.org/officeDocument/2006/relationships" xmlns:p="http://schemas.openxmlformats.org/presentationml/2006/main">
+  <p:cSld>
+    <p:spTree>
+      <p:nvGrpSpPr>
+        <p:cNvPr id="1" name=""/>
+        <p:cNvGrpSpPr/>
+        <p:nvPr/>
+      </p:nvGrpSpPr>
+      <p:grpSpPr>
+        <a:xfrm>
+          <a:off x="0" y="0"/>
+          <a:ext cx="0" cy="0"/>
+          <a:chOff x="0" y="0"/>
+          <a:chExt cx="0" cy="0"/>
+        </a:xfrm>
+      </p:grpSpPr>
+      <p:sp>
+        <p:nvSpPr>
+          <p:cNvPr id="50178" name="Title 1"/>
+          <p:cNvSpPr>
+            <a:spLocks noGrp="1"/>
+          </p:cNvSpPr>
+          <p:nvPr>
+            <p:ph type="title"/>
+          </p:nvPr>
+        </p:nvSpPr>
+        <p:spPr>
+          <a:xfrm>
+            <a:off x="685800" y="76200"/>
+            <a:ext cx="7772400" cy="1143000"/>
+          </a:xfrm>
+        </p:spPr>
+        <p:txBody>
+          <a:bodyPr/>
+          <a:lstStyle/>
+          <a:p>
+            <a:r>
+              <a:rPr lang="en-GB" altLang="en-US" smtClean="0"/>
+              <a:t>Today’s Practical</a:t>
+            </a:r>
+          </a:p>
+        </p:txBody>
+      </p:sp>
+      <p:sp>
+        <p:nvSpPr>
+          <p:cNvPr id="3" name="Content Placeholder 2"/>
+          <p:cNvSpPr>
+            <a:spLocks noGrp="1"/>
+          </p:cNvSpPr>
+          <p:nvPr>
+            <p:ph idx="1"/>
+          </p:nvPr>
+        </p:nvSpPr>
+        <p:spPr>
+          <a:xfrm>
+            <a:off x="685800" y="1447800"/>
+            <a:ext cx="7772400" cy="5181600"/>
+          </a:xfrm>
+        </p:spPr>
+        <p:txBody>
+          <a:bodyPr>
+            <a:normAutofit fontScale="70000" lnSpcReduction="20000"/>
+          </a:bodyPr>
+          <a:lstStyle/>
+          <a:p>
+            <a:pPr>
+              <a:defRPr/>
+            </a:pPr>
+            <a:r>
+              <a:rPr lang="en-GB" b="1" dirty="0"/>
+              <a:t>Programming Exercises (Book): </a:t>
+            </a:r>
+          </a:p>
+          <a:p>
+            <a:pPr lvl="1">
+              <a:defRPr/>
+            </a:pPr>
+            <a:r>
+              <a:rPr lang="en-GB" b="1" dirty="0" smtClean="0"/>
+              <a:t>Chapter 12.1-12.5</a:t>
+            </a:r>
+          </a:p>
+          <a:p>
+            <a:pPr lvl="1">
+              <a:defRPr/>
+            </a:pPr>
+            <a:r>
+              <a:rPr lang="en-GB" b="1" dirty="0" smtClean="0"/>
+              <a:t>(</a:t>
+            </a:r>
+            <a:r>
+              <a:rPr lang="en-GB" b="1" dirty="0"/>
+              <a:t>Only code not UML)</a:t>
+            </a:r>
+          </a:p>
+          <a:p>
+            <a:pPr>
+              <a:defRPr/>
+            </a:pPr>
+            <a:endParaRPr lang="en-GB" dirty="0"/>
+          </a:p>
+          <a:p>
+            <a:pPr>
+              <a:defRPr/>
+            </a:pPr>
+            <a:r>
+              <a:rPr lang="en-GB" dirty="0"/>
+              <a:t>Upload single .zip file containing all your java files (only java files).</a:t>
+            </a:r>
+          </a:p>
+          <a:p>
+            <a:pPr lvl="1">
+              <a:defRPr/>
+            </a:pPr>
+            <a:r>
+              <a:rPr lang="en-GB" dirty="0">
+                <a:hlinkClick r:id="rId2"/>
+              </a:rPr>
+              <a:t>www.zjnu.xyz</a:t>
+            </a:r>
+            <a:endParaRPr lang="en-GB" dirty="0"/>
+          </a:p>
+          <a:p>
+            <a:pPr lvl="1">
+              <a:defRPr/>
+            </a:pPr>
+            <a:r>
+              <a:rPr lang="en-GB" dirty="0"/>
+              <a:t>zip file name should be your student number, e.g., 29392929.zip</a:t>
+            </a:r>
+          </a:p>
+          <a:p>
+            <a:pPr>
+              <a:defRPr/>
+            </a:pPr>
+            <a:endParaRPr lang="en-GB" dirty="0"/>
+          </a:p>
+          <a:p>
+            <a:pPr>
+              <a:defRPr/>
+            </a:pPr>
+            <a:r>
+              <a:rPr lang="en-GB" dirty="0"/>
+              <a:t>Remember to </a:t>
+            </a:r>
+            <a:r>
+              <a:rPr lang="en-GB" dirty="0">
+                <a:solidFill>
+                  <a:srgbClr val="FF0000"/>
+                </a:solidFill>
+              </a:rPr>
+              <a:t>comment your code</a:t>
+            </a:r>
+            <a:r>
+              <a:rPr lang="en-GB" dirty="0"/>
+              <a:t>, name/student number at the top of files.</a:t>
+            </a:r>
+          </a:p>
+          <a:p>
+            <a:pPr>
+              <a:defRPr/>
+            </a:pPr>
+            <a:endParaRPr lang="en-GB" dirty="0"/>
+          </a:p>
+          <a:p>
+            <a:pPr>
+              <a:defRPr/>
+            </a:pPr>
+            <a:r>
+              <a:rPr lang="en-GB" dirty="0" smtClean="0"/>
+              <a:t>Organise your files so it’s clear to identify each exercise (e.g., file names/folders)</a:t>
+            </a:r>
+            <a:endParaRPr lang="en-GB" dirty="0"/>
+          </a:p>
+          <a:p>
+            <a:pPr lvl="1">
+              <a:defRPr/>
+            </a:pPr>
+            <a:r>
+              <a:rPr lang="en-GB" dirty="0" smtClean="0"/>
+              <a:t>ch12_1.java</a:t>
+            </a:r>
+            <a:r>
+              <a:rPr lang="en-GB" dirty="0"/>
+              <a:t>, </a:t>
+            </a:r>
+            <a:r>
+              <a:rPr lang="en-GB" dirty="0" smtClean="0"/>
+              <a:t>ch12_2.java</a:t>
+            </a:r>
+            <a:r>
+              <a:rPr lang="en-GB" dirty="0"/>
+              <a:t>, …</a:t>
+            </a:r>
+          </a:p>
+          <a:p>
+            <a:pPr marL="0" indent="0">
+              <a:buFontTx/>
+              <a:buNone/>
+              <a:defRPr/>
+            </a:pPr>
+            <a:endParaRPr lang="en-GB" dirty="0"/>
+          </a:p>
+        </p:txBody>
+      </p:sp>
+    </p:spTree>
+    <p:extLst>
+      <p:ext uri="{BB962C8B-B14F-4D97-AF65-F5344CB8AC3E}">
+        <p14:creationId xmlns:p14="http://schemas.microsoft.com/office/powerpoint/2010/main" val="3561413903"/>
+      </p:ext>
+    </p:extLst>
+  </p:cSld>
+  <p:clrMapOvr>
+    <a:masterClrMapping/>
+  </p:clrMapOvr>
+</p:sld>
+</file>
+
+<file path=ppt/slides/slide43.xml><?xml version="1.0" encoding="utf-8"?>
+<p:sld xmlns:a="http://schemas.openxmlformats.org/drawingml/2006/main" xmlns:r="http://schemas.openxmlformats.org/officeDocument/2006/relationships" xmlns:p="http://schemas.openxmlformats.org/presentationml/2006/main">
+  <p:cSld>
+    <p:spTree>
+      <p:nvGrpSpPr>
+        <p:cNvPr id="1" name=""/>
+        <p:cNvGrpSpPr/>
+        <p:nvPr/>
+      </p:nvGrpSpPr>
+      <p:grpSpPr>
+        <a:xfrm>
+          <a:off x="0" y="0"/>
+          <a:ext cx="0" cy="0"/>
+          <a:chOff x="0" y="0"/>
+          <a:chExt cx="0" cy="0"/>
+        </a:xfrm>
+      </p:grpSpPr>
+      <p:sp>
+        <p:nvSpPr>
+          <p:cNvPr id="38914" name="Title 1"/>
+          <p:cNvSpPr>
+            <a:spLocks noGrp="1"/>
+          </p:cNvSpPr>
+          <p:nvPr>
+            <p:ph type="title"/>
+          </p:nvPr>
+        </p:nvSpPr>
+        <p:spPr>
+          <a:xfrm>
+            <a:off x="685800" y="228600"/>
+            <a:ext cx="7772400" cy="1143000"/>
+          </a:xfrm>
+        </p:spPr>
+        <p:txBody>
+          <a:bodyPr/>
+          <a:lstStyle/>
+          <a:p>
             <a:pPr eaLnBrk="1" hangingPunct="1"/>
-            <a:endParaRPr lang="en-GB" altLang="en-US" smtClean="0"/>
+            <a:r>
+              <a:rPr lang="en-GB" altLang="en-US" dirty="0" smtClean="0"/>
+              <a:t>Questions/Discussion</a:t>
+            </a:r>
+          </a:p>
+        </p:txBody>
+      </p:sp>
+      <p:sp>
+        <p:nvSpPr>
+          <p:cNvPr id="38915" name="Content Placeholder 2"/>
+          <p:cNvSpPr>
+            <a:spLocks noGrp="1"/>
+          </p:cNvSpPr>
+          <p:nvPr>
+            <p:ph idx="1"/>
+          </p:nvPr>
+        </p:nvSpPr>
+        <p:spPr>
+          <a:xfrm>
+            <a:off x="685800" y="1676400"/>
+            <a:ext cx="7772400" cy="4724400"/>
+          </a:xfrm>
+        </p:spPr>
+        <p:txBody>
+          <a:bodyPr>
+            <a:normAutofit fontScale="92500" lnSpcReduction="20000"/>
+          </a:bodyPr>
+          <a:lstStyle/>
+          <a:p>
+            <a:pPr eaLnBrk="1" hangingPunct="1"/>
+            <a:r>
+              <a:rPr lang="en-GB" altLang="en-US" dirty="0" smtClean="0"/>
+              <a:t>Dynamic GUIs</a:t>
+            </a:r>
+          </a:p>
+          <a:p>
+            <a:pPr lvl="1" eaLnBrk="1" hangingPunct="1"/>
+            <a:r>
+              <a:rPr lang="en-GB" altLang="en-US" dirty="0" smtClean="0"/>
+              <a:t>Add/remove buttons on-the-fly</a:t>
+            </a:r>
+          </a:p>
+          <a:p>
+            <a:pPr lvl="1" eaLnBrk="1" hangingPunct="1"/>
+            <a:r>
+              <a:rPr lang="en-GB" altLang="en-US" dirty="0" smtClean="0"/>
+              <a:t>Painting/artistic control</a:t>
+            </a:r>
+          </a:p>
+          <a:p>
+            <a:pPr lvl="1" eaLnBrk="1" hangingPunct="1"/>
+            <a:r>
+              <a:rPr lang="en-GB" altLang="en-US" dirty="0" smtClean="0"/>
+              <a:t>`Customizable’ GUIs</a:t>
+            </a:r>
+          </a:p>
+          <a:p>
+            <a:pPr lvl="2" eaLnBrk="1" hangingPunct="1"/>
+            <a:r>
+              <a:rPr lang="en-GB" altLang="en-US" dirty="0" smtClean="0"/>
+              <a:t>User can move buttons around and the positions are saved in external files/scripts</a:t>
+            </a:r>
+          </a:p>
+          <a:p>
+            <a:pPr eaLnBrk="1" hangingPunct="1"/>
+            <a:r>
+              <a:rPr lang="en-GB" altLang="en-US" dirty="0" smtClean="0"/>
+              <a:t>Usability Testing</a:t>
+            </a:r>
+          </a:p>
+          <a:p>
+            <a:pPr lvl="1" eaLnBrk="1" hangingPunct="1"/>
+            <a:r>
+              <a:rPr lang="en-GB" altLang="en-US" dirty="0" smtClean="0"/>
+              <a:t>Performance</a:t>
+            </a:r>
+          </a:p>
+          <a:p>
+            <a:pPr eaLnBrk="1" hangingPunct="1"/>
+            <a:r>
+              <a:rPr lang="en-GB" altLang="en-US" dirty="0" smtClean="0"/>
+              <a:t>Languages	</a:t>
+            </a:r>
+          </a:p>
+          <a:p>
+            <a:pPr lvl="1" eaLnBrk="1" hangingPunct="1"/>
+            <a:r>
+              <a:rPr lang="en-GB" altLang="en-US" dirty="0" smtClean="0"/>
+              <a:t>Multi-language menus</a:t>
+            </a:r>
+          </a:p>
+          <a:p>
+            <a:pPr lvl="2" eaLnBrk="1" hangingPunct="1"/>
+            <a:r>
+              <a:rPr lang="en-GB" altLang="en-US" dirty="0" smtClean="0"/>
+              <a:t>Menu text is loaded from external files depending upon the country/language</a:t>
+            </a:r>
           </a:p>
         </p:txBody>
       </p:sp>
@@ -9051,7 +9744,7 @@
           <a:p>
             <a:r>
               <a:rPr lang="en-GB" dirty="0" smtClean="0"/>
-              <a:t>Question</a:t>
+              <a:t>What is a ‘User Friendly’ GUI?</a:t>
             </a:r>
             <a:endParaRPr lang="en-GB" dirty="0"/>
           </a:p>
@@ -9073,86 +9766,60 @@
           <a:lstStyle/>
           <a:p>
             <a:r>
-              <a:rPr lang="en-GB" dirty="0"/>
-              <a:t>What does GUI stand for?</a:t>
-            </a:r>
-          </a:p>
-          <a:p>
+              <a:rPr lang="en-GB" dirty="0" smtClean="0"/>
+              <a:t>What makes a GUI friendly?</a:t>
+            </a:r>
+          </a:p>
+          <a:p>
+            <a:r>
+              <a:rPr lang="en-GB" dirty="0" smtClean="0"/>
+              <a:t>What makes a GUI unfriendly?</a:t>
+            </a:r>
             <a:endParaRPr lang="en-GB" dirty="0"/>
           </a:p>
-          <a:p>
-            <a:pPr marL="0" indent="0">
-              <a:buNone/>
-            </a:pPr>
-            <a:r>
-              <a:rPr lang="en-GB" dirty="0" smtClean="0"/>
-              <a:t>a) </a:t>
-            </a:r>
-            <a:r>
-              <a:rPr lang="en-GB" dirty="0"/>
-              <a:t>Graphical User Interface</a:t>
-            </a:r>
-          </a:p>
-          <a:p>
-            <a:pPr marL="0" indent="0">
-              <a:buNone/>
-            </a:pPr>
-            <a:r>
-              <a:rPr lang="en-GB" dirty="0" smtClean="0"/>
-              <a:t>b) </a:t>
-            </a:r>
-            <a:r>
-              <a:rPr lang="en-GB" dirty="0" err="1"/>
-              <a:t>Gimme</a:t>
-            </a:r>
-            <a:r>
-              <a:rPr lang="en-GB" dirty="0"/>
-              <a:t> Ur Internet</a:t>
-            </a:r>
-          </a:p>
-          <a:p>
-            <a:pPr marL="0" indent="0">
-              <a:buNone/>
-            </a:pPr>
-            <a:r>
-              <a:rPr lang="en-GB" dirty="0" smtClean="0"/>
-              <a:t>c) </a:t>
-            </a:r>
-            <a:r>
-              <a:rPr lang="en-GB" dirty="0"/>
-              <a:t>Grand User Interface</a:t>
-            </a:r>
-          </a:p>
-          <a:p>
-            <a:pPr marL="0" indent="0">
-              <a:buNone/>
-            </a:pPr>
-            <a:r>
-              <a:rPr lang="en-GB" dirty="0" smtClean="0"/>
-              <a:t>d) </a:t>
-            </a:r>
-            <a:r>
-              <a:rPr lang="en-GB" dirty="0"/>
-              <a:t>Graphical Useful </a:t>
-            </a:r>
-            <a:r>
-              <a:rPr lang="en-GB" dirty="0" smtClean="0"/>
-              <a:t>Interface</a:t>
-            </a:r>
-            <a:endParaRPr lang="en-GB" dirty="0"/>
-          </a:p>
-        </p:txBody>
-      </p:sp>
+        </p:txBody>
+      </p:sp>
+      <p:pic>
+        <p:nvPicPr>
+          <p:cNvPr id="4" name="Picture 3"/>
+          <p:cNvPicPr>
+            <a:picLocks noChangeAspect="1"/>
+          </p:cNvPicPr>
+          <p:nvPr/>
+        </p:nvPicPr>
+        <p:blipFill>
+          <a:blip r:embed="rId2"/>
+          <a:stretch>
+            <a:fillRect/>
+          </a:stretch>
+        </p:blipFill>
+        <p:spPr>
+          <a:xfrm>
+            <a:off x="1524000" y="3200400"/>
+            <a:ext cx="5943600" cy="3343275"/>
+          </a:xfrm>
+          <a:prstGeom prst="rect">
+            <a:avLst/>
+          </a:prstGeom>
+        </p:spPr>
+      </p:pic>
     </p:spTree>
     <p:extLst>
       <p:ext uri="{BB962C8B-B14F-4D97-AF65-F5344CB8AC3E}">
-        <p14:creationId xmlns:p14="http://schemas.microsoft.com/office/powerpoint/2010/main" val="1225379797"/>
+        <p14:creationId xmlns:p14="http://schemas.microsoft.com/office/powerpoint/2010/main" val="1189898535"/>
       </p:ext>
     </p:extLst>
   </p:cSld>
   <p:clrMapOvr>
     <a:masterClrMapping/>
   </p:clrMapOvr>
+  <p:timing>
+    <p:tnLst>
+      <p:par>
+        <p:cTn id="1" dur="indefinite" restart="never" nodeType="tmRoot"/>
+      </p:par>
+    </p:tnLst>
+  </p:timing>
 </p:sld>
 </file>
 
@@ -9183,14 +9850,19 @@
             <p:ph type="title"/>
           </p:nvPr>
         </p:nvSpPr>
-        <p:spPr/>
+        <p:spPr>
+          <a:xfrm>
+            <a:off x="685800" y="76200"/>
+            <a:ext cx="7772400" cy="1143000"/>
+          </a:xfrm>
+        </p:spPr>
         <p:txBody>
           <a:bodyPr/>
           <a:lstStyle/>
           <a:p>
             <a:r>
               <a:rPr lang="en-GB" dirty="0" smtClean="0"/>
-              <a:t>Answer</a:t>
+              <a:t>What is a ‘User Friendly’ GUI?</a:t>
             </a:r>
             <a:endParaRPr lang="en-GB" dirty="0"/>
           </a:p>
@@ -9206,18 +9878,43 @@
             <p:ph idx="1"/>
           </p:nvPr>
         </p:nvSpPr>
-        <p:spPr/>
+        <p:spPr>
+          <a:xfrm>
+            <a:off x="457200" y="1524000"/>
+            <a:ext cx="5181600" cy="4572000"/>
+          </a:xfrm>
+        </p:spPr>
         <p:txBody>
           <a:bodyPr/>
           <a:lstStyle/>
           <a:p>
             <a:r>
               <a:rPr lang="en-GB" dirty="0" smtClean="0"/>
-              <a:t>a) </a:t>
-            </a:r>
-            <a:r>
-              <a:rPr lang="en-GB" dirty="0"/>
-              <a:t>Graphical User Interface</a:t>
+              <a:t>Intuitive</a:t>
+            </a:r>
+          </a:p>
+          <a:p>
+            <a:r>
+              <a:rPr lang="en-GB" dirty="0" smtClean="0"/>
+              <a:t>Efficient</a:t>
+            </a:r>
+          </a:p>
+          <a:p>
+            <a:r>
+              <a:rPr lang="en-GB" dirty="0" smtClean="0"/>
+              <a:t>Pleasant, easy-to-navigate</a:t>
+            </a:r>
+          </a:p>
+          <a:p>
+            <a:r>
+              <a:rPr lang="en-GB" dirty="0" smtClean="0"/>
+              <a:t>Adheres to standards</a:t>
+            </a:r>
+          </a:p>
+          <a:p>
+            <a:r>
+              <a:rPr lang="en-GB" dirty="0" smtClean="0"/>
+              <a:t>Presents information in a clear form</a:t>
             </a:r>
           </a:p>
           <a:p>
@@ -9225,16 +9922,71 @@
           </a:p>
         </p:txBody>
       </p:sp>
+      <p:pic>
+        <p:nvPicPr>
+          <p:cNvPr id="4" name="Picture 3"/>
+          <p:cNvPicPr>
+            <a:picLocks noChangeAspect="1"/>
+          </p:cNvPicPr>
+          <p:nvPr/>
+        </p:nvPicPr>
+        <p:blipFill>
+          <a:blip r:embed="rId2"/>
+          <a:stretch>
+            <a:fillRect/>
+          </a:stretch>
+        </p:blipFill>
+        <p:spPr>
+          <a:xfrm>
+            <a:off x="5607572" y="1315092"/>
+            <a:ext cx="3276600" cy="2448947"/>
+          </a:xfrm>
+          <a:prstGeom prst="rect">
+            <a:avLst/>
+          </a:prstGeom>
+        </p:spPr>
+      </p:pic>
+      <p:pic>
+        <p:nvPicPr>
+          <p:cNvPr id="5" name="Picture 4"/>
+          <p:cNvPicPr>
+            <a:picLocks noChangeAspect="1"/>
+          </p:cNvPicPr>
+          <p:nvPr/>
+        </p:nvPicPr>
+        <p:blipFill>
+          <a:blip r:embed="rId3"/>
+          <a:stretch>
+            <a:fillRect/>
+          </a:stretch>
+        </p:blipFill>
+        <p:spPr>
+          <a:xfrm>
+            <a:off x="5593829" y="4038600"/>
+            <a:ext cx="3290343" cy="2292273"/>
+          </a:xfrm>
+          <a:prstGeom prst="rect">
+            <a:avLst/>
+          </a:prstGeom>
+        </p:spPr>
+      </p:pic>
     </p:spTree>
     <p:extLst>
       <p:ext uri="{BB962C8B-B14F-4D97-AF65-F5344CB8AC3E}">
-        <p14:creationId xmlns:p14="http://schemas.microsoft.com/office/powerpoint/2010/main" val="3381295549"/>
+        <p14:creationId xmlns:p14="http://schemas.microsoft.com/office/powerpoint/2010/main" val="77666430"/>
       </p:ext>
     </p:extLst>
   </p:cSld>
   <p:clrMapOvr>
     <a:masterClrMapping/>
   </p:clrMapOvr>
+  <p:timing>
+    <p:tnLst>
+      <p:par>
+        <p:cTn id="1" dur="indefinite" restart="never" nodeType="tmRoot"/>
+      </p:par>
+    </p:tnLst>
+  </p:timing>
 </p:sld>
 </file>
 
@@ -9257,7 +10009,7 @@
       </p:grpSpPr>
       <p:sp>
         <p:nvSpPr>
-          <p:cNvPr id="14338" name="Title 1"/>
+          <p:cNvPr id="2" name="Title 1"/>
           <p:cNvSpPr>
             <a:spLocks noGrp="1"/>
           </p:cNvSpPr>
@@ -9271,15 +10023,16 @@
           <a:lstStyle/>
           <a:p>
             <a:r>
-              <a:rPr lang="en-GB" altLang="en-US" smtClean="0"/>
-              <a:t>GUI Overview</a:t>
-            </a:r>
-          </a:p>
-        </p:txBody>
-      </p:sp>
-      <p:sp>
-        <p:nvSpPr>
-          <p:cNvPr id="14339" name="Content Placeholder 2"/>
+              <a:rPr lang="en-GB" dirty="0" smtClean="0"/>
+              <a:t>Question</a:t>
+            </a:r>
+            <a:endParaRPr lang="en-GB" dirty="0"/>
+          </a:p>
+        </p:txBody>
+      </p:sp>
+      <p:sp>
+        <p:nvSpPr>
+          <p:cNvPr id="3" name="Content Placeholder 2"/>
           <p:cNvSpPr>
             <a:spLocks noGrp="1"/>
           </p:cNvSpPr>
@@ -9293,59 +10046,93 @@
           <a:lstStyle/>
           <a:p>
             <a:r>
-              <a:rPr lang="en-GB" altLang="en-US" smtClean="0"/>
-              <a:t>To create a Java GUI, you need to understand</a:t>
-            </a:r>
-          </a:p>
-          <a:p>
-            <a:pPr lvl="1"/>
-            <a:r>
-              <a:rPr lang="en-GB" altLang="en-US" smtClean="0"/>
-              <a:t>Containers</a:t>
-            </a:r>
-          </a:p>
-          <a:p>
-            <a:pPr lvl="1"/>
-            <a:r>
-              <a:rPr lang="en-GB" altLang="en-US" smtClean="0"/>
-              <a:t>Event</a:t>
-            </a:r>
-          </a:p>
-          <a:p>
-            <a:pPr lvl="1"/>
-            <a:r>
-              <a:rPr lang="en-GB" altLang="en-US" smtClean="0"/>
-              <a:t>Event Handlers</a:t>
-            </a:r>
-          </a:p>
-          <a:p>
-            <a:pPr lvl="1"/>
-            <a:r>
-              <a:rPr lang="en-GB" altLang="en-US" smtClean="0"/>
-              <a:t>Layout managers</a:t>
-            </a:r>
-          </a:p>
-          <a:p>
-            <a:pPr lvl="1"/>
-            <a:r>
-              <a:rPr lang="en-GB" altLang="en-US" smtClean="0"/>
-              <a:t>Components</a:t>
-            </a:r>
-          </a:p>
-          <a:p>
-            <a:pPr lvl="1"/>
-            <a:r>
-              <a:rPr lang="en-GB" altLang="en-US" smtClean="0"/>
-              <a:t>Special features</a:t>
-            </a:r>
+              <a:rPr lang="en-GB" dirty="0"/>
+              <a:t>What does GUI stand for?</a:t>
+            </a:r>
+          </a:p>
+          <a:p>
+            <a:endParaRPr lang="en-GB" dirty="0"/>
+          </a:p>
+          <a:p>
+            <a:pPr marL="0" indent="0">
+              <a:buNone/>
+            </a:pPr>
+            <a:r>
+              <a:rPr lang="en-GB" dirty="0" smtClean="0"/>
+              <a:t>a) </a:t>
+            </a:r>
+            <a:r>
+              <a:rPr lang="en-GB" dirty="0"/>
+              <a:t>Graphical User Interface</a:t>
+            </a:r>
+          </a:p>
+          <a:p>
+            <a:pPr marL="0" indent="0">
+              <a:buNone/>
+            </a:pPr>
+            <a:r>
+              <a:rPr lang="en-GB" dirty="0" smtClean="0"/>
+              <a:t>b) </a:t>
+            </a:r>
+            <a:r>
+              <a:rPr lang="en-GB" dirty="0" err="1"/>
+              <a:t>Gimme</a:t>
+            </a:r>
+            <a:r>
+              <a:rPr lang="en-GB" dirty="0"/>
+              <a:t> Ur Internet</a:t>
+            </a:r>
+          </a:p>
+          <a:p>
+            <a:pPr marL="0" indent="0">
+              <a:buNone/>
+            </a:pPr>
+            <a:r>
+              <a:rPr lang="en-GB" dirty="0" smtClean="0"/>
+              <a:t>c) </a:t>
+            </a:r>
+            <a:r>
+              <a:rPr lang="en-GB" dirty="0"/>
+              <a:t>Grand User Interface</a:t>
+            </a:r>
+          </a:p>
+          <a:p>
+            <a:pPr marL="0" indent="0">
+              <a:buNone/>
+            </a:pPr>
+            <a:r>
+              <a:rPr lang="en-GB" dirty="0" smtClean="0"/>
+              <a:t>d) </a:t>
+            </a:r>
+            <a:r>
+              <a:rPr lang="en-GB" dirty="0"/>
+              <a:t>Graphical Useful </a:t>
+            </a:r>
+            <a:r>
+              <a:rPr lang="en-GB" dirty="0" smtClean="0"/>
+              <a:t>Interface</a:t>
+            </a:r>
+            <a:endParaRPr lang="en-GB" dirty="0"/>
           </a:p>
         </p:txBody>
       </p:sp>
     </p:spTree>
+    <p:extLst>
+      <p:ext uri="{BB962C8B-B14F-4D97-AF65-F5344CB8AC3E}">
+        <p14:creationId xmlns:p14="http://schemas.microsoft.com/office/powerpoint/2010/main" val="1225379797"/>
+      </p:ext>
+    </p:extLst>
   </p:cSld>
   <p:clrMapOvr>
     <a:masterClrMapping/>
   </p:clrMapOvr>
+  <p:timing>
+    <p:tnLst>
+      <p:par>
+        <p:cTn id="1" dur="indefinite" restart="never" nodeType="tmRoot"/>
+      </p:par>
+    </p:tnLst>
+  </p:timing>
 </p:sld>
 </file>
 
@@ -9368,7 +10155,7 @@
       </p:grpSpPr>
       <p:sp>
         <p:nvSpPr>
-          <p:cNvPr id="15362" name="Title 1"/>
+          <p:cNvPr id="2" name="Title 1"/>
           <p:cNvSpPr>
             <a:spLocks noGrp="1"/>
           </p:cNvSpPr>
@@ -9382,9 +10169,10 @@
           <a:lstStyle/>
           <a:p>
             <a:r>
-              <a:rPr lang="en-GB" altLang="en-US" smtClean="0"/>
-              <a:t>AWT and JFC/Swing</a:t>
-            </a:r>
+              <a:rPr lang="en-GB" dirty="0" smtClean="0"/>
+              <a:t>Answer</a:t>
+            </a:r>
+            <a:endParaRPr lang="en-GB" dirty="0"/>
           </a:p>
         </p:txBody>
       </p:sp>
@@ -9398,135 +10186,31 @@
             <p:ph idx="1"/>
           </p:nvPr>
         </p:nvSpPr>
-        <p:spPr>
-          <a:xfrm>
-            <a:off x="685800" y="1981200"/>
-            <a:ext cx="7772400" cy="4343400"/>
-          </a:xfrm>
-        </p:spPr>
-        <p:txBody>
-          <a:bodyPr>
-            <a:normAutofit fontScale="77500" lnSpcReduction="20000"/>
-          </a:bodyPr>
+        <p:spPr/>
+        <p:txBody>
+          <a:bodyPr/>
           <a:lstStyle/>
           <a:p>
-            <a:pPr>
-              <a:defRPr/>
-            </a:pPr>
-            <a:r>
-              <a:rPr lang="en-GB" dirty="0" smtClean="0"/>
-              <a:t>Early Java development used graphic classes defined in</a:t>
+            <a:r>
+              <a:rPr lang="en-GB" dirty="0" smtClean="0"/>
+              <a:t>a) </a:t>
             </a:r>
             <a:r>
               <a:rPr lang="en-GB" dirty="0"/>
-              <a:t> </a:t>
-            </a:r>
-            <a:r>
-              <a:rPr lang="en-GB" dirty="0" smtClean="0"/>
-              <a:t>the Abstract Windowing Toolkit (</a:t>
-            </a:r>
-            <a:r>
-              <a:rPr lang="en-GB" i="1" dirty="0" smtClean="0"/>
-              <a:t>AWT</a:t>
-            </a:r>
-            <a:r>
-              <a:rPr lang="en-GB" dirty="0" smtClean="0"/>
-              <a:t>)</a:t>
-            </a:r>
-          </a:p>
-          <a:p>
-            <a:pPr lvl="1">
-              <a:defRPr/>
-            </a:pPr>
-            <a:r>
-              <a:rPr lang="en-GB" dirty="0" smtClean="0"/>
-              <a:t>See the </a:t>
-            </a:r>
-            <a:r>
-              <a:rPr lang="en-GB" dirty="0" err="1" smtClean="0">
-                <a:solidFill>
-                  <a:srgbClr val="FF0000"/>
-                </a:solidFill>
-              </a:rPr>
-              <a:t>java.awt</a:t>
-            </a:r>
-            <a:r>
-              <a:rPr lang="en-GB" dirty="0" smtClean="0"/>
-              <a:t> packages.</a:t>
-            </a:r>
-          </a:p>
-          <a:p>
-            <a:pPr>
-              <a:defRPr/>
-            </a:pPr>
-            <a:r>
-              <a:rPr lang="en-GB" dirty="0" smtClean="0"/>
-              <a:t>Java 2 introduced the JFC/Swing classes</a:t>
-            </a:r>
-          </a:p>
-          <a:p>
-            <a:pPr lvl="1">
-              <a:defRPr/>
-            </a:pPr>
-            <a:r>
-              <a:rPr lang="en-GB" dirty="0" smtClean="0"/>
-              <a:t>See the </a:t>
-            </a:r>
-            <a:r>
-              <a:rPr lang="en-GB" dirty="0" err="1" smtClean="0">
-                <a:solidFill>
-                  <a:srgbClr val="FF0000"/>
-                </a:solidFill>
-              </a:rPr>
-              <a:t>javax.swing</a:t>
-            </a:r>
-            <a:r>
-              <a:rPr lang="en-GB" dirty="0" smtClean="0"/>
-              <a:t> packages</a:t>
-            </a:r>
-          </a:p>
-          <a:p>
-            <a:pPr>
-              <a:defRPr/>
-            </a:pPr>
-            <a:r>
-              <a:rPr lang="en-GB" dirty="0" smtClean="0"/>
-              <a:t>Many AWT components have similar Swing counterparts</a:t>
-            </a:r>
-          </a:p>
-          <a:p>
-            <a:pPr lvl="1">
-              <a:defRPr/>
-            </a:pPr>
-            <a:r>
-              <a:rPr lang="en-GB" dirty="0" smtClean="0"/>
-              <a:t>An example, the AWT Button class corresponds to a more versatile Swing class called </a:t>
-            </a:r>
-            <a:r>
-              <a:rPr lang="en-GB" dirty="0" err="1" smtClean="0">
-                <a:solidFill>
-                  <a:srgbClr val="FF0000"/>
-                </a:solidFill>
-              </a:rPr>
-              <a:t>JButton</a:t>
-            </a:r>
-            <a:r>
-              <a:rPr lang="en-GB" dirty="0" smtClean="0"/>
-              <a:t>.</a:t>
-            </a:r>
-          </a:p>
-          <a:p>
-            <a:pPr>
-              <a:defRPr/>
-            </a:pPr>
-            <a:r>
-              <a:rPr lang="en-GB" dirty="0" smtClean="0"/>
-              <a:t>Swing does not generally replace the AWT; still use AWT for events and the underlying AWT event processing model</a:t>
-            </a:r>
+              <a:t>Graphical User Interface</a:t>
+            </a:r>
+          </a:p>
+          <a:p>
+            <a:endParaRPr lang="en-GB" dirty="0"/>
           </a:p>
         </p:txBody>
       </p:sp>
     </p:spTree>
+    <p:extLst>
+      <p:ext uri="{BB962C8B-B14F-4D97-AF65-F5344CB8AC3E}">
+        <p14:creationId xmlns:p14="http://schemas.microsoft.com/office/powerpoint/2010/main" val="3381295549"/>
+      </p:ext>
+    </p:extLst>
   </p:cSld>
   <p:clrMapOvr>
     <a:masterClrMapping/>
